--- a/ConnBlockchains/images/BlockchainImages.pptx
+++ b/ConnBlockchains/images/BlockchainImages.pptx
@@ -6,6 +6,8 @@
   </p:sldMasterIdLst>
   <p:sldIdLst>
     <p:sldId id="261" r:id="rId2"/>
+    <p:sldId id="262" r:id="rId3"/>
+    <p:sldId id="263" r:id="rId4"/>
   </p:sldIdLst>
   <p:sldSz cx="12192000" cy="6858000"/>
   <p:notesSz cx="6858000" cy="9144000"/>
@@ -106,7 +108,18 @@
   </p:defaultTextStyle>
   <p:extLst>
     <p:ext uri="{EFAFB233-063F-42B5-8137-9DF3F51BA10A}">
-      <p15:sldGuideLst xmlns:p15="http://schemas.microsoft.com/office/powerpoint/2012/main" xmlns=""/>
+      <p15:sldGuideLst xmlns:p15="http://schemas.microsoft.com/office/powerpoint/2012/main">
+        <p15:guide id="1" orient="horz" pos="2160">
+          <p15:clr>
+            <a:srgbClr val="A4A3A4"/>
+          </p15:clr>
+        </p15:guide>
+        <p15:guide id="2" pos="3840">
+          <p15:clr>
+            <a:srgbClr val="A4A3A4"/>
+          </p15:clr>
+        </p15:guide>
+      </p15:sldGuideLst>
     </p:ext>
   </p:extLst>
 </p:presentation>
@@ -154,10 +167,9 @@
           </a:lstStyle>
           <a:p>
             <a:r>
-              <a:rPr lang="en-US" smtClean="0"/>
+              <a:rPr lang="en-US"/>
               <a:t>Click to edit Master title style</a:t>
             </a:r>
-            <a:endParaRPr lang="en-US"/>
           </a:p>
         </p:txBody>
       </p:sp>
@@ -219,10 +231,9 @@
           </a:lstStyle>
           <a:p>
             <a:r>
-              <a:rPr lang="en-US" smtClean="0"/>
+              <a:rPr lang="en-US"/>
               <a:t>Click to edit Master subtitle style</a:t>
             </a:r>
-            <a:endParaRPr lang="en-US"/>
           </a:p>
         </p:txBody>
       </p:sp>
@@ -287,7 +298,7 @@
             <a:fld id="{165AD92D-CA50-4C8A-BBB2-010E69FFC177}" type="slidenum">
               <a:rPr lang="en-US" smtClean="0"/>
               <a:pPr/>
-              <a:t>‹Nº›</a:t>
+              <a:t>‹#›</a:t>
             </a:fld>
             <a:endParaRPr lang="en-US"/>
           </a:p>
@@ -296,7 +307,7 @@
     </p:spTree>
     <p:extLst>
       <p:ext uri="{BB962C8B-B14F-4D97-AF65-F5344CB8AC3E}">
-        <p14:creationId xmlns:p14="http://schemas.microsoft.com/office/powerpoint/2010/main" xmlns="" val="3979571287"/>
+        <p14:creationId xmlns:p14="http://schemas.microsoft.com/office/powerpoint/2010/main" val="3979571287"/>
       </p:ext>
     </p:extLst>
   </p:cSld>
@@ -339,10 +350,9 @@
           <a:lstStyle/>
           <a:p>
             <a:r>
-              <a:rPr lang="en-US" smtClean="0"/>
+              <a:rPr lang="en-US"/>
               <a:t>Click to edit Master title style</a:t>
             </a:r>
-            <a:endParaRPr lang="en-US"/>
           </a:p>
         </p:txBody>
       </p:sp>
@@ -363,38 +373,37 @@
           <a:p>
             <a:pPr lvl="0"/>
             <a:r>
-              <a:rPr lang="en-US" smtClean="0"/>
+              <a:rPr lang="en-US"/>
               <a:t>Click to edit Master text styles</a:t>
             </a:r>
           </a:p>
           <a:p>
             <a:pPr lvl="1"/>
             <a:r>
-              <a:rPr lang="en-US" smtClean="0"/>
+              <a:rPr lang="en-US"/>
               <a:t>Second level</a:t>
             </a:r>
           </a:p>
           <a:p>
             <a:pPr lvl="2"/>
             <a:r>
-              <a:rPr lang="en-US" smtClean="0"/>
+              <a:rPr lang="en-US"/>
               <a:t>Third level</a:t>
             </a:r>
           </a:p>
           <a:p>
             <a:pPr lvl="3"/>
             <a:r>
-              <a:rPr lang="en-US" smtClean="0"/>
+              <a:rPr lang="en-US"/>
               <a:t>Fourth level</a:t>
             </a:r>
           </a:p>
           <a:p>
             <a:pPr lvl="4"/>
             <a:r>
-              <a:rPr lang="en-US" smtClean="0"/>
+              <a:rPr lang="en-US"/>
               <a:t>Fifth level</a:t>
             </a:r>
-            <a:endParaRPr lang="en-US"/>
           </a:p>
         </p:txBody>
       </p:sp>
@@ -459,7 +468,7 @@
             <a:fld id="{165AD92D-CA50-4C8A-BBB2-010E69FFC177}" type="slidenum">
               <a:rPr lang="en-US" smtClean="0"/>
               <a:pPr/>
-              <a:t>‹Nº›</a:t>
+              <a:t>‹#›</a:t>
             </a:fld>
             <a:endParaRPr lang="en-US"/>
           </a:p>
@@ -468,7 +477,7 @@
     </p:spTree>
     <p:extLst>
       <p:ext uri="{BB962C8B-B14F-4D97-AF65-F5344CB8AC3E}">
-        <p14:creationId xmlns:p14="http://schemas.microsoft.com/office/powerpoint/2010/main" xmlns="" val="2989747269"/>
+        <p14:creationId xmlns:p14="http://schemas.microsoft.com/office/powerpoint/2010/main" val="2989747269"/>
       </p:ext>
     </p:extLst>
   </p:cSld>
@@ -516,10 +525,9 @@
           <a:lstStyle/>
           <a:p>
             <a:r>
-              <a:rPr lang="en-US" smtClean="0"/>
+              <a:rPr lang="en-US"/>
               <a:t>Click to edit Master title style</a:t>
             </a:r>
-            <a:endParaRPr lang="en-US"/>
           </a:p>
         </p:txBody>
       </p:sp>
@@ -545,38 +553,37 @@
           <a:p>
             <a:pPr lvl="0"/>
             <a:r>
-              <a:rPr lang="en-US" smtClean="0"/>
+              <a:rPr lang="en-US"/>
               <a:t>Click to edit Master text styles</a:t>
             </a:r>
           </a:p>
           <a:p>
             <a:pPr lvl="1"/>
             <a:r>
-              <a:rPr lang="en-US" smtClean="0"/>
+              <a:rPr lang="en-US"/>
               <a:t>Second level</a:t>
             </a:r>
           </a:p>
           <a:p>
             <a:pPr lvl="2"/>
             <a:r>
-              <a:rPr lang="en-US" smtClean="0"/>
+              <a:rPr lang="en-US"/>
               <a:t>Third level</a:t>
             </a:r>
           </a:p>
           <a:p>
             <a:pPr lvl="3"/>
             <a:r>
-              <a:rPr lang="en-US" smtClean="0"/>
+              <a:rPr lang="en-US"/>
               <a:t>Fourth level</a:t>
             </a:r>
           </a:p>
           <a:p>
             <a:pPr lvl="4"/>
             <a:r>
-              <a:rPr lang="en-US" smtClean="0"/>
+              <a:rPr lang="en-US"/>
               <a:t>Fifth level</a:t>
             </a:r>
-            <a:endParaRPr lang="en-US"/>
           </a:p>
         </p:txBody>
       </p:sp>
@@ -641,7 +648,7 @@
             <a:fld id="{165AD92D-CA50-4C8A-BBB2-010E69FFC177}" type="slidenum">
               <a:rPr lang="en-US" smtClean="0"/>
               <a:pPr/>
-              <a:t>‹Nº›</a:t>
+              <a:t>‹#›</a:t>
             </a:fld>
             <a:endParaRPr lang="en-US"/>
           </a:p>
@@ -650,7 +657,7 @@
     </p:spTree>
     <p:extLst>
       <p:ext uri="{BB962C8B-B14F-4D97-AF65-F5344CB8AC3E}">
-        <p14:creationId xmlns:p14="http://schemas.microsoft.com/office/powerpoint/2010/main" xmlns="" val="1201660933"/>
+        <p14:creationId xmlns:p14="http://schemas.microsoft.com/office/powerpoint/2010/main" val="1201660933"/>
       </p:ext>
     </p:extLst>
   </p:cSld>
@@ -693,10 +700,9 @@
           <a:lstStyle/>
           <a:p>
             <a:r>
-              <a:rPr lang="en-US" smtClean="0"/>
+              <a:rPr lang="en-US"/>
               <a:t>Click to edit Master title style</a:t>
             </a:r>
-            <a:endParaRPr lang="en-US"/>
           </a:p>
         </p:txBody>
       </p:sp>
@@ -717,38 +723,37 @@
           <a:p>
             <a:pPr lvl="0"/>
             <a:r>
-              <a:rPr lang="en-US" smtClean="0"/>
+              <a:rPr lang="en-US"/>
               <a:t>Click to edit Master text styles</a:t>
             </a:r>
           </a:p>
           <a:p>
             <a:pPr lvl="1"/>
             <a:r>
-              <a:rPr lang="en-US" smtClean="0"/>
+              <a:rPr lang="en-US"/>
               <a:t>Second level</a:t>
             </a:r>
           </a:p>
           <a:p>
             <a:pPr lvl="2"/>
             <a:r>
-              <a:rPr lang="en-US" smtClean="0"/>
+              <a:rPr lang="en-US"/>
               <a:t>Third level</a:t>
             </a:r>
           </a:p>
           <a:p>
             <a:pPr lvl="3"/>
             <a:r>
-              <a:rPr lang="en-US" smtClean="0"/>
+              <a:rPr lang="en-US"/>
               <a:t>Fourth level</a:t>
             </a:r>
           </a:p>
           <a:p>
             <a:pPr lvl="4"/>
             <a:r>
-              <a:rPr lang="en-US" smtClean="0"/>
+              <a:rPr lang="en-US"/>
               <a:t>Fifth level</a:t>
             </a:r>
-            <a:endParaRPr lang="en-US"/>
           </a:p>
         </p:txBody>
       </p:sp>
@@ -813,7 +818,7 @@
             <a:fld id="{165AD92D-CA50-4C8A-BBB2-010E69FFC177}" type="slidenum">
               <a:rPr lang="en-US" smtClean="0"/>
               <a:pPr/>
-              <a:t>‹Nº›</a:t>
+              <a:t>‹#›</a:t>
             </a:fld>
             <a:endParaRPr lang="en-US"/>
           </a:p>
@@ -822,7 +827,7 @@
     </p:spTree>
     <p:extLst>
       <p:ext uri="{BB962C8B-B14F-4D97-AF65-F5344CB8AC3E}">
-        <p14:creationId xmlns:p14="http://schemas.microsoft.com/office/powerpoint/2010/main" xmlns="" val="4083079837"/>
+        <p14:creationId xmlns:p14="http://schemas.microsoft.com/office/powerpoint/2010/main" val="4083079837"/>
       </p:ext>
     </p:extLst>
   </p:cSld>
@@ -874,10 +879,9 @@
           </a:lstStyle>
           <a:p>
             <a:r>
-              <a:rPr lang="en-US" smtClean="0"/>
+              <a:rPr lang="en-US"/>
               <a:t>Click to edit Master title style</a:t>
             </a:r>
-            <a:endParaRPr lang="en-US"/>
           </a:p>
         </p:txBody>
       </p:sp>
@@ -994,7 +998,7 @@
           <a:p>
             <a:pPr lvl="0"/>
             <a:r>
-              <a:rPr lang="en-US" smtClean="0"/>
+              <a:rPr lang="en-US"/>
               <a:t>Click to edit Master text styles</a:t>
             </a:r>
           </a:p>
@@ -1061,7 +1065,7 @@
             <a:fld id="{165AD92D-CA50-4C8A-BBB2-010E69FFC177}" type="slidenum">
               <a:rPr lang="en-US" smtClean="0"/>
               <a:pPr/>
-              <a:t>‹Nº›</a:t>
+              <a:t>‹#›</a:t>
             </a:fld>
             <a:endParaRPr lang="en-US"/>
           </a:p>
@@ -1070,7 +1074,7 @@
     </p:spTree>
     <p:extLst>
       <p:ext uri="{BB962C8B-B14F-4D97-AF65-F5344CB8AC3E}">
-        <p14:creationId xmlns:p14="http://schemas.microsoft.com/office/powerpoint/2010/main" xmlns="" val="651220028"/>
+        <p14:creationId xmlns:p14="http://schemas.microsoft.com/office/powerpoint/2010/main" val="651220028"/>
       </p:ext>
     </p:extLst>
   </p:cSld>
@@ -1113,10 +1117,9 @@
           <a:lstStyle/>
           <a:p>
             <a:r>
-              <a:rPr lang="en-US" smtClean="0"/>
+              <a:rPr lang="en-US"/>
               <a:t>Click to edit Master title style</a:t>
             </a:r>
-            <a:endParaRPr lang="en-US"/>
           </a:p>
         </p:txBody>
       </p:sp>
@@ -1142,38 +1145,37 @@
           <a:p>
             <a:pPr lvl="0"/>
             <a:r>
-              <a:rPr lang="en-US" smtClean="0"/>
+              <a:rPr lang="en-US"/>
               <a:t>Click to edit Master text styles</a:t>
             </a:r>
           </a:p>
           <a:p>
             <a:pPr lvl="1"/>
             <a:r>
-              <a:rPr lang="en-US" smtClean="0"/>
+              <a:rPr lang="en-US"/>
               <a:t>Second level</a:t>
             </a:r>
           </a:p>
           <a:p>
             <a:pPr lvl="2"/>
             <a:r>
-              <a:rPr lang="en-US" smtClean="0"/>
+              <a:rPr lang="en-US"/>
               <a:t>Third level</a:t>
             </a:r>
           </a:p>
           <a:p>
             <a:pPr lvl="3"/>
             <a:r>
-              <a:rPr lang="en-US" smtClean="0"/>
+              <a:rPr lang="en-US"/>
               <a:t>Fourth level</a:t>
             </a:r>
           </a:p>
           <a:p>
             <a:pPr lvl="4"/>
             <a:r>
-              <a:rPr lang="en-US" smtClean="0"/>
+              <a:rPr lang="en-US"/>
               <a:t>Fifth level</a:t>
             </a:r>
-            <a:endParaRPr lang="en-US"/>
           </a:p>
         </p:txBody>
       </p:sp>
@@ -1199,38 +1201,37 @@
           <a:p>
             <a:pPr lvl="0"/>
             <a:r>
-              <a:rPr lang="en-US" smtClean="0"/>
+              <a:rPr lang="en-US"/>
               <a:t>Click to edit Master text styles</a:t>
             </a:r>
           </a:p>
           <a:p>
             <a:pPr lvl="1"/>
             <a:r>
-              <a:rPr lang="en-US" smtClean="0"/>
+              <a:rPr lang="en-US"/>
               <a:t>Second level</a:t>
             </a:r>
           </a:p>
           <a:p>
             <a:pPr lvl="2"/>
             <a:r>
-              <a:rPr lang="en-US" smtClean="0"/>
+              <a:rPr lang="en-US"/>
               <a:t>Third level</a:t>
             </a:r>
           </a:p>
           <a:p>
             <a:pPr lvl="3"/>
             <a:r>
-              <a:rPr lang="en-US" smtClean="0"/>
+              <a:rPr lang="en-US"/>
               <a:t>Fourth level</a:t>
             </a:r>
           </a:p>
           <a:p>
             <a:pPr lvl="4"/>
             <a:r>
-              <a:rPr lang="en-US" smtClean="0"/>
+              <a:rPr lang="en-US"/>
               <a:t>Fifth level</a:t>
             </a:r>
-            <a:endParaRPr lang="en-US"/>
           </a:p>
         </p:txBody>
       </p:sp>
@@ -1295,7 +1296,7 @@
             <a:fld id="{165AD92D-CA50-4C8A-BBB2-010E69FFC177}" type="slidenum">
               <a:rPr lang="en-US" smtClean="0"/>
               <a:pPr/>
-              <a:t>‹Nº›</a:t>
+              <a:t>‹#›</a:t>
             </a:fld>
             <a:endParaRPr lang="en-US"/>
           </a:p>
@@ -1304,7 +1305,7 @@
     </p:spTree>
     <p:extLst>
       <p:ext uri="{BB962C8B-B14F-4D97-AF65-F5344CB8AC3E}">
-        <p14:creationId xmlns:p14="http://schemas.microsoft.com/office/powerpoint/2010/main" xmlns="" val="1027071935"/>
+        <p14:creationId xmlns:p14="http://schemas.microsoft.com/office/powerpoint/2010/main" val="1027071935"/>
       </p:ext>
     </p:extLst>
   </p:cSld>
@@ -1352,10 +1353,9 @@
           <a:lstStyle/>
           <a:p>
             <a:r>
-              <a:rPr lang="en-US" smtClean="0"/>
+              <a:rPr lang="en-US"/>
               <a:t>Click to edit Master title style</a:t>
             </a:r>
-            <a:endParaRPr lang="en-US"/>
           </a:p>
         </p:txBody>
       </p:sp>
@@ -1418,7 +1418,7 @@
           <a:p>
             <a:pPr lvl="0"/>
             <a:r>
-              <a:rPr lang="en-US" smtClean="0"/>
+              <a:rPr lang="en-US"/>
               <a:t>Click to edit Master text styles</a:t>
             </a:r>
           </a:p>
@@ -1446,38 +1446,37 @@
           <a:p>
             <a:pPr lvl="0"/>
             <a:r>
-              <a:rPr lang="en-US" smtClean="0"/>
+              <a:rPr lang="en-US"/>
               <a:t>Click to edit Master text styles</a:t>
             </a:r>
           </a:p>
           <a:p>
             <a:pPr lvl="1"/>
             <a:r>
-              <a:rPr lang="en-US" smtClean="0"/>
+              <a:rPr lang="en-US"/>
               <a:t>Second level</a:t>
             </a:r>
           </a:p>
           <a:p>
             <a:pPr lvl="2"/>
             <a:r>
-              <a:rPr lang="en-US" smtClean="0"/>
+              <a:rPr lang="en-US"/>
               <a:t>Third level</a:t>
             </a:r>
           </a:p>
           <a:p>
             <a:pPr lvl="3"/>
             <a:r>
-              <a:rPr lang="en-US" smtClean="0"/>
+              <a:rPr lang="en-US"/>
               <a:t>Fourth level</a:t>
             </a:r>
           </a:p>
           <a:p>
             <a:pPr lvl="4"/>
             <a:r>
-              <a:rPr lang="en-US" smtClean="0"/>
+              <a:rPr lang="en-US"/>
               <a:t>Fifth level</a:t>
             </a:r>
-            <a:endParaRPr lang="en-US"/>
           </a:p>
         </p:txBody>
       </p:sp>
@@ -1540,7 +1539,7 @@
           <a:p>
             <a:pPr lvl="0"/>
             <a:r>
-              <a:rPr lang="en-US" smtClean="0"/>
+              <a:rPr lang="en-US"/>
               <a:t>Click to edit Master text styles</a:t>
             </a:r>
           </a:p>
@@ -1568,38 +1567,37 @@
           <a:p>
             <a:pPr lvl="0"/>
             <a:r>
-              <a:rPr lang="en-US" smtClean="0"/>
+              <a:rPr lang="en-US"/>
               <a:t>Click to edit Master text styles</a:t>
             </a:r>
           </a:p>
           <a:p>
             <a:pPr lvl="1"/>
             <a:r>
-              <a:rPr lang="en-US" smtClean="0"/>
+              <a:rPr lang="en-US"/>
               <a:t>Second level</a:t>
             </a:r>
           </a:p>
           <a:p>
             <a:pPr lvl="2"/>
             <a:r>
-              <a:rPr lang="en-US" smtClean="0"/>
+              <a:rPr lang="en-US"/>
               <a:t>Third level</a:t>
             </a:r>
           </a:p>
           <a:p>
             <a:pPr lvl="3"/>
             <a:r>
-              <a:rPr lang="en-US" smtClean="0"/>
+              <a:rPr lang="en-US"/>
               <a:t>Fourth level</a:t>
             </a:r>
           </a:p>
           <a:p>
             <a:pPr lvl="4"/>
             <a:r>
-              <a:rPr lang="en-US" smtClean="0"/>
+              <a:rPr lang="en-US"/>
               <a:t>Fifth level</a:t>
             </a:r>
-            <a:endParaRPr lang="en-US"/>
           </a:p>
         </p:txBody>
       </p:sp>
@@ -1664,7 +1662,7 @@
             <a:fld id="{165AD92D-CA50-4C8A-BBB2-010E69FFC177}" type="slidenum">
               <a:rPr lang="en-US" smtClean="0"/>
               <a:pPr/>
-              <a:t>‹Nº›</a:t>
+              <a:t>‹#›</a:t>
             </a:fld>
             <a:endParaRPr lang="en-US"/>
           </a:p>
@@ -1673,7 +1671,7 @@
     </p:spTree>
     <p:extLst>
       <p:ext uri="{BB962C8B-B14F-4D97-AF65-F5344CB8AC3E}">
-        <p14:creationId xmlns:p14="http://schemas.microsoft.com/office/powerpoint/2010/main" xmlns="" val="3380373450"/>
+        <p14:creationId xmlns:p14="http://schemas.microsoft.com/office/powerpoint/2010/main" val="3380373450"/>
       </p:ext>
     </p:extLst>
   </p:cSld>
@@ -1716,10 +1714,9 @@
           <a:lstStyle/>
           <a:p>
             <a:r>
-              <a:rPr lang="en-US" smtClean="0"/>
+              <a:rPr lang="en-US"/>
               <a:t>Click to edit Master title style</a:t>
             </a:r>
-            <a:endParaRPr lang="en-US"/>
           </a:p>
         </p:txBody>
       </p:sp>
@@ -1784,7 +1781,7 @@
             <a:fld id="{165AD92D-CA50-4C8A-BBB2-010E69FFC177}" type="slidenum">
               <a:rPr lang="en-US" smtClean="0"/>
               <a:pPr/>
-              <a:t>‹Nº›</a:t>
+              <a:t>‹#›</a:t>
             </a:fld>
             <a:endParaRPr lang="en-US"/>
           </a:p>
@@ -1793,7 +1790,7 @@
     </p:spTree>
     <p:extLst>
       <p:ext uri="{BB962C8B-B14F-4D97-AF65-F5344CB8AC3E}">
-        <p14:creationId xmlns:p14="http://schemas.microsoft.com/office/powerpoint/2010/main" xmlns="" val="2966097024"/>
+        <p14:creationId xmlns:p14="http://schemas.microsoft.com/office/powerpoint/2010/main" val="2966097024"/>
       </p:ext>
     </p:extLst>
   </p:cSld>
@@ -1881,7 +1878,7 @@
             <a:fld id="{165AD92D-CA50-4C8A-BBB2-010E69FFC177}" type="slidenum">
               <a:rPr lang="en-US" smtClean="0"/>
               <a:pPr/>
-              <a:t>‹Nº›</a:t>
+              <a:t>‹#›</a:t>
             </a:fld>
             <a:endParaRPr lang="en-US"/>
           </a:p>
@@ -1890,7 +1887,7 @@
     </p:spTree>
     <p:extLst>
       <p:ext uri="{BB962C8B-B14F-4D97-AF65-F5344CB8AC3E}">
-        <p14:creationId xmlns:p14="http://schemas.microsoft.com/office/powerpoint/2010/main" xmlns="" val="2175806723"/>
+        <p14:creationId xmlns:p14="http://schemas.microsoft.com/office/powerpoint/2010/main" val="2175806723"/>
       </p:ext>
     </p:extLst>
   </p:cSld>
@@ -1942,10 +1939,9 @@
           </a:lstStyle>
           <a:p>
             <a:r>
-              <a:rPr lang="en-US" smtClean="0"/>
+              <a:rPr lang="en-US"/>
               <a:t>Click to edit Master title style</a:t>
             </a:r>
-            <a:endParaRPr lang="en-US"/>
           </a:p>
         </p:txBody>
       </p:sp>
@@ -1999,38 +1995,37 @@
           <a:p>
             <a:pPr lvl="0"/>
             <a:r>
-              <a:rPr lang="en-US" smtClean="0"/>
+              <a:rPr lang="en-US"/>
               <a:t>Click to edit Master text styles</a:t>
             </a:r>
           </a:p>
           <a:p>
             <a:pPr lvl="1"/>
             <a:r>
-              <a:rPr lang="en-US" smtClean="0"/>
+              <a:rPr lang="en-US"/>
               <a:t>Second level</a:t>
             </a:r>
           </a:p>
           <a:p>
             <a:pPr lvl="2"/>
             <a:r>
-              <a:rPr lang="en-US" smtClean="0"/>
+              <a:rPr lang="en-US"/>
               <a:t>Third level</a:t>
             </a:r>
           </a:p>
           <a:p>
             <a:pPr lvl="3"/>
             <a:r>
-              <a:rPr lang="en-US" smtClean="0"/>
+              <a:rPr lang="en-US"/>
               <a:t>Fourth level</a:t>
             </a:r>
           </a:p>
           <a:p>
             <a:pPr lvl="4"/>
             <a:r>
-              <a:rPr lang="en-US" smtClean="0"/>
+              <a:rPr lang="en-US"/>
               <a:t>Fifth level</a:t>
             </a:r>
-            <a:endParaRPr lang="en-US"/>
           </a:p>
         </p:txBody>
       </p:sp>
@@ -2093,7 +2088,7 @@
           <a:p>
             <a:pPr lvl="0"/>
             <a:r>
-              <a:rPr lang="en-US" smtClean="0"/>
+              <a:rPr lang="en-US"/>
               <a:t>Click to edit Master text styles</a:t>
             </a:r>
           </a:p>
@@ -2160,7 +2155,7 @@
             <a:fld id="{165AD92D-CA50-4C8A-BBB2-010E69FFC177}" type="slidenum">
               <a:rPr lang="en-US" smtClean="0"/>
               <a:pPr/>
-              <a:t>‹Nº›</a:t>
+              <a:t>‹#›</a:t>
             </a:fld>
             <a:endParaRPr lang="en-US"/>
           </a:p>
@@ -2169,7 +2164,7 @@
     </p:spTree>
     <p:extLst>
       <p:ext uri="{BB962C8B-B14F-4D97-AF65-F5344CB8AC3E}">
-        <p14:creationId xmlns:p14="http://schemas.microsoft.com/office/powerpoint/2010/main" xmlns="" val="2109584863"/>
+        <p14:creationId xmlns:p14="http://schemas.microsoft.com/office/powerpoint/2010/main" val="2109584863"/>
       </p:ext>
     </p:extLst>
   </p:cSld>
@@ -2221,10 +2216,9 @@
           </a:lstStyle>
           <a:p>
             <a:r>
-              <a:rPr lang="en-US" smtClean="0"/>
+              <a:rPr lang="en-US"/>
               <a:t>Click to edit Master title style</a:t>
             </a:r>
-            <a:endParaRPr lang="en-US"/>
           </a:p>
         </p:txBody>
       </p:sp>
@@ -2348,7 +2342,7 @@
           <a:p>
             <a:pPr lvl="0"/>
             <a:r>
-              <a:rPr lang="en-US" smtClean="0"/>
+              <a:rPr lang="en-US"/>
               <a:t>Click to edit Master text styles</a:t>
             </a:r>
           </a:p>
@@ -2415,7 +2409,7 @@
             <a:fld id="{165AD92D-CA50-4C8A-BBB2-010E69FFC177}" type="slidenum">
               <a:rPr lang="en-US" smtClean="0"/>
               <a:pPr/>
-              <a:t>‹Nº›</a:t>
+              <a:t>‹#›</a:t>
             </a:fld>
             <a:endParaRPr lang="en-US"/>
           </a:p>
@@ -2424,7 +2418,7 @@
     </p:spTree>
     <p:extLst>
       <p:ext uri="{BB962C8B-B14F-4D97-AF65-F5344CB8AC3E}">
-        <p14:creationId xmlns:p14="http://schemas.microsoft.com/office/powerpoint/2010/main" xmlns="" val="874225097"/>
+        <p14:creationId xmlns:p14="http://schemas.microsoft.com/office/powerpoint/2010/main" val="874225097"/>
       </p:ext>
     </p:extLst>
   </p:cSld>
@@ -2482,10 +2476,9 @@
           <a:lstStyle/>
           <a:p>
             <a:r>
-              <a:rPr lang="en-US" smtClean="0"/>
+              <a:rPr lang="en-US"/>
               <a:t>Click to edit Master title style</a:t>
             </a:r>
-            <a:endParaRPr lang="en-US"/>
           </a:p>
         </p:txBody>
       </p:sp>
@@ -2516,38 +2509,37 @@
           <a:p>
             <a:pPr lvl="0"/>
             <a:r>
-              <a:rPr lang="en-US" smtClean="0"/>
+              <a:rPr lang="en-US"/>
               <a:t>Click to edit Master text styles</a:t>
             </a:r>
           </a:p>
           <a:p>
             <a:pPr lvl="1"/>
             <a:r>
-              <a:rPr lang="en-US" smtClean="0"/>
+              <a:rPr lang="en-US"/>
               <a:t>Second level</a:t>
             </a:r>
           </a:p>
           <a:p>
             <a:pPr lvl="2"/>
             <a:r>
-              <a:rPr lang="en-US" smtClean="0"/>
+              <a:rPr lang="en-US"/>
               <a:t>Third level</a:t>
             </a:r>
           </a:p>
           <a:p>
             <a:pPr lvl="3"/>
             <a:r>
-              <a:rPr lang="en-US" smtClean="0"/>
+              <a:rPr lang="en-US"/>
               <a:t>Fourth level</a:t>
             </a:r>
           </a:p>
           <a:p>
             <a:pPr lvl="4"/>
             <a:r>
-              <a:rPr lang="en-US" smtClean="0"/>
+              <a:rPr lang="en-US"/>
               <a:t>Fifth level</a:t>
             </a:r>
-            <a:endParaRPr lang="en-US"/>
           </a:p>
         </p:txBody>
       </p:sp>
@@ -2666,7 +2658,7 @@
             <a:fld id="{165AD92D-CA50-4C8A-BBB2-010E69FFC177}" type="slidenum">
               <a:rPr lang="en-US" smtClean="0"/>
               <a:pPr/>
-              <a:t>‹Nº›</a:t>
+              <a:t>‹#›</a:t>
             </a:fld>
             <a:endParaRPr lang="en-US"/>
           </a:p>
@@ -2675,7 +2667,7 @@
     </p:spTree>
     <p:extLst>
       <p:ext uri="{BB962C8B-B14F-4D97-AF65-F5344CB8AC3E}">
-        <p14:creationId xmlns:p14="http://schemas.microsoft.com/office/powerpoint/2010/main" xmlns="" val="1667871935"/>
+        <p14:creationId xmlns:p14="http://schemas.microsoft.com/office/powerpoint/2010/main" val="1667871935"/>
       </p:ext>
     </p:extLst>
   </p:cSld>
@@ -3073,18 +3065,13 @@
           <a:p>
             <a:pPr algn="ctr"/>
             <a:r>
-              <a:rPr lang="en-US" sz="2800" dirty="0" smtClean="0">
+              <a:rPr lang="en-US" sz="2800" dirty="0">
                 <a:solidFill>
                   <a:schemeClr val="tx1"/>
                 </a:solidFill>
               </a:rPr>
               <a:t>Acc1</a:t>
             </a:r>
-            <a:endParaRPr lang="en-US" sz="2800" dirty="0">
-              <a:solidFill>
-                <a:schemeClr val="tx1"/>
-              </a:solidFill>
-            </a:endParaRPr>
           </a:p>
         </p:txBody>
       </p:sp>
@@ -3128,18 +3115,13 @@
           <a:p>
             <a:pPr algn="ctr"/>
             <a:r>
-              <a:rPr lang="en-US" sz="2800" dirty="0" smtClean="0">
+              <a:rPr lang="en-US" sz="2800" dirty="0">
                 <a:solidFill>
                   <a:schemeClr val="tx1"/>
                 </a:solidFill>
               </a:rPr>
               <a:t>SpAcc</a:t>
             </a:r>
-            <a:endParaRPr lang="en-US" sz="2800" dirty="0">
-              <a:solidFill>
-                <a:schemeClr val="tx1"/>
-              </a:solidFill>
-            </a:endParaRPr>
           </a:p>
         </p:txBody>
       </p:sp>
@@ -3202,10 +3184,9 @@
           <a:lstStyle/>
           <a:p>
             <a:r>
-              <a:rPr lang="en-US" sz="2400" dirty="0" smtClean="0"/>
+              <a:rPr lang="en-US" sz="2400" dirty="0"/>
               <a:t>Blockchain 1</a:t>
             </a:r>
-            <a:endParaRPr lang="en-US" sz="2400" dirty="0"/>
           </a:p>
         </p:txBody>
       </p:sp>
@@ -3232,10 +3213,9 @@
           <a:lstStyle/>
           <a:p>
             <a:r>
-              <a:rPr lang="en-US" sz="2800" dirty="0" smtClean="0"/>
+              <a:rPr lang="en-US" sz="2800" dirty="0"/>
               <a:t>Tx</a:t>
             </a:r>
-            <a:endParaRPr lang="en-US" sz="2800" dirty="0"/>
           </a:p>
         </p:txBody>
       </p:sp>
@@ -3319,18 +3299,13 @@
           <a:p>
             <a:pPr algn="ctr"/>
             <a:r>
-              <a:rPr lang="en-US" sz="2800" dirty="0" smtClean="0">
+              <a:rPr lang="en-US" sz="2800" dirty="0">
                 <a:solidFill>
                   <a:schemeClr val="tx1"/>
                 </a:solidFill>
               </a:rPr>
               <a:t>SpAcc</a:t>
             </a:r>
-            <a:endParaRPr lang="en-US" sz="2800" dirty="0">
-              <a:solidFill>
-                <a:schemeClr val="tx1"/>
-              </a:solidFill>
-            </a:endParaRPr>
           </a:p>
         </p:txBody>
       </p:sp>
@@ -3374,18 +3349,13 @@
           <a:p>
             <a:pPr algn="ctr"/>
             <a:r>
-              <a:rPr lang="en-US" sz="2800" dirty="0" smtClean="0">
+              <a:rPr lang="en-US" sz="2800" dirty="0">
                 <a:solidFill>
                   <a:schemeClr val="tx1"/>
                 </a:solidFill>
               </a:rPr>
               <a:t>Acc1’</a:t>
             </a:r>
-            <a:endParaRPr lang="en-US" sz="2800" dirty="0">
-              <a:solidFill>
-                <a:schemeClr val="tx1"/>
-              </a:solidFill>
-            </a:endParaRPr>
           </a:p>
         </p:txBody>
       </p:sp>
@@ -3448,10 +3418,9 @@
           <a:lstStyle/>
           <a:p>
             <a:r>
-              <a:rPr lang="en-US" sz="2400" dirty="0" smtClean="0"/>
+              <a:rPr lang="en-US" sz="2400" dirty="0"/>
               <a:t>Blockchain 2</a:t>
             </a:r>
-            <a:endParaRPr lang="en-US" sz="2400" dirty="0"/>
           </a:p>
         </p:txBody>
       </p:sp>
@@ -3478,10 +3447,9 @@
           <a:lstStyle/>
           <a:p>
             <a:r>
-              <a:rPr lang="en-US" sz="2800" dirty="0" smtClean="0"/>
+              <a:rPr lang="en-US" sz="2800" dirty="0"/>
               <a:t>Tx</a:t>
             </a:r>
-            <a:endParaRPr lang="en-US" sz="2800" dirty="0"/>
           </a:p>
         </p:txBody>
       </p:sp>
@@ -3523,6 +3491,1606 @@
         </p:style>
       </p:cxnSp>
     </p:spTree>
+  </p:cSld>
+  <p:clrMapOvr>
+    <a:masterClrMapping/>
+  </p:clrMapOvr>
+</p:sld>
+</file>
+
+<file path=ppt/slides/slide2.xml><?xml version="1.0" encoding="utf-8"?>
+<p:sld xmlns:a="http://schemas.openxmlformats.org/drawingml/2006/main" xmlns:r="http://schemas.openxmlformats.org/officeDocument/2006/relationships" xmlns:p="http://schemas.openxmlformats.org/presentationml/2006/main">
+  <p:cSld>
+    <p:spTree>
+      <p:nvGrpSpPr>
+        <p:cNvPr id="1" name=""/>
+        <p:cNvGrpSpPr/>
+        <p:nvPr/>
+      </p:nvGrpSpPr>
+      <p:grpSpPr>
+        <a:xfrm>
+          <a:off x="0" y="0"/>
+          <a:ext cx="0" cy="0"/>
+          <a:chOff x="0" y="0"/>
+          <a:chExt cx="0" cy="0"/>
+        </a:xfrm>
+      </p:grpSpPr>
+      <p:sp>
+        <p:nvSpPr>
+          <p:cNvPr id="2" name="1 Rectángulo"/>
+          <p:cNvSpPr/>
+          <p:nvPr/>
+        </p:nvSpPr>
+        <p:spPr>
+          <a:xfrm>
+            <a:off x="589935" y="1032387"/>
+            <a:ext cx="9886336" cy="1533833"/>
+          </a:xfrm>
+          <a:prstGeom prst="rect">
+            <a:avLst/>
+          </a:prstGeom>
+        </p:spPr>
+        <p:style>
+          <a:lnRef idx="2">
+            <a:schemeClr val="accent4">
+              <a:shade val="50000"/>
+            </a:schemeClr>
+          </a:lnRef>
+          <a:fillRef idx="1">
+            <a:schemeClr val="accent4"/>
+          </a:fillRef>
+          <a:effectRef idx="0">
+            <a:schemeClr val="accent4"/>
+          </a:effectRef>
+          <a:fontRef idx="minor">
+            <a:schemeClr val="lt1"/>
+          </a:fontRef>
+        </p:style>
+        <p:txBody>
+          <a:bodyPr rtlCol="0" anchor="ctr"/>
+          <a:lstStyle/>
+          <a:p>
+            <a:pPr algn="ctr"/>
+            <a:endParaRPr lang="en-US" dirty="0"/>
+          </a:p>
+        </p:txBody>
+      </p:sp>
+      <p:sp>
+        <p:nvSpPr>
+          <p:cNvPr id="3" name="2 Rectángulo"/>
+          <p:cNvSpPr/>
+          <p:nvPr/>
+        </p:nvSpPr>
+        <p:spPr>
+          <a:xfrm>
+            <a:off x="1076632" y="1415845"/>
+            <a:ext cx="1799303" cy="796413"/>
+          </a:xfrm>
+          <a:prstGeom prst="rect">
+            <a:avLst/>
+          </a:prstGeom>
+          <a:solidFill>
+            <a:srgbClr val="FD4133"/>
+          </a:solidFill>
+        </p:spPr>
+        <p:style>
+          <a:lnRef idx="2">
+            <a:schemeClr val="accent1">
+              <a:shade val="50000"/>
+            </a:schemeClr>
+          </a:lnRef>
+          <a:fillRef idx="1">
+            <a:schemeClr val="accent1"/>
+          </a:fillRef>
+          <a:effectRef idx="0">
+            <a:schemeClr val="accent1"/>
+          </a:effectRef>
+          <a:fontRef idx="minor">
+            <a:schemeClr val="lt1"/>
+          </a:fontRef>
+        </p:style>
+        <p:txBody>
+          <a:bodyPr rtlCol="0" anchor="ctr"/>
+          <a:lstStyle/>
+          <a:p>
+            <a:pPr algn="ctr"/>
+            <a:r>
+              <a:rPr lang="en-US" sz="2800" dirty="0">
+                <a:solidFill>
+                  <a:schemeClr val="tx1"/>
+                </a:solidFill>
+              </a:rPr>
+              <a:t>Acc1</a:t>
+            </a:r>
+          </a:p>
+        </p:txBody>
+      </p:sp>
+      <p:sp>
+        <p:nvSpPr>
+          <p:cNvPr id="4" name="3 Rectángulo"/>
+          <p:cNvSpPr/>
+          <p:nvPr/>
+        </p:nvSpPr>
+        <p:spPr>
+          <a:xfrm>
+            <a:off x="4576916" y="1420760"/>
+            <a:ext cx="1799303" cy="796413"/>
+          </a:xfrm>
+          <a:prstGeom prst="rect">
+            <a:avLst/>
+          </a:prstGeom>
+          <a:solidFill>
+            <a:srgbClr val="FD4133"/>
+          </a:solidFill>
+        </p:spPr>
+        <p:style>
+          <a:lnRef idx="2">
+            <a:schemeClr val="accent1">
+              <a:shade val="50000"/>
+            </a:schemeClr>
+          </a:lnRef>
+          <a:fillRef idx="1">
+            <a:schemeClr val="accent1"/>
+          </a:fillRef>
+          <a:effectRef idx="0">
+            <a:schemeClr val="accent1"/>
+          </a:effectRef>
+          <a:fontRef idx="minor">
+            <a:schemeClr val="lt1"/>
+          </a:fontRef>
+        </p:style>
+        <p:txBody>
+          <a:bodyPr rtlCol="0" anchor="ctr"/>
+          <a:lstStyle/>
+          <a:p>
+            <a:pPr algn="ctr"/>
+            <a:r>
+              <a:rPr lang="en-US" sz="2800" dirty="0">
+                <a:solidFill>
+                  <a:schemeClr val="tx1"/>
+                </a:solidFill>
+              </a:rPr>
+              <a:t>SpAcc</a:t>
+            </a:r>
+          </a:p>
+        </p:txBody>
+      </p:sp>
+      <p:cxnSp>
+        <p:nvCxnSpPr>
+          <p:cNvPr id="6" name="5 Conector recto de flecha"/>
+          <p:cNvCxnSpPr>
+            <a:stCxn id="3" idx="3"/>
+            <a:endCxn id="4" idx="1"/>
+          </p:cNvCxnSpPr>
+          <p:nvPr/>
+        </p:nvCxnSpPr>
+        <p:spPr>
+          <a:xfrm>
+            <a:off x="2875935" y="1814052"/>
+            <a:ext cx="1700981" cy="4915"/>
+          </a:xfrm>
+          <a:prstGeom prst="straightConnector1">
+            <a:avLst/>
+          </a:prstGeom>
+          <a:ln>
+            <a:tailEnd type="arrow"/>
+          </a:ln>
+        </p:spPr>
+        <p:style>
+          <a:lnRef idx="1">
+            <a:schemeClr val="accent1"/>
+          </a:lnRef>
+          <a:fillRef idx="0">
+            <a:schemeClr val="accent1"/>
+          </a:fillRef>
+          <a:effectRef idx="0">
+            <a:schemeClr val="accent1"/>
+          </a:effectRef>
+          <a:fontRef idx="minor">
+            <a:schemeClr val="tx1"/>
+          </a:fontRef>
+        </p:style>
+      </p:cxnSp>
+      <p:sp>
+        <p:nvSpPr>
+          <p:cNvPr id="7" name="6 CuadroTexto"/>
+          <p:cNvSpPr txBox="1"/>
+          <p:nvPr/>
+        </p:nvSpPr>
+        <p:spPr>
+          <a:xfrm>
+            <a:off x="604684" y="545691"/>
+            <a:ext cx="1741952" cy="461665"/>
+          </a:xfrm>
+          <a:prstGeom prst="rect">
+            <a:avLst/>
+          </a:prstGeom>
+          <a:noFill/>
+        </p:spPr>
+        <p:txBody>
+          <a:bodyPr wrap="none" rtlCol="0">
+            <a:spAutoFit/>
+          </a:bodyPr>
+          <a:lstStyle/>
+          <a:p>
+            <a:r>
+              <a:rPr lang="en-US" sz="2400" dirty="0"/>
+              <a:t>Blockchain 1</a:t>
+            </a:r>
+          </a:p>
+        </p:txBody>
+      </p:sp>
+      <p:sp>
+        <p:nvSpPr>
+          <p:cNvPr id="9" name="8 CuadroTexto"/>
+          <p:cNvSpPr txBox="1"/>
+          <p:nvPr/>
+        </p:nvSpPr>
+        <p:spPr>
+          <a:xfrm>
+            <a:off x="3436374" y="1283110"/>
+            <a:ext cx="499111" cy="523220"/>
+          </a:xfrm>
+          <a:prstGeom prst="rect">
+            <a:avLst/>
+          </a:prstGeom>
+          <a:noFill/>
+        </p:spPr>
+        <p:txBody>
+          <a:bodyPr wrap="none" rtlCol="0">
+            <a:spAutoFit/>
+          </a:bodyPr>
+          <a:lstStyle/>
+          <a:p>
+            <a:r>
+              <a:rPr lang="en-US" sz="2800" dirty="0"/>
+              <a:t>Tx</a:t>
+            </a:r>
+          </a:p>
+        </p:txBody>
+      </p:sp>
+      <p:sp>
+        <p:nvSpPr>
+          <p:cNvPr id="10" name="9 Rectángulo"/>
+          <p:cNvSpPr/>
+          <p:nvPr/>
+        </p:nvSpPr>
+        <p:spPr>
+          <a:xfrm>
+            <a:off x="589936" y="4222956"/>
+            <a:ext cx="9886336" cy="1533833"/>
+          </a:xfrm>
+          <a:prstGeom prst="rect">
+            <a:avLst/>
+          </a:prstGeom>
+        </p:spPr>
+        <p:style>
+          <a:lnRef idx="2">
+            <a:schemeClr val="accent4">
+              <a:shade val="50000"/>
+            </a:schemeClr>
+          </a:lnRef>
+          <a:fillRef idx="1">
+            <a:schemeClr val="accent4"/>
+          </a:fillRef>
+          <a:effectRef idx="0">
+            <a:schemeClr val="accent4"/>
+          </a:effectRef>
+          <a:fontRef idx="minor">
+            <a:schemeClr val="lt1"/>
+          </a:fontRef>
+        </p:style>
+        <p:txBody>
+          <a:bodyPr rtlCol="0" anchor="ctr"/>
+          <a:lstStyle/>
+          <a:p>
+            <a:pPr algn="ctr"/>
+            <a:endParaRPr lang="en-US" dirty="0"/>
+          </a:p>
+        </p:txBody>
+      </p:sp>
+      <p:sp>
+        <p:nvSpPr>
+          <p:cNvPr id="11" name="10 Rectángulo"/>
+          <p:cNvSpPr/>
+          <p:nvPr/>
+        </p:nvSpPr>
+        <p:spPr>
+          <a:xfrm>
+            <a:off x="4694903" y="4606414"/>
+            <a:ext cx="1799303" cy="796413"/>
+          </a:xfrm>
+          <a:prstGeom prst="rect">
+            <a:avLst/>
+          </a:prstGeom>
+          <a:solidFill>
+            <a:srgbClr val="FD4133"/>
+          </a:solidFill>
+        </p:spPr>
+        <p:style>
+          <a:lnRef idx="2">
+            <a:schemeClr val="accent1">
+              <a:shade val="50000"/>
+            </a:schemeClr>
+          </a:lnRef>
+          <a:fillRef idx="1">
+            <a:schemeClr val="accent1"/>
+          </a:fillRef>
+          <a:effectRef idx="0">
+            <a:schemeClr val="accent1"/>
+          </a:effectRef>
+          <a:fontRef idx="minor">
+            <a:schemeClr val="lt1"/>
+          </a:fontRef>
+        </p:style>
+        <p:txBody>
+          <a:bodyPr rtlCol="0" anchor="ctr"/>
+          <a:lstStyle/>
+          <a:p>
+            <a:pPr algn="ctr"/>
+            <a:r>
+              <a:rPr lang="en-US" sz="2800" dirty="0">
+                <a:solidFill>
+                  <a:schemeClr val="tx1"/>
+                </a:solidFill>
+              </a:rPr>
+              <a:t>SpAcc</a:t>
+            </a:r>
+          </a:p>
+        </p:txBody>
+      </p:sp>
+      <p:sp>
+        <p:nvSpPr>
+          <p:cNvPr id="12" name="11 Rectángulo"/>
+          <p:cNvSpPr/>
+          <p:nvPr/>
+        </p:nvSpPr>
+        <p:spPr>
+          <a:xfrm>
+            <a:off x="8195187" y="4611329"/>
+            <a:ext cx="1799303" cy="796413"/>
+          </a:xfrm>
+          <a:prstGeom prst="rect">
+            <a:avLst/>
+          </a:prstGeom>
+          <a:solidFill>
+            <a:srgbClr val="FD4133"/>
+          </a:solidFill>
+        </p:spPr>
+        <p:style>
+          <a:lnRef idx="2">
+            <a:schemeClr val="accent1">
+              <a:shade val="50000"/>
+            </a:schemeClr>
+          </a:lnRef>
+          <a:fillRef idx="1">
+            <a:schemeClr val="accent1"/>
+          </a:fillRef>
+          <a:effectRef idx="0">
+            <a:schemeClr val="accent1"/>
+          </a:effectRef>
+          <a:fontRef idx="minor">
+            <a:schemeClr val="lt1"/>
+          </a:fontRef>
+        </p:style>
+        <p:txBody>
+          <a:bodyPr rtlCol="0" anchor="ctr"/>
+          <a:lstStyle/>
+          <a:p>
+            <a:pPr algn="ctr"/>
+            <a:r>
+              <a:rPr lang="en-US" sz="2800" dirty="0">
+                <a:solidFill>
+                  <a:schemeClr val="tx1"/>
+                </a:solidFill>
+              </a:rPr>
+              <a:t>Acc1’</a:t>
+            </a:r>
+          </a:p>
+        </p:txBody>
+      </p:sp>
+      <p:cxnSp>
+        <p:nvCxnSpPr>
+          <p:cNvPr id="13" name="12 Conector recto de flecha"/>
+          <p:cNvCxnSpPr>
+            <a:stCxn id="11" idx="3"/>
+            <a:endCxn id="12" idx="1"/>
+          </p:cNvCxnSpPr>
+          <p:nvPr/>
+        </p:nvCxnSpPr>
+        <p:spPr>
+          <a:xfrm>
+            <a:off x="6494206" y="5004621"/>
+            <a:ext cx="1700981" cy="4915"/>
+          </a:xfrm>
+          <a:prstGeom prst="straightConnector1">
+            <a:avLst/>
+          </a:prstGeom>
+          <a:ln>
+            <a:tailEnd type="arrow"/>
+          </a:ln>
+        </p:spPr>
+        <p:style>
+          <a:lnRef idx="1">
+            <a:schemeClr val="accent1"/>
+          </a:lnRef>
+          <a:fillRef idx="0">
+            <a:schemeClr val="accent1"/>
+          </a:fillRef>
+          <a:effectRef idx="0">
+            <a:schemeClr val="accent1"/>
+          </a:effectRef>
+          <a:fontRef idx="minor">
+            <a:schemeClr val="tx1"/>
+          </a:fontRef>
+        </p:style>
+      </p:cxnSp>
+      <p:sp>
+        <p:nvSpPr>
+          <p:cNvPr id="14" name="13 CuadroTexto"/>
+          <p:cNvSpPr txBox="1"/>
+          <p:nvPr/>
+        </p:nvSpPr>
+        <p:spPr>
+          <a:xfrm>
+            <a:off x="604684" y="3761291"/>
+            <a:ext cx="1741952" cy="461665"/>
+          </a:xfrm>
+          <a:prstGeom prst="rect">
+            <a:avLst/>
+          </a:prstGeom>
+          <a:noFill/>
+        </p:spPr>
+        <p:txBody>
+          <a:bodyPr wrap="none" rtlCol="0">
+            <a:spAutoFit/>
+          </a:bodyPr>
+          <a:lstStyle/>
+          <a:p>
+            <a:r>
+              <a:rPr lang="en-US" sz="2400" dirty="0"/>
+              <a:t>Blockchain 2</a:t>
+            </a:r>
+          </a:p>
+        </p:txBody>
+      </p:sp>
+      <p:sp>
+        <p:nvSpPr>
+          <p:cNvPr id="15" name="14 CuadroTexto"/>
+          <p:cNvSpPr txBox="1"/>
+          <p:nvPr/>
+        </p:nvSpPr>
+        <p:spPr>
+          <a:xfrm>
+            <a:off x="7054645" y="4473679"/>
+            <a:ext cx="499111" cy="523220"/>
+          </a:xfrm>
+          <a:prstGeom prst="rect">
+            <a:avLst/>
+          </a:prstGeom>
+          <a:noFill/>
+        </p:spPr>
+        <p:txBody>
+          <a:bodyPr wrap="none" rtlCol="0">
+            <a:spAutoFit/>
+          </a:bodyPr>
+          <a:lstStyle/>
+          <a:p>
+            <a:r>
+              <a:rPr lang="en-US" sz="2800" dirty="0"/>
+              <a:t>Tx</a:t>
+            </a:r>
+          </a:p>
+        </p:txBody>
+      </p:sp>
+      <p:cxnSp>
+        <p:nvCxnSpPr>
+          <p:cNvPr id="17" name="16 Conector recto de flecha"/>
+          <p:cNvCxnSpPr>
+            <a:stCxn id="9" idx="2"/>
+            <a:endCxn id="15" idx="2"/>
+          </p:cNvCxnSpPr>
+          <p:nvPr/>
+        </p:nvCxnSpPr>
+        <p:spPr>
+          <a:xfrm>
+            <a:off x="3685930" y="1806330"/>
+            <a:ext cx="3618271" cy="3190569"/>
+          </a:xfrm>
+          <a:prstGeom prst="straightConnector1">
+            <a:avLst/>
+          </a:prstGeom>
+          <a:ln>
+            <a:prstDash val="dash"/>
+            <a:tailEnd type="arrow"/>
+          </a:ln>
+        </p:spPr>
+        <p:style>
+          <a:lnRef idx="1">
+            <a:schemeClr val="accent1"/>
+          </a:lnRef>
+          <a:fillRef idx="0">
+            <a:schemeClr val="accent1"/>
+          </a:fillRef>
+          <a:effectRef idx="0">
+            <a:schemeClr val="accent1"/>
+          </a:effectRef>
+          <a:fontRef idx="minor">
+            <a:schemeClr val="tx1"/>
+          </a:fontRef>
+        </p:style>
+      </p:cxnSp>
+      <p:sp>
+        <p:nvSpPr>
+          <p:cNvPr id="16" name="11 Rectángulo"/>
+          <p:cNvSpPr/>
+          <p:nvPr/>
+        </p:nvSpPr>
+        <p:spPr>
+          <a:xfrm>
+            <a:off x="8197918" y="1449404"/>
+            <a:ext cx="1799303" cy="796413"/>
+          </a:xfrm>
+          <a:prstGeom prst="rect">
+            <a:avLst/>
+          </a:prstGeom>
+          <a:solidFill>
+            <a:srgbClr val="FD4133"/>
+          </a:solidFill>
+        </p:spPr>
+        <p:style>
+          <a:lnRef idx="2">
+            <a:schemeClr val="accent1">
+              <a:shade val="50000"/>
+            </a:schemeClr>
+          </a:lnRef>
+          <a:fillRef idx="1">
+            <a:schemeClr val="accent1"/>
+          </a:fillRef>
+          <a:effectRef idx="0">
+            <a:schemeClr val="accent1"/>
+          </a:effectRef>
+          <a:fontRef idx="minor">
+            <a:schemeClr val="lt1"/>
+          </a:fontRef>
+        </p:style>
+        <p:txBody>
+          <a:bodyPr rtlCol="0" anchor="ctr"/>
+          <a:lstStyle/>
+          <a:p>
+            <a:pPr algn="ctr"/>
+            <a:r>
+              <a:rPr lang="en-US" sz="2800" dirty="0">
+                <a:solidFill>
+                  <a:schemeClr val="tx1"/>
+                </a:solidFill>
+              </a:rPr>
+              <a:t>Acc2</a:t>
+            </a:r>
+          </a:p>
+        </p:txBody>
+      </p:sp>
+      <p:sp>
+        <p:nvSpPr>
+          <p:cNvPr id="18" name="11 Rectángulo"/>
+          <p:cNvSpPr/>
+          <p:nvPr/>
+        </p:nvSpPr>
+        <p:spPr>
+          <a:xfrm>
+            <a:off x="1076631" y="4547659"/>
+            <a:ext cx="1799303" cy="796413"/>
+          </a:xfrm>
+          <a:prstGeom prst="rect">
+            <a:avLst/>
+          </a:prstGeom>
+          <a:solidFill>
+            <a:srgbClr val="FD4133"/>
+          </a:solidFill>
+        </p:spPr>
+        <p:style>
+          <a:lnRef idx="2">
+            <a:schemeClr val="accent1">
+              <a:shade val="50000"/>
+            </a:schemeClr>
+          </a:lnRef>
+          <a:fillRef idx="1">
+            <a:schemeClr val="accent1"/>
+          </a:fillRef>
+          <a:effectRef idx="0">
+            <a:schemeClr val="accent1"/>
+          </a:effectRef>
+          <a:fontRef idx="minor">
+            <a:schemeClr val="lt1"/>
+          </a:fontRef>
+        </p:style>
+        <p:txBody>
+          <a:bodyPr rtlCol="0" anchor="ctr"/>
+          <a:lstStyle/>
+          <a:p>
+            <a:pPr algn="ctr"/>
+            <a:r>
+              <a:rPr lang="en-US" sz="2800" dirty="0">
+                <a:solidFill>
+                  <a:schemeClr val="tx1"/>
+                </a:solidFill>
+              </a:rPr>
+              <a:t>Acc2’</a:t>
+            </a:r>
+          </a:p>
+        </p:txBody>
+      </p:sp>
+      <p:cxnSp>
+        <p:nvCxnSpPr>
+          <p:cNvPr id="19" name="5 Conector recto de flecha"/>
+          <p:cNvCxnSpPr>
+            <a:stCxn id="4" idx="3"/>
+            <a:endCxn id="16" idx="1"/>
+          </p:cNvCxnSpPr>
+          <p:nvPr/>
+        </p:nvCxnSpPr>
+        <p:spPr>
+          <a:xfrm>
+            <a:off x="6376219" y="1818967"/>
+            <a:ext cx="1821699" cy="28644"/>
+          </a:xfrm>
+          <a:prstGeom prst="straightConnector1">
+            <a:avLst/>
+          </a:prstGeom>
+          <a:ln>
+            <a:tailEnd type="arrow"/>
+          </a:ln>
+        </p:spPr>
+        <p:style>
+          <a:lnRef idx="1">
+            <a:schemeClr val="accent1"/>
+          </a:lnRef>
+          <a:fillRef idx="0">
+            <a:schemeClr val="accent1"/>
+          </a:fillRef>
+          <a:effectRef idx="0">
+            <a:schemeClr val="accent1"/>
+          </a:effectRef>
+          <a:fontRef idx="minor">
+            <a:schemeClr val="tx1"/>
+          </a:fontRef>
+        </p:style>
+      </p:cxnSp>
+      <p:cxnSp>
+        <p:nvCxnSpPr>
+          <p:cNvPr id="20" name="5 Conector recto de flecha"/>
+          <p:cNvCxnSpPr>
+            <a:endCxn id="11" idx="1"/>
+          </p:cNvCxnSpPr>
+          <p:nvPr/>
+        </p:nvCxnSpPr>
+        <p:spPr>
+          <a:xfrm>
+            <a:off x="2875934" y="4984957"/>
+            <a:ext cx="1818969" cy="19664"/>
+          </a:xfrm>
+          <a:prstGeom prst="straightConnector1">
+            <a:avLst/>
+          </a:prstGeom>
+          <a:ln>
+            <a:tailEnd type="arrow"/>
+          </a:ln>
+        </p:spPr>
+        <p:style>
+          <a:lnRef idx="1">
+            <a:schemeClr val="accent1"/>
+          </a:lnRef>
+          <a:fillRef idx="0">
+            <a:schemeClr val="accent1"/>
+          </a:fillRef>
+          <a:effectRef idx="0">
+            <a:schemeClr val="accent1"/>
+          </a:effectRef>
+          <a:fontRef idx="minor">
+            <a:schemeClr val="tx1"/>
+          </a:fontRef>
+        </p:style>
+      </p:cxnSp>
+      <p:cxnSp>
+        <p:nvCxnSpPr>
+          <p:cNvPr id="22" name="16 Conector recto de flecha"/>
+          <p:cNvCxnSpPr/>
+          <p:nvPr/>
+        </p:nvCxnSpPr>
+        <p:spPr>
+          <a:xfrm flipV="1">
+            <a:off x="3685929" y="1860248"/>
+            <a:ext cx="3599774" cy="3116987"/>
+          </a:xfrm>
+          <a:prstGeom prst="straightConnector1">
+            <a:avLst/>
+          </a:prstGeom>
+          <a:ln>
+            <a:prstDash val="dash"/>
+            <a:tailEnd type="arrow"/>
+          </a:ln>
+        </p:spPr>
+        <p:style>
+          <a:lnRef idx="1">
+            <a:schemeClr val="accent1"/>
+          </a:lnRef>
+          <a:fillRef idx="0">
+            <a:schemeClr val="accent1"/>
+          </a:fillRef>
+          <a:effectRef idx="0">
+            <a:schemeClr val="accent1"/>
+          </a:effectRef>
+          <a:fontRef idx="minor">
+            <a:schemeClr val="tx1"/>
+          </a:fontRef>
+        </p:style>
+      </p:cxnSp>
+      <p:sp>
+        <p:nvSpPr>
+          <p:cNvPr id="25" name="14 CuadroTexto"/>
+          <p:cNvSpPr txBox="1"/>
+          <p:nvPr/>
+        </p:nvSpPr>
+        <p:spPr>
+          <a:xfrm>
+            <a:off x="6974490" y="1355303"/>
+            <a:ext cx="499111" cy="523220"/>
+          </a:xfrm>
+          <a:prstGeom prst="rect">
+            <a:avLst/>
+          </a:prstGeom>
+          <a:noFill/>
+        </p:spPr>
+        <p:txBody>
+          <a:bodyPr wrap="none" rtlCol="0">
+            <a:spAutoFit/>
+          </a:bodyPr>
+          <a:lstStyle/>
+          <a:p>
+            <a:r>
+              <a:rPr lang="en-US" sz="2800" dirty="0"/>
+              <a:t>Tx</a:t>
+            </a:r>
+          </a:p>
+        </p:txBody>
+      </p:sp>
+      <p:sp>
+        <p:nvSpPr>
+          <p:cNvPr id="26" name="14 CuadroTexto"/>
+          <p:cNvSpPr txBox="1"/>
+          <p:nvPr/>
+        </p:nvSpPr>
+        <p:spPr>
+          <a:xfrm>
+            <a:off x="3481785" y="4481400"/>
+            <a:ext cx="499111" cy="523220"/>
+          </a:xfrm>
+          <a:prstGeom prst="rect">
+            <a:avLst/>
+          </a:prstGeom>
+          <a:noFill/>
+        </p:spPr>
+        <p:txBody>
+          <a:bodyPr wrap="none" rtlCol="0">
+            <a:spAutoFit/>
+          </a:bodyPr>
+          <a:lstStyle/>
+          <a:p>
+            <a:r>
+              <a:rPr lang="en-US" sz="2800" dirty="0"/>
+              <a:t>Tx</a:t>
+            </a:r>
+          </a:p>
+        </p:txBody>
+      </p:sp>
+    </p:spTree>
+    <p:extLst>
+      <p:ext uri="{BB962C8B-B14F-4D97-AF65-F5344CB8AC3E}">
+        <p14:creationId xmlns:p14="http://schemas.microsoft.com/office/powerpoint/2010/main" val="2899344581"/>
+      </p:ext>
+    </p:extLst>
+  </p:cSld>
+  <p:clrMapOvr>
+    <a:masterClrMapping/>
+  </p:clrMapOvr>
+</p:sld>
+</file>
+
+<file path=ppt/slides/slide3.xml><?xml version="1.0" encoding="utf-8"?>
+<p:sld xmlns:a="http://schemas.openxmlformats.org/drawingml/2006/main" xmlns:r="http://schemas.openxmlformats.org/officeDocument/2006/relationships" xmlns:p="http://schemas.openxmlformats.org/presentationml/2006/main">
+  <p:cSld>
+    <p:spTree>
+      <p:nvGrpSpPr>
+        <p:cNvPr id="1" name=""/>
+        <p:cNvGrpSpPr/>
+        <p:nvPr/>
+      </p:nvGrpSpPr>
+      <p:grpSpPr>
+        <a:xfrm>
+          <a:off x="0" y="0"/>
+          <a:ext cx="0" cy="0"/>
+          <a:chOff x="0" y="0"/>
+          <a:chExt cx="0" cy="0"/>
+        </a:xfrm>
+      </p:grpSpPr>
+      <p:sp>
+        <p:nvSpPr>
+          <p:cNvPr id="2" name="1 Rectángulo"/>
+          <p:cNvSpPr/>
+          <p:nvPr/>
+        </p:nvSpPr>
+        <p:spPr>
+          <a:xfrm>
+            <a:off x="589935" y="1032387"/>
+            <a:ext cx="9886336" cy="1533833"/>
+          </a:xfrm>
+          <a:prstGeom prst="rect">
+            <a:avLst/>
+          </a:prstGeom>
+        </p:spPr>
+        <p:style>
+          <a:lnRef idx="2">
+            <a:schemeClr val="accent4">
+              <a:shade val="50000"/>
+            </a:schemeClr>
+          </a:lnRef>
+          <a:fillRef idx="1">
+            <a:schemeClr val="accent4"/>
+          </a:fillRef>
+          <a:effectRef idx="0">
+            <a:schemeClr val="accent4"/>
+          </a:effectRef>
+          <a:fontRef idx="minor">
+            <a:schemeClr val="lt1"/>
+          </a:fontRef>
+        </p:style>
+        <p:txBody>
+          <a:bodyPr rtlCol="0" anchor="ctr"/>
+          <a:lstStyle/>
+          <a:p>
+            <a:pPr algn="ctr"/>
+            <a:endParaRPr lang="en-US" dirty="0"/>
+          </a:p>
+        </p:txBody>
+      </p:sp>
+      <p:sp>
+        <p:nvSpPr>
+          <p:cNvPr id="3" name="2 Rectángulo"/>
+          <p:cNvSpPr/>
+          <p:nvPr/>
+        </p:nvSpPr>
+        <p:spPr>
+          <a:xfrm>
+            <a:off x="1076632" y="1415845"/>
+            <a:ext cx="1799303" cy="796413"/>
+          </a:xfrm>
+          <a:prstGeom prst="rect">
+            <a:avLst/>
+          </a:prstGeom>
+          <a:solidFill>
+            <a:srgbClr val="FD4133"/>
+          </a:solidFill>
+        </p:spPr>
+        <p:style>
+          <a:lnRef idx="2">
+            <a:schemeClr val="accent1">
+              <a:shade val="50000"/>
+            </a:schemeClr>
+          </a:lnRef>
+          <a:fillRef idx="1">
+            <a:schemeClr val="accent1"/>
+          </a:fillRef>
+          <a:effectRef idx="0">
+            <a:schemeClr val="accent1"/>
+          </a:effectRef>
+          <a:fontRef idx="minor">
+            <a:schemeClr val="lt1"/>
+          </a:fontRef>
+        </p:style>
+        <p:txBody>
+          <a:bodyPr rtlCol="0" anchor="ctr"/>
+          <a:lstStyle/>
+          <a:p>
+            <a:pPr algn="ctr"/>
+            <a:r>
+              <a:rPr lang="en-US" sz="2800" dirty="0">
+                <a:solidFill>
+                  <a:schemeClr val="tx1"/>
+                </a:solidFill>
+              </a:rPr>
+              <a:t>Acc1</a:t>
+            </a:r>
+          </a:p>
+        </p:txBody>
+      </p:sp>
+      <p:sp>
+        <p:nvSpPr>
+          <p:cNvPr id="4" name="3 Rectángulo"/>
+          <p:cNvSpPr/>
+          <p:nvPr/>
+        </p:nvSpPr>
+        <p:spPr>
+          <a:xfrm>
+            <a:off x="4576916" y="1420760"/>
+            <a:ext cx="1799303" cy="796413"/>
+          </a:xfrm>
+          <a:prstGeom prst="rect">
+            <a:avLst/>
+          </a:prstGeom>
+          <a:solidFill>
+            <a:srgbClr val="FD4133"/>
+          </a:solidFill>
+        </p:spPr>
+        <p:style>
+          <a:lnRef idx="2">
+            <a:schemeClr val="accent1">
+              <a:shade val="50000"/>
+            </a:schemeClr>
+          </a:lnRef>
+          <a:fillRef idx="1">
+            <a:schemeClr val="accent1"/>
+          </a:fillRef>
+          <a:effectRef idx="0">
+            <a:schemeClr val="accent1"/>
+          </a:effectRef>
+          <a:fontRef idx="minor">
+            <a:schemeClr val="lt1"/>
+          </a:fontRef>
+        </p:style>
+        <p:txBody>
+          <a:bodyPr rtlCol="0" anchor="ctr"/>
+          <a:lstStyle/>
+          <a:p>
+            <a:pPr algn="ctr"/>
+            <a:r>
+              <a:rPr lang="en-US" sz="2800" dirty="0">
+                <a:solidFill>
+                  <a:schemeClr val="tx1"/>
+                </a:solidFill>
+              </a:rPr>
+              <a:t>SpAcc</a:t>
+            </a:r>
+          </a:p>
+        </p:txBody>
+      </p:sp>
+      <p:cxnSp>
+        <p:nvCxnSpPr>
+          <p:cNvPr id="6" name="5 Conector recto de flecha"/>
+          <p:cNvCxnSpPr>
+            <a:stCxn id="3" idx="3"/>
+            <a:endCxn id="4" idx="1"/>
+          </p:cNvCxnSpPr>
+          <p:nvPr/>
+        </p:nvCxnSpPr>
+        <p:spPr>
+          <a:xfrm>
+            <a:off x="2875935" y="1814052"/>
+            <a:ext cx="1700981" cy="4915"/>
+          </a:xfrm>
+          <a:prstGeom prst="straightConnector1">
+            <a:avLst/>
+          </a:prstGeom>
+          <a:ln>
+            <a:tailEnd type="arrow"/>
+          </a:ln>
+        </p:spPr>
+        <p:style>
+          <a:lnRef idx="1">
+            <a:schemeClr val="accent1"/>
+          </a:lnRef>
+          <a:fillRef idx="0">
+            <a:schemeClr val="accent1"/>
+          </a:fillRef>
+          <a:effectRef idx="0">
+            <a:schemeClr val="accent1"/>
+          </a:effectRef>
+          <a:fontRef idx="minor">
+            <a:schemeClr val="tx1"/>
+          </a:fontRef>
+        </p:style>
+      </p:cxnSp>
+      <p:sp>
+        <p:nvSpPr>
+          <p:cNvPr id="7" name="6 CuadroTexto"/>
+          <p:cNvSpPr txBox="1"/>
+          <p:nvPr/>
+        </p:nvSpPr>
+        <p:spPr>
+          <a:xfrm>
+            <a:off x="604684" y="545691"/>
+            <a:ext cx="1042337" cy="461665"/>
+          </a:xfrm>
+          <a:prstGeom prst="rect">
+            <a:avLst/>
+          </a:prstGeom>
+          <a:noFill/>
+        </p:spPr>
+        <p:txBody>
+          <a:bodyPr wrap="none" rtlCol="0">
+            <a:spAutoFit/>
+          </a:bodyPr>
+          <a:lstStyle/>
+          <a:p>
+            <a:r>
+              <a:rPr lang="en-US" sz="2400" dirty="0"/>
+              <a:t>Bitcoin</a:t>
+            </a:r>
+          </a:p>
+        </p:txBody>
+      </p:sp>
+      <p:sp>
+        <p:nvSpPr>
+          <p:cNvPr id="9" name="8 CuadroTexto"/>
+          <p:cNvSpPr txBox="1"/>
+          <p:nvPr/>
+        </p:nvSpPr>
+        <p:spPr>
+          <a:xfrm>
+            <a:off x="3436374" y="1283110"/>
+            <a:ext cx="499111" cy="523220"/>
+          </a:xfrm>
+          <a:prstGeom prst="rect">
+            <a:avLst/>
+          </a:prstGeom>
+          <a:noFill/>
+        </p:spPr>
+        <p:txBody>
+          <a:bodyPr wrap="none" rtlCol="0">
+            <a:spAutoFit/>
+          </a:bodyPr>
+          <a:lstStyle/>
+          <a:p>
+            <a:r>
+              <a:rPr lang="en-US" sz="2800" dirty="0"/>
+              <a:t>Tx</a:t>
+            </a:r>
+          </a:p>
+        </p:txBody>
+      </p:sp>
+      <p:sp>
+        <p:nvSpPr>
+          <p:cNvPr id="10" name="9 Rectángulo"/>
+          <p:cNvSpPr/>
+          <p:nvPr/>
+        </p:nvSpPr>
+        <p:spPr>
+          <a:xfrm>
+            <a:off x="589936" y="4222956"/>
+            <a:ext cx="9886336" cy="1533833"/>
+          </a:xfrm>
+          <a:prstGeom prst="rect">
+            <a:avLst/>
+          </a:prstGeom>
+        </p:spPr>
+        <p:style>
+          <a:lnRef idx="2">
+            <a:schemeClr val="accent4">
+              <a:shade val="50000"/>
+            </a:schemeClr>
+          </a:lnRef>
+          <a:fillRef idx="1">
+            <a:schemeClr val="accent4"/>
+          </a:fillRef>
+          <a:effectRef idx="0">
+            <a:schemeClr val="accent4"/>
+          </a:effectRef>
+          <a:fontRef idx="minor">
+            <a:schemeClr val="lt1"/>
+          </a:fontRef>
+        </p:style>
+        <p:txBody>
+          <a:bodyPr rtlCol="0" anchor="ctr"/>
+          <a:lstStyle/>
+          <a:p>
+            <a:pPr algn="ctr"/>
+            <a:endParaRPr lang="en-US" dirty="0"/>
+          </a:p>
+        </p:txBody>
+      </p:sp>
+      <p:sp>
+        <p:nvSpPr>
+          <p:cNvPr id="11" name="10 Rectángulo"/>
+          <p:cNvSpPr/>
+          <p:nvPr/>
+        </p:nvSpPr>
+        <p:spPr>
+          <a:xfrm>
+            <a:off x="4694903" y="4606414"/>
+            <a:ext cx="1799303" cy="796413"/>
+          </a:xfrm>
+          <a:prstGeom prst="rect">
+            <a:avLst/>
+          </a:prstGeom>
+          <a:solidFill>
+            <a:srgbClr val="FD4133"/>
+          </a:solidFill>
+        </p:spPr>
+        <p:style>
+          <a:lnRef idx="2">
+            <a:schemeClr val="accent1">
+              <a:shade val="50000"/>
+            </a:schemeClr>
+          </a:lnRef>
+          <a:fillRef idx="1">
+            <a:schemeClr val="accent1"/>
+          </a:fillRef>
+          <a:effectRef idx="0">
+            <a:schemeClr val="accent1"/>
+          </a:effectRef>
+          <a:fontRef idx="minor">
+            <a:schemeClr val="lt1"/>
+          </a:fontRef>
+        </p:style>
+        <p:txBody>
+          <a:bodyPr rtlCol="0" anchor="ctr"/>
+          <a:lstStyle/>
+          <a:p>
+            <a:pPr algn="ctr"/>
+            <a:r>
+              <a:rPr lang="en-US" sz="2800" dirty="0">
+                <a:solidFill>
+                  <a:schemeClr val="tx1"/>
+                </a:solidFill>
+              </a:rPr>
+              <a:t>SpAcc</a:t>
+            </a:r>
+          </a:p>
+        </p:txBody>
+      </p:sp>
+      <p:sp>
+        <p:nvSpPr>
+          <p:cNvPr id="12" name="11 Rectángulo"/>
+          <p:cNvSpPr/>
+          <p:nvPr/>
+        </p:nvSpPr>
+        <p:spPr>
+          <a:xfrm>
+            <a:off x="8195187" y="4611329"/>
+            <a:ext cx="1799303" cy="796413"/>
+          </a:xfrm>
+          <a:prstGeom prst="rect">
+            <a:avLst/>
+          </a:prstGeom>
+          <a:solidFill>
+            <a:srgbClr val="FD4133"/>
+          </a:solidFill>
+        </p:spPr>
+        <p:style>
+          <a:lnRef idx="2">
+            <a:schemeClr val="accent1">
+              <a:shade val="50000"/>
+            </a:schemeClr>
+          </a:lnRef>
+          <a:fillRef idx="1">
+            <a:schemeClr val="accent1"/>
+          </a:fillRef>
+          <a:effectRef idx="0">
+            <a:schemeClr val="accent1"/>
+          </a:effectRef>
+          <a:fontRef idx="minor">
+            <a:schemeClr val="lt1"/>
+          </a:fontRef>
+        </p:style>
+        <p:txBody>
+          <a:bodyPr rtlCol="0" anchor="ctr"/>
+          <a:lstStyle/>
+          <a:p>
+            <a:pPr algn="ctr"/>
+            <a:r>
+              <a:rPr lang="en-US" sz="2800" dirty="0">
+                <a:solidFill>
+                  <a:schemeClr val="tx1"/>
+                </a:solidFill>
+              </a:rPr>
+              <a:t>Acc1’</a:t>
+            </a:r>
+          </a:p>
+        </p:txBody>
+      </p:sp>
+      <p:cxnSp>
+        <p:nvCxnSpPr>
+          <p:cNvPr id="13" name="12 Conector recto de flecha"/>
+          <p:cNvCxnSpPr>
+            <a:stCxn id="11" idx="3"/>
+            <a:endCxn id="12" idx="1"/>
+          </p:cNvCxnSpPr>
+          <p:nvPr/>
+        </p:nvCxnSpPr>
+        <p:spPr>
+          <a:xfrm>
+            <a:off x="6494206" y="5004621"/>
+            <a:ext cx="1700981" cy="4915"/>
+          </a:xfrm>
+          <a:prstGeom prst="straightConnector1">
+            <a:avLst/>
+          </a:prstGeom>
+          <a:ln>
+            <a:tailEnd type="arrow"/>
+          </a:ln>
+        </p:spPr>
+        <p:style>
+          <a:lnRef idx="1">
+            <a:schemeClr val="accent1"/>
+          </a:lnRef>
+          <a:fillRef idx="0">
+            <a:schemeClr val="accent1"/>
+          </a:fillRef>
+          <a:effectRef idx="0">
+            <a:schemeClr val="accent1"/>
+          </a:effectRef>
+          <a:fontRef idx="minor">
+            <a:schemeClr val="tx1"/>
+          </a:fontRef>
+        </p:style>
+      </p:cxnSp>
+      <p:sp>
+        <p:nvSpPr>
+          <p:cNvPr id="14" name="13 CuadroTexto"/>
+          <p:cNvSpPr txBox="1"/>
+          <p:nvPr/>
+        </p:nvSpPr>
+        <p:spPr>
+          <a:xfrm>
+            <a:off x="604684" y="3761291"/>
+            <a:ext cx="1997213" cy="461665"/>
+          </a:xfrm>
+          <a:prstGeom prst="rect">
+            <a:avLst/>
+          </a:prstGeom>
+          <a:noFill/>
+        </p:spPr>
+        <p:txBody>
+          <a:bodyPr wrap="none" rtlCol="0">
+            <a:spAutoFit/>
+          </a:bodyPr>
+          <a:lstStyle/>
+          <a:p>
+            <a:r>
+              <a:rPr lang="en-US" sz="2400" dirty="0" err="1"/>
+              <a:t>Ethereum</a:t>
+            </a:r>
+            <a:r>
+              <a:rPr lang="en-US" sz="2400" dirty="0"/>
+              <a:t>/RSK</a:t>
+            </a:r>
+          </a:p>
+        </p:txBody>
+      </p:sp>
+      <p:sp>
+        <p:nvSpPr>
+          <p:cNvPr id="15" name="14 CuadroTexto"/>
+          <p:cNvSpPr txBox="1"/>
+          <p:nvPr/>
+        </p:nvSpPr>
+        <p:spPr>
+          <a:xfrm>
+            <a:off x="7054645" y="4473679"/>
+            <a:ext cx="499111" cy="523220"/>
+          </a:xfrm>
+          <a:prstGeom prst="rect">
+            <a:avLst/>
+          </a:prstGeom>
+          <a:noFill/>
+        </p:spPr>
+        <p:txBody>
+          <a:bodyPr wrap="none" rtlCol="0">
+            <a:spAutoFit/>
+          </a:bodyPr>
+          <a:lstStyle/>
+          <a:p>
+            <a:r>
+              <a:rPr lang="en-US" sz="2800" dirty="0"/>
+              <a:t>Tx</a:t>
+            </a:r>
+          </a:p>
+        </p:txBody>
+      </p:sp>
+      <p:cxnSp>
+        <p:nvCxnSpPr>
+          <p:cNvPr id="17" name="16 Conector recto de flecha"/>
+          <p:cNvCxnSpPr>
+            <a:stCxn id="9" idx="2"/>
+            <a:endCxn id="15" idx="2"/>
+          </p:cNvCxnSpPr>
+          <p:nvPr/>
+        </p:nvCxnSpPr>
+        <p:spPr>
+          <a:xfrm>
+            <a:off x="3685930" y="1806330"/>
+            <a:ext cx="3618271" cy="3190569"/>
+          </a:xfrm>
+          <a:prstGeom prst="straightConnector1">
+            <a:avLst/>
+          </a:prstGeom>
+          <a:ln>
+            <a:prstDash val="dash"/>
+            <a:tailEnd type="arrow"/>
+          </a:ln>
+        </p:spPr>
+        <p:style>
+          <a:lnRef idx="1">
+            <a:schemeClr val="accent1"/>
+          </a:lnRef>
+          <a:fillRef idx="0">
+            <a:schemeClr val="accent1"/>
+          </a:fillRef>
+          <a:effectRef idx="0">
+            <a:schemeClr val="accent1"/>
+          </a:effectRef>
+          <a:fontRef idx="minor">
+            <a:schemeClr val="tx1"/>
+          </a:fontRef>
+        </p:style>
+      </p:cxnSp>
+      <p:sp>
+        <p:nvSpPr>
+          <p:cNvPr id="16" name="11 Rectángulo"/>
+          <p:cNvSpPr/>
+          <p:nvPr/>
+        </p:nvSpPr>
+        <p:spPr>
+          <a:xfrm>
+            <a:off x="8197918" y="1449404"/>
+            <a:ext cx="1799303" cy="796413"/>
+          </a:xfrm>
+          <a:prstGeom prst="rect">
+            <a:avLst/>
+          </a:prstGeom>
+          <a:solidFill>
+            <a:srgbClr val="FD4133"/>
+          </a:solidFill>
+        </p:spPr>
+        <p:style>
+          <a:lnRef idx="2">
+            <a:schemeClr val="accent1">
+              <a:shade val="50000"/>
+            </a:schemeClr>
+          </a:lnRef>
+          <a:fillRef idx="1">
+            <a:schemeClr val="accent1"/>
+          </a:fillRef>
+          <a:effectRef idx="0">
+            <a:schemeClr val="accent1"/>
+          </a:effectRef>
+          <a:fontRef idx="minor">
+            <a:schemeClr val="lt1"/>
+          </a:fontRef>
+        </p:style>
+        <p:txBody>
+          <a:bodyPr rtlCol="0" anchor="ctr"/>
+          <a:lstStyle/>
+          <a:p>
+            <a:pPr algn="ctr"/>
+            <a:r>
+              <a:rPr lang="en-US" sz="2800" dirty="0">
+                <a:solidFill>
+                  <a:schemeClr val="tx1"/>
+                </a:solidFill>
+              </a:rPr>
+              <a:t>Acc2</a:t>
+            </a:r>
+          </a:p>
+        </p:txBody>
+      </p:sp>
+      <p:sp>
+        <p:nvSpPr>
+          <p:cNvPr id="18" name="11 Rectángulo"/>
+          <p:cNvSpPr/>
+          <p:nvPr/>
+        </p:nvSpPr>
+        <p:spPr>
+          <a:xfrm>
+            <a:off x="1076631" y="4547659"/>
+            <a:ext cx="1799303" cy="796413"/>
+          </a:xfrm>
+          <a:prstGeom prst="rect">
+            <a:avLst/>
+          </a:prstGeom>
+          <a:solidFill>
+            <a:srgbClr val="FD4133"/>
+          </a:solidFill>
+        </p:spPr>
+        <p:style>
+          <a:lnRef idx="2">
+            <a:schemeClr val="accent1">
+              <a:shade val="50000"/>
+            </a:schemeClr>
+          </a:lnRef>
+          <a:fillRef idx="1">
+            <a:schemeClr val="accent1"/>
+          </a:fillRef>
+          <a:effectRef idx="0">
+            <a:schemeClr val="accent1"/>
+          </a:effectRef>
+          <a:fontRef idx="minor">
+            <a:schemeClr val="lt1"/>
+          </a:fontRef>
+        </p:style>
+        <p:txBody>
+          <a:bodyPr rtlCol="0" anchor="ctr"/>
+          <a:lstStyle/>
+          <a:p>
+            <a:pPr algn="ctr"/>
+            <a:r>
+              <a:rPr lang="en-US" sz="2800" dirty="0">
+                <a:solidFill>
+                  <a:schemeClr val="tx1"/>
+                </a:solidFill>
+              </a:rPr>
+              <a:t>Acc2’</a:t>
+            </a:r>
+          </a:p>
+        </p:txBody>
+      </p:sp>
+      <p:cxnSp>
+        <p:nvCxnSpPr>
+          <p:cNvPr id="19" name="5 Conector recto de flecha"/>
+          <p:cNvCxnSpPr>
+            <a:stCxn id="4" idx="3"/>
+            <a:endCxn id="16" idx="1"/>
+          </p:cNvCxnSpPr>
+          <p:nvPr/>
+        </p:nvCxnSpPr>
+        <p:spPr>
+          <a:xfrm>
+            <a:off x="6376219" y="1818967"/>
+            <a:ext cx="1821699" cy="28644"/>
+          </a:xfrm>
+          <a:prstGeom prst="straightConnector1">
+            <a:avLst/>
+          </a:prstGeom>
+          <a:ln>
+            <a:tailEnd type="arrow"/>
+          </a:ln>
+        </p:spPr>
+        <p:style>
+          <a:lnRef idx="1">
+            <a:schemeClr val="accent1"/>
+          </a:lnRef>
+          <a:fillRef idx="0">
+            <a:schemeClr val="accent1"/>
+          </a:fillRef>
+          <a:effectRef idx="0">
+            <a:schemeClr val="accent1"/>
+          </a:effectRef>
+          <a:fontRef idx="minor">
+            <a:schemeClr val="tx1"/>
+          </a:fontRef>
+        </p:style>
+      </p:cxnSp>
+      <p:cxnSp>
+        <p:nvCxnSpPr>
+          <p:cNvPr id="20" name="5 Conector recto de flecha"/>
+          <p:cNvCxnSpPr>
+            <a:endCxn id="11" idx="1"/>
+          </p:cNvCxnSpPr>
+          <p:nvPr/>
+        </p:nvCxnSpPr>
+        <p:spPr>
+          <a:xfrm>
+            <a:off x="2875934" y="4984957"/>
+            <a:ext cx="1818969" cy="19664"/>
+          </a:xfrm>
+          <a:prstGeom prst="straightConnector1">
+            <a:avLst/>
+          </a:prstGeom>
+          <a:ln>
+            <a:tailEnd type="arrow"/>
+          </a:ln>
+        </p:spPr>
+        <p:style>
+          <a:lnRef idx="1">
+            <a:schemeClr val="accent1"/>
+          </a:lnRef>
+          <a:fillRef idx="0">
+            <a:schemeClr val="accent1"/>
+          </a:fillRef>
+          <a:effectRef idx="0">
+            <a:schemeClr val="accent1"/>
+          </a:effectRef>
+          <a:fontRef idx="minor">
+            <a:schemeClr val="tx1"/>
+          </a:fontRef>
+        </p:style>
+      </p:cxnSp>
+      <p:cxnSp>
+        <p:nvCxnSpPr>
+          <p:cNvPr id="22" name="16 Conector recto de flecha"/>
+          <p:cNvCxnSpPr/>
+          <p:nvPr/>
+        </p:nvCxnSpPr>
+        <p:spPr>
+          <a:xfrm flipV="1">
+            <a:off x="3685929" y="1860248"/>
+            <a:ext cx="3599774" cy="3116987"/>
+          </a:xfrm>
+          <a:prstGeom prst="straightConnector1">
+            <a:avLst/>
+          </a:prstGeom>
+          <a:ln>
+            <a:prstDash val="dash"/>
+            <a:tailEnd type="arrow"/>
+          </a:ln>
+        </p:spPr>
+        <p:style>
+          <a:lnRef idx="1">
+            <a:schemeClr val="accent1"/>
+          </a:lnRef>
+          <a:fillRef idx="0">
+            <a:schemeClr val="accent1"/>
+          </a:fillRef>
+          <a:effectRef idx="0">
+            <a:schemeClr val="accent1"/>
+          </a:effectRef>
+          <a:fontRef idx="minor">
+            <a:schemeClr val="tx1"/>
+          </a:fontRef>
+        </p:style>
+      </p:cxnSp>
+      <p:sp>
+        <p:nvSpPr>
+          <p:cNvPr id="25" name="14 CuadroTexto"/>
+          <p:cNvSpPr txBox="1"/>
+          <p:nvPr/>
+        </p:nvSpPr>
+        <p:spPr>
+          <a:xfrm>
+            <a:off x="6974490" y="1355303"/>
+            <a:ext cx="499111" cy="523220"/>
+          </a:xfrm>
+          <a:prstGeom prst="rect">
+            <a:avLst/>
+          </a:prstGeom>
+          <a:noFill/>
+        </p:spPr>
+        <p:txBody>
+          <a:bodyPr wrap="none" rtlCol="0">
+            <a:spAutoFit/>
+          </a:bodyPr>
+          <a:lstStyle/>
+          <a:p>
+            <a:r>
+              <a:rPr lang="en-US" sz="2800" dirty="0"/>
+              <a:t>Tx</a:t>
+            </a:r>
+          </a:p>
+        </p:txBody>
+      </p:sp>
+      <p:sp>
+        <p:nvSpPr>
+          <p:cNvPr id="26" name="14 CuadroTexto"/>
+          <p:cNvSpPr txBox="1"/>
+          <p:nvPr/>
+        </p:nvSpPr>
+        <p:spPr>
+          <a:xfrm>
+            <a:off x="3481785" y="4481400"/>
+            <a:ext cx="499111" cy="523220"/>
+          </a:xfrm>
+          <a:prstGeom prst="rect">
+            <a:avLst/>
+          </a:prstGeom>
+          <a:noFill/>
+        </p:spPr>
+        <p:txBody>
+          <a:bodyPr wrap="none" rtlCol="0">
+            <a:spAutoFit/>
+          </a:bodyPr>
+          <a:lstStyle/>
+          <a:p>
+            <a:r>
+              <a:rPr lang="en-US" sz="2800" dirty="0"/>
+              <a:t>Tx</a:t>
+            </a:r>
+          </a:p>
+        </p:txBody>
+      </p:sp>
+    </p:spTree>
+    <p:extLst>
+      <p:ext uri="{BB962C8B-B14F-4D97-AF65-F5344CB8AC3E}">
+        <p14:creationId xmlns:p14="http://schemas.microsoft.com/office/powerpoint/2010/main" val="518410028"/>
+      </p:ext>
+    </p:extLst>
   </p:cSld>
   <p:clrMapOvr>
     <a:masterClrMapping/>
@@ -3785,7 +5353,7 @@
   <a:extraClrSchemeLst/>
   <a:extLst>
     <a:ext uri="{05A4C25C-085E-4340-85A3-A5531E510DB2}">
-      <thm15:themeFamily xmlns:thm15="http://schemas.microsoft.com/office/thememl/2012/main" xmlns="" name="Office Theme" id="{62F939B6-93AF-4DB8-9C6B-D6C7DFDC589F}" vid="{4A3C46E8-61CC-4603-A589-7422A47A8E4A}"/>
+      <thm15:themeFamily xmlns:thm15="http://schemas.microsoft.com/office/thememl/2012/main" name="Office Theme" id="{62F939B6-93AF-4DB8-9C6B-D6C7DFDC589F}" vid="{4A3C46E8-61CC-4603-A589-7422A47A8E4A}"/>
     </a:ext>
   </a:extLst>
 </a:theme>

--- a/ConnBlockchains/images/BlockchainImages.pptx
+++ b/ConnBlockchains/images/BlockchainImages.pptx
@@ -8,6 +8,10 @@
     <p:sldId id="261" r:id="rId2"/>
     <p:sldId id="262" r:id="rId3"/>
     <p:sldId id="263" r:id="rId4"/>
+    <p:sldId id="264" r:id="rId5"/>
+    <p:sldId id="267" r:id="rId6"/>
+    <p:sldId id="265" r:id="rId7"/>
+    <p:sldId id="266" r:id="rId8"/>
   </p:sldIdLst>
   <p:sldSz cx="12192000" cy="6858000"/>
   <p:notesSz cx="6858000" cy="9144000"/>
@@ -5098,6 +5102,2851 @@
 </p:sld>
 </file>
 
+<file path=ppt/slides/slide4.xml><?xml version="1.0" encoding="utf-8"?>
+<p:sld xmlns:a="http://schemas.openxmlformats.org/drawingml/2006/main" xmlns:r="http://schemas.openxmlformats.org/officeDocument/2006/relationships" xmlns:p="http://schemas.openxmlformats.org/presentationml/2006/main">
+  <p:cSld>
+    <p:spTree>
+      <p:nvGrpSpPr>
+        <p:cNvPr id="1" name=""/>
+        <p:cNvGrpSpPr/>
+        <p:nvPr/>
+      </p:nvGrpSpPr>
+      <p:grpSpPr>
+        <a:xfrm>
+          <a:off x="0" y="0"/>
+          <a:ext cx="0" cy="0"/>
+          <a:chOff x="0" y="0"/>
+          <a:chExt cx="0" cy="0"/>
+        </a:xfrm>
+      </p:grpSpPr>
+      <p:sp>
+        <p:nvSpPr>
+          <p:cNvPr id="2" name="Rectangle 1"/>
+          <p:cNvSpPr/>
+          <p:nvPr/>
+        </p:nvSpPr>
+        <p:spPr>
+          <a:xfrm>
+            <a:off x="768626" y="1524000"/>
+            <a:ext cx="2570922" cy="569843"/>
+          </a:xfrm>
+          <a:prstGeom prst="rect">
+            <a:avLst/>
+          </a:prstGeom>
+        </p:spPr>
+        <p:style>
+          <a:lnRef idx="2">
+            <a:schemeClr val="accent1">
+              <a:shade val="50000"/>
+            </a:schemeClr>
+          </a:lnRef>
+          <a:fillRef idx="1">
+            <a:schemeClr val="accent1"/>
+          </a:fillRef>
+          <a:effectRef idx="0">
+            <a:schemeClr val="accent1"/>
+          </a:effectRef>
+          <a:fontRef idx="minor">
+            <a:schemeClr val="lt1"/>
+          </a:fontRef>
+        </p:style>
+        <p:txBody>
+          <a:bodyPr rtlCol="0" anchor="ctr"/>
+          <a:lstStyle/>
+          <a:p>
+            <a:pPr algn="ctr"/>
+            <a:endParaRPr lang="es-ES"/>
+          </a:p>
+        </p:txBody>
+      </p:sp>
+      <p:sp>
+        <p:nvSpPr>
+          <p:cNvPr id="3" name="Rectangle 2"/>
+          <p:cNvSpPr/>
+          <p:nvPr/>
+        </p:nvSpPr>
+        <p:spPr>
+          <a:xfrm>
+            <a:off x="3339548" y="1524000"/>
+            <a:ext cx="974035" cy="569843"/>
+          </a:xfrm>
+          <a:prstGeom prst="rect">
+            <a:avLst/>
+          </a:prstGeom>
+          <a:solidFill>
+            <a:srgbClr val="00B0F0"/>
+          </a:solidFill>
+        </p:spPr>
+        <p:style>
+          <a:lnRef idx="2">
+            <a:schemeClr val="accent1">
+              <a:shade val="50000"/>
+            </a:schemeClr>
+          </a:lnRef>
+          <a:fillRef idx="1">
+            <a:schemeClr val="accent1"/>
+          </a:fillRef>
+          <a:effectRef idx="0">
+            <a:schemeClr val="accent1"/>
+          </a:effectRef>
+          <a:fontRef idx="minor">
+            <a:schemeClr val="lt1"/>
+          </a:fontRef>
+        </p:style>
+        <p:txBody>
+          <a:bodyPr rtlCol="0" anchor="ctr"/>
+          <a:lstStyle/>
+          <a:p>
+            <a:pPr algn="ctr"/>
+            <a:r>
+              <a:rPr lang="es-MX" dirty="0">
+                <a:solidFill>
+                  <a:schemeClr val="tx1"/>
+                </a:solidFill>
+              </a:rPr>
+              <a:t>0.05</a:t>
+            </a:r>
+            <a:endParaRPr lang="es-ES" dirty="0">
+              <a:solidFill>
+                <a:schemeClr val="tx1"/>
+              </a:solidFill>
+            </a:endParaRPr>
+          </a:p>
+        </p:txBody>
+      </p:sp>
+      <p:sp>
+        <p:nvSpPr>
+          <p:cNvPr id="4" name="Rectangle 3"/>
+          <p:cNvSpPr/>
+          <p:nvPr/>
+        </p:nvSpPr>
+        <p:spPr>
+          <a:xfrm>
+            <a:off x="768626" y="2093843"/>
+            <a:ext cx="2570922" cy="569843"/>
+          </a:xfrm>
+          <a:prstGeom prst="rect">
+            <a:avLst/>
+          </a:prstGeom>
+        </p:spPr>
+        <p:style>
+          <a:lnRef idx="2">
+            <a:schemeClr val="accent1">
+              <a:shade val="50000"/>
+            </a:schemeClr>
+          </a:lnRef>
+          <a:fillRef idx="1">
+            <a:schemeClr val="accent1"/>
+          </a:fillRef>
+          <a:effectRef idx="0">
+            <a:schemeClr val="accent1"/>
+          </a:effectRef>
+          <a:fontRef idx="minor">
+            <a:schemeClr val="lt1"/>
+          </a:fontRef>
+        </p:style>
+        <p:txBody>
+          <a:bodyPr rtlCol="0" anchor="ctr"/>
+          <a:lstStyle/>
+          <a:p>
+            <a:pPr algn="ctr"/>
+            <a:endParaRPr lang="es-ES"/>
+          </a:p>
+        </p:txBody>
+      </p:sp>
+      <p:sp>
+        <p:nvSpPr>
+          <p:cNvPr id="5" name="Rectangle 4"/>
+          <p:cNvSpPr/>
+          <p:nvPr/>
+        </p:nvSpPr>
+        <p:spPr>
+          <a:xfrm>
+            <a:off x="3339548" y="2093843"/>
+            <a:ext cx="974035" cy="569843"/>
+          </a:xfrm>
+          <a:prstGeom prst="rect">
+            <a:avLst/>
+          </a:prstGeom>
+          <a:solidFill>
+            <a:srgbClr val="00B0F0"/>
+          </a:solidFill>
+        </p:spPr>
+        <p:style>
+          <a:lnRef idx="2">
+            <a:schemeClr val="accent1">
+              <a:shade val="50000"/>
+            </a:schemeClr>
+          </a:lnRef>
+          <a:fillRef idx="1">
+            <a:schemeClr val="accent1"/>
+          </a:fillRef>
+          <a:effectRef idx="0">
+            <a:schemeClr val="accent1"/>
+          </a:effectRef>
+          <a:fontRef idx="minor">
+            <a:schemeClr val="lt1"/>
+          </a:fontRef>
+        </p:style>
+        <p:txBody>
+          <a:bodyPr rtlCol="0" anchor="ctr"/>
+          <a:lstStyle/>
+          <a:p>
+            <a:pPr algn="ctr"/>
+            <a:r>
+              <a:rPr lang="es-MX" dirty="0">
+                <a:solidFill>
+                  <a:schemeClr val="tx1"/>
+                </a:solidFill>
+              </a:rPr>
+              <a:t>0.15</a:t>
+            </a:r>
+            <a:endParaRPr lang="es-ES" dirty="0">
+              <a:solidFill>
+                <a:schemeClr val="tx1"/>
+              </a:solidFill>
+            </a:endParaRPr>
+          </a:p>
+        </p:txBody>
+      </p:sp>
+      <p:sp>
+        <p:nvSpPr>
+          <p:cNvPr id="6" name="Rectangle 5"/>
+          <p:cNvSpPr/>
+          <p:nvPr/>
+        </p:nvSpPr>
+        <p:spPr>
+          <a:xfrm>
+            <a:off x="768626" y="2663686"/>
+            <a:ext cx="2570922" cy="569843"/>
+          </a:xfrm>
+          <a:prstGeom prst="rect">
+            <a:avLst/>
+          </a:prstGeom>
+        </p:spPr>
+        <p:style>
+          <a:lnRef idx="2">
+            <a:schemeClr val="accent1">
+              <a:shade val="50000"/>
+            </a:schemeClr>
+          </a:lnRef>
+          <a:fillRef idx="1">
+            <a:schemeClr val="accent1"/>
+          </a:fillRef>
+          <a:effectRef idx="0">
+            <a:schemeClr val="accent1"/>
+          </a:effectRef>
+          <a:fontRef idx="minor">
+            <a:schemeClr val="lt1"/>
+          </a:fontRef>
+        </p:style>
+        <p:txBody>
+          <a:bodyPr rtlCol="0" anchor="ctr"/>
+          <a:lstStyle/>
+          <a:p>
+            <a:pPr algn="ctr"/>
+            <a:endParaRPr lang="es-ES"/>
+          </a:p>
+        </p:txBody>
+      </p:sp>
+      <p:sp>
+        <p:nvSpPr>
+          <p:cNvPr id="7" name="Rectangle 6"/>
+          <p:cNvSpPr/>
+          <p:nvPr/>
+        </p:nvSpPr>
+        <p:spPr>
+          <a:xfrm>
+            <a:off x="3339548" y="2663686"/>
+            <a:ext cx="974035" cy="569843"/>
+          </a:xfrm>
+          <a:prstGeom prst="rect">
+            <a:avLst/>
+          </a:prstGeom>
+          <a:solidFill>
+            <a:srgbClr val="00B0F0"/>
+          </a:solidFill>
+        </p:spPr>
+        <p:style>
+          <a:lnRef idx="2">
+            <a:schemeClr val="accent1">
+              <a:shade val="50000"/>
+            </a:schemeClr>
+          </a:lnRef>
+          <a:fillRef idx="1">
+            <a:schemeClr val="accent1"/>
+          </a:fillRef>
+          <a:effectRef idx="0">
+            <a:schemeClr val="accent1"/>
+          </a:effectRef>
+          <a:fontRef idx="minor">
+            <a:schemeClr val="lt1"/>
+          </a:fontRef>
+        </p:style>
+        <p:txBody>
+          <a:bodyPr rtlCol="0" anchor="ctr"/>
+          <a:lstStyle/>
+          <a:p>
+            <a:pPr algn="ctr"/>
+            <a:r>
+              <a:rPr lang="es-MX" dirty="0">
+                <a:solidFill>
+                  <a:schemeClr val="tx1"/>
+                </a:solidFill>
+              </a:rPr>
+              <a:t>0.25</a:t>
+            </a:r>
+            <a:endParaRPr lang="es-ES" dirty="0">
+              <a:solidFill>
+                <a:schemeClr val="tx1"/>
+              </a:solidFill>
+            </a:endParaRPr>
+          </a:p>
+        </p:txBody>
+      </p:sp>
+      <p:sp>
+        <p:nvSpPr>
+          <p:cNvPr id="8" name="TextBox 7"/>
+          <p:cNvSpPr txBox="1"/>
+          <p:nvPr/>
+        </p:nvSpPr>
+        <p:spPr>
+          <a:xfrm>
+            <a:off x="768626" y="1024092"/>
+            <a:ext cx="1103187" cy="523220"/>
+          </a:xfrm>
+          <a:prstGeom prst="rect">
+            <a:avLst/>
+          </a:prstGeom>
+          <a:noFill/>
+        </p:spPr>
+        <p:txBody>
+          <a:bodyPr wrap="none" rtlCol="0">
+            <a:spAutoFit/>
+          </a:bodyPr>
+          <a:lstStyle/>
+          <a:p>
+            <a:r>
+              <a:rPr lang="es-MX" sz="2800" dirty="0"/>
+              <a:t>Inputs</a:t>
+            </a:r>
+            <a:endParaRPr lang="es-ES" dirty="0"/>
+          </a:p>
+        </p:txBody>
+      </p:sp>
+      <p:sp>
+        <p:nvSpPr>
+          <p:cNvPr id="9" name="Rectangle 8"/>
+          <p:cNvSpPr/>
+          <p:nvPr/>
+        </p:nvSpPr>
+        <p:spPr>
+          <a:xfrm>
+            <a:off x="4856921" y="1524000"/>
+            <a:ext cx="2570922" cy="569843"/>
+          </a:xfrm>
+          <a:prstGeom prst="rect">
+            <a:avLst/>
+          </a:prstGeom>
+          <a:solidFill>
+            <a:schemeClr val="accent6"/>
+          </a:solidFill>
+        </p:spPr>
+        <p:style>
+          <a:lnRef idx="2">
+            <a:schemeClr val="accent1">
+              <a:shade val="50000"/>
+            </a:schemeClr>
+          </a:lnRef>
+          <a:fillRef idx="1">
+            <a:schemeClr val="accent1"/>
+          </a:fillRef>
+          <a:effectRef idx="0">
+            <a:schemeClr val="accent1"/>
+          </a:effectRef>
+          <a:fontRef idx="minor">
+            <a:schemeClr val="lt1"/>
+          </a:fontRef>
+        </p:style>
+        <p:txBody>
+          <a:bodyPr rtlCol="0" anchor="ctr"/>
+          <a:lstStyle/>
+          <a:p>
+            <a:pPr algn="ctr"/>
+            <a:endParaRPr lang="es-ES"/>
+          </a:p>
+        </p:txBody>
+      </p:sp>
+      <p:sp>
+        <p:nvSpPr>
+          <p:cNvPr id="10" name="Rectangle 9"/>
+          <p:cNvSpPr/>
+          <p:nvPr/>
+        </p:nvSpPr>
+        <p:spPr>
+          <a:xfrm>
+            <a:off x="7427843" y="1524000"/>
+            <a:ext cx="974035" cy="569843"/>
+          </a:xfrm>
+          <a:prstGeom prst="rect">
+            <a:avLst/>
+          </a:prstGeom>
+          <a:solidFill>
+            <a:schemeClr val="accent6">
+              <a:lumMod val="60000"/>
+              <a:lumOff val="40000"/>
+            </a:schemeClr>
+          </a:solidFill>
+        </p:spPr>
+        <p:style>
+          <a:lnRef idx="2">
+            <a:schemeClr val="accent1">
+              <a:shade val="50000"/>
+            </a:schemeClr>
+          </a:lnRef>
+          <a:fillRef idx="1">
+            <a:schemeClr val="accent1"/>
+          </a:fillRef>
+          <a:effectRef idx="0">
+            <a:schemeClr val="accent1"/>
+          </a:effectRef>
+          <a:fontRef idx="minor">
+            <a:schemeClr val="lt1"/>
+          </a:fontRef>
+        </p:style>
+        <p:txBody>
+          <a:bodyPr rtlCol="0" anchor="ctr"/>
+          <a:lstStyle/>
+          <a:p>
+            <a:pPr algn="ctr"/>
+            <a:r>
+              <a:rPr lang="es-MX" dirty="0">
+                <a:solidFill>
+                  <a:schemeClr val="tx1"/>
+                </a:solidFill>
+              </a:rPr>
+              <a:t>0.38</a:t>
+            </a:r>
+            <a:endParaRPr lang="es-ES" dirty="0">
+              <a:solidFill>
+                <a:schemeClr val="tx1"/>
+              </a:solidFill>
+            </a:endParaRPr>
+          </a:p>
+        </p:txBody>
+      </p:sp>
+      <p:sp>
+        <p:nvSpPr>
+          <p:cNvPr id="11" name="Rectangle 10"/>
+          <p:cNvSpPr/>
+          <p:nvPr/>
+        </p:nvSpPr>
+        <p:spPr>
+          <a:xfrm>
+            <a:off x="4850295" y="2100467"/>
+            <a:ext cx="2570922" cy="569843"/>
+          </a:xfrm>
+          <a:prstGeom prst="rect">
+            <a:avLst/>
+          </a:prstGeom>
+          <a:solidFill>
+            <a:schemeClr val="accent6"/>
+          </a:solidFill>
+        </p:spPr>
+        <p:style>
+          <a:lnRef idx="2">
+            <a:schemeClr val="accent1">
+              <a:shade val="50000"/>
+            </a:schemeClr>
+          </a:lnRef>
+          <a:fillRef idx="1">
+            <a:schemeClr val="accent1"/>
+          </a:fillRef>
+          <a:effectRef idx="0">
+            <a:schemeClr val="accent1"/>
+          </a:effectRef>
+          <a:fontRef idx="minor">
+            <a:schemeClr val="lt1"/>
+          </a:fontRef>
+        </p:style>
+        <p:txBody>
+          <a:bodyPr rtlCol="0" anchor="ctr"/>
+          <a:lstStyle/>
+          <a:p>
+            <a:pPr algn="ctr"/>
+            <a:endParaRPr lang="es-ES"/>
+          </a:p>
+        </p:txBody>
+      </p:sp>
+      <p:sp>
+        <p:nvSpPr>
+          <p:cNvPr id="12" name="Rectangle 11"/>
+          <p:cNvSpPr/>
+          <p:nvPr/>
+        </p:nvSpPr>
+        <p:spPr>
+          <a:xfrm>
+            <a:off x="7421217" y="2100467"/>
+            <a:ext cx="974035" cy="569843"/>
+          </a:xfrm>
+          <a:prstGeom prst="rect">
+            <a:avLst/>
+          </a:prstGeom>
+          <a:solidFill>
+            <a:schemeClr val="accent6">
+              <a:lumMod val="60000"/>
+              <a:lumOff val="40000"/>
+            </a:schemeClr>
+          </a:solidFill>
+        </p:spPr>
+        <p:style>
+          <a:lnRef idx="2">
+            <a:schemeClr val="accent1">
+              <a:shade val="50000"/>
+            </a:schemeClr>
+          </a:lnRef>
+          <a:fillRef idx="1">
+            <a:schemeClr val="accent1"/>
+          </a:fillRef>
+          <a:effectRef idx="0">
+            <a:schemeClr val="accent1"/>
+          </a:effectRef>
+          <a:fontRef idx="minor">
+            <a:schemeClr val="lt1"/>
+          </a:fontRef>
+        </p:style>
+        <p:txBody>
+          <a:bodyPr rtlCol="0" anchor="ctr"/>
+          <a:lstStyle/>
+          <a:p>
+            <a:pPr algn="ctr"/>
+            <a:r>
+              <a:rPr lang="es-MX" dirty="0">
+                <a:solidFill>
+                  <a:schemeClr val="tx1"/>
+                </a:solidFill>
+              </a:rPr>
+              <a:t>0.02</a:t>
+            </a:r>
+            <a:endParaRPr lang="es-ES" dirty="0">
+              <a:solidFill>
+                <a:schemeClr val="tx1"/>
+              </a:solidFill>
+            </a:endParaRPr>
+          </a:p>
+        </p:txBody>
+      </p:sp>
+      <p:sp>
+        <p:nvSpPr>
+          <p:cNvPr id="13" name="TextBox 12"/>
+          <p:cNvSpPr txBox="1"/>
+          <p:nvPr/>
+        </p:nvSpPr>
+        <p:spPr>
+          <a:xfrm>
+            <a:off x="4841984" y="994156"/>
+            <a:ext cx="1370888" cy="523220"/>
+          </a:xfrm>
+          <a:prstGeom prst="rect">
+            <a:avLst/>
+          </a:prstGeom>
+          <a:noFill/>
+        </p:spPr>
+        <p:txBody>
+          <a:bodyPr wrap="none" rtlCol="0">
+            <a:spAutoFit/>
+          </a:bodyPr>
+          <a:lstStyle/>
+          <a:p>
+            <a:r>
+              <a:rPr lang="es-MX" sz="2800" dirty="0"/>
+              <a:t>Outputs</a:t>
+            </a:r>
+            <a:endParaRPr lang="es-ES" dirty="0"/>
+          </a:p>
+        </p:txBody>
+      </p:sp>
+    </p:spTree>
+    <p:extLst>
+      <p:ext uri="{BB962C8B-B14F-4D97-AF65-F5344CB8AC3E}">
+        <p14:creationId xmlns:p14="http://schemas.microsoft.com/office/powerpoint/2010/main" val="547407720"/>
+      </p:ext>
+    </p:extLst>
+  </p:cSld>
+  <p:clrMapOvr>
+    <a:masterClrMapping/>
+  </p:clrMapOvr>
+</p:sld>
+</file>
+
+<file path=ppt/slides/slide5.xml><?xml version="1.0" encoding="utf-8"?>
+<p:sld xmlns:a="http://schemas.openxmlformats.org/drawingml/2006/main" xmlns:r="http://schemas.openxmlformats.org/officeDocument/2006/relationships" xmlns:p="http://schemas.openxmlformats.org/presentationml/2006/main">
+  <p:cSld>
+    <p:spTree>
+      <p:nvGrpSpPr>
+        <p:cNvPr id="1" name=""/>
+        <p:cNvGrpSpPr/>
+        <p:nvPr/>
+      </p:nvGrpSpPr>
+      <p:grpSpPr>
+        <a:xfrm>
+          <a:off x="0" y="0"/>
+          <a:ext cx="0" cy="0"/>
+          <a:chOff x="0" y="0"/>
+          <a:chExt cx="0" cy="0"/>
+        </a:xfrm>
+      </p:grpSpPr>
+      <p:sp>
+        <p:nvSpPr>
+          <p:cNvPr id="2" name="Rectangle 1"/>
+          <p:cNvSpPr/>
+          <p:nvPr/>
+        </p:nvSpPr>
+        <p:spPr>
+          <a:xfrm>
+            <a:off x="2623930" y="1868557"/>
+            <a:ext cx="967409" cy="715617"/>
+          </a:xfrm>
+          <a:prstGeom prst="rect">
+            <a:avLst/>
+          </a:prstGeom>
+          <a:solidFill>
+            <a:schemeClr val="accent2"/>
+          </a:solidFill>
+        </p:spPr>
+        <p:style>
+          <a:lnRef idx="2">
+            <a:schemeClr val="accent1">
+              <a:shade val="50000"/>
+            </a:schemeClr>
+          </a:lnRef>
+          <a:fillRef idx="1">
+            <a:schemeClr val="accent1"/>
+          </a:fillRef>
+          <a:effectRef idx="0">
+            <a:schemeClr val="accent1"/>
+          </a:effectRef>
+          <a:fontRef idx="minor">
+            <a:schemeClr val="lt1"/>
+          </a:fontRef>
+        </p:style>
+        <p:txBody>
+          <a:bodyPr rtlCol="0" anchor="ctr"/>
+          <a:lstStyle/>
+          <a:p>
+            <a:pPr algn="ctr"/>
+            <a:r>
+              <a:rPr lang="es-MX" dirty="0">
+                <a:solidFill>
+                  <a:schemeClr val="tx1"/>
+                </a:solidFill>
+              </a:rPr>
+              <a:t>From:</a:t>
+            </a:r>
+            <a:endParaRPr lang="es-ES" dirty="0">
+              <a:solidFill>
+                <a:schemeClr val="tx1"/>
+              </a:solidFill>
+            </a:endParaRPr>
+          </a:p>
+        </p:txBody>
+      </p:sp>
+      <p:sp>
+        <p:nvSpPr>
+          <p:cNvPr id="3" name="Rectangle 2"/>
+          <p:cNvSpPr/>
+          <p:nvPr/>
+        </p:nvSpPr>
+        <p:spPr>
+          <a:xfrm>
+            <a:off x="3591339" y="1868556"/>
+            <a:ext cx="4750905" cy="715617"/>
+          </a:xfrm>
+          <a:prstGeom prst="rect">
+            <a:avLst/>
+          </a:prstGeom>
+          <a:solidFill>
+            <a:schemeClr val="accent4"/>
+          </a:solidFill>
+        </p:spPr>
+        <p:style>
+          <a:lnRef idx="2">
+            <a:schemeClr val="accent1">
+              <a:shade val="50000"/>
+            </a:schemeClr>
+          </a:lnRef>
+          <a:fillRef idx="1">
+            <a:schemeClr val="accent1"/>
+          </a:fillRef>
+          <a:effectRef idx="0">
+            <a:schemeClr val="accent1"/>
+          </a:effectRef>
+          <a:fontRef idx="minor">
+            <a:schemeClr val="lt1"/>
+          </a:fontRef>
+        </p:style>
+        <p:txBody>
+          <a:bodyPr rtlCol="0" anchor="ctr"/>
+          <a:lstStyle/>
+          <a:p>
+            <a:pPr algn="ctr"/>
+            <a:r>
+              <a:rPr lang="es-MX" dirty="0">
+                <a:solidFill>
+                  <a:schemeClr val="tx1"/>
+                </a:solidFill>
+              </a:rPr>
+              <a:t>0x5fa78…….</a:t>
+            </a:r>
+            <a:endParaRPr lang="es-ES" dirty="0">
+              <a:solidFill>
+                <a:schemeClr val="tx1"/>
+              </a:solidFill>
+            </a:endParaRPr>
+          </a:p>
+        </p:txBody>
+      </p:sp>
+      <p:sp>
+        <p:nvSpPr>
+          <p:cNvPr id="4" name="Rectangle 3"/>
+          <p:cNvSpPr/>
+          <p:nvPr/>
+        </p:nvSpPr>
+        <p:spPr>
+          <a:xfrm>
+            <a:off x="2623930" y="2584174"/>
+            <a:ext cx="967409" cy="715617"/>
+          </a:xfrm>
+          <a:prstGeom prst="rect">
+            <a:avLst/>
+          </a:prstGeom>
+          <a:solidFill>
+            <a:schemeClr val="accent2"/>
+          </a:solidFill>
+        </p:spPr>
+        <p:style>
+          <a:lnRef idx="2">
+            <a:schemeClr val="accent1">
+              <a:shade val="50000"/>
+            </a:schemeClr>
+          </a:lnRef>
+          <a:fillRef idx="1">
+            <a:schemeClr val="accent1"/>
+          </a:fillRef>
+          <a:effectRef idx="0">
+            <a:schemeClr val="accent1"/>
+          </a:effectRef>
+          <a:fontRef idx="minor">
+            <a:schemeClr val="lt1"/>
+          </a:fontRef>
+        </p:style>
+        <p:txBody>
+          <a:bodyPr rtlCol="0" anchor="ctr"/>
+          <a:lstStyle/>
+          <a:p>
+            <a:pPr algn="ctr"/>
+            <a:r>
+              <a:rPr lang="es-MX" dirty="0">
+                <a:solidFill>
+                  <a:schemeClr val="tx1"/>
+                </a:solidFill>
+              </a:rPr>
+              <a:t>To:</a:t>
+            </a:r>
+            <a:endParaRPr lang="es-ES" dirty="0">
+              <a:solidFill>
+                <a:schemeClr val="tx1"/>
+              </a:solidFill>
+            </a:endParaRPr>
+          </a:p>
+        </p:txBody>
+      </p:sp>
+      <p:sp>
+        <p:nvSpPr>
+          <p:cNvPr id="5" name="Rectangle 4"/>
+          <p:cNvSpPr/>
+          <p:nvPr/>
+        </p:nvSpPr>
+        <p:spPr>
+          <a:xfrm>
+            <a:off x="3591339" y="2584173"/>
+            <a:ext cx="4750905" cy="715617"/>
+          </a:xfrm>
+          <a:prstGeom prst="rect">
+            <a:avLst/>
+          </a:prstGeom>
+          <a:solidFill>
+            <a:schemeClr val="accent4"/>
+          </a:solidFill>
+        </p:spPr>
+        <p:style>
+          <a:lnRef idx="2">
+            <a:schemeClr val="accent1">
+              <a:shade val="50000"/>
+            </a:schemeClr>
+          </a:lnRef>
+          <a:fillRef idx="1">
+            <a:schemeClr val="accent1"/>
+          </a:fillRef>
+          <a:effectRef idx="0">
+            <a:schemeClr val="accent1"/>
+          </a:effectRef>
+          <a:fontRef idx="minor">
+            <a:schemeClr val="lt1"/>
+          </a:fontRef>
+        </p:style>
+        <p:txBody>
+          <a:bodyPr rtlCol="0" anchor="ctr"/>
+          <a:lstStyle/>
+          <a:p>
+            <a:pPr algn="ctr"/>
+            <a:r>
+              <a:rPr lang="es-MX" dirty="0">
+                <a:solidFill>
+                  <a:schemeClr val="tx1"/>
+                </a:solidFill>
+              </a:rPr>
+              <a:t>0x46b88…….</a:t>
+            </a:r>
+            <a:endParaRPr lang="es-ES" dirty="0">
+              <a:solidFill>
+                <a:schemeClr val="tx1"/>
+              </a:solidFill>
+            </a:endParaRPr>
+          </a:p>
+        </p:txBody>
+      </p:sp>
+      <p:sp>
+        <p:nvSpPr>
+          <p:cNvPr id="6" name="Rectangle 5"/>
+          <p:cNvSpPr/>
+          <p:nvPr/>
+        </p:nvSpPr>
+        <p:spPr>
+          <a:xfrm>
+            <a:off x="2623930" y="3299791"/>
+            <a:ext cx="967409" cy="715617"/>
+          </a:xfrm>
+          <a:prstGeom prst="rect">
+            <a:avLst/>
+          </a:prstGeom>
+          <a:solidFill>
+            <a:schemeClr val="accent2"/>
+          </a:solidFill>
+        </p:spPr>
+        <p:style>
+          <a:lnRef idx="2">
+            <a:schemeClr val="accent1">
+              <a:shade val="50000"/>
+            </a:schemeClr>
+          </a:lnRef>
+          <a:fillRef idx="1">
+            <a:schemeClr val="accent1"/>
+          </a:fillRef>
+          <a:effectRef idx="0">
+            <a:schemeClr val="accent1"/>
+          </a:effectRef>
+          <a:fontRef idx="minor">
+            <a:schemeClr val="lt1"/>
+          </a:fontRef>
+        </p:style>
+        <p:txBody>
+          <a:bodyPr rtlCol="0" anchor="ctr"/>
+          <a:lstStyle/>
+          <a:p>
+            <a:pPr algn="ctr"/>
+            <a:r>
+              <a:rPr lang="es-MX" dirty="0" err="1">
+                <a:solidFill>
+                  <a:schemeClr val="tx1"/>
+                </a:solidFill>
+              </a:rPr>
+              <a:t>Value</a:t>
+            </a:r>
+            <a:r>
+              <a:rPr lang="es-MX" dirty="0">
+                <a:solidFill>
+                  <a:schemeClr val="tx1"/>
+                </a:solidFill>
+              </a:rPr>
+              <a:t>:</a:t>
+            </a:r>
+            <a:endParaRPr lang="es-ES" dirty="0">
+              <a:solidFill>
+                <a:schemeClr val="tx1"/>
+              </a:solidFill>
+            </a:endParaRPr>
+          </a:p>
+        </p:txBody>
+      </p:sp>
+      <p:sp>
+        <p:nvSpPr>
+          <p:cNvPr id="7" name="Rectangle 6"/>
+          <p:cNvSpPr/>
+          <p:nvPr/>
+        </p:nvSpPr>
+        <p:spPr>
+          <a:xfrm>
+            <a:off x="3591339" y="3299790"/>
+            <a:ext cx="4750905" cy="715617"/>
+          </a:xfrm>
+          <a:prstGeom prst="rect">
+            <a:avLst/>
+          </a:prstGeom>
+          <a:solidFill>
+            <a:schemeClr val="accent4"/>
+          </a:solidFill>
+        </p:spPr>
+        <p:style>
+          <a:lnRef idx="2">
+            <a:schemeClr val="accent1">
+              <a:shade val="50000"/>
+            </a:schemeClr>
+          </a:lnRef>
+          <a:fillRef idx="1">
+            <a:schemeClr val="accent1"/>
+          </a:fillRef>
+          <a:effectRef idx="0">
+            <a:schemeClr val="accent1"/>
+          </a:effectRef>
+          <a:fontRef idx="minor">
+            <a:schemeClr val="lt1"/>
+          </a:fontRef>
+        </p:style>
+        <p:txBody>
+          <a:bodyPr rtlCol="0" anchor="ctr"/>
+          <a:lstStyle/>
+          <a:p>
+            <a:pPr algn="ctr"/>
+            <a:r>
+              <a:rPr lang="es-MX" dirty="0">
+                <a:solidFill>
+                  <a:schemeClr val="tx1"/>
+                </a:solidFill>
+              </a:rPr>
+              <a:t>0.012</a:t>
+            </a:r>
+            <a:endParaRPr lang="es-ES" dirty="0">
+              <a:solidFill>
+                <a:schemeClr val="tx1"/>
+              </a:solidFill>
+            </a:endParaRPr>
+          </a:p>
+        </p:txBody>
+      </p:sp>
+    </p:spTree>
+    <p:extLst>
+      <p:ext uri="{BB962C8B-B14F-4D97-AF65-F5344CB8AC3E}">
+        <p14:creationId xmlns:p14="http://schemas.microsoft.com/office/powerpoint/2010/main" val="3355114092"/>
+      </p:ext>
+    </p:extLst>
+  </p:cSld>
+  <p:clrMapOvr>
+    <a:masterClrMapping/>
+  </p:clrMapOvr>
+</p:sld>
+</file>
+
+<file path=ppt/slides/slide6.xml><?xml version="1.0" encoding="utf-8"?>
+<p:sld xmlns:a="http://schemas.openxmlformats.org/drawingml/2006/main" xmlns:r="http://schemas.openxmlformats.org/officeDocument/2006/relationships" xmlns:p="http://schemas.openxmlformats.org/presentationml/2006/main">
+  <p:cSld>
+    <p:spTree>
+      <p:nvGrpSpPr>
+        <p:cNvPr id="1" name=""/>
+        <p:cNvGrpSpPr/>
+        <p:nvPr/>
+      </p:nvGrpSpPr>
+      <p:grpSpPr>
+        <a:xfrm>
+          <a:off x="0" y="0"/>
+          <a:ext cx="0" cy="0"/>
+          <a:chOff x="0" y="0"/>
+          <a:chExt cx="0" cy="0"/>
+        </a:xfrm>
+      </p:grpSpPr>
+      <p:sp>
+        <p:nvSpPr>
+          <p:cNvPr id="2" name="Title 1"/>
+          <p:cNvSpPr>
+            <a:spLocks noGrp="1"/>
+          </p:cNvSpPr>
+          <p:nvPr>
+            <p:ph type="title"/>
+          </p:nvPr>
+        </p:nvSpPr>
+        <p:spPr>
+          <a:xfrm>
+            <a:off x="866213" y="280395"/>
+            <a:ext cx="10515600" cy="1325563"/>
+          </a:xfrm>
+        </p:spPr>
+        <p:txBody>
+          <a:bodyPr/>
+          <a:lstStyle/>
+          <a:p>
+            <a:r>
+              <a:rPr lang="en-US" dirty="0"/>
+              <a:t>Nodes</a:t>
+            </a:r>
+          </a:p>
+        </p:txBody>
+      </p:sp>
+      <p:sp>
+        <p:nvSpPr>
+          <p:cNvPr id="3" name="Oval 2"/>
+          <p:cNvSpPr/>
+          <p:nvPr/>
+        </p:nvSpPr>
+        <p:spPr>
+          <a:xfrm>
+            <a:off x="5087155" y="1252806"/>
+            <a:ext cx="875763" cy="875763"/>
+          </a:xfrm>
+          <a:prstGeom prst="ellipse">
+            <a:avLst/>
+          </a:prstGeom>
+          <a:solidFill>
+            <a:srgbClr val="FFC000"/>
+          </a:solidFill>
+        </p:spPr>
+        <p:style>
+          <a:lnRef idx="2">
+            <a:schemeClr val="accent1">
+              <a:shade val="50000"/>
+            </a:schemeClr>
+          </a:lnRef>
+          <a:fillRef idx="1">
+            <a:schemeClr val="accent1"/>
+          </a:fillRef>
+          <a:effectRef idx="0">
+            <a:schemeClr val="accent1"/>
+          </a:effectRef>
+          <a:fontRef idx="minor">
+            <a:schemeClr val="lt1"/>
+          </a:fontRef>
+        </p:style>
+        <p:txBody>
+          <a:bodyPr rtlCol="0" anchor="ctr"/>
+          <a:lstStyle/>
+          <a:p>
+            <a:pPr algn="ctr"/>
+            <a:endParaRPr lang="en-US"/>
+          </a:p>
+        </p:txBody>
+      </p:sp>
+      <p:sp>
+        <p:nvSpPr>
+          <p:cNvPr id="4" name="Oval 3"/>
+          <p:cNvSpPr/>
+          <p:nvPr/>
+        </p:nvSpPr>
+        <p:spPr>
+          <a:xfrm>
+            <a:off x="2187262" y="3066581"/>
+            <a:ext cx="875763" cy="875763"/>
+          </a:xfrm>
+          <a:prstGeom prst="ellipse">
+            <a:avLst/>
+          </a:prstGeom>
+          <a:solidFill>
+            <a:srgbClr val="FFC000"/>
+          </a:solidFill>
+        </p:spPr>
+        <p:style>
+          <a:lnRef idx="2">
+            <a:schemeClr val="accent1">
+              <a:shade val="50000"/>
+            </a:schemeClr>
+          </a:lnRef>
+          <a:fillRef idx="1">
+            <a:schemeClr val="accent1"/>
+          </a:fillRef>
+          <a:effectRef idx="0">
+            <a:schemeClr val="accent1"/>
+          </a:effectRef>
+          <a:fontRef idx="minor">
+            <a:schemeClr val="lt1"/>
+          </a:fontRef>
+        </p:style>
+        <p:txBody>
+          <a:bodyPr rtlCol="0" anchor="ctr"/>
+          <a:lstStyle/>
+          <a:p>
+            <a:pPr algn="ctr"/>
+            <a:endParaRPr lang="en-US"/>
+          </a:p>
+        </p:txBody>
+      </p:sp>
+      <p:sp>
+        <p:nvSpPr>
+          <p:cNvPr id="5" name="Oval 4"/>
+          <p:cNvSpPr/>
+          <p:nvPr/>
+        </p:nvSpPr>
+        <p:spPr>
+          <a:xfrm>
+            <a:off x="4376670" y="5088564"/>
+            <a:ext cx="875763" cy="875763"/>
+          </a:xfrm>
+          <a:prstGeom prst="ellipse">
+            <a:avLst/>
+          </a:prstGeom>
+          <a:solidFill>
+            <a:srgbClr val="FFC000"/>
+          </a:solidFill>
+        </p:spPr>
+        <p:style>
+          <a:lnRef idx="2">
+            <a:schemeClr val="accent1">
+              <a:shade val="50000"/>
+            </a:schemeClr>
+          </a:lnRef>
+          <a:fillRef idx="1">
+            <a:schemeClr val="accent1"/>
+          </a:fillRef>
+          <a:effectRef idx="0">
+            <a:schemeClr val="accent1"/>
+          </a:effectRef>
+          <a:fontRef idx="minor">
+            <a:schemeClr val="lt1"/>
+          </a:fontRef>
+        </p:style>
+        <p:txBody>
+          <a:bodyPr rtlCol="0" anchor="ctr"/>
+          <a:lstStyle/>
+          <a:p>
+            <a:pPr algn="ctr"/>
+            <a:endParaRPr lang="en-US"/>
+          </a:p>
+        </p:txBody>
+      </p:sp>
+      <p:sp>
+        <p:nvSpPr>
+          <p:cNvPr id="6" name="Oval 5"/>
+          <p:cNvSpPr/>
+          <p:nvPr/>
+        </p:nvSpPr>
+        <p:spPr>
+          <a:xfrm>
+            <a:off x="6746384" y="3861114"/>
+            <a:ext cx="875763" cy="875763"/>
+          </a:xfrm>
+          <a:prstGeom prst="ellipse">
+            <a:avLst/>
+          </a:prstGeom>
+          <a:solidFill>
+            <a:srgbClr val="FFC000"/>
+          </a:solidFill>
+        </p:spPr>
+        <p:style>
+          <a:lnRef idx="2">
+            <a:schemeClr val="accent1">
+              <a:shade val="50000"/>
+            </a:schemeClr>
+          </a:lnRef>
+          <a:fillRef idx="1">
+            <a:schemeClr val="accent1"/>
+          </a:fillRef>
+          <a:effectRef idx="0">
+            <a:schemeClr val="accent1"/>
+          </a:effectRef>
+          <a:fontRef idx="minor">
+            <a:schemeClr val="lt1"/>
+          </a:fontRef>
+        </p:style>
+        <p:txBody>
+          <a:bodyPr rtlCol="0" anchor="ctr"/>
+          <a:lstStyle/>
+          <a:p>
+            <a:pPr algn="ctr"/>
+            <a:endParaRPr lang="en-US"/>
+          </a:p>
+        </p:txBody>
+      </p:sp>
+      <p:sp>
+        <p:nvSpPr>
+          <p:cNvPr id="7" name="Oval 6"/>
+          <p:cNvSpPr/>
+          <p:nvPr/>
+        </p:nvSpPr>
+        <p:spPr>
+          <a:xfrm>
+            <a:off x="8910034" y="1940753"/>
+            <a:ext cx="875763" cy="875763"/>
+          </a:xfrm>
+          <a:prstGeom prst="ellipse">
+            <a:avLst/>
+          </a:prstGeom>
+          <a:solidFill>
+            <a:srgbClr val="FFC000"/>
+          </a:solidFill>
+        </p:spPr>
+        <p:style>
+          <a:lnRef idx="2">
+            <a:schemeClr val="accent1">
+              <a:shade val="50000"/>
+            </a:schemeClr>
+          </a:lnRef>
+          <a:fillRef idx="1">
+            <a:schemeClr val="accent1"/>
+          </a:fillRef>
+          <a:effectRef idx="0">
+            <a:schemeClr val="accent1"/>
+          </a:effectRef>
+          <a:fontRef idx="minor">
+            <a:schemeClr val="lt1"/>
+          </a:fontRef>
+        </p:style>
+        <p:txBody>
+          <a:bodyPr rtlCol="0" anchor="ctr"/>
+          <a:lstStyle/>
+          <a:p>
+            <a:pPr algn="ctr"/>
+            <a:endParaRPr lang="en-US"/>
+          </a:p>
+        </p:txBody>
+      </p:sp>
+      <p:cxnSp>
+        <p:nvCxnSpPr>
+          <p:cNvPr id="9" name="Straight Arrow Connector 8"/>
+          <p:cNvCxnSpPr/>
+          <p:nvPr/>
+        </p:nvCxnSpPr>
+        <p:spPr>
+          <a:xfrm flipV="1">
+            <a:off x="2954628" y="1715542"/>
+            <a:ext cx="2152383" cy="1504147"/>
+          </a:xfrm>
+          <a:prstGeom prst="straightConnector1">
+            <a:avLst/>
+          </a:prstGeom>
+          <a:ln w="19050">
+            <a:headEnd type="triangle"/>
+            <a:tailEnd type="triangle"/>
+          </a:ln>
+        </p:spPr>
+        <p:style>
+          <a:lnRef idx="1">
+            <a:schemeClr val="accent1"/>
+          </a:lnRef>
+          <a:fillRef idx="0">
+            <a:schemeClr val="accent1"/>
+          </a:fillRef>
+          <a:effectRef idx="0">
+            <a:schemeClr val="accent1"/>
+          </a:effectRef>
+          <a:fontRef idx="minor">
+            <a:schemeClr val="tx1"/>
+          </a:fontRef>
+        </p:style>
+      </p:cxnSp>
+      <p:cxnSp>
+        <p:nvCxnSpPr>
+          <p:cNvPr id="10" name="Straight Arrow Connector 9"/>
+          <p:cNvCxnSpPr>
+            <a:stCxn id="4" idx="5"/>
+            <a:endCxn id="5" idx="1"/>
+          </p:cNvCxnSpPr>
+          <p:nvPr/>
+        </p:nvCxnSpPr>
+        <p:spPr>
+          <a:xfrm>
+            <a:off x="2934772" y="3814091"/>
+            <a:ext cx="1570151" cy="1402726"/>
+          </a:xfrm>
+          <a:prstGeom prst="straightConnector1">
+            <a:avLst/>
+          </a:prstGeom>
+          <a:ln w="19050">
+            <a:headEnd type="triangle"/>
+            <a:tailEnd type="triangle"/>
+          </a:ln>
+        </p:spPr>
+        <p:style>
+          <a:lnRef idx="1">
+            <a:schemeClr val="accent1"/>
+          </a:lnRef>
+          <a:fillRef idx="0">
+            <a:schemeClr val="accent1"/>
+          </a:fillRef>
+          <a:effectRef idx="0">
+            <a:schemeClr val="accent1"/>
+          </a:effectRef>
+          <a:fontRef idx="minor">
+            <a:schemeClr val="tx1"/>
+          </a:fontRef>
+        </p:style>
+      </p:cxnSp>
+      <p:cxnSp>
+        <p:nvCxnSpPr>
+          <p:cNvPr id="15" name="Straight Arrow Connector 14"/>
+          <p:cNvCxnSpPr>
+            <a:stCxn id="5" idx="6"/>
+            <a:endCxn id="6" idx="3"/>
+          </p:cNvCxnSpPr>
+          <p:nvPr/>
+        </p:nvCxnSpPr>
+        <p:spPr>
+          <a:xfrm flipV="1">
+            <a:off x="5252433" y="4608624"/>
+            <a:ext cx="1622204" cy="917822"/>
+          </a:xfrm>
+          <a:prstGeom prst="straightConnector1">
+            <a:avLst/>
+          </a:prstGeom>
+          <a:ln w="19050">
+            <a:headEnd type="triangle"/>
+            <a:tailEnd type="triangle"/>
+          </a:ln>
+        </p:spPr>
+        <p:style>
+          <a:lnRef idx="1">
+            <a:schemeClr val="accent1"/>
+          </a:lnRef>
+          <a:fillRef idx="0">
+            <a:schemeClr val="accent1"/>
+          </a:fillRef>
+          <a:effectRef idx="0">
+            <a:schemeClr val="accent1"/>
+          </a:effectRef>
+          <a:fontRef idx="minor">
+            <a:schemeClr val="tx1"/>
+          </a:fontRef>
+        </p:style>
+      </p:cxnSp>
+      <p:cxnSp>
+        <p:nvCxnSpPr>
+          <p:cNvPr id="18" name="Straight Arrow Connector 17"/>
+          <p:cNvCxnSpPr>
+            <a:stCxn id="3" idx="5"/>
+            <a:endCxn id="6" idx="1"/>
+          </p:cNvCxnSpPr>
+          <p:nvPr/>
+        </p:nvCxnSpPr>
+        <p:spPr>
+          <a:xfrm>
+            <a:off x="5834665" y="2000316"/>
+            <a:ext cx="1039972" cy="1989051"/>
+          </a:xfrm>
+          <a:prstGeom prst="straightConnector1">
+            <a:avLst/>
+          </a:prstGeom>
+          <a:ln w="19050">
+            <a:headEnd type="triangle"/>
+            <a:tailEnd type="triangle"/>
+          </a:ln>
+        </p:spPr>
+        <p:style>
+          <a:lnRef idx="1">
+            <a:schemeClr val="accent1"/>
+          </a:lnRef>
+          <a:fillRef idx="0">
+            <a:schemeClr val="accent1"/>
+          </a:fillRef>
+          <a:effectRef idx="0">
+            <a:schemeClr val="accent1"/>
+          </a:effectRef>
+          <a:fontRef idx="minor">
+            <a:schemeClr val="tx1"/>
+          </a:fontRef>
+        </p:style>
+      </p:cxnSp>
+      <p:cxnSp>
+        <p:nvCxnSpPr>
+          <p:cNvPr id="21" name="Straight Arrow Connector 20"/>
+          <p:cNvCxnSpPr>
+            <a:endCxn id="7" idx="2"/>
+          </p:cNvCxnSpPr>
+          <p:nvPr/>
+        </p:nvCxnSpPr>
+        <p:spPr>
+          <a:xfrm>
+            <a:off x="5962918" y="1644270"/>
+            <a:ext cx="2947116" cy="734365"/>
+          </a:xfrm>
+          <a:prstGeom prst="straightConnector1">
+            <a:avLst/>
+          </a:prstGeom>
+          <a:ln w="19050">
+            <a:headEnd type="triangle"/>
+            <a:tailEnd type="triangle"/>
+          </a:ln>
+        </p:spPr>
+        <p:style>
+          <a:lnRef idx="1">
+            <a:schemeClr val="accent1"/>
+          </a:lnRef>
+          <a:fillRef idx="0">
+            <a:schemeClr val="accent1"/>
+          </a:fillRef>
+          <a:effectRef idx="0">
+            <a:schemeClr val="accent1"/>
+          </a:effectRef>
+          <a:fontRef idx="minor">
+            <a:schemeClr val="tx1"/>
+          </a:fontRef>
+        </p:style>
+      </p:cxnSp>
+      <p:cxnSp>
+        <p:nvCxnSpPr>
+          <p:cNvPr id="24" name="Straight Arrow Connector 23"/>
+          <p:cNvCxnSpPr>
+            <a:stCxn id="6" idx="6"/>
+            <a:endCxn id="7" idx="3"/>
+          </p:cNvCxnSpPr>
+          <p:nvPr/>
+        </p:nvCxnSpPr>
+        <p:spPr>
+          <a:xfrm flipV="1">
+            <a:off x="7622147" y="2688263"/>
+            <a:ext cx="1416140" cy="1610733"/>
+          </a:xfrm>
+          <a:prstGeom prst="straightConnector1">
+            <a:avLst/>
+          </a:prstGeom>
+          <a:ln w="19050">
+            <a:headEnd type="triangle"/>
+            <a:tailEnd type="triangle"/>
+          </a:ln>
+        </p:spPr>
+        <p:style>
+          <a:lnRef idx="1">
+            <a:schemeClr val="accent1"/>
+          </a:lnRef>
+          <a:fillRef idx="0">
+            <a:schemeClr val="accent1"/>
+          </a:fillRef>
+          <a:effectRef idx="0">
+            <a:schemeClr val="accent1"/>
+          </a:effectRef>
+          <a:fontRef idx="minor">
+            <a:schemeClr val="tx1"/>
+          </a:fontRef>
+        </p:style>
+      </p:cxnSp>
+      <p:sp>
+        <p:nvSpPr>
+          <p:cNvPr id="28" name="Oval 27"/>
+          <p:cNvSpPr/>
+          <p:nvPr/>
+        </p:nvSpPr>
+        <p:spPr>
+          <a:xfrm>
+            <a:off x="3827037" y="1940753"/>
+            <a:ext cx="356047" cy="356047"/>
+          </a:xfrm>
+          <a:prstGeom prst="ellipse">
+            <a:avLst/>
+          </a:prstGeom>
+          <a:solidFill>
+            <a:srgbClr val="FF0000"/>
+          </a:solidFill>
+        </p:spPr>
+        <p:style>
+          <a:lnRef idx="2">
+            <a:schemeClr val="accent1">
+              <a:shade val="50000"/>
+            </a:schemeClr>
+          </a:lnRef>
+          <a:fillRef idx="1">
+            <a:schemeClr val="accent1"/>
+          </a:fillRef>
+          <a:effectRef idx="0">
+            <a:schemeClr val="accent1"/>
+          </a:effectRef>
+          <a:fontRef idx="minor">
+            <a:schemeClr val="lt1"/>
+          </a:fontRef>
+        </p:style>
+        <p:txBody>
+          <a:bodyPr rtlCol="0" anchor="ctr"/>
+          <a:lstStyle/>
+          <a:p>
+            <a:pPr algn="ctr"/>
+            <a:endParaRPr lang="en-US"/>
+          </a:p>
+        </p:txBody>
+      </p:sp>
+      <p:sp>
+        <p:nvSpPr>
+          <p:cNvPr id="30" name="Oval 29"/>
+          <p:cNvSpPr/>
+          <p:nvPr/>
+        </p:nvSpPr>
+        <p:spPr>
+          <a:xfrm>
+            <a:off x="3212875" y="2378634"/>
+            <a:ext cx="356047" cy="356047"/>
+          </a:xfrm>
+          <a:prstGeom prst="ellipse">
+            <a:avLst/>
+          </a:prstGeom>
+          <a:solidFill>
+            <a:srgbClr val="FF0000"/>
+          </a:solidFill>
+        </p:spPr>
+        <p:style>
+          <a:lnRef idx="2">
+            <a:schemeClr val="accent1">
+              <a:shade val="50000"/>
+            </a:schemeClr>
+          </a:lnRef>
+          <a:fillRef idx="1">
+            <a:schemeClr val="accent1"/>
+          </a:fillRef>
+          <a:effectRef idx="0">
+            <a:schemeClr val="accent1"/>
+          </a:effectRef>
+          <a:fontRef idx="minor">
+            <a:schemeClr val="lt1"/>
+          </a:fontRef>
+        </p:style>
+        <p:txBody>
+          <a:bodyPr rtlCol="0" anchor="ctr"/>
+          <a:lstStyle/>
+          <a:p>
+            <a:pPr algn="ctr"/>
+            <a:endParaRPr lang="en-US"/>
+          </a:p>
+        </p:txBody>
+      </p:sp>
+      <p:sp>
+        <p:nvSpPr>
+          <p:cNvPr id="31" name="Oval 30"/>
+          <p:cNvSpPr/>
+          <p:nvPr/>
+        </p:nvSpPr>
+        <p:spPr>
+          <a:xfrm>
+            <a:off x="3361131" y="4558853"/>
+            <a:ext cx="356047" cy="356047"/>
+          </a:xfrm>
+          <a:prstGeom prst="ellipse">
+            <a:avLst/>
+          </a:prstGeom>
+          <a:solidFill>
+            <a:srgbClr val="FF0000"/>
+          </a:solidFill>
+        </p:spPr>
+        <p:style>
+          <a:lnRef idx="2">
+            <a:schemeClr val="accent1">
+              <a:shade val="50000"/>
+            </a:schemeClr>
+          </a:lnRef>
+          <a:fillRef idx="1">
+            <a:schemeClr val="accent1"/>
+          </a:fillRef>
+          <a:effectRef idx="0">
+            <a:schemeClr val="accent1"/>
+          </a:effectRef>
+          <a:fontRef idx="minor">
+            <a:schemeClr val="lt1"/>
+          </a:fontRef>
+        </p:style>
+        <p:txBody>
+          <a:bodyPr rtlCol="0" anchor="ctr"/>
+          <a:lstStyle/>
+          <a:p>
+            <a:pPr algn="ctr"/>
+            <a:endParaRPr lang="en-US"/>
+          </a:p>
+        </p:txBody>
+      </p:sp>
+      <p:sp>
+        <p:nvSpPr>
+          <p:cNvPr id="32" name="Oval 31"/>
+          <p:cNvSpPr/>
+          <p:nvPr/>
+        </p:nvSpPr>
+        <p:spPr>
+          <a:xfrm>
+            <a:off x="6124014" y="5067535"/>
+            <a:ext cx="356047" cy="356047"/>
+          </a:xfrm>
+          <a:prstGeom prst="ellipse">
+            <a:avLst/>
+          </a:prstGeom>
+          <a:solidFill>
+            <a:srgbClr val="FF0000"/>
+          </a:solidFill>
+        </p:spPr>
+        <p:style>
+          <a:lnRef idx="2">
+            <a:schemeClr val="accent1">
+              <a:shade val="50000"/>
+            </a:schemeClr>
+          </a:lnRef>
+          <a:fillRef idx="1">
+            <a:schemeClr val="accent1"/>
+          </a:fillRef>
+          <a:effectRef idx="0">
+            <a:schemeClr val="accent1"/>
+          </a:effectRef>
+          <a:fontRef idx="minor">
+            <a:schemeClr val="lt1"/>
+          </a:fontRef>
+        </p:style>
+        <p:txBody>
+          <a:bodyPr rtlCol="0" anchor="ctr"/>
+          <a:lstStyle/>
+          <a:p>
+            <a:pPr algn="ctr"/>
+            <a:endParaRPr lang="en-US"/>
+          </a:p>
+        </p:txBody>
+      </p:sp>
+      <p:sp>
+        <p:nvSpPr>
+          <p:cNvPr id="33" name="Oval 32"/>
+          <p:cNvSpPr/>
+          <p:nvPr/>
+        </p:nvSpPr>
+        <p:spPr>
+          <a:xfrm>
+            <a:off x="5945990" y="3005977"/>
+            <a:ext cx="356047" cy="356047"/>
+          </a:xfrm>
+          <a:prstGeom prst="ellipse">
+            <a:avLst/>
+          </a:prstGeom>
+          <a:solidFill>
+            <a:srgbClr val="FF0000"/>
+          </a:solidFill>
+        </p:spPr>
+        <p:style>
+          <a:lnRef idx="2">
+            <a:schemeClr val="accent1">
+              <a:shade val="50000"/>
+            </a:schemeClr>
+          </a:lnRef>
+          <a:fillRef idx="1">
+            <a:schemeClr val="accent1"/>
+          </a:fillRef>
+          <a:effectRef idx="0">
+            <a:schemeClr val="accent1"/>
+          </a:effectRef>
+          <a:fontRef idx="minor">
+            <a:schemeClr val="lt1"/>
+          </a:fontRef>
+        </p:style>
+        <p:txBody>
+          <a:bodyPr rtlCol="0" anchor="ctr"/>
+          <a:lstStyle/>
+          <a:p>
+            <a:pPr algn="ctr"/>
+            <a:endParaRPr lang="en-US"/>
+          </a:p>
+        </p:txBody>
+      </p:sp>
+      <p:sp>
+        <p:nvSpPr>
+          <p:cNvPr id="34" name="Oval 33"/>
+          <p:cNvSpPr/>
+          <p:nvPr/>
+        </p:nvSpPr>
+        <p:spPr>
+          <a:xfrm>
+            <a:off x="7436476" y="1584706"/>
+            <a:ext cx="356047" cy="356047"/>
+          </a:xfrm>
+          <a:prstGeom prst="ellipse">
+            <a:avLst/>
+          </a:prstGeom>
+          <a:solidFill>
+            <a:srgbClr val="FF0000"/>
+          </a:solidFill>
+        </p:spPr>
+        <p:style>
+          <a:lnRef idx="2">
+            <a:schemeClr val="accent1">
+              <a:shade val="50000"/>
+            </a:schemeClr>
+          </a:lnRef>
+          <a:fillRef idx="1">
+            <a:schemeClr val="accent1"/>
+          </a:fillRef>
+          <a:effectRef idx="0">
+            <a:schemeClr val="accent1"/>
+          </a:effectRef>
+          <a:fontRef idx="minor">
+            <a:schemeClr val="lt1"/>
+          </a:fontRef>
+        </p:style>
+        <p:txBody>
+          <a:bodyPr rtlCol="0" anchor="ctr"/>
+          <a:lstStyle/>
+          <a:p>
+            <a:pPr algn="ctr"/>
+            <a:endParaRPr lang="en-US"/>
+          </a:p>
+        </p:txBody>
+      </p:sp>
+      <p:sp>
+        <p:nvSpPr>
+          <p:cNvPr id="35" name="Rectangle 34"/>
+          <p:cNvSpPr/>
+          <p:nvPr/>
+        </p:nvSpPr>
+        <p:spPr>
+          <a:xfrm rot="19489243">
+            <a:off x="3898235" y="2428970"/>
+            <a:ext cx="810361" cy="415170"/>
+          </a:xfrm>
+          <a:prstGeom prst="rect">
+            <a:avLst/>
+          </a:prstGeom>
+          <a:solidFill>
+            <a:srgbClr val="92D050"/>
+          </a:solidFill>
+        </p:spPr>
+        <p:style>
+          <a:lnRef idx="2">
+            <a:schemeClr val="accent1">
+              <a:shade val="50000"/>
+            </a:schemeClr>
+          </a:lnRef>
+          <a:fillRef idx="1">
+            <a:schemeClr val="accent1"/>
+          </a:fillRef>
+          <a:effectRef idx="0">
+            <a:schemeClr val="accent1"/>
+          </a:effectRef>
+          <a:fontRef idx="minor">
+            <a:schemeClr val="lt1"/>
+          </a:fontRef>
+        </p:style>
+        <p:txBody>
+          <a:bodyPr rtlCol="0" anchor="ctr"/>
+          <a:lstStyle/>
+          <a:p>
+            <a:pPr algn="ctr"/>
+            <a:endParaRPr lang="en-US"/>
+          </a:p>
+        </p:txBody>
+      </p:sp>
+      <p:sp>
+        <p:nvSpPr>
+          <p:cNvPr id="36" name="Rectangle 35"/>
+          <p:cNvSpPr/>
+          <p:nvPr/>
+        </p:nvSpPr>
+        <p:spPr>
+          <a:xfrm rot="18790922">
+            <a:off x="8330889" y="3332164"/>
+            <a:ext cx="741053" cy="379662"/>
+          </a:xfrm>
+          <a:prstGeom prst="rect">
+            <a:avLst/>
+          </a:prstGeom>
+          <a:solidFill>
+            <a:srgbClr val="92D050"/>
+          </a:solidFill>
+        </p:spPr>
+        <p:style>
+          <a:lnRef idx="2">
+            <a:schemeClr val="accent1">
+              <a:shade val="50000"/>
+            </a:schemeClr>
+          </a:lnRef>
+          <a:fillRef idx="1">
+            <a:schemeClr val="accent1"/>
+          </a:fillRef>
+          <a:effectRef idx="0">
+            <a:schemeClr val="accent1"/>
+          </a:effectRef>
+          <a:fontRef idx="minor">
+            <a:schemeClr val="lt1"/>
+          </a:fontRef>
+        </p:style>
+        <p:txBody>
+          <a:bodyPr rtlCol="0" anchor="ctr"/>
+          <a:lstStyle/>
+          <a:p>
+            <a:pPr algn="ctr"/>
+            <a:endParaRPr lang="en-US"/>
+          </a:p>
+        </p:txBody>
+      </p:sp>
+      <p:sp>
+        <p:nvSpPr>
+          <p:cNvPr id="37" name="Rectangle 36"/>
+          <p:cNvSpPr/>
+          <p:nvPr/>
+        </p:nvSpPr>
+        <p:spPr>
+          <a:xfrm rot="19825340">
+            <a:off x="5623220" y="4606433"/>
+            <a:ext cx="741053" cy="379662"/>
+          </a:xfrm>
+          <a:prstGeom prst="rect">
+            <a:avLst/>
+          </a:prstGeom>
+          <a:solidFill>
+            <a:srgbClr val="92D050"/>
+          </a:solidFill>
+        </p:spPr>
+        <p:style>
+          <a:lnRef idx="2">
+            <a:schemeClr val="accent1">
+              <a:shade val="50000"/>
+            </a:schemeClr>
+          </a:lnRef>
+          <a:fillRef idx="1">
+            <a:schemeClr val="accent1"/>
+          </a:fillRef>
+          <a:effectRef idx="0">
+            <a:schemeClr val="accent1"/>
+          </a:effectRef>
+          <a:fontRef idx="minor">
+            <a:schemeClr val="lt1"/>
+          </a:fontRef>
+        </p:style>
+        <p:txBody>
+          <a:bodyPr rtlCol="0" anchor="ctr"/>
+          <a:lstStyle/>
+          <a:p>
+            <a:pPr algn="ctr"/>
+            <a:endParaRPr lang="en-US"/>
+          </a:p>
+        </p:txBody>
+      </p:sp>
+      <p:sp>
+        <p:nvSpPr>
+          <p:cNvPr id="38" name="Rectangle 37"/>
+          <p:cNvSpPr/>
+          <p:nvPr/>
+        </p:nvSpPr>
+        <p:spPr>
+          <a:xfrm rot="845580">
+            <a:off x="7116211" y="2130574"/>
+            <a:ext cx="741053" cy="379662"/>
+          </a:xfrm>
+          <a:prstGeom prst="rect">
+            <a:avLst/>
+          </a:prstGeom>
+          <a:solidFill>
+            <a:srgbClr val="92D050"/>
+          </a:solidFill>
+        </p:spPr>
+        <p:style>
+          <a:lnRef idx="2">
+            <a:schemeClr val="accent1">
+              <a:shade val="50000"/>
+            </a:schemeClr>
+          </a:lnRef>
+          <a:fillRef idx="1">
+            <a:schemeClr val="accent1"/>
+          </a:fillRef>
+          <a:effectRef idx="0">
+            <a:schemeClr val="accent1"/>
+          </a:effectRef>
+          <a:fontRef idx="minor">
+            <a:schemeClr val="lt1"/>
+          </a:fontRef>
+        </p:style>
+        <p:txBody>
+          <a:bodyPr rtlCol="0" anchor="ctr"/>
+          <a:lstStyle/>
+          <a:p>
+            <a:pPr algn="ctr"/>
+            <a:endParaRPr lang="en-US"/>
+          </a:p>
+        </p:txBody>
+      </p:sp>
+      <p:sp>
+        <p:nvSpPr>
+          <p:cNvPr id="39" name="Oval 38"/>
+          <p:cNvSpPr/>
+          <p:nvPr/>
+        </p:nvSpPr>
+        <p:spPr>
+          <a:xfrm>
+            <a:off x="988321" y="3039665"/>
+            <a:ext cx="356047" cy="356047"/>
+          </a:xfrm>
+          <a:prstGeom prst="ellipse">
+            <a:avLst/>
+          </a:prstGeom>
+          <a:solidFill>
+            <a:srgbClr val="FF0000"/>
+          </a:solidFill>
+        </p:spPr>
+        <p:style>
+          <a:lnRef idx="2">
+            <a:schemeClr val="accent1">
+              <a:shade val="50000"/>
+            </a:schemeClr>
+          </a:lnRef>
+          <a:fillRef idx="1">
+            <a:schemeClr val="accent1"/>
+          </a:fillRef>
+          <a:effectRef idx="0">
+            <a:schemeClr val="accent1"/>
+          </a:effectRef>
+          <a:fontRef idx="minor">
+            <a:schemeClr val="lt1"/>
+          </a:fontRef>
+        </p:style>
+        <p:txBody>
+          <a:bodyPr rtlCol="0" anchor="ctr"/>
+          <a:lstStyle/>
+          <a:p>
+            <a:pPr algn="ctr"/>
+            <a:endParaRPr lang="en-US"/>
+          </a:p>
+        </p:txBody>
+      </p:sp>
+      <p:cxnSp>
+        <p:nvCxnSpPr>
+          <p:cNvPr id="41" name="Straight Arrow Connector 40"/>
+          <p:cNvCxnSpPr/>
+          <p:nvPr/>
+        </p:nvCxnSpPr>
+        <p:spPr>
+          <a:xfrm flipH="1">
+            <a:off x="2934772" y="-267286"/>
+            <a:ext cx="82639" cy="42203"/>
+          </a:xfrm>
+          <a:prstGeom prst="straightConnector1">
+            <a:avLst/>
+          </a:prstGeom>
+          <a:ln>
+            <a:tailEnd type="triangle"/>
+          </a:ln>
+        </p:spPr>
+        <p:style>
+          <a:lnRef idx="1">
+            <a:schemeClr val="accent1"/>
+          </a:lnRef>
+          <a:fillRef idx="0">
+            <a:schemeClr val="accent1"/>
+          </a:fillRef>
+          <a:effectRef idx="0">
+            <a:schemeClr val="accent1"/>
+          </a:effectRef>
+          <a:fontRef idx="minor">
+            <a:schemeClr val="tx1"/>
+          </a:fontRef>
+        </p:style>
+      </p:cxnSp>
+      <p:cxnSp>
+        <p:nvCxnSpPr>
+          <p:cNvPr id="43" name="Straight Arrow Connector 42"/>
+          <p:cNvCxnSpPr>
+            <a:endCxn id="4" idx="2"/>
+          </p:cNvCxnSpPr>
+          <p:nvPr/>
+        </p:nvCxnSpPr>
+        <p:spPr>
+          <a:xfrm>
+            <a:off x="464234" y="3502855"/>
+            <a:ext cx="1723028" cy="1608"/>
+          </a:xfrm>
+          <a:prstGeom prst="straightConnector1">
+            <a:avLst/>
+          </a:prstGeom>
+          <a:ln w="19050">
+            <a:tailEnd type="triangle"/>
+          </a:ln>
+        </p:spPr>
+        <p:style>
+          <a:lnRef idx="1">
+            <a:schemeClr val="accent1"/>
+          </a:lnRef>
+          <a:fillRef idx="0">
+            <a:schemeClr val="accent1"/>
+          </a:fillRef>
+          <a:effectRef idx="0">
+            <a:schemeClr val="accent1"/>
+          </a:effectRef>
+          <a:fontRef idx="minor">
+            <a:schemeClr val="tx1"/>
+          </a:fontRef>
+        </p:style>
+      </p:cxnSp>
+    </p:spTree>
+    <p:extLst>
+      <p:ext uri="{BB962C8B-B14F-4D97-AF65-F5344CB8AC3E}">
+        <p14:creationId xmlns:p14="http://schemas.microsoft.com/office/powerpoint/2010/main" val="1577733768"/>
+      </p:ext>
+    </p:extLst>
+  </p:cSld>
+  <p:clrMapOvr>
+    <a:masterClrMapping/>
+  </p:clrMapOvr>
+</p:sld>
+</file>
+
+<file path=ppt/slides/slide7.xml><?xml version="1.0" encoding="utf-8"?>
+<p:sld xmlns:a="http://schemas.openxmlformats.org/drawingml/2006/main" xmlns:r="http://schemas.openxmlformats.org/officeDocument/2006/relationships" xmlns:p="http://schemas.openxmlformats.org/presentationml/2006/main">
+  <p:cSld>
+    <p:spTree>
+      <p:nvGrpSpPr>
+        <p:cNvPr id="1" name=""/>
+        <p:cNvGrpSpPr/>
+        <p:nvPr/>
+      </p:nvGrpSpPr>
+      <p:grpSpPr>
+        <a:xfrm>
+          <a:off x="0" y="0"/>
+          <a:ext cx="0" cy="0"/>
+          <a:chOff x="0" y="0"/>
+          <a:chExt cx="0" cy="0"/>
+        </a:xfrm>
+      </p:grpSpPr>
+      <p:sp>
+        <p:nvSpPr>
+          <p:cNvPr id="4" name="Title 3"/>
+          <p:cNvSpPr>
+            <a:spLocks noGrp="1"/>
+          </p:cNvSpPr>
+          <p:nvPr>
+            <p:ph type="title"/>
+          </p:nvPr>
+        </p:nvSpPr>
+        <p:spPr/>
+        <p:txBody>
+          <a:bodyPr/>
+          <a:lstStyle/>
+          <a:p>
+            <a:r>
+              <a:rPr lang="en-US" dirty="0"/>
+              <a:t>Mining</a:t>
+            </a:r>
+          </a:p>
+        </p:txBody>
+      </p:sp>
+      <p:sp>
+        <p:nvSpPr>
+          <p:cNvPr id="5" name="Oval 4"/>
+          <p:cNvSpPr/>
+          <p:nvPr/>
+        </p:nvSpPr>
+        <p:spPr>
+          <a:xfrm>
+            <a:off x="3451538" y="1365161"/>
+            <a:ext cx="4842457" cy="4842457"/>
+          </a:xfrm>
+          <a:prstGeom prst="ellipse">
+            <a:avLst/>
+          </a:prstGeom>
+          <a:solidFill>
+            <a:srgbClr val="FFC000"/>
+          </a:solidFill>
+        </p:spPr>
+        <p:style>
+          <a:lnRef idx="2">
+            <a:schemeClr val="accent1">
+              <a:shade val="50000"/>
+            </a:schemeClr>
+          </a:lnRef>
+          <a:fillRef idx="1">
+            <a:schemeClr val="accent1"/>
+          </a:fillRef>
+          <a:effectRef idx="0">
+            <a:schemeClr val="accent1"/>
+          </a:effectRef>
+          <a:fontRef idx="minor">
+            <a:schemeClr val="lt1"/>
+          </a:fontRef>
+        </p:style>
+        <p:txBody>
+          <a:bodyPr rtlCol="0" anchor="ctr"/>
+          <a:lstStyle/>
+          <a:p>
+            <a:pPr algn="ctr"/>
+            <a:endParaRPr lang="en-US" dirty="0"/>
+          </a:p>
+        </p:txBody>
+      </p:sp>
+      <p:sp>
+        <p:nvSpPr>
+          <p:cNvPr id="6" name="Oval 5"/>
+          <p:cNvSpPr/>
+          <p:nvPr/>
+        </p:nvSpPr>
+        <p:spPr>
+          <a:xfrm>
+            <a:off x="3726259" y="3329191"/>
+            <a:ext cx="347730" cy="347730"/>
+          </a:xfrm>
+          <a:prstGeom prst="ellipse">
+            <a:avLst/>
+          </a:prstGeom>
+          <a:solidFill>
+            <a:srgbClr val="FF0000"/>
+          </a:solidFill>
+        </p:spPr>
+        <p:style>
+          <a:lnRef idx="2">
+            <a:schemeClr val="accent1">
+              <a:shade val="50000"/>
+            </a:schemeClr>
+          </a:lnRef>
+          <a:fillRef idx="1">
+            <a:schemeClr val="accent1"/>
+          </a:fillRef>
+          <a:effectRef idx="0">
+            <a:schemeClr val="accent1"/>
+          </a:effectRef>
+          <a:fontRef idx="minor">
+            <a:schemeClr val="lt1"/>
+          </a:fontRef>
+        </p:style>
+        <p:txBody>
+          <a:bodyPr rtlCol="0" anchor="ctr"/>
+          <a:lstStyle/>
+          <a:p>
+            <a:pPr algn="ctr"/>
+            <a:endParaRPr lang="en-US"/>
+          </a:p>
+        </p:txBody>
+      </p:sp>
+      <p:sp>
+        <p:nvSpPr>
+          <p:cNvPr id="7" name="Oval 6"/>
+          <p:cNvSpPr/>
+          <p:nvPr/>
+        </p:nvSpPr>
+        <p:spPr>
+          <a:xfrm>
+            <a:off x="4382163" y="3176086"/>
+            <a:ext cx="347730" cy="347730"/>
+          </a:xfrm>
+          <a:prstGeom prst="ellipse">
+            <a:avLst/>
+          </a:prstGeom>
+          <a:solidFill>
+            <a:srgbClr val="FF0000"/>
+          </a:solidFill>
+        </p:spPr>
+        <p:style>
+          <a:lnRef idx="2">
+            <a:schemeClr val="accent1">
+              <a:shade val="50000"/>
+            </a:schemeClr>
+          </a:lnRef>
+          <a:fillRef idx="1">
+            <a:schemeClr val="accent1"/>
+          </a:fillRef>
+          <a:effectRef idx="0">
+            <a:schemeClr val="accent1"/>
+          </a:effectRef>
+          <a:fontRef idx="minor">
+            <a:schemeClr val="lt1"/>
+          </a:fontRef>
+        </p:style>
+        <p:txBody>
+          <a:bodyPr rtlCol="0" anchor="ctr"/>
+          <a:lstStyle/>
+          <a:p>
+            <a:pPr algn="ctr"/>
+            <a:endParaRPr lang="en-US"/>
+          </a:p>
+        </p:txBody>
+      </p:sp>
+      <p:sp>
+        <p:nvSpPr>
+          <p:cNvPr id="8" name="Oval 7"/>
+          <p:cNvSpPr/>
+          <p:nvPr/>
+        </p:nvSpPr>
+        <p:spPr>
+          <a:xfrm>
+            <a:off x="5370490" y="1577661"/>
+            <a:ext cx="347730" cy="347730"/>
+          </a:xfrm>
+          <a:prstGeom prst="ellipse">
+            <a:avLst/>
+          </a:prstGeom>
+          <a:solidFill>
+            <a:srgbClr val="FF0000"/>
+          </a:solidFill>
+        </p:spPr>
+        <p:style>
+          <a:lnRef idx="2">
+            <a:schemeClr val="accent1">
+              <a:shade val="50000"/>
+            </a:schemeClr>
+          </a:lnRef>
+          <a:fillRef idx="1">
+            <a:schemeClr val="accent1"/>
+          </a:fillRef>
+          <a:effectRef idx="0">
+            <a:schemeClr val="accent1"/>
+          </a:effectRef>
+          <a:fontRef idx="minor">
+            <a:schemeClr val="lt1"/>
+          </a:fontRef>
+        </p:style>
+        <p:txBody>
+          <a:bodyPr rtlCol="0" anchor="ctr"/>
+          <a:lstStyle/>
+          <a:p>
+            <a:pPr algn="ctr"/>
+            <a:endParaRPr lang="en-US"/>
+          </a:p>
+        </p:txBody>
+      </p:sp>
+      <p:sp>
+        <p:nvSpPr>
+          <p:cNvPr id="9" name="Oval 8"/>
+          <p:cNvSpPr/>
+          <p:nvPr/>
+        </p:nvSpPr>
+        <p:spPr>
+          <a:xfrm>
+            <a:off x="4121444" y="2556457"/>
+            <a:ext cx="347730" cy="347730"/>
+          </a:xfrm>
+          <a:prstGeom prst="ellipse">
+            <a:avLst/>
+          </a:prstGeom>
+          <a:solidFill>
+            <a:srgbClr val="FF0000"/>
+          </a:solidFill>
+        </p:spPr>
+        <p:style>
+          <a:lnRef idx="2">
+            <a:schemeClr val="accent1">
+              <a:shade val="50000"/>
+            </a:schemeClr>
+          </a:lnRef>
+          <a:fillRef idx="1">
+            <a:schemeClr val="accent1"/>
+          </a:fillRef>
+          <a:effectRef idx="0">
+            <a:schemeClr val="accent1"/>
+          </a:effectRef>
+          <a:fontRef idx="minor">
+            <a:schemeClr val="lt1"/>
+          </a:fontRef>
+        </p:style>
+        <p:txBody>
+          <a:bodyPr rtlCol="0" anchor="ctr"/>
+          <a:lstStyle/>
+          <a:p>
+            <a:pPr algn="ctr"/>
+            <a:endParaRPr lang="en-US"/>
+          </a:p>
+        </p:txBody>
+      </p:sp>
+      <p:sp>
+        <p:nvSpPr>
+          <p:cNvPr id="10" name="Oval 9"/>
+          <p:cNvSpPr/>
+          <p:nvPr/>
+        </p:nvSpPr>
+        <p:spPr>
+          <a:xfrm>
+            <a:off x="5879205" y="1798380"/>
+            <a:ext cx="347730" cy="347730"/>
+          </a:xfrm>
+          <a:prstGeom prst="ellipse">
+            <a:avLst/>
+          </a:prstGeom>
+          <a:solidFill>
+            <a:srgbClr val="FF0000"/>
+          </a:solidFill>
+        </p:spPr>
+        <p:style>
+          <a:lnRef idx="2">
+            <a:schemeClr val="accent1">
+              <a:shade val="50000"/>
+            </a:schemeClr>
+          </a:lnRef>
+          <a:fillRef idx="1">
+            <a:schemeClr val="accent1"/>
+          </a:fillRef>
+          <a:effectRef idx="0">
+            <a:schemeClr val="accent1"/>
+          </a:effectRef>
+          <a:fontRef idx="minor">
+            <a:schemeClr val="lt1"/>
+          </a:fontRef>
+        </p:style>
+        <p:txBody>
+          <a:bodyPr rtlCol="0" anchor="ctr"/>
+          <a:lstStyle/>
+          <a:p>
+            <a:pPr algn="ctr"/>
+            <a:endParaRPr lang="en-US"/>
+          </a:p>
+        </p:txBody>
+      </p:sp>
+      <p:sp>
+        <p:nvSpPr>
+          <p:cNvPr id="11" name="Oval 10"/>
+          <p:cNvSpPr/>
+          <p:nvPr/>
+        </p:nvSpPr>
+        <p:spPr>
+          <a:xfrm>
+            <a:off x="6832242" y="1893194"/>
+            <a:ext cx="347730" cy="347730"/>
+          </a:xfrm>
+          <a:prstGeom prst="ellipse">
+            <a:avLst/>
+          </a:prstGeom>
+          <a:solidFill>
+            <a:srgbClr val="FF0000"/>
+          </a:solidFill>
+        </p:spPr>
+        <p:style>
+          <a:lnRef idx="2">
+            <a:schemeClr val="accent1">
+              <a:shade val="50000"/>
+            </a:schemeClr>
+          </a:lnRef>
+          <a:fillRef idx="1">
+            <a:schemeClr val="accent1"/>
+          </a:fillRef>
+          <a:effectRef idx="0">
+            <a:schemeClr val="accent1"/>
+          </a:effectRef>
+          <a:fontRef idx="minor">
+            <a:schemeClr val="lt1"/>
+          </a:fontRef>
+        </p:style>
+        <p:txBody>
+          <a:bodyPr rtlCol="0" anchor="ctr"/>
+          <a:lstStyle/>
+          <a:p>
+            <a:pPr algn="ctr"/>
+            <a:endParaRPr lang="en-US"/>
+          </a:p>
+        </p:txBody>
+      </p:sp>
+      <p:sp>
+        <p:nvSpPr>
+          <p:cNvPr id="13" name="Rectangle 12"/>
+          <p:cNvSpPr/>
+          <p:nvPr/>
+        </p:nvSpPr>
+        <p:spPr>
+          <a:xfrm>
+            <a:off x="5015248" y="2730322"/>
+            <a:ext cx="1816994" cy="598869"/>
+          </a:xfrm>
+          <a:prstGeom prst="rect">
+            <a:avLst/>
+          </a:prstGeom>
+          <a:solidFill>
+            <a:srgbClr val="92D050"/>
+          </a:solidFill>
+        </p:spPr>
+        <p:style>
+          <a:lnRef idx="2">
+            <a:schemeClr val="accent1">
+              <a:shade val="50000"/>
+            </a:schemeClr>
+          </a:lnRef>
+          <a:fillRef idx="1">
+            <a:schemeClr val="accent1"/>
+          </a:fillRef>
+          <a:effectRef idx="0">
+            <a:schemeClr val="accent1"/>
+          </a:effectRef>
+          <a:fontRef idx="minor">
+            <a:schemeClr val="lt1"/>
+          </a:fontRef>
+        </p:style>
+        <p:txBody>
+          <a:bodyPr rtlCol="0" anchor="ctr"/>
+          <a:lstStyle/>
+          <a:p>
+            <a:pPr algn="ctr"/>
+            <a:endParaRPr lang="en-US"/>
+          </a:p>
+        </p:txBody>
+      </p:sp>
+      <p:sp>
+        <p:nvSpPr>
+          <p:cNvPr id="14" name="Rectangle 13"/>
+          <p:cNvSpPr/>
+          <p:nvPr/>
+        </p:nvSpPr>
+        <p:spPr>
+          <a:xfrm>
+            <a:off x="4995662" y="3507718"/>
+            <a:ext cx="1816994" cy="598869"/>
+          </a:xfrm>
+          <a:prstGeom prst="rect">
+            <a:avLst/>
+          </a:prstGeom>
+          <a:solidFill>
+            <a:srgbClr val="92D050"/>
+          </a:solidFill>
+        </p:spPr>
+        <p:style>
+          <a:lnRef idx="2">
+            <a:schemeClr val="accent1">
+              <a:shade val="50000"/>
+            </a:schemeClr>
+          </a:lnRef>
+          <a:fillRef idx="1">
+            <a:schemeClr val="accent1"/>
+          </a:fillRef>
+          <a:effectRef idx="0">
+            <a:schemeClr val="accent1"/>
+          </a:effectRef>
+          <a:fontRef idx="minor">
+            <a:schemeClr val="lt1"/>
+          </a:fontRef>
+        </p:style>
+        <p:txBody>
+          <a:bodyPr rtlCol="0" anchor="ctr"/>
+          <a:lstStyle/>
+          <a:p>
+            <a:pPr algn="ctr"/>
+            <a:endParaRPr lang="en-US"/>
+          </a:p>
+        </p:txBody>
+      </p:sp>
+      <p:cxnSp>
+        <p:nvCxnSpPr>
+          <p:cNvPr id="19" name="Straight Arrow Connector 18"/>
+          <p:cNvCxnSpPr>
+            <a:stCxn id="14" idx="0"/>
+            <a:endCxn id="13" idx="2"/>
+          </p:cNvCxnSpPr>
+          <p:nvPr/>
+        </p:nvCxnSpPr>
+        <p:spPr>
+          <a:xfrm flipV="1">
+            <a:off x="5904159" y="3329191"/>
+            <a:ext cx="19586" cy="178527"/>
+          </a:xfrm>
+          <a:prstGeom prst="straightConnector1">
+            <a:avLst/>
+          </a:prstGeom>
+          <a:ln>
+            <a:tailEnd type="triangle"/>
+          </a:ln>
+        </p:spPr>
+        <p:style>
+          <a:lnRef idx="1">
+            <a:schemeClr val="accent1"/>
+          </a:lnRef>
+          <a:fillRef idx="0">
+            <a:schemeClr val="accent1"/>
+          </a:fillRef>
+          <a:effectRef idx="0">
+            <a:schemeClr val="accent1"/>
+          </a:effectRef>
+          <a:fontRef idx="minor">
+            <a:schemeClr val="tx1"/>
+          </a:fontRef>
+        </p:style>
+      </p:cxnSp>
+      <p:sp>
+        <p:nvSpPr>
+          <p:cNvPr id="26" name="Oval 25"/>
+          <p:cNvSpPr/>
+          <p:nvPr/>
+        </p:nvSpPr>
+        <p:spPr>
+          <a:xfrm>
+            <a:off x="5196625" y="3601423"/>
+            <a:ext cx="347730" cy="347730"/>
+          </a:xfrm>
+          <a:prstGeom prst="ellipse">
+            <a:avLst/>
+          </a:prstGeom>
+          <a:solidFill>
+            <a:srgbClr val="FF0000"/>
+          </a:solidFill>
+        </p:spPr>
+        <p:style>
+          <a:lnRef idx="2">
+            <a:schemeClr val="accent1">
+              <a:shade val="50000"/>
+            </a:schemeClr>
+          </a:lnRef>
+          <a:fillRef idx="1">
+            <a:schemeClr val="accent1"/>
+          </a:fillRef>
+          <a:effectRef idx="0">
+            <a:schemeClr val="accent1"/>
+          </a:effectRef>
+          <a:fontRef idx="minor">
+            <a:schemeClr val="lt1"/>
+          </a:fontRef>
+        </p:style>
+        <p:txBody>
+          <a:bodyPr rtlCol="0" anchor="ctr"/>
+          <a:lstStyle/>
+          <a:p>
+            <a:pPr algn="ctr"/>
+            <a:endParaRPr lang="en-US"/>
+          </a:p>
+        </p:txBody>
+      </p:sp>
+      <p:sp>
+        <p:nvSpPr>
+          <p:cNvPr id="27" name="Oval 26"/>
+          <p:cNvSpPr/>
+          <p:nvPr/>
+        </p:nvSpPr>
+        <p:spPr>
+          <a:xfrm>
+            <a:off x="5830775" y="3628622"/>
+            <a:ext cx="347730" cy="347730"/>
+          </a:xfrm>
+          <a:prstGeom prst="ellipse">
+            <a:avLst/>
+          </a:prstGeom>
+          <a:solidFill>
+            <a:srgbClr val="FF0000"/>
+          </a:solidFill>
+        </p:spPr>
+        <p:style>
+          <a:lnRef idx="2">
+            <a:schemeClr val="accent1">
+              <a:shade val="50000"/>
+            </a:schemeClr>
+          </a:lnRef>
+          <a:fillRef idx="1">
+            <a:schemeClr val="accent1"/>
+          </a:fillRef>
+          <a:effectRef idx="0">
+            <a:schemeClr val="accent1"/>
+          </a:effectRef>
+          <a:fontRef idx="minor">
+            <a:schemeClr val="lt1"/>
+          </a:fontRef>
+        </p:style>
+        <p:txBody>
+          <a:bodyPr rtlCol="0" anchor="ctr"/>
+          <a:lstStyle/>
+          <a:p>
+            <a:pPr algn="ctr"/>
+            <a:endParaRPr lang="en-US"/>
+          </a:p>
+        </p:txBody>
+      </p:sp>
+      <p:sp>
+        <p:nvSpPr>
+          <p:cNvPr id="28" name="Oval 27"/>
+          <p:cNvSpPr/>
+          <p:nvPr/>
+        </p:nvSpPr>
+        <p:spPr>
+          <a:xfrm>
+            <a:off x="5647251" y="2846564"/>
+            <a:ext cx="347730" cy="347730"/>
+          </a:xfrm>
+          <a:prstGeom prst="ellipse">
+            <a:avLst/>
+          </a:prstGeom>
+          <a:solidFill>
+            <a:srgbClr val="FF0000"/>
+          </a:solidFill>
+        </p:spPr>
+        <p:style>
+          <a:lnRef idx="2">
+            <a:schemeClr val="accent1">
+              <a:shade val="50000"/>
+            </a:schemeClr>
+          </a:lnRef>
+          <a:fillRef idx="1">
+            <a:schemeClr val="accent1"/>
+          </a:fillRef>
+          <a:effectRef idx="0">
+            <a:schemeClr val="accent1"/>
+          </a:effectRef>
+          <a:fontRef idx="minor">
+            <a:schemeClr val="lt1"/>
+          </a:fontRef>
+        </p:style>
+        <p:txBody>
+          <a:bodyPr rtlCol="0" anchor="ctr"/>
+          <a:lstStyle/>
+          <a:p>
+            <a:pPr algn="ctr"/>
+            <a:endParaRPr lang="en-US"/>
+          </a:p>
+        </p:txBody>
+      </p:sp>
+      <p:sp>
+        <p:nvSpPr>
+          <p:cNvPr id="37" name="Rectangle 36"/>
+          <p:cNvSpPr/>
+          <p:nvPr/>
+        </p:nvSpPr>
+        <p:spPr>
+          <a:xfrm>
+            <a:off x="4106751" y="4738215"/>
+            <a:ext cx="1816994" cy="598869"/>
+          </a:xfrm>
+          <a:prstGeom prst="rect">
+            <a:avLst/>
+          </a:prstGeom>
+          <a:solidFill>
+            <a:srgbClr val="92D050"/>
+          </a:solidFill>
+        </p:spPr>
+        <p:style>
+          <a:lnRef idx="2">
+            <a:schemeClr val="accent1">
+              <a:shade val="50000"/>
+            </a:schemeClr>
+          </a:lnRef>
+          <a:fillRef idx="1">
+            <a:schemeClr val="accent1"/>
+          </a:fillRef>
+          <a:effectRef idx="0">
+            <a:schemeClr val="accent1"/>
+          </a:effectRef>
+          <a:fontRef idx="minor">
+            <a:schemeClr val="lt1"/>
+          </a:fontRef>
+        </p:style>
+        <p:txBody>
+          <a:bodyPr rtlCol="0" anchor="ctr"/>
+          <a:lstStyle/>
+          <a:p>
+            <a:pPr algn="ctr"/>
+            <a:endParaRPr lang="en-US"/>
+          </a:p>
+        </p:txBody>
+      </p:sp>
+      <p:sp>
+        <p:nvSpPr>
+          <p:cNvPr id="40" name="Oval 39"/>
+          <p:cNvSpPr/>
+          <p:nvPr/>
+        </p:nvSpPr>
+        <p:spPr>
+          <a:xfrm>
+            <a:off x="4295309" y="4949189"/>
+            <a:ext cx="347730" cy="347730"/>
+          </a:xfrm>
+          <a:prstGeom prst="ellipse">
+            <a:avLst/>
+          </a:prstGeom>
+          <a:solidFill>
+            <a:srgbClr val="FF0000"/>
+          </a:solidFill>
+        </p:spPr>
+        <p:style>
+          <a:lnRef idx="2">
+            <a:schemeClr val="accent1">
+              <a:shade val="50000"/>
+            </a:schemeClr>
+          </a:lnRef>
+          <a:fillRef idx="1">
+            <a:schemeClr val="accent1"/>
+          </a:fillRef>
+          <a:effectRef idx="0">
+            <a:schemeClr val="accent1"/>
+          </a:effectRef>
+          <a:fontRef idx="minor">
+            <a:schemeClr val="lt1"/>
+          </a:fontRef>
+        </p:style>
+        <p:txBody>
+          <a:bodyPr rtlCol="0" anchor="ctr"/>
+          <a:lstStyle/>
+          <a:p>
+            <a:pPr algn="ctr"/>
+            <a:endParaRPr lang="en-US"/>
+          </a:p>
+        </p:txBody>
+      </p:sp>
+      <p:sp>
+        <p:nvSpPr>
+          <p:cNvPr id="41" name="Oval 40"/>
+          <p:cNvSpPr/>
+          <p:nvPr/>
+        </p:nvSpPr>
+        <p:spPr>
+          <a:xfrm>
+            <a:off x="4951213" y="4796084"/>
+            <a:ext cx="347730" cy="347730"/>
+          </a:xfrm>
+          <a:prstGeom prst="ellipse">
+            <a:avLst/>
+          </a:prstGeom>
+          <a:solidFill>
+            <a:srgbClr val="FF0000"/>
+          </a:solidFill>
+        </p:spPr>
+        <p:style>
+          <a:lnRef idx="2">
+            <a:schemeClr val="accent1">
+              <a:shade val="50000"/>
+            </a:schemeClr>
+          </a:lnRef>
+          <a:fillRef idx="1">
+            <a:schemeClr val="accent1"/>
+          </a:fillRef>
+          <a:effectRef idx="0">
+            <a:schemeClr val="accent1"/>
+          </a:effectRef>
+          <a:fontRef idx="minor">
+            <a:schemeClr val="lt1"/>
+          </a:fontRef>
+        </p:style>
+        <p:txBody>
+          <a:bodyPr rtlCol="0" anchor="ctr"/>
+          <a:lstStyle/>
+          <a:p>
+            <a:pPr algn="ctr"/>
+            <a:endParaRPr lang="en-US"/>
+          </a:p>
+        </p:txBody>
+      </p:sp>
+      <p:cxnSp>
+        <p:nvCxnSpPr>
+          <p:cNvPr id="3" name="Straight Arrow Connector 2"/>
+          <p:cNvCxnSpPr>
+            <a:stCxn id="6" idx="4"/>
+            <a:endCxn id="40" idx="0"/>
+          </p:cNvCxnSpPr>
+          <p:nvPr/>
+        </p:nvCxnSpPr>
+        <p:spPr>
+          <a:xfrm>
+            <a:off x="3900124" y="3676921"/>
+            <a:ext cx="569050" cy="1272268"/>
+          </a:xfrm>
+          <a:prstGeom prst="straightConnector1">
+            <a:avLst/>
+          </a:prstGeom>
+          <a:ln w="19050">
+            <a:prstDash val="dash"/>
+            <a:tailEnd type="triangle"/>
+          </a:ln>
+        </p:spPr>
+        <p:style>
+          <a:lnRef idx="1">
+            <a:schemeClr val="accent1"/>
+          </a:lnRef>
+          <a:fillRef idx="0">
+            <a:schemeClr val="accent1"/>
+          </a:fillRef>
+          <a:effectRef idx="0">
+            <a:schemeClr val="accent1"/>
+          </a:effectRef>
+          <a:fontRef idx="minor">
+            <a:schemeClr val="tx1"/>
+          </a:fontRef>
+        </p:style>
+      </p:cxnSp>
+      <p:cxnSp>
+        <p:nvCxnSpPr>
+          <p:cNvPr id="16" name="Straight Arrow Connector 15"/>
+          <p:cNvCxnSpPr>
+            <a:stCxn id="7" idx="4"/>
+            <a:endCxn id="41" idx="0"/>
+          </p:cNvCxnSpPr>
+          <p:nvPr/>
+        </p:nvCxnSpPr>
+        <p:spPr>
+          <a:xfrm>
+            <a:off x="4556028" y="3523816"/>
+            <a:ext cx="569050" cy="1272268"/>
+          </a:xfrm>
+          <a:prstGeom prst="straightConnector1">
+            <a:avLst/>
+          </a:prstGeom>
+          <a:ln w="19050">
+            <a:prstDash val="dash"/>
+            <a:tailEnd type="triangle"/>
+          </a:ln>
+        </p:spPr>
+        <p:style>
+          <a:lnRef idx="1">
+            <a:schemeClr val="accent1"/>
+          </a:lnRef>
+          <a:fillRef idx="0">
+            <a:schemeClr val="accent1"/>
+          </a:fillRef>
+          <a:effectRef idx="0">
+            <a:schemeClr val="accent1"/>
+          </a:effectRef>
+          <a:fontRef idx="minor">
+            <a:schemeClr val="tx1"/>
+          </a:fontRef>
+        </p:style>
+      </p:cxnSp>
+      <p:cxnSp>
+        <p:nvCxnSpPr>
+          <p:cNvPr id="20" name="Straight Arrow Connector 19"/>
+          <p:cNvCxnSpPr/>
+          <p:nvPr/>
+        </p:nvCxnSpPr>
+        <p:spPr>
+          <a:xfrm flipV="1">
+            <a:off x="5125078" y="4106587"/>
+            <a:ext cx="779081" cy="619629"/>
+          </a:xfrm>
+          <a:prstGeom prst="straightConnector1">
+            <a:avLst/>
+          </a:prstGeom>
+          <a:ln>
+            <a:tailEnd type="triangle"/>
+          </a:ln>
+        </p:spPr>
+        <p:style>
+          <a:lnRef idx="1">
+            <a:schemeClr val="accent1"/>
+          </a:lnRef>
+          <a:fillRef idx="0">
+            <a:schemeClr val="accent1"/>
+          </a:fillRef>
+          <a:effectRef idx="0">
+            <a:schemeClr val="accent1"/>
+          </a:effectRef>
+          <a:fontRef idx="minor">
+            <a:schemeClr val="tx1"/>
+          </a:fontRef>
+        </p:style>
+      </p:cxnSp>
+      <p:sp>
+        <p:nvSpPr>
+          <p:cNvPr id="22" name="TextBox 21"/>
+          <p:cNvSpPr txBox="1"/>
+          <p:nvPr/>
+        </p:nvSpPr>
+        <p:spPr>
+          <a:xfrm>
+            <a:off x="4477816" y="5296616"/>
+            <a:ext cx="1167756" cy="369332"/>
+          </a:xfrm>
+          <a:prstGeom prst="rect">
+            <a:avLst/>
+          </a:prstGeom>
+          <a:noFill/>
+        </p:spPr>
+        <p:txBody>
+          <a:bodyPr wrap="none" rtlCol="0">
+            <a:spAutoFit/>
+          </a:bodyPr>
+          <a:lstStyle/>
+          <a:p>
+            <a:r>
+              <a:rPr lang="en-US" dirty="0"/>
+              <a:t>New Block</a:t>
+            </a:r>
+          </a:p>
+        </p:txBody>
+      </p:sp>
+    </p:spTree>
+    <p:extLst>
+      <p:ext uri="{BB962C8B-B14F-4D97-AF65-F5344CB8AC3E}">
+        <p14:creationId xmlns:p14="http://schemas.microsoft.com/office/powerpoint/2010/main" val="3931722828"/>
+      </p:ext>
+    </p:extLst>
+  </p:cSld>
+  <p:clrMapOvr>
+    <a:masterClrMapping/>
+  </p:clrMapOvr>
+</p:sld>
+</file>
+
 <file path=ppt/theme/theme1.xml><?xml version="1.0" encoding="utf-8"?>
 <a:theme xmlns:a="http://schemas.openxmlformats.org/drawingml/2006/main" name="Office Theme">
   <a:themeElements>

--- a/ConnBlockchains/images/BlockchainImages.pptx
+++ b/ConnBlockchains/images/BlockchainImages.pptx
@@ -6661,7 +6661,7 @@
         </p:nvSpPr>
         <p:spPr>
           <a:xfrm>
-            <a:off x="6124014" y="5067535"/>
+            <a:off x="9727884" y="5398791"/>
             <a:ext cx="356047" cy="356047"/>
           </a:xfrm>
           <a:prstGeom prst="ellipse">
@@ -6692,7 +6692,7 @@
           <a:lstStyle/>
           <a:p>
             <a:pPr algn="ctr"/>
-            <a:endParaRPr lang="en-US"/>
+            <a:endParaRPr lang="en-US" dirty="0"/>
           </a:p>
         </p:txBody>
       </p:sp>
@@ -7065,6 +7065,109 @@
           </a:fontRef>
         </p:style>
       </p:cxnSp>
+      <p:sp>
+        <p:nvSpPr>
+          <p:cNvPr id="27" name="Rectangle 26"/>
+          <p:cNvSpPr/>
+          <p:nvPr/>
+        </p:nvSpPr>
+        <p:spPr>
+          <a:xfrm>
+            <a:off x="9764629" y="4528526"/>
+            <a:ext cx="741053" cy="379662"/>
+          </a:xfrm>
+          <a:prstGeom prst="rect">
+            <a:avLst/>
+          </a:prstGeom>
+          <a:solidFill>
+            <a:srgbClr val="92D050"/>
+          </a:solidFill>
+        </p:spPr>
+        <p:style>
+          <a:lnRef idx="2">
+            <a:schemeClr val="accent1">
+              <a:shade val="50000"/>
+            </a:schemeClr>
+          </a:lnRef>
+          <a:fillRef idx="1">
+            <a:schemeClr val="accent1"/>
+          </a:fillRef>
+          <a:effectRef idx="0">
+            <a:schemeClr val="accent1"/>
+          </a:effectRef>
+          <a:fontRef idx="minor">
+            <a:schemeClr val="lt1"/>
+          </a:fontRef>
+        </p:style>
+        <p:txBody>
+          <a:bodyPr rtlCol="0" anchor="ctr"/>
+          <a:lstStyle/>
+          <a:p>
+            <a:pPr algn="ctr"/>
+            <a:endParaRPr lang="en-US"/>
+          </a:p>
+        </p:txBody>
+      </p:sp>
+      <p:sp>
+        <p:nvSpPr>
+          <p:cNvPr id="8" name="TextBox 7"/>
+          <p:cNvSpPr txBox="1"/>
+          <p:nvPr/>
+        </p:nvSpPr>
+        <p:spPr>
+          <a:xfrm>
+            <a:off x="9662181" y="4188233"/>
+            <a:ext cx="686406" cy="369332"/>
+          </a:xfrm>
+          <a:prstGeom prst="rect">
+            <a:avLst/>
+          </a:prstGeom>
+          <a:noFill/>
+        </p:spPr>
+        <p:txBody>
+          <a:bodyPr wrap="none" rtlCol="0">
+            <a:spAutoFit/>
+          </a:bodyPr>
+          <a:lstStyle/>
+          <a:p>
+            <a:r>
+              <a:rPr lang="es-MX" dirty="0"/>
+              <a:t>Block</a:t>
+            </a:r>
+            <a:endParaRPr lang="es-ES" dirty="0"/>
+          </a:p>
+        </p:txBody>
+      </p:sp>
+      <p:sp>
+        <p:nvSpPr>
+          <p:cNvPr id="12" name="TextBox 11"/>
+          <p:cNvSpPr txBox="1"/>
+          <p:nvPr/>
+        </p:nvSpPr>
+        <p:spPr>
+          <a:xfrm>
+            <a:off x="9662181" y="5051159"/>
+            <a:ext cx="1262077" cy="369332"/>
+          </a:xfrm>
+          <a:prstGeom prst="rect">
+            <a:avLst/>
+          </a:prstGeom>
+          <a:noFill/>
+        </p:spPr>
+        <p:txBody>
+          <a:bodyPr wrap="none" rtlCol="0">
+            <a:spAutoFit/>
+          </a:bodyPr>
+          <a:lstStyle/>
+          <a:p>
+            <a:r>
+              <a:rPr lang="es-MX" dirty="0"/>
+              <a:t>Transaction</a:t>
+            </a:r>
+            <a:endParaRPr lang="es-ES" dirty="0"/>
+          </a:p>
+        </p:txBody>
+      </p:sp>
     </p:spTree>
     <p:extLst>
       <p:ext uri="{BB962C8B-B14F-4D97-AF65-F5344CB8AC3E}">

--- a/ConnBlockchains/images/BlockchainImages.pptx
+++ b/ConnBlockchains/images/BlockchainImages.pptx
@@ -11,7 +11,8 @@
     <p:sldId id="264" r:id="rId5"/>
     <p:sldId id="267" r:id="rId6"/>
     <p:sldId id="265" r:id="rId7"/>
-    <p:sldId id="266" r:id="rId8"/>
+    <p:sldId id="268" r:id="rId8"/>
+    <p:sldId id="266" r:id="rId9"/>
   </p:sldIdLst>
   <p:sldSz cx="12192000" cy="6858000"/>
   <p:notesSz cx="6858000" cy="9144000"/>
@@ -6084,10 +6085,7 @@
           <a:bodyPr/>
           <a:lstStyle/>
           <a:p>
-            <a:r>
-              <a:rPr lang="en-US" dirty="0"/>
-              <a:t>Nodes</a:t>
-            </a:r>
+            <a:endParaRPr lang="en-US" dirty="0"/>
           </a:p>
         </p:txBody>
       </p:sp>
@@ -7182,6 +7180,876 @@
 </file>
 
 <file path=ppt/slides/slide7.xml><?xml version="1.0" encoding="utf-8"?>
+<p:sld xmlns:a="http://schemas.openxmlformats.org/drawingml/2006/main" xmlns:r="http://schemas.openxmlformats.org/officeDocument/2006/relationships" xmlns:p="http://schemas.openxmlformats.org/presentationml/2006/main">
+  <p:cSld>
+    <p:spTree>
+      <p:nvGrpSpPr>
+        <p:cNvPr id="1" name=""/>
+        <p:cNvGrpSpPr/>
+        <p:nvPr/>
+      </p:nvGrpSpPr>
+      <p:grpSpPr>
+        <a:xfrm>
+          <a:off x="0" y="0"/>
+          <a:ext cx="0" cy="0"/>
+          <a:chOff x="0" y="0"/>
+          <a:chExt cx="0" cy="0"/>
+        </a:xfrm>
+      </p:grpSpPr>
+      <p:sp>
+        <p:nvSpPr>
+          <p:cNvPr id="2" name="Title 1"/>
+          <p:cNvSpPr>
+            <a:spLocks noGrp="1"/>
+          </p:cNvSpPr>
+          <p:nvPr>
+            <p:ph type="title"/>
+          </p:nvPr>
+        </p:nvSpPr>
+        <p:spPr>
+          <a:xfrm>
+            <a:off x="866213" y="280395"/>
+            <a:ext cx="10515600" cy="1325563"/>
+          </a:xfrm>
+        </p:spPr>
+        <p:txBody>
+          <a:bodyPr/>
+          <a:lstStyle/>
+          <a:p>
+            <a:endParaRPr lang="en-US" dirty="0"/>
+          </a:p>
+        </p:txBody>
+      </p:sp>
+      <p:sp>
+        <p:nvSpPr>
+          <p:cNvPr id="3" name="Oval 2"/>
+          <p:cNvSpPr/>
+          <p:nvPr/>
+        </p:nvSpPr>
+        <p:spPr>
+          <a:xfrm>
+            <a:off x="5087155" y="1252806"/>
+            <a:ext cx="875763" cy="875763"/>
+          </a:xfrm>
+          <a:prstGeom prst="ellipse">
+            <a:avLst/>
+          </a:prstGeom>
+          <a:solidFill>
+            <a:srgbClr val="FFC000"/>
+          </a:solidFill>
+        </p:spPr>
+        <p:style>
+          <a:lnRef idx="2">
+            <a:schemeClr val="accent1">
+              <a:shade val="50000"/>
+            </a:schemeClr>
+          </a:lnRef>
+          <a:fillRef idx="1">
+            <a:schemeClr val="accent1"/>
+          </a:fillRef>
+          <a:effectRef idx="0">
+            <a:schemeClr val="accent1"/>
+          </a:effectRef>
+          <a:fontRef idx="minor">
+            <a:schemeClr val="lt1"/>
+          </a:fontRef>
+        </p:style>
+        <p:txBody>
+          <a:bodyPr rtlCol="0" anchor="ctr"/>
+          <a:lstStyle/>
+          <a:p>
+            <a:pPr algn="ctr"/>
+            <a:r>
+              <a:rPr lang="en-US" dirty="0">
+                <a:solidFill>
+                  <a:schemeClr val="tx1"/>
+                </a:solidFill>
+              </a:rPr>
+              <a:t>ETH</a:t>
+            </a:r>
+          </a:p>
+        </p:txBody>
+      </p:sp>
+      <p:sp>
+        <p:nvSpPr>
+          <p:cNvPr id="4" name="Oval 3"/>
+          <p:cNvSpPr/>
+          <p:nvPr/>
+        </p:nvSpPr>
+        <p:spPr>
+          <a:xfrm>
+            <a:off x="2187262" y="3066581"/>
+            <a:ext cx="875763" cy="875763"/>
+          </a:xfrm>
+          <a:prstGeom prst="ellipse">
+            <a:avLst/>
+          </a:prstGeom>
+          <a:solidFill>
+            <a:srgbClr val="FFC000"/>
+          </a:solidFill>
+        </p:spPr>
+        <p:style>
+          <a:lnRef idx="2">
+            <a:schemeClr val="accent1">
+              <a:shade val="50000"/>
+            </a:schemeClr>
+          </a:lnRef>
+          <a:fillRef idx="1">
+            <a:schemeClr val="accent1"/>
+          </a:fillRef>
+          <a:effectRef idx="0">
+            <a:schemeClr val="accent1"/>
+          </a:effectRef>
+          <a:fontRef idx="minor">
+            <a:schemeClr val="lt1"/>
+          </a:fontRef>
+        </p:style>
+        <p:txBody>
+          <a:bodyPr rtlCol="0" anchor="ctr"/>
+          <a:lstStyle/>
+          <a:p>
+            <a:pPr algn="ctr"/>
+            <a:r>
+              <a:rPr lang="en-US" dirty="0">
+                <a:solidFill>
+                  <a:schemeClr val="tx1"/>
+                </a:solidFill>
+              </a:rPr>
+              <a:t>ETH</a:t>
+            </a:r>
+          </a:p>
+        </p:txBody>
+      </p:sp>
+      <p:sp>
+        <p:nvSpPr>
+          <p:cNvPr id="5" name="Oval 4"/>
+          <p:cNvSpPr/>
+          <p:nvPr/>
+        </p:nvSpPr>
+        <p:spPr>
+          <a:xfrm>
+            <a:off x="4376670" y="5088564"/>
+            <a:ext cx="875763" cy="875763"/>
+          </a:xfrm>
+          <a:prstGeom prst="ellipse">
+            <a:avLst/>
+          </a:prstGeom>
+          <a:solidFill>
+            <a:srgbClr val="FFC000"/>
+          </a:solidFill>
+        </p:spPr>
+        <p:style>
+          <a:lnRef idx="2">
+            <a:schemeClr val="accent1">
+              <a:shade val="50000"/>
+            </a:schemeClr>
+          </a:lnRef>
+          <a:fillRef idx="1">
+            <a:schemeClr val="accent1"/>
+          </a:fillRef>
+          <a:effectRef idx="0">
+            <a:schemeClr val="accent1"/>
+          </a:effectRef>
+          <a:fontRef idx="minor">
+            <a:schemeClr val="lt1"/>
+          </a:fontRef>
+        </p:style>
+        <p:txBody>
+          <a:bodyPr rtlCol="0" anchor="ctr"/>
+          <a:lstStyle/>
+          <a:p>
+            <a:pPr algn="ctr"/>
+            <a:r>
+              <a:rPr lang="en-US" dirty="0">
+                <a:solidFill>
+                  <a:schemeClr val="tx1"/>
+                </a:solidFill>
+              </a:rPr>
+              <a:t>ETH</a:t>
+            </a:r>
+          </a:p>
+        </p:txBody>
+      </p:sp>
+      <p:sp>
+        <p:nvSpPr>
+          <p:cNvPr id="6" name="Oval 5"/>
+          <p:cNvSpPr/>
+          <p:nvPr/>
+        </p:nvSpPr>
+        <p:spPr>
+          <a:xfrm>
+            <a:off x="6746384" y="3861114"/>
+            <a:ext cx="875763" cy="875763"/>
+          </a:xfrm>
+          <a:prstGeom prst="ellipse">
+            <a:avLst/>
+          </a:prstGeom>
+          <a:solidFill>
+            <a:srgbClr val="FFC000"/>
+          </a:solidFill>
+        </p:spPr>
+        <p:style>
+          <a:lnRef idx="2">
+            <a:schemeClr val="accent1">
+              <a:shade val="50000"/>
+            </a:schemeClr>
+          </a:lnRef>
+          <a:fillRef idx="1">
+            <a:schemeClr val="accent1"/>
+          </a:fillRef>
+          <a:effectRef idx="0">
+            <a:schemeClr val="accent1"/>
+          </a:effectRef>
+          <a:fontRef idx="minor">
+            <a:schemeClr val="lt1"/>
+          </a:fontRef>
+        </p:style>
+        <p:txBody>
+          <a:bodyPr rtlCol="0" anchor="ctr"/>
+          <a:lstStyle/>
+          <a:p>
+            <a:pPr algn="ctr"/>
+            <a:r>
+              <a:rPr lang="en-US" dirty="0">
+                <a:solidFill>
+                  <a:schemeClr val="tx1"/>
+                </a:solidFill>
+              </a:rPr>
+              <a:t>ETH</a:t>
+            </a:r>
+          </a:p>
+        </p:txBody>
+      </p:sp>
+      <p:sp>
+        <p:nvSpPr>
+          <p:cNvPr id="7" name="Oval 6"/>
+          <p:cNvSpPr/>
+          <p:nvPr/>
+        </p:nvSpPr>
+        <p:spPr>
+          <a:xfrm>
+            <a:off x="8910034" y="1940753"/>
+            <a:ext cx="875763" cy="875763"/>
+          </a:xfrm>
+          <a:prstGeom prst="ellipse">
+            <a:avLst/>
+          </a:prstGeom>
+          <a:solidFill>
+            <a:srgbClr val="FFC000"/>
+          </a:solidFill>
+        </p:spPr>
+        <p:style>
+          <a:lnRef idx="2">
+            <a:schemeClr val="accent1">
+              <a:shade val="50000"/>
+            </a:schemeClr>
+          </a:lnRef>
+          <a:fillRef idx="1">
+            <a:schemeClr val="accent1"/>
+          </a:fillRef>
+          <a:effectRef idx="0">
+            <a:schemeClr val="accent1"/>
+          </a:effectRef>
+          <a:fontRef idx="minor">
+            <a:schemeClr val="lt1"/>
+          </a:fontRef>
+        </p:style>
+        <p:txBody>
+          <a:bodyPr rtlCol="0" anchor="ctr"/>
+          <a:lstStyle/>
+          <a:p>
+            <a:pPr algn="ctr"/>
+            <a:r>
+              <a:rPr lang="en-US" dirty="0">
+                <a:solidFill>
+                  <a:schemeClr val="tx1"/>
+                </a:solidFill>
+              </a:rPr>
+              <a:t>ETH</a:t>
+            </a:r>
+          </a:p>
+        </p:txBody>
+      </p:sp>
+      <p:cxnSp>
+        <p:nvCxnSpPr>
+          <p:cNvPr id="9" name="Straight Arrow Connector 8"/>
+          <p:cNvCxnSpPr/>
+          <p:nvPr/>
+        </p:nvCxnSpPr>
+        <p:spPr>
+          <a:xfrm flipV="1">
+            <a:off x="2954628" y="1715542"/>
+            <a:ext cx="2152383" cy="1504147"/>
+          </a:xfrm>
+          <a:prstGeom prst="straightConnector1">
+            <a:avLst/>
+          </a:prstGeom>
+          <a:ln w="19050">
+            <a:headEnd type="triangle"/>
+            <a:tailEnd type="triangle"/>
+          </a:ln>
+        </p:spPr>
+        <p:style>
+          <a:lnRef idx="1">
+            <a:schemeClr val="accent1"/>
+          </a:lnRef>
+          <a:fillRef idx="0">
+            <a:schemeClr val="accent1"/>
+          </a:fillRef>
+          <a:effectRef idx="0">
+            <a:schemeClr val="accent1"/>
+          </a:effectRef>
+          <a:fontRef idx="minor">
+            <a:schemeClr val="tx1"/>
+          </a:fontRef>
+        </p:style>
+      </p:cxnSp>
+      <p:cxnSp>
+        <p:nvCxnSpPr>
+          <p:cNvPr id="10" name="Straight Arrow Connector 9"/>
+          <p:cNvCxnSpPr>
+            <a:stCxn id="4" idx="5"/>
+            <a:endCxn id="5" idx="1"/>
+          </p:cNvCxnSpPr>
+          <p:nvPr/>
+        </p:nvCxnSpPr>
+        <p:spPr>
+          <a:xfrm>
+            <a:off x="2934772" y="3814091"/>
+            <a:ext cx="1570151" cy="1402726"/>
+          </a:xfrm>
+          <a:prstGeom prst="straightConnector1">
+            <a:avLst/>
+          </a:prstGeom>
+          <a:ln w="19050">
+            <a:headEnd type="triangle"/>
+            <a:tailEnd type="triangle"/>
+          </a:ln>
+        </p:spPr>
+        <p:style>
+          <a:lnRef idx="1">
+            <a:schemeClr val="accent1"/>
+          </a:lnRef>
+          <a:fillRef idx="0">
+            <a:schemeClr val="accent1"/>
+          </a:fillRef>
+          <a:effectRef idx="0">
+            <a:schemeClr val="accent1"/>
+          </a:effectRef>
+          <a:fontRef idx="minor">
+            <a:schemeClr val="tx1"/>
+          </a:fontRef>
+        </p:style>
+      </p:cxnSp>
+      <p:cxnSp>
+        <p:nvCxnSpPr>
+          <p:cNvPr id="15" name="Straight Arrow Connector 14"/>
+          <p:cNvCxnSpPr>
+            <a:stCxn id="5" idx="6"/>
+            <a:endCxn id="6" idx="3"/>
+          </p:cNvCxnSpPr>
+          <p:nvPr/>
+        </p:nvCxnSpPr>
+        <p:spPr>
+          <a:xfrm flipV="1">
+            <a:off x="5252433" y="4608624"/>
+            <a:ext cx="1622204" cy="917822"/>
+          </a:xfrm>
+          <a:prstGeom prst="straightConnector1">
+            <a:avLst/>
+          </a:prstGeom>
+          <a:ln w="19050">
+            <a:headEnd type="triangle"/>
+            <a:tailEnd type="triangle"/>
+          </a:ln>
+        </p:spPr>
+        <p:style>
+          <a:lnRef idx="1">
+            <a:schemeClr val="accent1"/>
+          </a:lnRef>
+          <a:fillRef idx="0">
+            <a:schemeClr val="accent1"/>
+          </a:fillRef>
+          <a:effectRef idx="0">
+            <a:schemeClr val="accent1"/>
+          </a:effectRef>
+          <a:fontRef idx="minor">
+            <a:schemeClr val="tx1"/>
+          </a:fontRef>
+        </p:style>
+      </p:cxnSp>
+      <p:cxnSp>
+        <p:nvCxnSpPr>
+          <p:cNvPr id="18" name="Straight Arrow Connector 17"/>
+          <p:cNvCxnSpPr>
+            <a:stCxn id="3" idx="5"/>
+            <a:endCxn id="6" idx="1"/>
+          </p:cNvCxnSpPr>
+          <p:nvPr/>
+        </p:nvCxnSpPr>
+        <p:spPr>
+          <a:xfrm>
+            <a:off x="5834665" y="2000316"/>
+            <a:ext cx="1039972" cy="1989051"/>
+          </a:xfrm>
+          <a:prstGeom prst="straightConnector1">
+            <a:avLst/>
+          </a:prstGeom>
+          <a:ln w="19050">
+            <a:headEnd type="triangle"/>
+            <a:tailEnd type="triangle"/>
+          </a:ln>
+        </p:spPr>
+        <p:style>
+          <a:lnRef idx="1">
+            <a:schemeClr val="accent1"/>
+          </a:lnRef>
+          <a:fillRef idx="0">
+            <a:schemeClr val="accent1"/>
+          </a:fillRef>
+          <a:effectRef idx="0">
+            <a:schemeClr val="accent1"/>
+          </a:effectRef>
+          <a:fontRef idx="minor">
+            <a:schemeClr val="tx1"/>
+          </a:fontRef>
+        </p:style>
+      </p:cxnSp>
+      <p:cxnSp>
+        <p:nvCxnSpPr>
+          <p:cNvPr id="21" name="Straight Arrow Connector 20"/>
+          <p:cNvCxnSpPr>
+            <a:endCxn id="7" idx="2"/>
+          </p:cNvCxnSpPr>
+          <p:nvPr/>
+        </p:nvCxnSpPr>
+        <p:spPr>
+          <a:xfrm>
+            <a:off x="5962918" y="1644270"/>
+            <a:ext cx="2947116" cy="734365"/>
+          </a:xfrm>
+          <a:prstGeom prst="straightConnector1">
+            <a:avLst/>
+          </a:prstGeom>
+          <a:ln w="19050">
+            <a:headEnd type="triangle"/>
+            <a:tailEnd type="triangle"/>
+          </a:ln>
+        </p:spPr>
+        <p:style>
+          <a:lnRef idx="1">
+            <a:schemeClr val="accent1"/>
+          </a:lnRef>
+          <a:fillRef idx="0">
+            <a:schemeClr val="accent1"/>
+          </a:fillRef>
+          <a:effectRef idx="0">
+            <a:schemeClr val="accent1"/>
+          </a:effectRef>
+          <a:fontRef idx="minor">
+            <a:schemeClr val="tx1"/>
+          </a:fontRef>
+        </p:style>
+      </p:cxnSp>
+      <p:cxnSp>
+        <p:nvCxnSpPr>
+          <p:cNvPr id="24" name="Straight Arrow Connector 23"/>
+          <p:cNvCxnSpPr>
+            <a:stCxn id="6" idx="6"/>
+            <a:endCxn id="7" idx="3"/>
+          </p:cNvCxnSpPr>
+          <p:nvPr/>
+        </p:nvCxnSpPr>
+        <p:spPr>
+          <a:xfrm flipV="1">
+            <a:off x="7622147" y="2688263"/>
+            <a:ext cx="1416140" cy="1610733"/>
+          </a:xfrm>
+          <a:prstGeom prst="straightConnector1">
+            <a:avLst/>
+          </a:prstGeom>
+          <a:ln w="19050">
+            <a:headEnd type="triangle"/>
+            <a:tailEnd type="triangle"/>
+          </a:ln>
+        </p:spPr>
+        <p:style>
+          <a:lnRef idx="1">
+            <a:schemeClr val="accent1"/>
+          </a:lnRef>
+          <a:fillRef idx="0">
+            <a:schemeClr val="accent1"/>
+          </a:fillRef>
+          <a:effectRef idx="0">
+            <a:schemeClr val="accent1"/>
+          </a:effectRef>
+          <a:fontRef idx="minor">
+            <a:schemeClr val="tx1"/>
+          </a:fontRef>
+        </p:style>
+      </p:cxnSp>
+      <p:cxnSp>
+        <p:nvCxnSpPr>
+          <p:cNvPr id="41" name="Straight Arrow Connector 40"/>
+          <p:cNvCxnSpPr/>
+          <p:nvPr/>
+        </p:nvCxnSpPr>
+        <p:spPr>
+          <a:xfrm flipH="1">
+            <a:off x="2934772" y="-267286"/>
+            <a:ext cx="82639" cy="42203"/>
+          </a:xfrm>
+          <a:prstGeom prst="straightConnector1">
+            <a:avLst/>
+          </a:prstGeom>
+          <a:ln>
+            <a:tailEnd type="triangle"/>
+          </a:ln>
+        </p:spPr>
+        <p:style>
+          <a:lnRef idx="1">
+            <a:schemeClr val="accent1"/>
+          </a:lnRef>
+          <a:fillRef idx="0">
+            <a:schemeClr val="accent1"/>
+          </a:fillRef>
+          <a:effectRef idx="0">
+            <a:schemeClr val="accent1"/>
+          </a:effectRef>
+          <a:fontRef idx="minor">
+            <a:schemeClr val="tx1"/>
+          </a:fontRef>
+        </p:style>
+      </p:cxnSp>
+      <p:cxnSp>
+        <p:nvCxnSpPr>
+          <p:cNvPr id="43" name="Straight Arrow Connector 42"/>
+          <p:cNvCxnSpPr>
+            <a:endCxn id="4" idx="2"/>
+          </p:cNvCxnSpPr>
+          <p:nvPr/>
+        </p:nvCxnSpPr>
+        <p:spPr>
+          <a:xfrm>
+            <a:off x="464234" y="3502855"/>
+            <a:ext cx="1723028" cy="1608"/>
+          </a:xfrm>
+          <a:prstGeom prst="straightConnector1">
+            <a:avLst/>
+          </a:prstGeom>
+          <a:ln w="19050">
+            <a:tailEnd type="triangle"/>
+          </a:ln>
+        </p:spPr>
+        <p:style>
+          <a:lnRef idx="1">
+            <a:schemeClr val="accent1"/>
+          </a:lnRef>
+          <a:fillRef idx="0">
+            <a:schemeClr val="accent1"/>
+          </a:fillRef>
+          <a:effectRef idx="0">
+            <a:schemeClr val="accent1"/>
+          </a:effectRef>
+          <a:fontRef idx="minor">
+            <a:schemeClr val="tx1"/>
+          </a:fontRef>
+        </p:style>
+      </p:cxnSp>
+      <p:sp>
+        <p:nvSpPr>
+          <p:cNvPr id="40" name="Oval 39"/>
+          <p:cNvSpPr/>
+          <p:nvPr/>
+        </p:nvSpPr>
+        <p:spPr>
+          <a:xfrm>
+            <a:off x="10506050" y="2938328"/>
+            <a:ext cx="875763" cy="875763"/>
+          </a:xfrm>
+          <a:prstGeom prst="ellipse">
+            <a:avLst/>
+          </a:prstGeom>
+          <a:solidFill>
+            <a:srgbClr val="92D050"/>
+          </a:solidFill>
+        </p:spPr>
+        <p:style>
+          <a:lnRef idx="2">
+            <a:schemeClr val="accent1">
+              <a:shade val="50000"/>
+            </a:schemeClr>
+          </a:lnRef>
+          <a:fillRef idx="1">
+            <a:schemeClr val="accent1"/>
+          </a:fillRef>
+          <a:effectRef idx="0">
+            <a:schemeClr val="accent1"/>
+          </a:effectRef>
+          <a:fontRef idx="minor">
+            <a:schemeClr val="lt1"/>
+          </a:fontRef>
+        </p:style>
+        <p:txBody>
+          <a:bodyPr rtlCol="0" anchor="ctr"/>
+          <a:lstStyle/>
+          <a:p>
+            <a:pPr algn="ctr"/>
+            <a:r>
+              <a:rPr lang="en-US" dirty="0">
+                <a:solidFill>
+                  <a:schemeClr val="tx1"/>
+                </a:solidFill>
+              </a:rPr>
+              <a:t>BTC</a:t>
+            </a:r>
+          </a:p>
+        </p:txBody>
+      </p:sp>
+      <p:sp>
+        <p:nvSpPr>
+          <p:cNvPr id="42" name="Oval 41"/>
+          <p:cNvSpPr/>
+          <p:nvPr/>
+        </p:nvSpPr>
+        <p:spPr>
+          <a:xfrm>
+            <a:off x="8330217" y="4990235"/>
+            <a:ext cx="875763" cy="875763"/>
+          </a:xfrm>
+          <a:prstGeom prst="ellipse">
+            <a:avLst/>
+          </a:prstGeom>
+          <a:solidFill>
+            <a:srgbClr val="92D050"/>
+          </a:solidFill>
+        </p:spPr>
+        <p:style>
+          <a:lnRef idx="2">
+            <a:schemeClr val="accent1">
+              <a:shade val="50000"/>
+            </a:schemeClr>
+          </a:lnRef>
+          <a:fillRef idx="1">
+            <a:schemeClr val="accent1"/>
+          </a:fillRef>
+          <a:effectRef idx="0">
+            <a:schemeClr val="accent1"/>
+          </a:effectRef>
+          <a:fontRef idx="minor">
+            <a:schemeClr val="lt1"/>
+          </a:fontRef>
+        </p:style>
+        <p:txBody>
+          <a:bodyPr rtlCol="0" anchor="ctr"/>
+          <a:lstStyle/>
+          <a:p>
+            <a:pPr algn="ctr"/>
+            <a:r>
+              <a:rPr lang="en-US" dirty="0">
+                <a:solidFill>
+                  <a:schemeClr val="tx1"/>
+                </a:solidFill>
+              </a:rPr>
+              <a:t>BTC</a:t>
+            </a:r>
+          </a:p>
+        </p:txBody>
+      </p:sp>
+      <p:cxnSp>
+        <p:nvCxnSpPr>
+          <p:cNvPr id="44" name="Straight Arrow Connector 43"/>
+          <p:cNvCxnSpPr>
+            <a:stCxn id="42" idx="7"/>
+            <a:endCxn id="40" idx="3"/>
+          </p:cNvCxnSpPr>
+          <p:nvPr/>
+        </p:nvCxnSpPr>
+        <p:spPr>
+          <a:xfrm flipV="1">
+            <a:off x="9077727" y="3685838"/>
+            <a:ext cx="1556576" cy="1432650"/>
+          </a:xfrm>
+          <a:prstGeom prst="straightConnector1">
+            <a:avLst/>
+          </a:prstGeom>
+          <a:ln w="19050">
+            <a:headEnd type="triangle"/>
+            <a:tailEnd type="triangle"/>
+          </a:ln>
+        </p:spPr>
+        <p:style>
+          <a:lnRef idx="1">
+            <a:schemeClr val="accent1"/>
+          </a:lnRef>
+          <a:fillRef idx="0">
+            <a:schemeClr val="accent1"/>
+          </a:fillRef>
+          <a:effectRef idx="0">
+            <a:schemeClr val="accent1"/>
+          </a:effectRef>
+          <a:fontRef idx="minor">
+            <a:schemeClr val="tx1"/>
+          </a:fontRef>
+        </p:style>
+      </p:cxnSp>
+      <p:cxnSp>
+        <p:nvCxnSpPr>
+          <p:cNvPr id="45" name="Straight Arrow Connector 44"/>
+          <p:cNvCxnSpPr>
+            <a:stCxn id="40" idx="6"/>
+          </p:cNvCxnSpPr>
+          <p:nvPr/>
+        </p:nvCxnSpPr>
+        <p:spPr>
+          <a:xfrm>
+            <a:off x="11381813" y="3376210"/>
+            <a:ext cx="1673005" cy="922786"/>
+          </a:xfrm>
+          <a:prstGeom prst="straightConnector1">
+            <a:avLst/>
+          </a:prstGeom>
+          <a:ln w="19050">
+            <a:headEnd type="triangle"/>
+            <a:tailEnd type="triangle"/>
+          </a:ln>
+        </p:spPr>
+        <p:style>
+          <a:lnRef idx="1">
+            <a:schemeClr val="accent1"/>
+          </a:lnRef>
+          <a:fillRef idx="0">
+            <a:schemeClr val="accent1"/>
+          </a:fillRef>
+          <a:effectRef idx="0">
+            <a:schemeClr val="accent1"/>
+          </a:effectRef>
+          <a:fontRef idx="minor">
+            <a:schemeClr val="tx1"/>
+          </a:fontRef>
+        </p:style>
+      </p:cxnSp>
+      <p:cxnSp>
+        <p:nvCxnSpPr>
+          <p:cNvPr id="46" name="Straight Arrow Connector 45"/>
+          <p:cNvCxnSpPr/>
+          <p:nvPr/>
+        </p:nvCxnSpPr>
+        <p:spPr>
+          <a:xfrm>
+            <a:off x="9205980" y="5428116"/>
+            <a:ext cx="3695539" cy="733677"/>
+          </a:xfrm>
+          <a:prstGeom prst="straightConnector1">
+            <a:avLst/>
+          </a:prstGeom>
+          <a:ln w="19050">
+            <a:headEnd type="triangle"/>
+            <a:tailEnd type="triangle"/>
+          </a:ln>
+        </p:spPr>
+        <p:style>
+          <a:lnRef idx="1">
+            <a:schemeClr val="accent1"/>
+          </a:lnRef>
+          <a:fillRef idx="0">
+            <a:schemeClr val="accent1"/>
+          </a:fillRef>
+          <a:effectRef idx="0">
+            <a:schemeClr val="accent1"/>
+          </a:effectRef>
+          <a:fontRef idx="minor">
+            <a:schemeClr val="tx1"/>
+          </a:fontRef>
+        </p:style>
+      </p:cxnSp>
+      <p:cxnSp>
+        <p:nvCxnSpPr>
+          <p:cNvPr id="47" name="Straight Arrow Connector 46"/>
+          <p:cNvCxnSpPr>
+            <a:stCxn id="6" idx="5"/>
+            <a:endCxn id="42" idx="1"/>
+          </p:cNvCxnSpPr>
+          <p:nvPr/>
+        </p:nvCxnSpPr>
+        <p:spPr>
+          <a:xfrm>
+            <a:off x="7493894" y="4608624"/>
+            <a:ext cx="964576" cy="509864"/>
+          </a:xfrm>
+          <a:prstGeom prst="straightConnector1">
+            <a:avLst/>
+          </a:prstGeom>
+          <a:ln w="19050">
+            <a:headEnd type="triangle"/>
+            <a:tailEnd type="triangle"/>
+          </a:ln>
+        </p:spPr>
+        <p:style>
+          <a:lnRef idx="1">
+            <a:schemeClr val="accent1"/>
+          </a:lnRef>
+          <a:fillRef idx="0">
+            <a:schemeClr val="accent1"/>
+          </a:fillRef>
+          <a:effectRef idx="0">
+            <a:schemeClr val="accent1"/>
+          </a:effectRef>
+          <a:fontRef idx="minor">
+            <a:schemeClr val="tx1"/>
+          </a:fontRef>
+        </p:style>
+      </p:cxnSp>
+      <p:cxnSp>
+        <p:nvCxnSpPr>
+          <p:cNvPr id="48" name="Straight Arrow Connector 47"/>
+          <p:cNvCxnSpPr>
+            <a:endCxn id="40" idx="1"/>
+          </p:cNvCxnSpPr>
+          <p:nvPr/>
+        </p:nvCxnSpPr>
+        <p:spPr>
+          <a:xfrm>
+            <a:off x="9785797" y="2534852"/>
+            <a:ext cx="848506" cy="531729"/>
+          </a:xfrm>
+          <a:prstGeom prst="straightConnector1">
+            <a:avLst/>
+          </a:prstGeom>
+          <a:ln w="19050">
+            <a:headEnd type="triangle"/>
+            <a:tailEnd type="triangle"/>
+          </a:ln>
+        </p:spPr>
+        <p:style>
+          <a:lnRef idx="1">
+            <a:schemeClr val="accent1"/>
+          </a:lnRef>
+          <a:fillRef idx="0">
+            <a:schemeClr val="accent1"/>
+          </a:fillRef>
+          <a:effectRef idx="0">
+            <a:schemeClr val="accent1"/>
+          </a:effectRef>
+          <a:fontRef idx="minor">
+            <a:schemeClr val="tx1"/>
+          </a:fontRef>
+        </p:style>
+      </p:cxnSp>
+    </p:spTree>
+    <p:extLst>
+      <p:ext uri="{BB962C8B-B14F-4D97-AF65-F5344CB8AC3E}">
+        <p14:creationId xmlns:p14="http://schemas.microsoft.com/office/powerpoint/2010/main" val="1481939674"/>
+      </p:ext>
+    </p:extLst>
+  </p:cSld>
+  <p:clrMapOvr>
+    <a:masterClrMapping/>
+  </p:clrMapOvr>
+</p:sld>
+</file>
+
+<file path=ppt/slides/slide8.xml><?xml version="1.0" encoding="utf-8"?>
 <p:sld xmlns:a="http://schemas.openxmlformats.org/drawingml/2006/main" xmlns:r="http://schemas.openxmlformats.org/officeDocument/2006/relationships" xmlns:p="http://schemas.openxmlformats.org/presentationml/2006/main">
   <p:cSld>
     <p:spTree>

--- a/ConnBlockchains/images/BlockchainImages.pptx
+++ b/ConnBlockchains/images/BlockchainImages.pptx
@@ -12,7 +12,9 @@
     <p:sldId id="267" r:id="rId6"/>
     <p:sldId id="265" r:id="rId7"/>
     <p:sldId id="268" r:id="rId8"/>
-    <p:sldId id="266" r:id="rId9"/>
+    <p:sldId id="270" r:id="rId9"/>
+    <p:sldId id="266" r:id="rId10"/>
+    <p:sldId id="269" r:id="rId11"/>
   </p:sldIdLst>
   <p:sldSz cx="12192000" cy="6858000"/>
   <p:notesSz cx="6858000" cy="9144000"/>
@@ -260,7 +262,7 @@
             <a:fld id="{C2F463EA-8CAB-49D9-9558-9A4296B1F92C}" type="datetimeFigureOut">
               <a:rPr lang="en-US" smtClean="0"/>
               <a:pPr/>
-              <a:t>10/29/2016</a:t>
+              <a:t>11/2/2016</a:t>
             </a:fld>
             <a:endParaRPr lang="en-US"/>
           </a:p>
@@ -430,7 +432,7 @@
             <a:fld id="{C2F463EA-8CAB-49D9-9558-9A4296B1F92C}" type="datetimeFigureOut">
               <a:rPr lang="en-US" smtClean="0"/>
               <a:pPr/>
-              <a:t>10/29/2016</a:t>
+              <a:t>11/2/2016</a:t>
             </a:fld>
             <a:endParaRPr lang="en-US"/>
           </a:p>
@@ -610,7 +612,7 @@
             <a:fld id="{C2F463EA-8CAB-49D9-9558-9A4296B1F92C}" type="datetimeFigureOut">
               <a:rPr lang="en-US" smtClean="0"/>
               <a:pPr/>
-              <a:t>10/29/2016</a:t>
+              <a:t>11/2/2016</a:t>
             </a:fld>
             <a:endParaRPr lang="en-US"/>
           </a:p>
@@ -780,7 +782,7 @@
             <a:fld id="{C2F463EA-8CAB-49D9-9558-9A4296B1F92C}" type="datetimeFigureOut">
               <a:rPr lang="en-US" smtClean="0"/>
               <a:pPr/>
-              <a:t>10/29/2016</a:t>
+              <a:t>11/2/2016</a:t>
             </a:fld>
             <a:endParaRPr lang="en-US"/>
           </a:p>
@@ -1027,7 +1029,7 @@
             <a:fld id="{C2F463EA-8CAB-49D9-9558-9A4296B1F92C}" type="datetimeFigureOut">
               <a:rPr lang="en-US" smtClean="0"/>
               <a:pPr/>
-              <a:t>10/29/2016</a:t>
+              <a:t>11/2/2016</a:t>
             </a:fld>
             <a:endParaRPr lang="en-US"/>
           </a:p>
@@ -1258,7 +1260,7 @@
             <a:fld id="{C2F463EA-8CAB-49D9-9558-9A4296B1F92C}" type="datetimeFigureOut">
               <a:rPr lang="en-US" smtClean="0"/>
               <a:pPr/>
-              <a:t>10/29/2016</a:t>
+              <a:t>11/2/2016</a:t>
             </a:fld>
             <a:endParaRPr lang="en-US"/>
           </a:p>
@@ -1624,7 +1626,7 @@
             <a:fld id="{C2F463EA-8CAB-49D9-9558-9A4296B1F92C}" type="datetimeFigureOut">
               <a:rPr lang="en-US" smtClean="0"/>
               <a:pPr/>
-              <a:t>10/29/2016</a:t>
+              <a:t>11/2/2016</a:t>
             </a:fld>
             <a:endParaRPr lang="en-US"/>
           </a:p>
@@ -1743,7 +1745,7 @@
             <a:fld id="{C2F463EA-8CAB-49D9-9558-9A4296B1F92C}" type="datetimeFigureOut">
               <a:rPr lang="en-US" smtClean="0"/>
               <a:pPr/>
-              <a:t>10/29/2016</a:t>
+              <a:t>11/2/2016</a:t>
             </a:fld>
             <a:endParaRPr lang="en-US"/>
           </a:p>
@@ -1840,7 +1842,7 @@
             <a:fld id="{C2F463EA-8CAB-49D9-9558-9A4296B1F92C}" type="datetimeFigureOut">
               <a:rPr lang="en-US" smtClean="0"/>
               <a:pPr/>
-              <a:t>10/29/2016</a:t>
+              <a:t>11/2/2016</a:t>
             </a:fld>
             <a:endParaRPr lang="en-US"/>
           </a:p>
@@ -2117,7 +2119,7 @@
             <a:fld id="{C2F463EA-8CAB-49D9-9558-9A4296B1F92C}" type="datetimeFigureOut">
               <a:rPr lang="en-US" smtClean="0"/>
               <a:pPr/>
-              <a:t>10/29/2016</a:t>
+              <a:t>11/2/2016</a:t>
             </a:fld>
             <a:endParaRPr lang="en-US"/>
           </a:p>
@@ -2371,7 +2373,7 @@
             <a:fld id="{C2F463EA-8CAB-49D9-9558-9A4296B1F92C}" type="datetimeFigureOut">
               <a:rPr lang="en-US" smtClean="0"/>
               <a:pPr/>
-              <a:t>10/29/2016</a:t>
+              <a:t>11/2/2016</a:t>
             </a:fld>
             <a:endParaRPr lang="en-US"/>
           </a:p>
@@ -2584,7 +2586,7 @@
             <a:fld id="{C2F463EA-8CAB-49D9-9558-9A4296B1F92C}" type="datetimeFigureOut">
               <a:rPr lang="en-US" smtClean="0"/>
               <a:pPr/>
-              <a:t>10/29/2016</a:t>
+              <a:t>11/2/2016</a:t>
             </a:fld>
             <a:endParaRPr lang="en-US"/>
           </a:p>
@@ -3503,6 +3505,212 @@
 </p:sld>
 </file>
 
+<file path=ppt/slides/slide10.xml><?xml version="1.0" encoding="utf-8"?>
+<p:sld xmlns:a="http://schemas.openxmlformats.org/drawingml/2006/main" xmlns:r="http://schemas.openxmlformats.org/officeDocument/2006/relationships" xmlns:p="http://schemas.openxmlformats.org/presentationml/2006/main">
+  <p:cSld>
+    <p:spTree>
+      <p:nvGrpSpPr>
+        <p:cNvPr id="1" name=""/>
+        <p:cNvGrpSpPr/>
+        <p:nvPr/>
+      </p:nvGrpSpPr>
+      <p:grpSpPr>
+        <a:xfrm>
+          <a:off x="0" y="0"/>
+          <a:ext cx="0" cy="0"/>
+          <a:chOff x="0" y="0"/>
+          <a:chExt cx="0" cy="0"/>
+        </a:xfrm>
+      </p:grpSpPr>
+      <p:sp>
+        <p:nvSpPr>
+          <p:cNvPr id="3" name="Rectangle 2"/>
+          <p:cNvSpPr/>
+          <p:nvPr/>
+        </p:nvSpPr>
+        <p:spPr>
+          <a:xfrm>
+            <a:off x="998806" y="1533378"/>
+            <a:ext cx="9650437" cy="787791"/>
+          </a:xfrm>
+          <a:prstGeom prst="rect">
+            <a:avLst/>
+          </a:prstGeom>
+          <a:solidFill>
+            <a:schemeClr val="accent4">
+              <a:lumMod val="60000"/>
+              <a:lumOff val="40000"/>
+            </a:schemeClr>
+          </a:solidFill>
+        </p:spPr>
+        <p:style>
+          <a:lnRef idx="2">
+            <a:schemeClr val="accent1">
+              <a:shade val="50000"/>
+            </a:schemeClr>
+          </a:lnRef>
+          <a:fillRef idx="1">
+            <a:schemeClr val="accent1"/>
+          </a:fillRef>
+          <a:effectRef idx="0">
+            <a:schemeClr val="accent1"/>
+          </a:effectRef>
+          <a:fontRef idx="minor">
+            <a:schemeClr val="lt1"/>
+          </a:fontRef>
+        </p:style>
+        <p:txBody>
+          <a:bodyPr rtlCol="0" anchor="ctr"/>
+          <a:lstStyle/>
+          <a:p>
+            <a:pPr algn="ctr"/>
+            <a:r>
+              <a:rPr lang="es-MX" sz="2400" dirty="0">
+                <a:solidFill>
+                  <a:schemeClr val="tx1"/>
+                </a:solidFill>
+              </a:rPr>
+              <a:t>M &lt;Public Key 1&gt; &lt;Public Key 2&gt; … &lt;Public Key N&gt; N OP_CHECKMULTISIG</a:t>
+            </a:r>
+            <a:endParaRPr lang="es-ES" sz="2400" dirty="0">
+              <a:solidFill>
+                <a:schemeClr val="tx1"/>
+              </a:solidFill>
+            </a:endParaRPr>
+          </a:p>
+        </p:txBody>
+      </p:sp>
+      <p:sp>
+        <p:nvSpPr>
+          <p:cNvPr id="4" name="TextBox 3"/>
+          <p:cNvSpPr txBox="1"/>
+          <p:nvPr/>
+        </p:nvSpPr>
+        <p:spPr>
+          <a:xfrm>
+            <a:off x="998806" y="858129"/>
+            <a:ext cx="2193229" cy="523220"/>
+          </a:xfrm>
+          <a:prstGeom prst="rect">
+            <a:avLst/>
+          </a:prstGeom>
+          <a:noFill/>
+        </p:spPr>
+        <p:txBody>
+          <a:bodyPr wrap="none" rtlCol="0">
+            <a:spAutoFit/>
+          </a:bodyPr>
+          <a:lstStyle/>
+          <a:p>
+            <a:r>
+              <a:rPr lang="es-MX" sz="2800" dirty="0"/>
+              <a:t>Locking Script</a:t>
+            </a:r>
+            <a:endParaRPr lang="es-ES" sz="2800" dirty="0"/>
+          </a:p>
+        </p:txBody>
+      </p:sp>
+      <p:sp>
+        <p:nvSpPr>
+          <p:cNvPr id="5" name="Rectangle 4"/>
+          <p:cNvSpPr/>
+          <p:nvPr/>
+        </p:nvSpPr>
+        <p:spPr>
+          <a:xfrm>
+            <a:off x="998806" y="3753729"/>
+            <a:ext cx="9650437" cy="787791"/>
+          </a:xfrm>
+          <a:prstGeom prst="rect">
+            <a:avLst/>
+          </a:prstGeom>
+          <a:solidFill>
+            <a:schemeClr val="accent4">
+              <a:lumMod val="60000"/>
+              <a:lumOff val="40000"/>
+            </a:schemeClr>
+          </a:solidFill>
+        </p:spPr>
+        <p:style>
+          <a:lnRef idx="2">
+            <a:schemeClr val="accent1">
+              <a:shade val="50000"/>
+            </a:schemeClr>
+          </a:lnRef>
+          <a:fillRef idx="1">
+            <a:schemeClr val="accent1"/>
+          </a:fillRef>
+          <a:effectRef idx="0">
+            <a:schemeClr val="accent1"/>
+          </a:effectRef>
+          <a:fontRef idx="minor">
+            <a:schemeClr val="lt1"/>
+          </a:fontRef>
+        </p:style>
+        <p:txBody>
+          <a:bodyPr rtlCol="0" anchor="ctr"/>
+          <a:lstStyle/>
+          <a:p>
+            <a:pPr algn="ctr"/>
+            <a:r>
+              <a:rPr lang="es-MX" sz="2400" dirty="0">
+                <a:solidFill>
+                  <a:schemeClr val="tx1"/>
+                </a:solidFill>
+              </a:rPr>
+              <a:t>OP_0 &lt;Signature B&gt; &lt;Signature C&gt;</a:t>
+            </a:r>
+            <a:endParaRPr lang="es-ES" sz="2400" dirty="0">
+              <a:solidFill>
+                <a:schemeClr val="tx1"/>
+              </a:solidFill>
+            </a:endParaRPr>
+          </a:p>
+        </p:txBody>
+      </p:sp>
+      <p:sp>
+        <p:nvSpPr>
+          <p:cNvPr id="6" name="TextBox 5"/>
+          <p:cNvSpPr txBox="1"/>
+          <p:nvPr/>
+        </p:nvSpPr>
+        <p:spPr>
+          <a:xfrm>
+            <a:off x="1069144" y="3106616"/>
+            <a:ext cx="2996419" cy="523220"/>
+          </a:xfrm>
+          <a:prstGeom prst="rect">
+            <a:avLst/>
+          </a:prstGeom>
+          <a:noFill/>
+        </p:spPr>
+        <p:txBody>
+          <a:bodyPr wrap="square" rtlCol="0">
+            <a:spAutoFit/>
+          </a:bodyPr>
+          <a:lstStyle/>
+          <a:p>
+            <a:r>
+              <a:rPr lang="es-MX" sz="2800" dirty="0"/>
+              <a:t>Unlocking Script</a:t>
+            </a:r>
+            <a:endParaRPr lang="es-ES" sz="2800" dirty="0"/>
+          </a:p>
+        </p:txBody>
+      </p:sp>
+    </p:spTree>
+    <p:extLst>
+      <p:ext uri="{BB962C8B-B14F-4D97-AF65-F5344CB8AC3E}">
+        <p14:creationId xmlns:p14="http://schemas.microsoft.com/office/powerpoint/2010/main" val="2783618498"/>
+      </p:ext>
+    </p:extLst>
+  </p:cSld>
+  <p:clrMapOvr>
+    <a:masterClrMapping/>
+  </p:clrMapOvr>
+</p:sld>
+</file>
+
 <file path=ppt/slides/slide2.xml><?xml version="1.0" encoding="utf-8"?>
 <p:sld xmlns:a="http://schemas.openxmlformats.org/drawingml/2006/main" xmlns:r="http://schemas.openxmlformats.org/officeDocument/2006/relationships" xmlns:p="http://schemas.openxmlformats.org/presentationml/2006/main">
   <p:cSld>
@@ -7198,37 +7406,13 @@
       </p:grpSpPr>
       <p:sp>
         <p:nvSpPr>
-          <p:cNvPr id="2" name="Title 1"/>
-          <p:cNvSpPr>
-            <a:spLocks noGrp="1"/>
-          </p:cNvSpPr>
-          <p:nvPr>
-            <p:ph type="title"/>
-          </p:nvPr>
-        </p:nvSpPr>
-        <p:spPr>
-          <a:xfrm>
-            <a:off x="866213" y="280395"/>
-            <a:ext cx="10515600" cy="1325563"/>
-          </a:xfrm>
-        </p:spPr>
-        <p:txBody>
-          <a:bodyPr/>
-          <a:lstStyle/>
-          <a:p>
-            <a:endParaRPr lang="en-US" dirty="0"/>
-          </a:p>
-        </p:txBody>
-      </p:sp>
-      <p:sp>
-        <p:nvSpPr>
           <p:cNvPr id="3" name="Oval 2"/>
           <p:cNvSpPr/>
           <p:nvPr/>
         </p:nvSpPr>
         <p:spPr>
           <a:xfrm>
-            <a:off x="5087155" y="1252806"/>
+            <a:off x="5101223" y="1252806"/>
             <a:ext cx="875763" cy="875763"/>
           </a:xfrm>
           <a:prstGeom prst="ellipse">
@@ -7265,7 +7449,7 @@
                   <a:schemeClr val="tx1"/>
                 </a:solidFill>
               </a:rPr>
-              <a:t>ETH</a:t>
+              <a:t>ETHRSK</a:t>
             </a:r>
           </a:p>
         </p:txBody>
@@ -7315,7 +7499,7 @@
                   <a:schemeClr val="tx1"/>
                 </a:solidFill>
               </a:rPr>
-              <a:t>ETH</a:t>
+              <a:t>ETHRSK</a:t>
             </a:r>
           </a:p>
         </p:txBody>
@@ -7365,7 +7549,7 @@
                   <a:schemeClr val="tx1"/>
                 </a:solidFill>
               </a:rPr>
-              <a:t>ETH</a:t>
+              <a:t>ETHRSK</a:t>
             </a:r>
           </a:p>
         </p:txBody>
@@ -7415,7 +7599,7 @@
                   <a:schemeClr val="tx1"/>
                 </a:solidFill>
               </a:rPr>
-              <a:t>ETH</a:t>
+              <a:t>ETHRSK</a:t>
             </a:r>
           </a:p>
         </p:txBody>
@@ -7465,7 +7649,7 @@
                   <a:schemeClr val="tx1"/>
                 </a:solidFill>
               </a:rPr>
-              <a:t>ETH</a:t>
+              <a:t>ETHRSK</a:t>
             </a:r>
           </a:p>
         </p:txBody>
@@ -7589,8 +7773,8 @@
         </p:nvCxnSpPr>
         <p:spPr>
           <a:xfrm>
-            <a:off x="5834665" y="2000316"/>
-            <a:ext cx="1039972" cy="1989051"/>
+            <a:off x="5848733" y="2000316"/>
+            <a:ext cx="1025904" cy="1989051"/>
           </a:xfrm>
           <a:prstGeom prst="straightConnector1">
             <a:avLst/>
@@ -8050,6 +8234,857 @@
 </file>
 
 <file path=ppt/slides/slide8.xml><?xml version="1.0" encoding="utf-8"?>
+<p:sld xmlns:a="http://schemas.openxmlformats.org/drawingml/2006/main" xmlns:r="http://schemas.openxmlformats.org/officeDocument/2006/relationships" xmlns:p="http://schemas.openxmlformats.org/presentationml/2006/main">
+  <p:cSld>
+    <p:spTree>
+      <p:nvGrpSpPr>
+        <p:cNvPr id="1" name=""/>
+        <p:cNvGrpSpPr/>
+        <p:nvPr/>
+      </p:nvGrpSpPr>
+      <p:grpSpPr>
+        <a:xfrm>
+          <a:off x="0" y="0"/>
+          <a:ext cx="0" cy="0"/>
+          <a:chOff x="0" y="0"/>
+          <a:chExt cx="0" cy="0"/>
+        </a:xfrm>
+      </p:grpSpPr>
+      <p:sp>
+        <p:nvSpPr>
+          <p:cNvPr id="3" name="Oval 2"/>
+          <p:cNvSpPr/>
+          <p:nvPr/>
+        </p:nvSpPr>
+        <p:spPr>
+          <a:xfrm>
+            <a:off x="5101223" y="1252806"/>
+            <a:ext cx="875763" cy="875763"/>
+          </a:xfrm>
+          <a:prstGeom prst="ellipse">
+            <a:avLst/>
+          </a:prstGeom>
+          <a:solidFill>
+            <a:srgbClr val="FFC000"/>
+          </a:solidFill>
+        </p:spPr>
+        <p:style>
+          <a:lnRef idx="2">
+            <a:schemeClr val="accent1">
+              <a:shade val="50000"/>
+            </a:schemeClr>
+          </a:lnRef>
+          <a:fillRef idx="1">
+            <a:schemeClr val="accent1"/>
+          </a:fillRef>
+          <a:effectRef idx="0">
+            <a:schemeClr val="accent1"/>
+          </a:effectRef>
+          <a:fontRef idx="minor">
+            <a:schemeClr val="lt1"/>
+          </a:fontRef>
+        </p:style>
+        <p:txBody>
+          <a:bodyPr rtlCol="0" anchor="ctr"/>
+          <a:lstStyle/>
+          <a:p>
+            <a:pPr algn="ctr"/>
+            <a:r>
+              <a:rPr lang="en-US" dirty="0">
+                <a:solidFill>
+                  <a:schemeClr val="tx1"/>
+                </a:solidFill>
+              </a:rPr>
+              <a:t>ETHRSK</a:t>
+            </a:r>
+          </a:p>
+        </p:txBody>
+      </p:sp>
+      <p:sp>
+        <p:nvSpPr>
+          <p:cNvPr id="4" name="Oval 3"/>
+          <p:cNvSpPr/>
+          <p:nvPr/>
+        </p:nvSpPr>
+        <p:spPr>
+          <a:xfrm>
+            <a:off x="2187262" y="3066581"/>
+            <a:ext cx="875763" cy="875763"/>
+          </a:xfrm>
+          <a:prstGeom prst="ellipse">
+            <a:avLst/>
+          </a:prstGeom>
+          <a:solidFill>
+            <a:srgbClr val="FFC000"/>
+          </a:solidFill>
+        </p:spPr>
+        <p:style>
+          <a:lnRef idx="2">
+            <a:schemeClr val="accent1">
+              <a:shade val="50000"/>
+            </a:schemeClr>
+          </a:lnRef>
+          <a:fillRef idx="1">
+            <a:schemeClr val="accent1"/>
+          </a:fillRef>
+          <a:effectRef idx="0">
+            <a:schemeClr val="accent1"/>
+          </a:effectRef>
+          <a:fontRef idx="minor">
+            <a:schemeClr val="lt1"/>
+          </a:fontRef>
+        </p:style>
+        <p:txBody>
+          <a:bodyPr rtlCol="0" anchor="ctr"/>
+          <a:lstStyle/>
+          <a:p>
+            <a:pPr algn="ctr"/>
+            <a:r>
+              <a:rPr lang="en-US" dirty="0">
+                <a:solidFill>
+                  <a:schemeClr val="tx1"/>
+                </a:solidFill>
+              </a:rPr>
+              <a:t>ETHRSK</a:t>
+            </a:r>
+          </a:p>
+        </p:txBody>
+      </p:sp>
+      <p:sp>
+        <p:nvSpPr>
+          <p:cNvPr id="5" name="Oval 4"/>
+          <p:cNvSpPr/>
+          <p:nvPr/>
+        </p:nvSpPr>
+        <p:spPr>
+          <a:xfrm>
+            <a:off x="4376670" y="5088564"/>
+            <a:ext cx="875763" cy="875763"/>
+          </a:xfrm>
+          <a:prstGeom prst="ellipse">
+            <a:avLst/>
+          </a:prstGeom>
+          <a:solidFill>
+            <a:schemeClr val="accent1"/>
+          </a:solidFill>
+        </p:spPr>
+        <p:style>
+          <a:lnRef idx="2">
+            <a:schemeClr val="accent1">
+              <a:shade val="50000"/>
+            </a:schemeClr>
+          </a:lnRef>
+          <a:fillRef idx="1">
+            <a:schemeClr val="accent1"/>
+          </a:fillRef>
+          <a:effectRef idx="0">
+            <a:schemeClr val="accent1"/>
+          </a:effectRef>
+          <a:fontRef idx="minor">
+            <a:schemeClr val="lt1"/>
+          </a:fontRef>
+        </p:style>
+        <p:txBody>
+          <a:bodyPr rtlCol="0" anchor="ctr"/>
+          <a:lstStyle/>
+          <a:p>
+            <a:pPr algn="ctr"/>
+            <a:r>
+              <a:rPr lang="en-US" dirty="0">
+                <a:solidFill>
+                  <a:schemeClr val="tx1"/>
+                </a:solidFill>
+              </a:rPr>
+              <a:t>RSKFED</a:t>
+            </a:r>
+          </a:p>
+        </p:txBody>
+      </p:sp>
+      <p:sp>
+        <p:nvSpPr>
+          <p:cNvPr id="6" name="Oval 5"/>
+          <p:cNvSpPr/>
+          <p:nvPr/>
+        </p:nvSpPr>
+        <p:spPr>
+          <a:xfrm>
+            <a:off x="5272289" y="3060723"/>
+            <a:ext cx="875763" cy="875763"/>
+          </a:xfrm>
+          <a:prstGeom prst="ellipse">
+            <a:avLst/>
+          </a:prstGeom>
+          <a:solidFill>
+            <a:srgbClr val="FFC000"/>
+          </a:solidFill>
+        </p:spPr>
+        <p:style>
+          <a:lnRef idx="2">
+            <a:schemeClr val="accent1">
+              <a:shade val="50000"/>
+            </a:schemeClr>
+          </a:lnRef>
+          <a:fillRef idx="1">
+            <a:schemeClr val="accent1"/>
+          </a:fillRef>
+          <a:effectRef idx="0">
+            <a:schemeClr val="accent1"/>
+          </a:effectRef>
+          <a:fontRef idx="minor">
+            <a:schemeClr val="lt1"/>
+          </a:fontRef>
+        </p:style>
+        <p:txBody>
+          <a:bodyPr rtlCol="0" anchor="ctr"/>
+          <a:lstStyle/>
+          <a:p>
+            <a:pPr algn="ctr"/>
+            <a:r>
+              <a:rPr lang="en-US" dirty="0">
+                <a:solidFill>
+                  <a:schemeClr val="tx1"/>
+                </a:solidFill>
+              </a:rPr>
+              <a:t>ETHRSK</a:t>
+            </a:r>
+          </a:p>
+        </p:txBody>
+      </p:sp>
+      <p:sp>
+        <p:nvSpPr>
+          <p:cNvPr id="7" name="Oval 6"/>
+          <p:cNvSpPr/>
+          <p:nvPr/>
+        </p:nvSpPr>
+        <p:spPr>
+          <a:xfrm>
+            <a:off x="7582707" y="1277661"/>
+            <a:ext cx="875763" cy="875763"/>
+          </a:xfrm>
+          <a:prstGeom prst="ellipse">
+            <a:avLst/>
+          </a:prstGeom>
+          <a:solidFill>
+            <a:srgbClr val="00B0F0"/>
+          </a:solidFill>
+        </p:spPr>
+        <p:style>
+          <a:lnRef idx="2">
+            <a:schemeClr val="accent1">
+              <a:shade val="50000"/>
+            </a:schemeClr>
+          </a:lnRef>
+          <a:fillRef idx="1">
+            <a:schemeClr val="accent1"/>
+          </a:fillRef>
+          <a:effectRef idx="0">
+            <a:schemeClr val="accent1"/>
+          </a:effectRef>
+          <a:fontRef idx="minor">
+            <a:schemeClr val="lt1"/>
+          </a:fontRef>
+        </p:style>
+        <p:txBody>
+          <a:bodyPr rtlCol="0" anchor="ctr"/>
+          <a:lstStyle/>
+          <a:p>
+            <a:pPr algn="ctr"/>
+            <a:r>
+              <a:rPr lang="en-US" dirty="0">
+                <a:solidFill>
+                  <a:schemeClr val="tx1"/>
+                </a:solidFill>
+              </a:rPr>
+              <a:t>RSKFED</a:t>
+            </a:r>
+          </a:p>
+        </p:txBody>
+      </p:sp>
+      <p:cxnSp>
+        <p:nvCxnSpPr>
+          <p:cNvPr id="9" name="Straight Arrow Connector 8"/>
+          <p:cNvCxnSpPr/>
+          <p:nvPr/>
+        </p:nvCxnSpPr>
+        <p:spPr>
+          <a:xfrm flipV="1">
+            <a:off x="2954628" y="1715542"/>
+            <a:ext cx="2152383" cy="1504147"/>
+          </a:xfrm>
+          <a:prstGeom prst="straightConnector1">
+            <a:avLst/>
+          </a:prstGeom>
+          <a:ln w="19050">
+            <a:headEnd type="triangle"/>
+            <a:tailEnd type="triangle"/>
+          </a:ln>
+        </p:spPr>
+        <p:style>
+          <a:lnRef idx="1">
+            <a:schemeClr val="accent1"/>
+          </a:lnRef>
+          <a:fillRef idx="0">
+            <a:schemeClr val="accent1"/>
+          </a:fillRef>
+          <a:effectRef idx="0">
+            <a:schemeClr val="accent1"/>
+          </a:effectRef>
+          <a:fontRef idx="minor">
+            <a:schemeClr val="tx1"/>
+          </a:fontRef>
+        </p:style>
+      </p:cxnSp>
+      <p:cxnSp>
+        <p:nvCxnSpPr>
+          <p:cNvPr id="10" name="Straight Arrow Connector 9"/>
+          <p:cNvCxnSpPr>
+            <a:stCxn id="4" idx="5"/>
+            <a:endCxn id="5" idx="1"/>
+          </p:cNvCxnSpPr>
+          <p:nvPr/>
+        </p:nvCxnSpPr>
+        <p:spPr>
+          <a:xfrm>
+            <a:off x="2934772" y="3814091"/>
+            <a:ext cx="1570151" cy="1402726"/>
+          </a:xfrm>
+          <a:prstGeom prst="straightConnector1">
+            <a:avLst/>
+          </a:prstGeom>
+          <a:ln w="19050">
+            <a:headEnd type="triangle"/>
+            <a:tailEnd type="triangle"/>
+          </a:ln>
+        </p:spPr>
+        <p:style>
+          <a:lnRef idx="1">
+            <a:schemeClr val="accent1"/>
+          </a:lnRef>
+          <a:fillRef idx="0">
+            <a:schemeClr val="accent1"/>
+          </a:fillRef>
+          <a:effectRef idx="0">
+            <a:schemeClr val="accent1"/>
+          </a:effectRef>
+          <a:fontRef idx="minor">
+            <a:schemeClr val="tx1"/>
+          </a:fontRef>
+        </p:style>
+      </p:cxnSp>
+      <p:cxnSp>
+        <p:nvCxnSpPr>
+          <p:cNvPr id="15" name="Straight Arrow Connector 14"/>
+          <p:cNvCxnSpPr>
+            <a:stCxn id="5" idx="0"/>
+            <a:endCxn id="6" idx="3"/>
+          </p:cNvCxnSpPr>
+          <p:nvPr/>
+        </p:nvCxnSpPr>
+        <p:spPr>
+          <a:xfrm flipV="1">
+            <a:off x="4814552" y="3808233"/>
+            <a:ext cx="585990" cy="1280331"/>
+          </a:xfrm>
+          <a:prstGeom prst="straightConnector1">
+            <a:avLst/>
+          </a:prstGeom>
+          <a:ln w="19050">
+            <a:headEnd type="triangle"/>
+            <a:tailEnd type="triangle"/>
+          </a:ln>
+        </p:spPr>
+        <p:style>
+          <a:lnRef idx="1">
+            <a:schemeClr val="accent1"/>
+          </a:lnRef>
+          <a:fillRef idx="0">
+            <a:schemeClr val="accent1"/>
+          </a:fillRef>
+          <a:effectRef idx="0">
+            <a:schemeClr val="accent1"/>
+          </a:effectRef>
+          <a:fontRef idx="minor">
+            <a:schemeClr val="tx1"/>
+          </a:fontRef>
+        </p:style>
+      </p:cxnSp>
+      <p:cxnSp>
+        <p:nvCxnSpPr>
+          <p:cNvPr id="18" name="Straight Arrow Connector 17"/>
+          <p:cNvCxnSpPr>
+            <a:stCxn id="3" idx="5"/>
+            <a:endCxn id="6" idx="1"/>
+          </p:cNvCxnSpPr>
+          <p:nvPr/>
+        </p:nvCxnSpPr>
+        <p:spPr>
+          <a:xfrm flipH="1">
+            <a:off x="5400542" y="2000316"/>
+            <a:ext cx="448191" cy="1188660"/>
+          </a:xfrm>
+          <a:prstGeom prst="straightConnector1">
+            <a:avLst/>
+          </a:prstGeom>
+          <a:ln w="19050">
+            <a:headEnd type="triangle"/>
+            <a:tailEnd type="triangle"/>
+          </a:ln>
+        </p:spPr>
+        <p:style>
+          <a:lnRef idx="1">
+            <a:schemeClr val="accent1"/>
+          </a:lnRef>
+          <a:fillRef idx="0">
+            <a:schemeClr val="accent1"/>
+          </a:fillRef>
+          <a:effectRef idx="0">
+            <a:schemeClr val="accent1"/>
+          </a:effectRef>
+          <a:fontRef idx="minor">
+            <a:schemeClr val="tx1"/>
+          </a:fontRef>
+        </p:style>
+      </p:cxnSp>
+      <p:cxnSp>
+        <p:nvCxnSpPr>
+          <p:cNvPr id="21" name="Straight Arrow Connector 20"/>
+          <p:cNvCxnSpPr>
+            <a:stCxn id="3" idx="6"/>
+            <a:endCxn id="7" idx="2"/>
+          </p:cNvCxnSpPr>
+          <p:nvPr/>
+        </p:nvCxnSpPr>
+        <p:spPr>
+          <a:xfrm>
+            <a:off x="5976986" y="1690688"/>
+            <a:ext cx="1605721" cy="24855"/>
+          </a:xfrm>
+          <a:prstGeom prst="straightConnector1">
+            <a:avLst/>
+          </a:prstGeom>
+          <a:ln w="19050">
+            <a:headEnd type="triangle"/>
+            <a:tailEnd type="triangle"/>
+          </a:ln>
+        </p:spPr>
+        <p:style>
+          <a:lnRef idx="1">
+            <a:schemeClr val="accent1"/>
+          </a:lnRef>
+          <a:fillRef idx="0">
+            <a:schemeClr val="accent1"/>
+          </a:fillRef>
+          <a:effectRef idx="0">
+            <a:schemeClr val="accent1"/>
+          </a:effectRef>
+          <a:fontRef idx="minor">
+            <a:schemeClr val="tx1"/>
+          </a:fontRef>
+        </p:style>
+      </p:cxnSp>
+      <p:cxnSp>
+        <p:nvCxnSpPr>
+          <p:cNvPr id="24" name="Straight Arrow Connector 23"/>
+          <p:cNvCxnSpPr>
+            <a:stCxn id="6" idx="6"/>
+            <a:endCxn id="7" idx="3"/>
+          </p:cNvCxnSpPr>
+          <p:nvPr/>
+        </p:nvCxnSpPr>
+        <p:spPr>
+          <a:xfrm flipV="1">
+            <a:off x="6148052" y="2025171"/>
+            <a:ext cx="1562908" cy="1473434"/>
+          </a:xfrm>
+          <a:prstGeom prst="straightConnector1">
+            <a:avLst/>
+          </a:prstGeom>
+          <a:ln w="19050">
+            <a:headEnd type="triangle"/>
+            <a:tailEnd type="triangle"/>
+          </a:ln>
+        </p:spPr>
+        <p:style>
+          <a:lnRef idx="1">
+            <a:schemeClr val="accent1"/>
+          </a:lnRef>
+          <a:fillRef idx="0">
+            <a:schemeClr val="accent1"/>
+          </a:fillRef>
+          <a:effectRef idx="0">
+            <a:schemeClr val="accent1"/>
+          </a:effectRef>
+          <a:fontRef idx="minor">
+            <a:schemeClr val="tx1"/>
+          </a:fontRef>
+        </p:style>
+      </p:cxnSp>
+      <p:cxnSp>
+        <p:nvCxnSpPr>
+          <p:cNvPr id="41" name="Straight Arrow Connector 40"/>
+          <p:cNvCxnSpPr/>
+          <p:nvPr/>
+        </p:nvCxnSpPr>
+        <p:spPr>
+          <a:xfrm flipH="1">
+            <a:off x="2934772" y="-267286"/>
+            <a:ext cx="82639" cy="42203"/>
+          </a:xfrm>
+          <a:prstGeom prst="straightConnector1">
+            <a:avLst/>
+          </a:prstGeom>
+          <a:ln>
+            <a:tailEnd type="triangle"/>
+          </a:ln>
+        </p:spPr>
+        <p:style>
+          <a:lnRef idx="1">
+            <a:schemeClr val="accent1"/>
+          </a:lnRef>
+          <a:fillRef idx="0">
+            <a:schemeClr val="accent1"/>
+          </a:fillRef>
+          <a:effectRef idx="0">
+            <a:schemeClr val="accent1"/>
+          </a:effectRef>
+          <a:fontRef idx="minor">
+            <a:schemeClr val="tx1"/>
+          </a:fontRef>
+        </p:style>
+      </p:cxnSp>
+      <p:cxnSp>
+        <p:nvCxnSpPr>
+          <p:cNvPr id="43" name="Straight Arrow Connector 42"/>
+          <p:cNvCxnSpPr>
+            <a:endCxn id="4" idx="2"/>
+          </p:cNvCxnSpPr>
+          <p:nvPr/>
+        </p:nvCxnSpPr>
+        <p:spPr>
+          <a:xfrm>
+            <a:off x="464234" y="3502855"/>
+            <a:ext cx="1723028" cy="1608"/>
+          </a:xfrm>
+          <a:prstGeom prst="straightConnector1">
+            <a:avLst/>
+          </a:prstGeom>
+          <a:ln w="19050">
+            <a:tailEnd type="triangle"/>
+          </a:ln>
+        </p:spPr>
+        <p:style>
+          <a:lnRef idx="1">
+            <a:schemeClr val="accent1"/>
+          </a:lnRef>
+          <a:fillRef idx="0">
+            <a:schemeClr val="accent1"/>
+          </a:fillRef>
+          <a:effectRef idx="0">
+            <a:schemeClr val="accent1"/>
+          </a:effectRef>
+          <a:fontRef idx="minor">
+            <a:schemeClr val="tx1"/>
+          </a:fontRef>
+        </p:style>
+      </p:cxnSp>
+      <p:sp>
+        <p:nvSpPr>
+          <p:cNvPr id="40" name="Oval 39"/>
+          <p:cNvSpPr/>
+          <p:nvPr/>
+        </p:nvSpPr>
+        <p:spPr>
+          <a:xfrm>
+            <a:off x="8725161" y="2783989"/>
+            <a:ext cx="875763" cy="875763"/>
+          </a:xfrm>
+          <a:prstGeom prst="ellipse">
+            <a:avLst/>
+          </a:prstGeom>
+          <a:solidFill>
+            <a:srgbClr val="FFC000"/>
+          </a:solidFill>
+        </p:spPr>
+        <p:style>
+          <a:lnRef idx="2">
+            <a:schemeClr val="accent1">
+              <a:shade val="50000"/>
+            </a:schemeClr>
+          </a:lnRef>
+          <a:fillRef idx="1">
+            <a:schemeClr val="accent1"/>
+          </a:fillRef>
+          <a:effectRef idx="0">
+            <a:schemeClr val="accent1"/>
+          </a:effectRef>
+          <a:fontRef idx="minor">
+            <a:schemeClr val="lt1"/>
+          </a:fontRef>
+        </p:style>
+        <p:txBody>
+          <a:bodyPr rtlCol="0" anchor="ctr"/>
+          <a:lstStyle/>
+          <a:p>
+            <a:pPr algn="ctr"/>
+            <a:r>
+              <a:rPr lang="en-US" dirty="0">
+                <a:solidFill>
+                  <a:schemeClr val="tx1"/>
+                </a:solidFill>
+              </a:rPr>
+              <a:t>ETHRSK</a:t>
+            </a:r>
+          </a:p>
+        </p:txBody>
+      </p:sp>
+      <p:sp>
+        <p:nvSpPr>
+          <p:cNvPr id="42" name="Oval 41"/>
+          <p:cNvSpPr/>
+          <p:nvPr/>
+        </p:nvSpPr>
+        <p:spPr>
+          <a:xfrm>
+            <a:off x="8330217" y="4990235"/>
+            <a:ext cx="875763" cy="875763"/>
+          </a:xfrm>
+          <a:prstGeom prst="ellipse">
+            <a:avLst/>
+          </a:prstGeom>
+          <a:solidFill>
+            <a:schemeClr val="accent1"/>
+          </a:solidFill>
+        </p:spPr>
+        <p:style>
+          <a:lnRef idx="2">
+            <a:schemeClr val="accent1">
+              <a:shade val="50000"/>
+            </a:schemeClr>
+          </a:lnRef>
+          <a:fillRef idx="1">
+            <a:schemeClr val="accent1"/>
+          </a:fillRef>
+          <a:effectRef idx="0">
+            <a:schemeClr val="accent1"/>
+          </a:effectRef>
+          <a:fontRef idx="minor">
+            <a:schemeClr val="lt1"/>
+          </a:fontRef>
+        </p:style>
+        <p:txBody>
+          <a:bodyPr rtlCol="0" anchor="ctr"/>
+          <a:lstStyle/>
+          <a:p>
+            <a:pPr algn="ctr"/>
+            <a:r>
+              <a:rPr lang="en-US" dirty="0">
+                <a:solidFill>
+                  <a:schemeClr val="tx1"/>
+                </a:solidFill>
+              </a:rPr>
+              <a:t>RSK FED</a:t>
+            </a:r>
+          </a:p>
+        </p:txBody>
+      </p:sp>
+      <p:cxnSp>
+        <p:nvCxnSpPr>
+          <p:cNvPr id="44" name="Straight Arrow Connector 43"/>
+          <p:cNvCxnSpPr>
+            <a:stCxn id="42" idx="7"/>
+            <a:endCxn id="40" idx="4"/>
+          </p:cNvCxnSpPr>
+          <p:nvPr/>
+        </p:nvCxnSpPr>
+        <p:spPr>
+          <a:xfrm flipV="1">
+            <a:off x="9077727" y="3659752"/>
+            <a:ext cx="85316" cy="1458736"/>
+          </a:xfrm>
+          <a:prstGeom prst="straightConnector1">
+            <a:avLst/>
+          </a:prstGeom>
+          <a:ln w="19050">
+            <a:headEnd type="triangle"/>
+            <a:tailEnd type="triangle"/>
+          </a:ln>
+        </p:spPr>
+        <p:style>
+          <a:lnRef idx="1">
+            <a:schemeClr val="accent1"/>
+          </a:lnRef>
+          <a:fillRef idx="0">
+            <a:schemeClr val="accent1"/>
+          </a:fillRef>
+          <a:effectRef idx="0">
+            <a:schemeClr val="accent1"/>
+          </a:effectRef>
+          <a:fontRef idx="minor">
+            <a:schemeClr val="tx1"/>
+          </a:fontRef>
+        </p:style>
+      </p:cxnSp>
+      <p:cxnSp>
+        <p:nvCxnSpPr>
+          <p:cNvPr id="47" name="Straight Arrow Connector 46"/>
+          <p:cNvCxnSpPr>
+            <a:stCxn id="6" idx="5"/>
+            <a:endCxn id="42" idx="1"/>
+          </p:cNvCxnSpPr>
+          <p:nvPr/>
+        </p:nvCxnSpPr>
+        <p:spPr>
+          <a:xfrm>
+            <a:off x="6019799" y="3808233"/>
+            <a:ext cx="2438671" cy="1310255"/>
+          </a:xfrm>
+          <a:prstGeom prst="straightConnector1">
+            <a:avLst/>
+          </a:prstGeom>
+          <a:ln w="19050">
+            <a:headEnd type="triangle"/>
+            <a:tailEnd type="triangle"/>
+          </a:ln>
+        </p:spPr>
+        <p:style>
+          <a:lnRef idx="1">
+            <a:schemeClr val="accent1"/>
+          </a:lnRef>
+          <a:fillRef idx="0">
+            <a:schemeClr val="accent1"/>
+          </a:fillRef>
+          <a:effectRef idx="0">
+            <a:schemeClr val="accent1"/>
+          </a:effectRef>
+          <a:fontRef idx="minor">
+            <a:schemeClr val="tx1"/>
+          </a:fontRef>
+        </p:style>
+      </p:cxnSp>
+      <p:cxnSp>
+        <p:nvCxnSpPr>
+          <p:cNvPr id="48" name="Straight Arrow Connector 47"/>
+          <p:cNvCxnSpPr>
+            <a:stCxn id="7" idx="5"/>
+            <a:endCxn id="40" idx="0"/>
+          </p:cNvCxnSpPr>
+          <p:nvPr/>
+        </p:nvCxnSpPr>
+        <p:spPr>
+          <a:xfrm>
+            <a:off x="8330217" y="2025171"/>
+            <a:ext cx="832826" cy="758818"/>
+          </a:xfrm>
+          <a:prstGeom prst="straightConnector1">
+            <a:avLst/>
+          </a:prstGeom>
+          <a:ln w="19050">
+            <a:headEnd type="triangle"/>
+            <a:tailEnd type="triangle"/>
+          </a:ln>
+        </p:spPr>
+        <p:style>
+          <a:lnRef idx="1">
+            <a:schemeClr val="accent1"/>
+          </a:lnRef>
+          <a:fillRef idx="0">
+            <a:schemeClr val="accent1"/>
+          </a:fillRef>
+          <a:effectRef idx="0">
+            <a:schemeClr val="accent1"/>
+          </a:effectRef>
+          <a:fontRef idx="minor">
+            <a:schemeClr val="tx1"/>
+          </a:fontRef>
+        </p:style>
+      </p:cxnSp>
+      <p:cxnSp>
+        <p:nvCxnSpPr>
+          <p:cNvPr id="31" name="Straight Arrow Connector 30"/>
+          <p:cNvCxnSpPr>
+            <a:stCxn id="5" idx="5"/>
+            <a:endCxn id="42" idx="2"/>
+          </p:cNvCxnSpPr>
+          <p:nvPr/>
+        </p:nvCxnSpPr>
+        <p:spPr>
+          <a:xfrm flipV="1">
+            <a:off x="5124180" y="5428117"/>
+            <a:ext cx="3206037" cy="407957"/>
+          </a:xfrm>
+          <a:prstGeom prst="straightConnector1">
+            <a:avLst/>
+          </a:prstGeom>
+          <a:ln w="19050">
+            <a:headEnd type="triangle"/>
+            <a:tailEnd type="triangle"/>
+          </a:ln>
+        </p:spPr>
+        <p:style>
+          <a:lnRef idx="1">
+            <a:schemeClr val="accent1"/>
+          </a:lnRef>
+          <a:fillRef idx="0">
+            <a:schemeClr val="accent1"/>
+          </a:fillRef>
+          <a:effectRef idx="0">
+            <a:schemeClr val="accent1"/>
+          </a:effectRef>
+          <a:fontRef idx="minor">
+            <a:schemeClr val="tx1"/>
+          </a:fontRef>
+        </p:style>
+      </p:cxnSp>
+      <p:cxnSp>
+        <p:nvCxnSpPr>
+          <p:cNvPr id="37" name="Straight Arrow Connector 36"/>
+          <p:cNvCxnSpPr>
+            <a:endCxn id="40" idx="6"/>
+          </p:cNvCxnSpPr>
+          <p:nvPr/>
+        </p:nvCxnSpPr>
+        <p:spPr>
+          <a:xfrm flipH="1">
+            <a:off x="9600924" y="3188976"/>
+            <a:ext cx="1935330" cy="32895"/>
+          </a:xfrm>
+          <a:prstGeom prst="straightConnector1">
+            <a:avLst/>
+          </a:prstGeom>
+          <a:ln w="19050">
+            <a:headEnd type="triangle"/>
+            <a:tailEnd type="triangle"/>
+          </a:ln>
+        </p:spPr>
+        <p:style>
+          <a:lnRef idx="1">
+            <a:schemeClr val="accent1"/>
+          </a:lnRef>
+          <a:fillRef idx="0">
+            <a:schemeClr val="accent1"/>
+          </a:fillRef>
+          <a:effectRef idx="0">
+            <a:schemeClr val="accent1"/>
+          </a:effectRef>
+          <a:fontRef idx="minor">
+            <a:schemeClr val="tx1"/>
+          </a:fontRef>
+        </p:style>
+      </p:cxnSp>
+    </p:spTree>
+    <p:extLst>
+      <p:ext uri="{BB962C8B-B14F-4D97-AF65-F5344CB8AC3E}">
+        <p14:creationId xmlns:p14="http://schemas.microsoft.com/office/powerpoint/2010/main" val="290623443"/>
+      </p:ext>
+    </p:extLst>
+  </p:cSld>
+  <p:clrMapOvr>
+    <a:masterClrMapping/>
+  </p:clrMapOvr>
+</p:sld>
+</file>
+
+<file path=ppt/slides/slide9.xml><?xml version="1.0" encoding="utf-8"?>
 <p:sld xmlns:a="http://schemas.openxmlformats.org/drawingml/2006/main" xmlns:r="http://schemas.openxmlformats.org/officeDocument/2006/relationships" xmlns:p="http://schemas.openxmlformats.org/presentationml/2006/main">
   <p:cSld>
     <p:spTree>

--- a/ConnBlockchains/images/BlockchainImages.pptx
+++ b/ConnBlockchains/images/BlockchainImages.pptx
@@ -15,6 +15,7 @@
     <p:sldId id="270" r:id="rId9"/>
     <p:sldId id="266" r:id="rId10"/>
     <p:sldId id="269" r:id="rId11"/>
+    <p:sldId id="271" r:id="rId12"/>
   </p:sldIdLst>
   <p:sldSz cx="12192000" cy="6858000"/>
   <p:notesSz cx="6858000" cy="9144000"/>
@@ -3711,6 +3712,602 @@
 </p:sld>
 </file>
 
+<file path=ppt/slides/slide11.xml><?xml version="1.0" encoding="utf-8"?>
+<p:sld xmlns:a="http://schemas.openxmlformats.org/drawingml/2006/main" xmlns:r="http://schemas.openxmlformats.org/officeDocument/2006/relationships" xmlns:p="http://schemas.openxmlformats.org/presentationml/2006/main">
+  <p:cSld>
+    <p:spTree>
+      <p:nvGrpSpPr>
+        <p:cNvPr id="1" name=""/>
+        <p:cNvGrpSpPr/>
+        <p:nvPr/>
+      </p:nvGrpSpPr>
+      <p:grpSpPr>
+        <a:xfrm>
+          <a:off x="0" y="0"/>
+          <a:ext cx="0" cy="0"/>
+          <a:chOff x="0" y="0"/>
+          <a:chExt cx="0" cy="0"/>
+        </a:xfrm>
+      </p:grpSpPr>
+      <p:sp>
+        <p:nvSpPr>
+          <p:cNvPr id="2" name="Rectangle 1"/>
+          <p:cNvSpPr/>
+          <p:nvPr/>
+        </p:nvSpPr>
+        <p:spPr>
+          <a:xfrm>
+            <a:off x="704505" y="1293408"/>
+            <a:ext cx="1603266" cy="695049"/>
+          </a:xfrm>
+          <a:prstGeom prst="rect">
+            <a:avLst/>
+          </a:prstGeom>
+          <a:solidFill>
+            <a:srgbClr val="92D050"/>
+          </a:solidFill>
+        </p:spPr>
+        <p:style>
+          <a:lnRef idx="2">
+            <a:schemeClr val="accent1">
+              <a:shade val="50000"/>
+            </a:schemeClr>
+          </a:lnRef>
+          <a:fillRef idx="1">
+            <a:schemeClr val="accent1"/>
+          </a:fillRef>
+          <a:effectRef idx="0">
+            <a:schemeClr val="accent1"/>
+          </a:effectRef>
+          <a:fontRef idx="minor">
+            <a:schemeClr val="lt1"/>
+          </a:fontRef>
+        </p:style>
+        <p:txBody>
+          <a:bodyPr rtlCol="0" anchor="ctr"/>
+          <a:lstStyle/>
+          <a:p>
+            <a:pPr algn="ctr"/>
+            <a:r>
+              <a:rPr lang="en-US" sz="2800" dirty="0">
+                <a:solidFill>
+                  <a:schemeClr val="tx1"/>
+                </a:solidFill>
+              </a:rPr>
+              <a:t>B100</a:t>
+            </a:r>
+          </a:p>
+        </p:txBody>
+      </p:sp>
+      <p:sp>
+        <p:nvSpPr>
+          <p:cNvPr id="4" name="Rectangle 3"/>
+          <p:cNvSpPr/>
+          <p:nvPr/>
+        </p:nvSpPr>
+        <p:spPr>
+          <a:xfrm>
+            <a:off x="2307771" y="1293408"/>
+            <a:ext cx="1603266" cy="695049"/>
+          </a:xfrm>
+          <a:prstGeom prst="rect">
+            <a:avLst/>
+          </a:prstGeom>
+          <a:solidFill>
+            <a:srgbClr val="92D050"/>
+          </a:solidFill>
+        </p:spPr>
+        <p:style>
+          <a:lnRef idx="2">
+            <a:schemeClr val="accent1">
+              <a:shade val="50000"/>
+            </a:schemeClr>
+          </a:lnRef>
+          <a:fillRef idx="1">
+            <a:schemeClr val="accent1"/>
+          </a:fillRef>
+          <a:effectRef idx="0">
+            <a:schemeClr val="accent1"/>
+          </a:effectRef>
+          <a:fontRef idx="minor">
+            <a:schemeClr val="lt1"/>
+          </a:fontRef>
+        </p:style>
+        <p:txBody>
+          <a:bodyPr rtlCol="0" anchor="ctr"/>
+          <a:lstStyle/>
+          <a:p>
+            <a:pPr algn="ctr"/>
+            <a:r>
+              <a:rPr lang="en-US" sz="2800" dirty="0">
+                <a:solidFill>
+                  <a:schemeClr val="tx1"/>
+                </a:solidFill>
+              </a:rPr>
+              <a:t>B101</a:t>
+            </a:r>
+          </a:p>
+        </p:txBody>
+      </p:sp>
+      <p:sp>
+        <p:nvSpPr>
+          <p:cNvPr id="5" name="Rectangle 4"/>
+          <p:cNvSpPr/>
+          <p:nvPr/>
+        </p:nvSpPr>
+        <p:spPr>
+          <a:xfrm>
+            <a:off x="3911037" y="1293408"/>
+            <a:ext cx="1603266" cy="695049"/>
+          </a:xfrm>
+          <a:prstGeom prst="rect">
+            <a:avLst/>
+          </a:prstGeom>
+          <a:solidFill>
+            <a:srgbClr val="92D050"/>
+          </a:solidFill>
+        </p:spPr>
+        <p:style>
+          <a:lnRef idx="2">
+            <a:schemeClr val="accent1">
+              <a:shade val="50000"/>
+            </a:schemeClr>
+          </a:lnRef>
+          <a:fillRef idx="1">
+            <a:schemeClr val="accent1"/>
+          </a:fillRef>
+          <a:effectRef idx="0">
+            <a:schemeClr val="accent1"/>
+          </a:effectRef>
+          <a:fontRef idx="minor">
+            <a:schemeClr val="lt1"/>
+          </a:fontRef>
+        </p:style>
+        <p:txBody>
+          <a:bodyPr rtlCol="0" anchor="ctr"/>
+          <a:lstStyle/>
+          <a:p>
+            <a:pPr algn="ctr"/>
+            <a:r>
+              <a:rPr lang="en-US" sz="2800" dirty="0">
+                <a:solidFill>
+                  <a:schemeClr val="tx1"/>
+                </a:solidFill>
+              </a:rPr>
+              <a:t>B102</a:t>
+            </a:r>
+          </a:p>
+        </p:txBody>
+      </p:sp>
+      <p:sp>
+        <p:nvSpPr>
+          <p:cNvPr id="6" name="Rectangle 5"/>
+          <p:cNvSpPr/>
+          <p:nvPr/>
+        </p:nvSpPr>
+        <p:spPr>
+          <a:xfrm>
+            <a:off x="5514303" y="1293408"/>
+            <a:ext cx="1603266" cy="695049"/>
+          </a:xfrm>
+          <a:prstGeom prst="rect">
+            <a:avLst/>
+          </a:prstGeom>
+          <a:solidFill>
+            <a:schemeClr val="accent6">
+              <a:lumMod val="75000"/>
+            </a:schemeClr>
+          </a:solidFill>
+        </p:spPr>
+        <p:style>
+          <a:lnRef idx="2">
+            <a:schemeClr val="accent1">
+              <a:shade val="50000"/>
+            </a:schemeClr>
+          </a:lnRef>
+          <a:fillRef idx="1">
+            <a:schemeClr val="accent1"/>
+          </a:fillRef>
+          <a:effectRef idx="0">
+            <a:schemeClr val="accent1"/>
+          </a:effectRef>
+          <a:fontRef idx="minor">
+            <a:schemeClr val="lt1"/>
+          </a:fontRef>
+        </p:style>
+        <p:txBody>
+          <a:bodyPr rtlCol="0" anchor="ctr"/>
+          <a:lstStyle/>
+          <a:p>
+            <a:pPr algn="ctr"/>
+            <a:r>
+              <a:rPr lang="en-US" sz="2800" dirty="0">
+                <a:solidFill>
+                  <a:schemeClr val="bg1"/>
+                </a:solidFill>
+              </a:rPr>
+              <a:t>B103’</a:t>
+            </a:r>
+          </a:p>
+        </p:txBody>
+      </p:sp>
+      <p:sp>
+        <p:nvSpPr>
+          <p:cNvPr id="7" name="Rectangle 6"/>
+          <p:cNvSpPr/>
+          <p:nvPr/>
+        </p:nvSpPr>
+        <p:spPr>
+          <a:xfrm>
+            <a:off x="7117569" y="1293407"/>
+            <a:ext cx="1603266" cy="695049"/>
+          </a:xfrm>
+          <a:prstGeom prst="rect">
+            <a:avLst/>
+          </a:prstGeom>
+          <a:solidFill>
+            <a:schemeClr val="accent6">
+              <a:lumMod val="75000"/>
+            </a:schemeClr>
+          </a:solidFill>
+        </p:spPr>
+        <p:style>
+          <a:lnRef idx="2">
+            <a:schemeClr val="accent1">
+              <a:shade val="50000"/>
+            </a:schemeClr>
+          </a:lnRef>
+          <a:fillRef idx="1">
+            <a:schemeClr val="accent1"/>
+          </a:fillRef>
+          <a:effectRef idx="0">
+            <a:schemeClr val="accent1"/>
+          </a:effectRef>
+          <a:fontRef idx="minor">
+            <a:schemeClr val="lt1"/>
+          </a:fontRef>
+        </p:style>
+        <p:txBody>
+          <a:bodyPr rtlCol="0" anchor="ctr"/>
+          <a:lstStyle/>
+          <a:p>
+            <a:pPr algn="ctr"/>
+            <a:r>
+              <a:rPr lang="en-US" sz="2800" dirty="0">
+                <a:solidFill>
+                  <a:schemeClr val="bg1"/>
+                </a:solidFill>
+              </a:rPr>
+              <a:t>B104’</a:t>
+            </a:r>
+          </a:p>
+        </p:txBody>
+      </p:sp>
+      <p:sp>
+        <p:nvSpPr>
+          <p:cNvPr id="8" name="Rectangle 7"/>
+          <p:cNvSpPr/>
+          <p:nvPr/>
+        </p:nvSpPr>
+        <p:spPr>
+          <a:xfrm>
+            <a:off x="8720835" y="1293406"/>
+            <a:ext cx="1603266" cy="695049"/>
+          </a:xfrm>
+          <a:prstGeom prst="rect">
+            <a:avLst/>
+          </a:prstGeom>
+          <a:solidFill>
+            <a:schemeClr val="accent6">
+              <a:lumMod val="75000"/>
+            </a:schemeClr>
+          </a:solidFill>
+        </p:spPr>
+        <p:style>
+          <a:lnRef idx="2">
+            <a:schemeClr val="accent1">
+              <a:shade val="50000"/>
+            </a:schemeClr>
+          </a:lnRef>
+          <a:fillRef idx="1">
+            <a:schemeClr val="accent1"/>
+          </a:fillRef>
+          <a:effectRef idx="0">
+            <a:schemeClr val="accent1"/>
+          </a:effectRef>
+          <a:fontRef idx="minor">
+            <a:schemeClr val="lt1"/>
+          </a:fontRef>
+        </p:style>
+        <p:txBody>
+          <a:bodyPr rtlCol="0" anchor="ctr"/>
+          <a:lstStyle/>
+          <a:p>
+            <a:pPr algn="ctr"/>
+            <a:r>
+              <a:rPr lang="en-US" sz="2800" dirty="0">
+                <a:solidFill>
+                  <a:schemeClr val="bg1"/>
+                </a:solidFill>
+              </a:rPr>
+              <a:t>B105’</a:t>
+            </a:r>
+          </a:p>
+        </p:txBody>
+      </p:sp>
+      <p:sp>
+        <p:nvSpPr>
+          <p:cNvPr id="9" name="Rectangle 8"/>
+          <p:cNvSpPr/>
+          <p:nvPr/>
+        </p:nvSpPr>
+        <p:spPr>
+          <a:xfrm>
+            <a:off x="704505" y="3506836"/>
+            <a:ext cx="1603266" cy="695049"/>
+          </a:xfrm>
+          <a:prstGeom prst="rect">
+            <a:avLst/>
+          </a:prstGeom>
+          <a:solidFill>
+            <a:srgbClr val="92D050"/>
+          </a:solidFill>
+        </p:spPr>
+        <p:style>
+          <a:lnRef idx="2">
+            <a:schemeClr val="accent1">
+              <a:shade val="50000"/>
+            </a:schemeClr>
+          </a:lnRef>
+          <a:fillRef idx="1">
+            <a:schemeClr val="accent1"/>
+          </a:fillRef>
+          <a:effectRef idx="0">
+            <a:schemeClr val="accent1"/>
+          </a:effectRef>
+          <a:fontRef idx="minor">
+            <a:schemeClr val="lt1"/>
+          </a:fontRef>
+        </p:style>
+        <p:txBody>
+          <a:bodyPr rtlCol="0" anchor="ctr"/>
+          <a:lstStyle/>
+          <a:p>
+            <a:pPr algn="ctr"/>
+            <a:r>
+              <a:rPr lang="en-US" sz="2800" dirty="0">
+                <a:solidFill>
+                  <a:schemeClr val="tx1"/>
+                </a:solidFill>
+              </a:rPr>
+              <a:t>B100</a:t>
+            </a:r>
+          </a:p>
+        </p:txBody>
+      </p:sp>
+      <p:sp>
+        <p:nvSpPr>
+          <p:cNvPr id="10" name="Rectangle 9"/>
+          <p:cNvSpPr/>
+          <p:nvPr/>
+        </p:nvSpPr>
+        <p:spPr>
+          <a:xfrm>
+            <a:off x="2307771" y="3506836"/>
+            <a:ext cx="1603266" cy="695049"/>
+          </a:xfrm>
+          <a:prstGeom prst="rect">
+            <a:avLst/>
+          </a:prstGeom>
+          <a:solidFill>
+            <a:srgbClr val="92D050"/>
+          </a:solidFill>
+        </p:spPr>
+        <p:style>
+          <a:lnRef idx="2">
+            <a:schemeClr val="accent1">
+              <a:shade val="50000"/>
+            </a:schemeClr>
+          </a:lnRef>
+          <a:fillRef idx="1">
+            <a:schemeClr val="accent1"/>
+          </a:fillRef>
+          <a:effectRef idx="0">
+            <a:schemeClr val="accent1"/>
+          </a:effectRef>
+          <a:fontRef idx="minor">
+            <a:schemeClr val="lt1"/>
+          </a:fontRef>
+        </p:style>
+        <p:txBody>
+          <a:bodyPr rtlCol="0" anchor="ctr"/>
+          <a:lstStyle/>
+          <a:p>
+            <a:pPr algn="ctr"/>
+            <a:r>
+              <a:rPr lang="en-US" sz="2800" dirty="0">
+                <a:solidFill>
+                  <a:schemeClr val="tx1"/>
+                </a:solidFill>
+              </a:rPr>
+              <a:t>B101</a:t>
+            </a:r>
+          </a:p>
+        </p:txBody>
+      </p:sp>
+      <p:sp>
+        <p:nvSpPr>
+          <p:cNvPr id="11" name="Rectangle 10"/>
+          <p:cNvSpPr/>
+          <p:nvPr/>
+        </p:nvSpPr>
+        <p:spPr>
+          <a:xfrm>
+            <a:off x="3911037" y="3506836"/>
+            <a:ext cx="1603266" cy="695049"/>
+          </a:xfrm>
+          <a:prstGeom prst="rect">
+            <a:avLst/>
+          </a:prstGeom>
+          <a:solidFill>
+            <a:srgbClr val="92D050"/>
+          </a:solidFill>
+        </p:spPr>
+        <p:style>
+          <a:lnRef idx="2">
+            <a:schemeClr val="accent1">
+              <a:shade val="50000"/>
+            </a:schemeClr>
+          </a:lnRef>
+          <a:fillRef idx="1">
+            <a:schemeClr val="accent1"/>
+          </a:fillRef>
+          <a:effectRef idx="0">
+            <a:schemeClr val="accent1"/>
+          </a:effectRef>
+          <a:fontRef idx="minor">
+            <a:schemeClr val="lt1"/>
+          </a:fontRef>
+        </p:style>
+        <p:txBody>
+          <a:bodyPr rtlCol="0" anchor="ctr"/>
+          <a:lstStyle/>
+          <a:p>
+            <a:pPr algn="ctr"/>
+            <a:r>
+              <a:rPr lang="en-US" sz="2800" dirty="0">
+                <a:solidFill>
+                  <a:schemeClr val="tx1"/>
+                </a:solidFill>
+              </a:rPr>
+              <a:t>B102</a:t>
+            </a:r>
+          </a:p>
+        </p:txBody>
+      </p:sp>
+      <p:sp>
+        <p:nvSpPr>
+          <p:cNvPr id="12" name="Rectangle 11"/>
+          <p:cNvSpPr/>
+          <p:nvPr/>
+        </p:nvSpPr>
+        <p:spPr>
+          <a:xfrm>
+            <a:off x="5514303" y="3506836"/>
+            <a:ext cx="1603266" cy="695049"/>
+          </a:xfrm>
+          <a:prstGeom prst="rect">
+            <a:avLst/>
+          </a:prstGeom>
+          <a:solidFill>
+            <a:srgbClr val="92D050"/>
+          </a:solidFill>
+        </p:spPr>
+        <p:style>
+          <a:lnRef idx="2">
+            <a:schemeClr val="accent1">
+              <a:shade val="50000"/>
+            </a:schemeClr>
+          </a:lnRef>
+          <a:fillRef idx="1">
+            <a:schemeClr val="accent1"/>
+          </a:fillRef>
+          <a:effectRef idx="0">
+            <a:schemeClr val="accent1"/>
+          </a:effectRef>
+          <a:fontRef idx="minor">
+            <a:schemeClr val="lt1"/>
+          </a:fontRef>
+        </p:style>
+        <p:txBody>
+          <a:bodyPr rtlCol="0" anchor="ctr"/>
+          <a:lstStyle/>
+          <a:p>
+            <a:pPr algn="ctr"/>
+            <a:r>
+              <a:rPr lang="en-US" sz="2800" dirty="0">
+                <a:solidFill>
+                  <a:schemeClr val="tx1"/>
+                </a:solidFill>
+              </a:rPr>
+              <a:t>B103</a:t>
+            </a:r>
+          </a:p>
+        </p:txBody>
+      </p:sp>
+      <p:sp>
+        <p:nvSpPr>
+          <p:cNvPr id="13" name="TextBox 12"/>
+          <p:cNvSpPr txBox="1"/>
+          <p:nvPr/>
+        </p:nvSpPr>
+        <p:spPr>
+          <a:xfrm>
+            <a:off x="704505" y="831741"/>
+            <a:ext cx="2528321" cy="461665"/>
+          </a:xfrm>
+          <a:prstGeom prst="rect">
+            <a:avLst/>
+          </a:prstGeom>
+          <a:noFill/>
+        </p:spPr>
+        <p:txBody>
+          <a:bodyPr wrap="none" rtlCol="0">
+            <a:spAutoFit/>
+          </a:bodyPr>
+          <a:lstStyle/>
+          <a:p>
+            <a:r>
+              <a:rPr lang="es-MX" sz="2400" dirty="0"/>
+              <a:t>Bitcoin Main Chain</a:t>
+            </a:r>
+            <a:endParaRPr lang="es-ES" sz="2400" dirty="0"/>
+          </a:p>
+        </p:txBody>
+      </p:sp>
+      <p:sp>
+        <p:nvSpPr>
+          <p:cNvPr id="14" name="TextBox 13"/>
+          <p:cNvSpPr txBox="1"/>
+          <p:nvPr/>
+        </p:nvSpPr>
+        <p:spPr>
+          <a:xfrm>
+            <a:off x="704505" y="3045171"/>
+            <a:ext cx="3139449" cy="461665"/>
+          </a:xfrm>
+          <a:prstGeom prst="rect">
+            <a:avLst/>
+          </a:prstGeom>
+          <a:noFill/>
+        </p:spPr>
+        <p:txBody>
+          <a:bodyPr wrap="none" rtlCol="0">
+            <a:spAutoFit/>
+          </a:bodyPr>
+          <a:lstStyle/>
+          <a:p>
+            <a:r>
+              <a:rPr lang="es-MX" sz="2400" dirty="0"/>
+              <a:t>Bridge Contract Storage</a:t>
+            </a:r>
+            <a:endParaRPr lang="es-ES" sz="2400" dirty="0"/>
+          </a:p>
+        </p:txBody>
+      </p:sp>
+    </p:spTree>
+    <p:extLst>
+      <p:ext uri="{BB962C8B-B14F-4D97-AF65-F5344CB8AC3E}">
+        <p14:creationId xmlns:p14="http://schemas.microsoft.com/office/powerpoint/2010/main" val="2954635628"/>
+      </p:ext>
+    </p:extLst>
+  </p:cSld>
+  <p:clrMapOvr>
+    <a:masterClrMapping/>
+  </p:clrMapOvr>
+</p:sld>
+</file>
+
 <file path=ppt/slides/slide2.xml><?xml version="1.0" encoding="utf-8"?>
 <p:sld xmlns:a="http://schemas.openxmlformats.org/drawingml/2006/main" xmlns:r="http://schemas.openxmlformats.org/officeDocument/2006/relationships" xmlns:p="http://schemas.openxmlformats.org/presentationml/2006/main">
   <p:cSld>
@@ -6275,30 +6872,6 @@
       </p:grpSpPr>
       <p:sp>
         <p:nvSpPr>
-          <p:cNvPr id="2" name="Title 1"/>
-          <p:cNvSpPr>
-            <a:spLocks noGrp="1"/>
-          </p:cNvSpPr>
-          <p:nvPr>
-            <p:ph type="title"/>
-          </p:nvPr>
-        </p:nvSpPr>
-        <p:spPr>
-          <a:xfrm>
-            <a:off x="866213" y="280395"/>
-            <a:ext cx="10515600" cy="1325563"/>
-          </a:xfrm>
-        </p:spPr>
-        <p:txBody>
-          <a:bodyPr/>
-          <a:lstStyle/>
-          <a:p>
-            <a:endParaRPr lang="en-US" dirty="0"/>
-          </a:p>
-        </p:txBody>
-      </p:sp>
-      <p:sp>
-        <p:nvSpPr>
           <p:cNvPr id="3" name="Oval 2"/>
           <p:cNvSpPr/>
           <p:nvPr/>
@@ -7369,6 +7942,79 @@
             <a:r>
               <a:rPr lang="es-MX" dirty="0"/>
               <a:t>Transaction</a:t>
+            </a:r>
+            <a:endParaRPr lang="es-ES" dirty="0"/>
+          </a:p>
+        </p:txBody>
+      </p:sp>
+      <p:sp>
+        <p:nvSpPr>
+          <p:cNvPr id="40" name="Oval 39"/>
+          <p:cNvSpPr/>
+          <p:nvPr/>
+        </p:nvSpPr>
+        <p:spPr>
+          <a:xfrm>
+            <a:off x="10562576" y="3452409"/>
+            <a:ext cx="723363" cy="723363"/>
+          </a:xfrm>
+          <a:prstGeom prst="ellipse">
+            <a:avLst/>
+          </a:prstGeom>
+          <a:solidFill>
+            <a:srgbClr val="FFC000"/>
+          </a:solidFill>
+        </p:spPr>
+        <p:style>
+          <a:lnRef idx="2">
+            <a:schemeClr val="accent1">
+              <a:shade val="50000"/>
+            </a:schemeClr>
+          </a:lnRef>
+          <a:fillRef idx="1">
+            <a:schemeClr val="accent1"/>
+          </a:fillRef>
+          <a:effectRef idx="0">
+            <a:schemeClr val="accent1"/>
+          </a:effectRef>
+          <a:fontRef idx="minor">
+            <a:schemeClr val="lt1"/>
+          </a:fontRef>
+        </p:style>
+        <p:txBody>
+          <a:bodyPr rtlCol="0" anchor="ctr"/>
+          <a:lstStyle/>
+          <a:p>
+            <a:pPr algn="ctr"/>
+            <a:endParaRPr lang="en-US"/>
+          </a:p>
+        </p:txBody>
+      </p:sp>
+      <p:sp>
+        <p:nvSpPr>
+          <p:cNvPr id="11" name="TextBox 10"/>
+          <p:cNvSpPr txBox="1"/>
+          <p:nvPr/>
+        </p:nvSpPr>
+        <p:spPr>
+          <a:xfrm>
+            <a:off x="10593121" y="3062098"/>
+            <a:ext cx="692818" cy="369332"/>
+          </a:xfrm>
+          <a:prstGeom prst="rect">
+            <a:avLst/>
+          </a:prstGeom>
+          <a:noFill/>
+        </p:spPr>
+        <p:txBody>
+          <a:bodyPr wrap="none" rtlCol="0">
+            <a:spAutoFit/>
+          </a:bodyPr>
+          <a:lstStyle/>
+          <a:p>
+            <a:r>
+              <a:rPr lang="es-MX" dirty="0"/>
+              <a:t>Node</a:t>
             </a:r>
             <a:endParaRPr lang="es-ES" dirty="0"/>
           </a:p>

--- a/ConnBlockchains/images/BlockchainImages.pptx
+++ b/ConnBlockchains/images/BlockchainImages.pptx
@@ -3150,7 +3150,7 @@
           <a:prstGeom prst="straightConnector1">
             <a:avLst/>
           </a:prstGeom>
-          <a:ln>
+          <a:ln w="25400">
             <a:tailEnd type="arrow"/>
           </a:ln>
         </p:spPr>
@@ -3384,7 +3384,7 @@
           <a:prstGeom prst="straightConnector1">
             <a:avLst/>
           </a:prstGeom>
-          <a:ln>
+          <a:ln w="25400">
             <a:tailEnd type="arrow"/>
           </a:ln>
         </p:spPr>
@@ -3478,7 +3478,7 @@
           <a:prstGeom prst="straightConnector1">
             <a:avLst/>
           </a:prstGeom>
-          <a:ln>
+          <a:ln w="25400">
             <a:prstDash val="dash"/>
             <a:tailEnd type="arrow"/>
           </a:ln>
@@ -4482,7 +4482,7 @@
           <a:prstGeom prst="straightConnector1">
             <a:avLst/>
           </a:prstGeom>
-          <a:ln>
+          <a:ln w="25400">
             <a:tailEnd type="arrow"/>
           </a:ln>
         </p:spPr>
@@ -4716,7 +4716,7 @@
           <a:prstGeom prst="straightConnector1">
             <a:avLst/>
           </a:prstGeom>
-          <a:ln>
+          <a:ln w="25400">
             <a:tailEnd type="arrow"/>
           </a:ln>
         </p:spPr>
@@ -4810,7 +4810,7 @@
           <a:prstGeom prst="straightConnector1">
             <a:avLst/>
           </a:prstGeom>
-          <a:ln>
+          <a:ln w="25400">
             <a:prstDash val="dash"/>
             <a:tailEnd type="arrow"/>
           </a:ln>
@@ -4947,7 +4947,7 @@
           <a:prstGeom prst="straightConnector1">
             <a:avLst/>
           </a:prstGeom>
-          <a:ln>
+          <a:ln w="25400">
             <a:tailEnd type="arrow"/>
           </a:ln>
         </p:spPr>
@@ -4982,7 +4982,7 @@
           <a:prstGeom prst="straightConnector1">
             <a:avLst/>
           </a:prstGeom>
-          <a:ln>
+          <a:ln w="25400">
             <a:tailEnd type="arrow"/>
           </a:ln>
         </p:spPr>
@@ -5015,7 +5015,7 @@
           <a:prstGeom prst="straightConnector1">
             <a:avLst/>
           </a:prstGeom>
-          <a:ln>
+          <a:ln w="25400">
             <a:prstDash val="dash"/>
             <a:tailEnd type="arrow"/>
           </a:ln>
@@ -5280,7 +5280,7 @@
           <a:prstGeom prst="straightConnector1">
             <a:avLst/>
           </a:prstGeom>
-          <a:ln>
+          <a:ln w="25400">
             <a:tailEnd type="arrow"/>
           </a:ln>
         </p:spPr>
@@ -5514,7 +5514,7 @@
           <a:prstGeom prst="straightConnector1">
             <a:avLst/>
           </a:prstGeom>
-          <a:ln>
+          <a:ln w="25400">
             <a:tailEnd type="arrow"/>
           </a:ln>
         </p:spPr>
@@ -5556,12 +5556,8 @@
           <a:lstStyle/>
           <a:p>
             <a:r>
-              <a:rPr lang="en-US" sz="2400" dirty="0" err="1"/>
-              <a:t>Ethereum</a:t>
-            </a:r>
-            <a:r>
               <a:rPr lang="en-US" sz="2400" dirty="0"/>
-              <a:t>/RSK</a:t>
+              <a:t>Ethereum/RSK</a:t>
             </a:r>
           </a:p>
         </p:txBody>
@@ -5612,7 +5608,7 @@
           <a:prstGeom prst="straightConnector1">
             <a:avLst/>
           </a:prstGeom>
-          <a:ln>
+          <a:ln w="25400">
             <a:prstDash val="dash"/>
             <a:tailEnd type="arrow"/>
           </a:ln>
@@ -5749,7 +5745,7 @@
           <a:prstGeom prst="straightConnector1">
             <a:avLst/>
           </a:prstGeom>
-          <a:ln>
+          <a:ln w="25400">
             <a:tailEnd type="arrow"/>
           </a:ln>
         </p:spPr>
@@ -5784,7 +5780,7 @@
           <a:prstGeom prst="straightConnector1">
             <a:avLst/>
           </a:prstGeom>
-          <a:ln>
+          <a:ln w="25400">
             <a:tailEnd type="arrow"/>
           </a:ln>
         </p:spPr>
@@ -5817,7 +5813,7 @@
           <a:prstGeom prst="straightConnector1">
             <a:avLst/>
           </a:prstGeom>
-          <a:ln>
+          <a:ln w="25400">
             <a:prstDash val="dash"/>
             <a:tailEnd type="arrow"/>
           </a:ln>
@@ -9747,28 +9743,6 @@
           <a:chExt cx="0" cy="0"/>
         </a:xfrm>
       </p:grpSpPr>
-      <p:sp>
-        <p:nvSpPr>
-          <p:cNvPr id="4" name="Title 3"/>
-          <p:cNvSpPr>
-            <a:spLocks noGrp="1"/>
-          </p:cNvSpPr>
-          <p:nvPr>
-            <p:ph type="title"/>
-          </p:nvPr>
-        </p:nvSpPr>
-        <p:spPr/>
-        <p:txBody>
-          <a:bodyPr/>
-          <a:lstStyle/>
-          <a:p>
-            <a:r>
-              <a:rPr lang="en-US" dirty="0"/>
-              <a:t>Mining</a:t>
-            </a:r>
-          </a:p>
-        </p:txBody>
-      </p:sp>
       <p:sp>
         <p:nvSpPr>
           <p:cNvPr id="5" name="Oval 4"/>

--- a/ConnBlockchains/images/BlockchainImages.pptx
+++ b/ConnBlockchains/images/BlockchainImages.pptx
@@ -16,6 +16,7 @@
     <p:sldId id="266" r:id="rId10"/>
     <p:sldId id="269" r:id="rId11"/>
     <p:sldId id="271" r:id="rId12"/>
+    <p:sldId id="272" r:id="rId13"/>
   </p:sldIdLst>
   <p:sldSz cx="12192000" cy="6858000"/>
   <p:notesSz cx="6858000" cy="9144000"/>
@@ -4299,6 +4300,710 @@
     <p:extLst>
       <p:ext uri="{BB962C8B-B14F-4D97-AF65-F5344CB8AC3E}">
         <p14:creationId xmlns:p14="http://schemas.microsoft.com/office/powerpoint/2010/main" val="2954635628"/>
+      </p:ext>
+    </p:extLst>
+  </p:cSld>
+  <p:clrMapOvr>
+    <a:masterClrMapping/>
+  </p:clrMapOvr>
+</p:sld>
+</file>
+
+<file path=ppt/slides/slide12.xml><?xml version="1.0" encoding="utf-8"?>
+<p:sld xmlns:a="http://schemas.openxmlformats.org/drawingml/2006/main" xmlns:r="http://schemas.openxmlformats.org/officeDocument/2006/relationships" xmlns:p="http://schemas.openxmlformats.org/presentationml/2006/main">
+  <p:cSld>
+    <p:spTree>
+      <p:nvGrpSpPr>
+        <p:cNvPr id="1" name=""/>
+        <p:cNvGrpSpPr/>
+        <p:nvPr/>
+      </p:nvGrpSpPr>
+      <p:grpSpPr>
+        <a:xfrm>
+          <a:off x="0" y="0"/>
+          <a:ext cx="0" cy="0"/>
+          <a:chOff x="0" y="0"/>
+          <a:chExt cx="0" cy="0"/>
+        </a:xfrm>
+      </p:grpSpPr>
+      <p:sp>
+        <p:nvSpPr>
+          <p:cNvPr id="10" name="9 Rectángulo"/>
+          <p:cNvSpPr/>
+          <p:nvPr/>
+        </p:nvSpPr>
+        <p:spPr>
+          <a:xfrm>
+            <a:off x="4208206" y="4222956"/>
+            <a:ext cx="6268065" cy="1533833"/>
+          </a:xfrm>
+          <a:prstGeom prst="rect">
+            <a:avLst/>
+          </a:prstGeom>
+        </p:spPr>
+        <p:style>
+          <a:lnRef idx="2">
+            <a:schemeClr val="accent4">
+              <a:shade val="50000"/>
+            </a:schemeClr>
+          </a:lnRef>
+          <a:fillRef idx="1">
+            <a:schemeClr val="accent4"/>
+          </a:fillRef>
+          <a:effectRef idx="0">
+            <a:schemeClr val="accent4"/>
+          </a:effectRef>
+          <a:fontRef idx="minor">
+            <a:schemeClr val="lt1"/>
+          </a:fontRef>
+        </p:style>
+        <p:txBody>
+          <a:bodyPr rtlCol="0" anchor="ctr"/>
+          <a:lstStyle/>
+          <a:p>
+            <a:pPr algn="ctr"/>
+            <a:endParaRPr lang="en-US" dirty="0"/>
+          </a:p>
+        </p:txBody>
+      </p:sp>
+      <p:sp>
+        <p:nvSpPr>
+          <p:cNvPr id="11" name="10 Rectángulo"/>
+          <p:cNvSpPr/>
+          <p:nvPr/>
+        </p:nvSpPr>
+        <p:spPr>
+          <a:xfrm>
+            <a:off x="4694903" y="4606414"/>
+            <a:ext cx="1799303" cy="796413"/>
+          </a:xfrm>
+          <a:prstGeom prst="rect">
+            <a:avLst/>
+          </a:prstGeom>
+          <a:solidFill>
+            <a:srgbClr val="FD4133"/>
+          </a:solidFill>
+        </p:spPr>
+        <p:style>
+          <a:lnRef idx="2">
+            <a:schemeClr val="accent1">
+              <a:shade val="50000"/>
+            </a:schemeClr>
+          </a:lnRef>
+          <a:fillRef idx="1">
+            <a:schemeClr val="accent1"/>
+          </a:fillRef>
+          <a:effectRef idx="0">
+            <a:schemeClr val="accent1"/>
+          </a:effectRef>
+          <a:fontRef idx="minor">
+            <a:schemeClr val="lt1"/>
+          </a:fontRef>
+        </p:style>
+        <p:txBody>
+          <a:bodyPr rtlCol="0" anchor="ctr"/>
+          <a:lstStyle/>
+          <a:p>
+            <a:pPr algn="ctr"/>
+            <a:r>
+              <a:rPr lang="en-US" sz="2800" dirty="0">
+                <a:solidFill>
+                  <a:schemeClr val="tx1"/>
+                </a:solidFill>
+              </a:rPr>
+              <a:t>Bridge Contract</a:t>
+            </a:r>
+          </a:p>
+        </p:txBody>
+      </p:sp>
+      <p:sp>
+        <p:nvSpPr>
+          <p:cNvPr id="12" name="11 Rectángulo"/>
+          <p:cNvSpPr/>
+          <p:nvPr/>
+        </p:nvSpPr>
+        <p:spPr>
+          <a:xfrm>
+            <a:off x="8195187" y="4611329"/>
+            <a:ext cx="1799303" cy="796413"/>
+          </a:xfrm>
+          <a:prstGeom prst="rect">
+            <a:avLst/>
+          </a:prstGeom>
+          <a:solidFill>
+            <a:srgbClr val="FD4133"/>
+          </a:solidFill>
+        </p:spPr>
+        <p:style>
+          <a:lnRef idx="2">
+            <a:schemeClr val="accent1">
+              <a:shade val="50000"/>
+            </a:schemeClr>
+          </a:lnRef>
+          <a:fillRef idx="1">
+            <a:schemeClr val="accent1"/>
+          </a:fillRef>
+          <a:effectRef idx="0">
+            <a:schemeClr val="accent1"/>
+          </a:effectRef>
+          <a:fontRef idx="minor">
+            <a:schemeClr val="lt1"/>
+          </a:fontRef>
+        </p:style>
+        <p:txBody>
+          <a:bodyPr rtlCol="0" anchor="ctr"/>
+          <a:lstStyle/>
+          <a:p>
+            <a:pPr algn="ctr"/>
+            <a:r>
+              <a:rPr lang="en-US" sz="2800" dirty="0">
+                <a:solidFill>
+                  <a:schemeClr val="tx1"/>
+                </a:solidFill>
+              </a:rPr>
+              <a:t>Acc1’</a:t>
+            </a:r>
+          </a:p>
+        </p:txBody>
+      </p:sp>
+      <p:cxnSp>
+        <p:nvCxnSpPr>
+          <p:cNvPr id="13" name="12 Conector recto de flecha"/>
+          <p:cNvCxnSpPr>
+            <a:stCxn id="11" idx="3"/>
+            <a:endCxn id="12" idx="1"/>
+          </p:cNvCxnSpPr>
+          <p:nvPr/>
+        </p:nvCxnSpPr>
+        <p:spPr>
+          <a:xfrm>
+            <a:off x="6494206" y="5004621"/>
+            <a:ext cx="1700981" cy="4915"/>
+          </a:xfrm>
+          <a:prstGeom prst="straightConnector1">
+            <a:avLst/>
+          </a:prstGeom>
+          <a:ln w="25400">
+            <a:tailEnd type="arrow"/>
+          </a:ln>
+        </p:spPr>
+        <p:style>
+          <a:lnRef idx="1">
+            <a:schemeClr val="accent1"/>
+          </a:lnRef>
+          <a:fillRef idx="0">
+            <a:schemeClr val="accent1"/>
+          </a:fillRef>
+          <a:effectRef idx="0">
+            <a:schemeClr val="accent1"/>
+          </a:effectRef>
+          <a:fontRef idx="minor">
+            <a:schemeClr val="tx1"/>
+          </a:fontRef>
+        </p:style>
+      </p:cxnSp>
+      <p:sp>
+        <p:nvSpPr>
+          <p:cNvPr id="14" name="13 CuadroTexto"/>
+          <p:cNvSpPr txBox="1"/>
+          <p:nvPr/>
+        </p:nvSpPr>
+        <p:spPr>
+          <a:xfrm>
+            <a:off x="4222955" y="3736260"/>
+            <a:ext cx="1997213" cy="461665"/>
+          </a:xfrm>
+          <a:prstGeom prst="rect">
+            <a:avLst/>
+          </a:prstGeom>
+          <a:noFill/>
+        </p:spPr>
+        <p:txBody>
+          <a:bodyPr wrap="none" rtlCol="0">
+            <a:spAutoFit/>
+          </a:bodyPr>
+          <a:lstStyle/>
+          <a:p>
+            <a:r>
+              <a:rPr lang="en-US" sz="2400" dirty="0"/>
+              <a:t>Ethereum/RSK</a:t>
+            </a:r>
+          </a:p>
+        </p:txBody>
+      </p:sp>
+      <p:sp>
+        <p:nvSpPr>
+          <p:cNvPr id="15" name="14 CuadroTexto"/>
+          <p:cNvSpPr txBox="1"/>
+          <p:nvPr/>
+        </p:nvSpPr>
+        <p:spPr>
+          <a:xfrm>
+            <a:off x="7054645" y="4473679"/>
+            <a:ext cx="499111" cy="523220"/>
+          </a:xfrm>
+          <a:prstGeom prst="rect">
+            <a:avLst/>
+          </a:prstGeom>
+          <a:noFill/>
+        </p:spPr>
+        <p:txBody>
+          <a:bodyPr wrap="none" rtlCol="0">
+            <a:spAutoFit/>
+          </a:bodyPr>
+          <a:lstStyle/>
+          <a:p>
+            <a:r>
+              <a:rPr lang="en-US" sz="2800" dirty="0"/>
+              <a:t>Tx</a:t>
+            </a:r>
+          </a:p>
+        </p:txBody>
+      </p:sp>
+      <p:sp>
+        <p:nvSpPr>
+          <p:cNvPr id="16" name="Rectangle 15"/>
+          <p:cNvSpPr/>
+          <p:nvPr/>
+        </p:nvSpPr>
+        <p:spPr>
+          <a:xfrm>
+            <a:off x="891137" y="1903526"/>
+            <a:ext cx="1603266" cy="695049"/>
+          </a:xfrm>
+          <a:prstGeom prst="rect">
+            <a:avLst/>
+          </a:prstGeom>
+          <a:solidFill>
+            <a:srgbClr val="92D050"/>
+          </a:solidFill>
+        </p:spPr>
+        <p:style>
+          <a:lnRef idx="2">
+            <a:schemeClr val="accent1">
+              <a:shade val="50000"/>
+            </a:schemeClr>
+          </a:lnRef>
+          <a:fillRef idx="1">
+            <a:schemeClr val="accent1"/>
+          </a:fillRef>
+          <a:effectRef idx="0">
+            <a:schemeClr val="accent1"/>
+          </a:effectRef>
+          <a:fontRef idx="minor">
+            <a:schemeClr val="lt1"/>
+          </a:fontRef>
+        </p:style>
+        <p:txBody>
+          <a:bodyPr rtlCol="0" anchor="ctr"/>
+          <a:lstStyle/>
+          <a:p>
+            <a:pPr algn="ctr"/>
+            <a:r>
+              <a:rPr lang="en-US" sz="2800" dirty="0">
+                <a:solidFill>
+                  <a:schemeClr val="tx1"/>
+                </a:solidFill>
+              </a:rPr>
+              <a:t>B100</a:t>
+            </a:r>
+          </a:p>
+        </p:txBody>
+      </p:sp>
+      <p:sp>
+        <p:nvSpPr>
+          <p:cNvPr id="18" name="Rectangle 17"/>
+          <p:cNvSpPr/>
+          <p:nvPr/>
+        </p:nvSpPr>
+        <p:spPr>
+          <a:xfrm>
+            <a:off x="2494403" y="1903526"/>
+            <a:ext cx="1603266" cy="695049"/>
+          </a:xfrm>
+          <a:prstGeom prst="rect">
+            <a:avLst/>
+          </a:prstGeom>
+          <a:solidFill>
+            <a:srgbClr val="92D050"/>
+          </a:solidFill>
+        </p:spPr>
+        <p:style>
+          <a:lnRef idx="2">
+            <a:schemeClr val="accent1">
+              <a:shade val="50000"/>
+            </a:schemeClr>
+          </a:lnRef>
+          <a:fillRef idx="1">
+            <a:schemeClr val="accent1"/>
+          </a:fillRef>
+          <a:effectRef idx="0">
+            <a:schemeClr val="accent1"/>
+          </a:effectRef>
+          <a:fontRef idx="minor">
+            <a:schemeClr val="lt1"/>
+          </a:fontRef>
+        </p:style>
+        <p:txBody>
+          <a:bodyPr rtlCol="0" anchor="ctr"/>
+          <a:lstStyle/>
+          <a:p>
+            <a:pPr algn="ctr"/>
+            <a:r>
+              <a:rPr lang="en-US" sz="2800" dirty="0">
+                <a:solidFill>
+                  <a:schemeClr val="tx1"/>
+                </a:solidFill>
+              </a:rPr>
+              <a:t>B101</a:t>
+            </a:r>
+          </a:p>
+        </p:txBody>
+      </p:sp>
+      <p:sp>
+        <p:nvSpPr>
+          <p:cNvPr id="19" name="Rectangle 18"/>
+          <p:cNvSpPr/>
+          <p:nvPr/>
+        </p:nvSpPr>
+        <p:spPr>
+          <a:xfrm>
+            <a:off x="4097669" y="1903526"/>
+            <a:ext cx="1603266" cy="695049"/>
+          </a:xfrm>
+          <a:prstGeom prst="rect">
+            <a:avLst/>
+          </a:prstGeom>
+          <a:solidFill>
+            <a:srgbClr val="92D050"/>
+          </a:solidFill>
+        </p:spPr>
+        <p:style>
+          <a:lnRef idx="2">
+            <a:schemeClr val="accent1">
+              <a:shade val="50000"/>
+            </a:schemeClr>
+          </a:lnRef>
+          <a:fillRef idx="1">
+            <a:schemeClr val="accent1"/>
+          </a:fillRef>
+          <a:effectRef idx="0">
+            <a:schemeClr val="accent1"/>
+          </a:effectRef>
+          <a:fontRef idx="minor">
+            <a:schemeClr val="lt1"/>
+          </a:fontRef>
+        </p:style>
+        <p:txBody>
+          <a:bodyPr rtlCol="0" anchor="ctr"/>
+          <a:lstStyle/>
+          <a:p>
+            <a:pPr algn="ctr"/>
+            <a:r>
+              <a:rPr lang="en-US" sz="2800" dirty="0">
+                <a:solidFill>
+                  <a:schemeClr val="tx1"/>
+                </a:solidFill>
+              </a:rPr>
+              <a:t>B102</a:t>
+            </a:r>
+          </a:p>
+        </p:txBody>
+      </p:sp>
+      <p:sp>
+        <p:nvSpPr>
+          <p:cNvPr id="20" name="Rectangle 19"/>
+          <p:cNvSpPr/>
+          <p:nvPr/>
+        </p:nvSpPr>
+        <p:spPr>
+          <a:xfrm>
+            <a:off x="5700935" y="1903526"/>
+            <a:ext cx="1603266" cy="695049"/>
+          </a:xfrm>
+          <a:prstGeom prst="rect">
+            <a:avLst/>
+          </a:prstGeom>
+          <a:solidFill>
+            <a:srgbClr val="92D050"/>
+          </a:solidFill>
+        </p:spPr>
+        <p:style>
+          <a:lnRef idx="2">
+            <a:schemeClr val="accent1">
+              <a:shade val="50000"/>
+            </a:schemeClr>
+          </a:lnRef>
+          <a:fillRef idx="1">
+            <a:schemeClr val="accent1"/>
+          </a:fillRef>
+          <a:effectRef idx="0">
+            <a:schemeClr val="accent1"/>
+          </a:effectRef>
+          <a:fontRef idx="minor">
+            <a:schemeClr val="lt1"/>
+          </a:fontRef>
+        </p:style>
+        <p:txBody>
+          <a:bodyPr rtlCol="0" anchor="ctr"/>
+          <a:lstStyle/>
+          <a:p>
+            <a:pPr algn="ctr"/>
+            <a:r>
+              <a:rPr lang="en-US" sz="2800" dirty="0">
+                <a:solidFill>
+                  <a:schemeClr val="tx1"/>
+                </a:solidFill>
+              </a:rPr>
+              <a:t>B103</a:t>
+            </a:r>
+          </a:p>
+        </p:txBody>
+      </p:sp>
+      <p:sp>
+        <p:nvSpPr>
+          <p:cNvPr id="21" name="TextBox 20"/>
+          <p:cNvSpPr txBox="1"/>
+          <p:nvPr/>
+        </p:nvSpPr>
+        <p:spPr>
+          <a:xfrm>
+            <a:off x="891137" y="1441861"/>
+            <a:ext cx="3139449" cy="461665"/>
+          </a:xfrm>
+          <a:prstGeom prst="rect">
+            <a:avLst/>
+          </a:prstGeom>
+          <a:noFill/>
+        </p:spPr>
+        <p:txBody>
+          <a:bodyPr wrap="none" rtlCol="0">
+            <a:spAutoFit/>
+          </a:bodyPr>
+          <a:lstStyle/>
+          <a:p>
+            <a:r>
+              <a:rPr lang="es-MX" sz="2400" dirty="0"/>
+              <a:t>Bridge Contract Storage</a:t>
+            </a:r>
+            <a:endParaRPr lang="es-ES" sz="2400" dirty="0"/>
+          </a:p>
+        </p:txBody>
+      </p:sp>
+      <p:sp>
+        <p:nvSpPr>
+          <p:cNvPr id="5" name="TextBox 4"/>
+          <p:cNvSpPr txBox="1"/>
+          <p:nvPr/>
+        </p:nvSpPr>
+        <p:spPr>
+          <a:xfrm>
+            <a:off x="7342238" y="1903526"/>
+            <a:ext cx="433132" cy="523220"/>
+          </a:xfrm>
+          <a:prstGeom prst="rect">
+            <a:avLst/>
+          </a:prstGeom>
+          <a:noFill/>
+        </p:spPr>
+        <p:txBody>
+          <a:bodyPr wrap="none" rtlCol="0">
+            <a:spAutoFit/>
+          </a:bodyPr>
+          <a:lstStyle/>
+          <a:p>
+            <a:r>
+              <a:rPr lang="es-MX" sz="2800" dirty="0"/>
+              <a:t>…</a:t>
+            </a:r>
+            <a:endParaRPr lang="es-ES" sz="2800" dirty="0"/>
+          </a:p>
+        </p:txBody>
+      </p:sp>
+      <p:sp>
+        <p:nvSpPr>
+          <p:cNvPr id="22" name="Rectangle 21"/>
+          <p:cNvSpPr/>
+          <p:nvPr/>
+        </p:nvSpPr>
+        <p:spPr>
+          <a:xfrm>
+            <a:off x="7880129" y="1903526"/>
+            <a:ext cx="1603266" cy="695049"/>
+          </a:xfrm>
+          <a:prstGeom prst="rect">
+            <a:avLst/>
+          </a:prstGeom>
+          <a:solidFill>
+            <a:srgbClr val="92D050"/>
+          </a:solidFill>
+        </p:spPr>
+        <p:style>
+          <a:lnRef idx="2">
+            <a:schemeClr val="accent1">
+              <a:shade val="50000"/>
+            </a:schemeClr>
+          </a:lnRef>
+          <a:fillRef idx="1">
+            <a:schemeClr val="accent1"/>
+          </a:fillRef>
+          <a:effectRef idx="0">
+            <a:schemeClr val="accent1"/>
+          </a:effectRef>
+          <a:fontRef idx="minor">
+            <a:schemeClr val="lt1"/>
+          </a:fontRef>
+        </p:style>
+        <p:txBody>
+          <a:bodyPr rtlCol="0" anchor="ctr"/>
+          <a:lstStyle/>
+          <a:p>
+            <a:pPr algn="ctr"/>
+            <a:r>
+              <a:rPr lang="en-US" sz="2800" dirty="0">
+                <a:solidFill>
+                  <a:schemeClr val="tx1"/>
+                </a:solidFill>
+              </a:rPr>
+              <a:t>B120</a:t>
+            </a:r>
+          </a:p>
+        </p:txBody>
+      </p:sp>
+      <p:sp>
+        <p:nvSpPr>
+          <p:cNvPr id="23" name="Rectangle 22"/>
+          <p:cNvSpPr/>
+          <p:nvPr/>
+        </p:nvSpPr>
+        <p:spPr>
+          <a:xfrm>
+            <a:off x="9483395" y="1903526"/>
+            <a:ext cx="1603266" cy="695049"/>
+          </a:xfrm>
+          <a:prstGeom prst="rect">
+            <a:avLst/>
+          </a:prstGeom>
+          <a:solidFill>
+            <a:srgbClr val="92D050"/>
+          </a:solidFill>
+        </p:spPr>
+        <p:style>
+          <a:lnRef idx="2">
+            <a:schemeClr val="accent1">
+              <a:shade val="50000"/>
+            </a:schemeClr>
+          </a:lnRef>
+          <a:fillRef idx="1">
+            <a:schemeClr val="accent1"/>
+          </a:fillRef>
+          <a:effectRef idx="0">
+            <a:schemeClr val="accent1"/>
+          </a:effectRef>
+          <a:fontRef idx="minor">
+            <a:schemeClr val="lt1"/>
+          </a:fontRef>
+        </p:style>
+        <p:txBody>
+          <a:bodyPr rtlCol="0" anchor="ctr"/>
+          <a:lstStyle/>
+          <a:p>
+            <a:pPr algn="ctr"/>
+            <a:r>
+              <a:rPr lang="en-US" sz="2800" dirty="0">
+                <a:solidFill>
+                  <a:schemeClr val="tx1"/>
+                </a:solidFill>
+              </a:rPr>
+              <a:t>B121</a:t>
+            </a:r>
+          </a:p>
+        </p:txBody>
+      </p:sp>
+      <p:sp>
+        <p:nvSpPr>
+          <p:cNvPr id="24" name="Oval 23"/>
+          <p:cNvSpPr/>
+          <p:nvPr/>
+        </p:nvSpPr>
+        <p:spPr>
+          <a:xfrm>
+            <a:off x="2532440" y="2187167"/>
+            <a:ext cx="356047" cy="356047"/>
+          </a:xfrm>
+          <a:prstGeom prst="ellipse">
+            <a:avLst/>
+          </a:prstGeom>
+          <a:solidFill>
+            <a:srgbClr val="FF0000"/>
+          </a:solidFill>
+        </p:spPr>
+        <p:style>
+          <a:lnRef idx="2">
+            <a:schemeClr val="accent1">
+              <a:shade val="50000"/>
+            </a:schemeClr>
+          </a:lnRef>
+          <a:fillRef idx="1">
+            <a:schemeClr val="accent1"/>
+          </a:fillRef>
+          <a:effectRef idx="0">
+            <a:schemeClr val="accent1"/>
+          </a:effectRef>
+          <a:fontRef idx="minor">
+            <a:schemeClr val="lt1"/>
+          </a:fontRef>
+        </p:style>
+        <p:txBody>
+          <a:bodyPr rtlCol="0" anchor="ctr"/>
+          <a:lstStyle/>
+          <a:p>
+            <a:pPr algn="ctr"/>
+            <a:endParaRPr lang="en-US"/>
+          </a:p>
+        </p:txBody>
+      </p:sp>
+      <p:cxnSp>
+        <p:nvCxnSpPr>
+          <p:cNvPr id="17" name="16 Conector recto de flecha"/>
+          <p:cNvCxnSpPr>
+            <a:stCxn id="24" idx="5"/>
+            <a:endCxn id="15" idx="2"/>
+          </p:cNvCxnSpPr>
+          <p:nvPr/>
+        </p:nvCxnSpPr>
+        <p:spPr>
+          <a:xfrm>
+            <a:off x="2836345" y="2491072"/>
+            <a:ext cx="4467856" cy="2505827"/>
+          </a:xfrm>
+          <a:prstGeom prst="straightConnector1">
+            <a:avLst/>
+          </a:prstGeom>
+          <a:ln w="25400">
+            <a:prstDash val="dash"/>
+            <a:tailEnd type="arrow"/>
+          </a:ln>
+        </p:spPr>
+        <p:style>
+          <a:lnRef idx="1">
+            <a:schemeClr val="accent1"/>
+          </a:lnRef>
+          <a:fillRef idx="0">
+            <a:schemeClr val="accent1"/>
+          </a:fillRef>
+          <a:effectRef idx="0">
+            <a:schemeClr val="accent1"/>
+          </a:effectRef>
+          <a:fontRef idx="minor">
+            <a:schemeClr val="tx1"/>
+          </a:fontRef>
+        </p:style>
+      </p:cxnSp>
+    </p:spTree>
+    <p:extLst>
+      <p:ext uri="{BB962C8B-B14F-4D97-AF65-F5344CB8AC3E}">
+        <p14:creationId xmlns:p14="http://schemas.microsoft.com/office/powerpoint/2010/main" val="3226221520"/>
       </p:ext>
     </p:extLst>
   </p:cSld>

--- a/ConnBlockchains/images/BlockchainImages.pptx
+++ b/ConnBlockchains/images/BlockchainImages.pptx
@@ -17,6 +17,7 @@
     <p:sldId id="269" r:id="rId11"/>
     <p:sldId id="271" r:id="rId12"/>
     <p:sldId id="272" r:id="rId13"/>
+    <p:sldId id="273" r:id="rId14"/>
   </p:sldIdLst>
   <p:sldSz cx="12192000" cy="6858000"/>
   <p:notesSz cx="6858000" cy="9144000"/>
@@ -5004,6 +5005,928 @@
     <p:extLst>
       <p:ext uri="{BB962C8B-B14F-4D97-AF65-F5344CB8AC3E}">
         <p14:creationId xmlns:p14="http://schemas.microsoft.com/office/powerpoint/2010/main" val="3226221520"/>
+      </p:ext>
+    </p:extLst>
+  </p:cSld>
+  <p:clrMapOvr>
+    <a:masterClrMapping/>
+  </p:clrMapOvr>
+</p:sld>
+</file>
+
+<file path=ppt/slides/slide13.xml><?xml version="1.0" encoding="utf-8"?>
+<p:sld xmlns:a="http://schemas.openxmlformats.org/drawingml/2006/main" xmlns:r="http://schemas.openxmlformats.org/officeDocument/2006/relationships" xmlns:p="http://schemas.openxmlformats.org/presentationml/2006/main">
+  <p:cSld>
+    <p:spTree>
+      <p:nvGrpSpPr>
+        <p:cNvPr id="1" name=""/>
+        <p:cNvGrpSpPr/>
+        <p:nvPr/>
+      </p:nvGrpSpPr>
+      <p:grpSpPr>
+        <a:xfrm>
+          <a:off x="0" y="0"/>
+          <a:ext cx="0" cy="0"/>
+          <a:chOff x="0" y="0"/>
+          <a:chExt cx="0" cy="0"/>
+        </a:xfrm>
+      </p:grpSpPr>
+      <p:sp>
+        <p:nvSpPr>
+          <p:cNvPr id="21" name="Rectangle 20"/>
+          <p:cNvSpPr/>
+          <p:nvPr/>
+        </p:nvSpPr>
+        <p:spPr>
+          <a:xfrm>
+            <a:off x="6287728" y="982869"/>
+            <a:ext cx="5624872" cy="1963531"/>
+          </a:xfrm>
+          <a:prstGeom prst="rect">
+            <a:avLst/>
+          </a:prstGeom>
+          <a:solidFill>
+            <a:schemeClr val="accent1">
+              <a:lumMod val="20000"/>
+              <a:lumOff val="80000"/>
+            </a:schemeClr>
+          </a:solidFill>
+        </p:spPr>
+        <p:style>
+          <a:lnRef idx="2">
+            <a:schemeClr val="accent1">
+              <a:shade val="50000"/>
+            </a:schemeClr>
+          </a:lnRef>
+          <a:fillRef idx="1">
+            <a:schemeClr val="accent1"/>
+          </a:fillRef>
+          <a:effectRef idx="0">
+            <a:schemeClr val="accent1"/>
+          </a:effectRef>
+          <a:fontRef idx="minor">
+            <a:schemeClr val="lt1"/>
+          </a:fontRef>
+        </p:style>
+        <p:txBody>
+          <a:bodyPr rtlCol="0" anchor="ctr"/>
+          <a:lstStyle/>
+          <a:p>
+            <a:pPr algn="ctr"/>
+            <a:endParaRPr lang="es-ES"/>
+          </a:p>
+        </p:txBody>
+      </p:sp>
+      <p:sp>
+        <p:nvSpPr>
+          <p:cNvPr id="10" name="9 Rectángulo"/>
+          <p:cNvSpPr/>
+          <p:nvPr/>
+        </p:nvSpPr>
+        <p:spPr>
+          <a:xfrm>
+            <a:off x="589936" y="4222956"/>
+            <a:ext cx="6232895" cy="1533833"/>
+          </a:xfrm>
+          <a:prstGeom prst="rect">
+            <a:avLst/>
+          </a:prstGeom>
+        </p:spPr>
+        <p:style>
+          <a:lnRef idx="2">
+            <a:schemeClr val="accent4">
+              <a:shade val="50000"/>
+            </a:schemeClr>
+          </a:lnRef>
+          <a:fillRef idx="1">
+            <a:schemeClr val="accent4"/>
+          </a:fillRef>
+          <a:effectRef idx="0">
+            <a:schemeClr val="accent4"/>
+          </a:effectRef>
+          <a:fontRef idx="minor">
+            <a:schemeClr val="lt1"/>
+          </a:fontRef>
+        </p:style>
+        <p:txBody>
+          <a:bodyPr rtlCol="0" anchor="ctr"/>
+          <a:lstStyle/>
+          <a:p>
+            <a:pPr algn="ctr"/>
+            <a:endParaRPr lang="en-US" dirty="0"/>
+          </a:p>
+        </p:txBody>
+      </p:sp>
+      <p:sp>
+        <p:nvSpPr>
+          <p:cNvPr id="11" name="10 Rectángulo"/>
+          <p:cNvSpPr/>
+          <p:nvPr/>
+        </p:nvSpPr>
+        <p:spPr>
+          <a:xfrm>
+            <a:off x="4694903" y="4606414"/>
+            <a:ext cx="1799303" cy="796413"/>
+          </a:xfrm>
+          <a:prstGeom prst="rect">
+            <a:avLst/>
+          </a:prstGeom>
+          <a:solidFill>
+            <a:srgbClr val="FD4133"/>
+          </a:solidFill>
+        </p:spPr>
+        <p:style>
+          <a:lnRef idx="2">
+            <a:schemeClr val="accent1">
+              <a:shade val="50000"/>
+            </a:schemeClr>
+          </a:lnRef>
+          <a:fillRef idx="1">
+            <a:schemeClr val="accent1"/>
+          </a:fillRef>
+          <a:effectRef idx="0">
+            <a:schemeClr val="accent1"/>
+          </a:effectRef>
+          <a:fontRef idx="minor">
+            <a:schemeClr val="lt1"/>
+          </a:fontRef>
+        </p:style>
+        <p:txBody>
+          <a:bodyPr rtlCol="0" anchor="ctr"/>
+          <a:lstStyle/>
+          <a:p>
+            <a:pPr algn="ctr"/>
+            <a:r>
+              <a:rPr lang="en-US" sz="2800" dirty="0">
+                <a:solidFill>
+                  <a:schemeClr val="tx1"/>
+                </a:solidFill>
+              </a:rPr>
+              <a:t>Bridge Contract</a:t>
+            </a:r>
+          </a:p>
+        </p:txBody>
+      </p:sp>
+      <p:sp>
+        <p:nvSpPr>
+          <p:cNvPr id="18" name="11 Rectángulo"/>
+          <p:cNvSpPr/>
+          <p:nvPr/>
+        </p:nvSpPr>
+        <p:spPr>
+          <a:xfrm>
+            <a:off x="1076631" y="4547659"/>
+            <a:ext cx="1799303" cy="796413"/>
+          </a:xfrm>
+          <a:prstGeom prst="rect">
+            <a:avLst/>
+          </a:prstGeom>
+          <a:solidFill>
+            <a:srgbClr val="FD4133"/>
+          </a:solidFill>
+        </p:spPr>
+        <p:style>
+          <a:lnRef idx="2">
+            <a:schemeClr val="accent1">
+              <a:shade val="50000"/>
+            </a:schemeClr>
+          </a:lnRef>
+          <a:fillRef idx="1">
+            <a:schemeClr val="accent1"/>
+          </a:fillRef>
+          <a:effectRef idx="0">
+            <a:schemeClr val="accent1"/>
+          </a:effectRef>
+          <a:fontRef idx="minor">
+            <a:schemeClr val="lt1"/>
+          </a:fontRef>
+        </p:style>
+        <p:txBody>
+          <a:bodyPr rtlCol="0" anchor="ctr"/>
+          <a:lstStyle/>
+          <a:p>
+            <a:pPr algn="ctr"/>
+            <a:r>
+              <a:rPr lang="en-US" sz="2800" dirty="0">
+                <a:solidFill>
+                  <a:schemeClr val="tx1"/>
+                </a:solidFill>
+              </a:rPr>
+              <a:t>Acc2’</a:t>
+            </a:r>
+          </a:p>
+        </p:txBody>
+      </p:sp>
+      <p:cxnSp>
+        <p:nvCxnSpPr>
+          <p:cNvPr id="20" name="5 Conector recto de flecha"/>
+          <p:cNvCxnSpPr>
+            <a:endCxn id="11" idx="1"/>
+          </p:cNvCxnSpPr>
+          <p:nvPr/>
+        </p:nvCxnSpPr>
+        <p:spPr>
+          <a:xfrm>
+            <a:off x="2875934" y="4984957"/>
+            <a:ext cx="1818969" cy="19664"/>
+          </a:xfrm>
+          <a:prstGeom prst="straightConnector1">
+            <a:avLst/>
+          </a:prstGeom>
+          <a:ln w="25400">
+            <a:tailEnd type="arrow"/>
+          </a:ln>
+        </p:spPr>
+        <p:style>
+          <a:lnRef idx="1">
+            <a:schemeClr val="accent1"/>
+          </a:lnRef>
+          <a:fillRef idx="0">
+            <a:schemeClr val="accent1"/>
+          </a:fillRef>
+          <a:effectRef idx="0">
+            <a:schemeClr val="accent1"/>
+          </a:effectRef>
+          <a:fontRef idx="minor">
+            <a:schemeClr val="tx1"/>
+          </a:fontRef>
+        </p:style>
+      </p:cxnSp>
+      <p:cxnSp>
+        <p:nvCxnSpPr>
+          <p:cNvPr id="22" name="16 Conector recto de flecha"/>
+          <p:cNvCxnSpPr>
+            <a:stCxn id="11" idx="0"/>
+          </p:cNvCxnSpPr>
+          <p:nvPr/>
+        </p:nvCxnSpPr>
+        <p:spPr>
+          <a:xfrm flipV="1">
+            <a:off x="5594555" y="2946400"/>
+            <a:ext cx="1386346" cy="1660014"/>
+          </a:xfrm>
+          <a:prstGeom prst="straightConnector1">
+            <a:avLst/>
+          </a:prstGeom>
+          <a:ln w="25400">
+            <a:prstDash val="dash"/>
+            <a:tailEnd type="arrow"/>
+          </a:ln>
+        </p:spPr>
+        <p:style>
+          <a:lnRef idx="1">
+            <a:schemeClr val="accent1"/>
+          </a:lnRef>
+          <a:fillRef idx="0">
+            <a:schemeClr val="accent1"/>
+          </a:fillRef>
+          <a:effectRef idx="0">
+            <a:schemeClr val="accent1"/>
+          </a:effectRef>
+          <a:fontRef idx="minor">
+            <a:schemeClr val="tx1"/>
+          </a:fontRef>
+        </p:style>
+      </p:cxnSp>
+      <p:sp>
+        <p:nvSpPr>
+          <p:cNvPr id="26" name="14 CuadroTexto"/>
+          <p:cNvSpPr txBox="1"/>
+          <p:nvPr/>
+        </p:nvSpPr>
+        <p:spPr>
+          <a:xfrm>
+            <a:off x="3481785" y="4481400"/>
+            <a:ext cx="499111" cy="523220"/>
+          </a:xfrm>
+          <a:prstGeom prst="rect">
+            <a:avLst/>
+          </a:prstGeom>
+          <a:noFill/>
+        </p:spPr>
+        <p:txBody>
+          <a:bodyPr wrap="none" rtlCol="0">
+            <a:spAutoFit/>
+          </a:bodyPr>
+          <a:lstStyle/>
+          <a:p>
+            <a:r>
+              <a:rPr lang="en-US" sz="2800" dirty="0"/>
+              <a:t>Tx</a:t>
+            </a:r>
+          </a:p>
+        </p:txBody>
+      </p:sp>
+      <p:sp>
+        <p:nvSpPr>
+          <p:cNvPr id="23" name="13 CuadroTexto"/>
+          <p:cNvSpPr txBox="1"/>
+          <p:nvPr/>
+        </p:nvSpPr>
+        <p:spPr>
+          <a:xfrm>
+            <a:off x="588038" y="3692810"/>
+            <a:ext cx="1997213" cy="461665"/>
+          </a:xfrm>
+          <a:prstGeom prst="rect">
+            <a:avLst/>
+          </a:prstGeom>
+          <a:noFill/>
+        </p:spPr>
+        <p:txBody>
+          <a:bodyPr wrap="none" rtlCol="0">
+            <a:spAutoFit/>
+          </a:bodyPr>
+          <a:lstStyle/>
+          <a:p>
+            <a:r>
+              <a:rPr lang="en-US" sz="2400" dirty="0"/>
+              <a:t>Ethereum/RSK</a:t>
+            </a:r>
+          </a:p>
+        </p:txBody>
+      </p:sp>
+      <p:sp>
+        <p:nvSpPr>
+          <p:cNvPr id="24" name="Rectangle 23"/>
+          <p:cNvSpPr/>
+          <p:nvPr/>
+        </p:nvSpPr>
+        <p:spPr>
+          <a:xfrm>
+            <a:off x="6815516" y="1485039"/>
+            <a:ext cx="1692809" cy="375210"/>
+          </a:xfrm>
+          <a:prstGeom prst="rect">
+            <a:avLst/>
+          </a:prstGeom>
+        </p:spPr>
+        <p:style>
+          <a:lnRef idx="2">
+            <a:schemeClr val="accent1">
+              <a:shade val="50000"/>
+            </a:schemeClr>
+          </a:lnRef>
+          <a:fillRef idx="1">
+            <a:schemeClr val="accent1"/>
+          </a:fillRef>
+          <a:effectRef idx="0">
+            <a:schemeClr val="accent1"/>
+          </a:effectRef>
+          <a:fontRef idx="minor">
+            <a:schemeClr val="lt1"/>
+          </a:fontRef>
+        </p:style>
+        <p:txBody>
+          <a:bodyPr rtlCol="0" anchor="ctr"/>
+          <a:lstStyle/>
+          <a:p>
+            <a:pPr algn="ctr"/>
+            <a:endParaRPr lang="es-ES"/>
+          </a:p>
+        </p:txBody>
+      </p:sp>
+      <p:sp>
+        <p:nvSpPr>
+          <p:cNvPr id="27" name="Rectangle 26"/>
+          <p:cNvSpPr/>
+          <p:nvPr/>
+        </p:nvSpPr>
+        <p:spPr>
+          <a:xfrm>
+            <a:off x="8521282" y="1474213"/>
+            <a:ext cx="641348" cy="375210"/>
+          </a:xfrm>
+          <a:prstGeom prst="rect">
+            <a:avLst/>
+          </a:prstGeom>
+          <a:solidFill>
+            <a:srgbClr val="00B0F0"/>
+          </a:solidFill>
+        </p:spPr>
+        <p:style>
+          <a:lnRef idx="2">
+            <a:schemeClr val="accent1">
+              <a:shade val="50000"/>
+            </a:schemeClr>
+          </a:lnRef>
+          <a:fillRef idx="1">
+            <a:schemeClr val="accent1"/>
+          </a:fillRef>
+          <a:effectRef idx="0">
+            <a:schemeClr val="accent1"/>
+          </a:effectRef>
+          <a:fontRef idx="minor">
+            <a:schemeClr val="lt1"/>
+          </a:fontRef>
+        </p:style>
+        <p:txBody>
+          <a:bodyPr rtlCol="0" anchor="ctr"/>
+          <a:lstStyle/>
+          <a:p>
+            <a:pPr algn="ctr"/>
+            <a:r>
+              <a:rPr lang="es-MX" dirty="0">
+                <a:solidFill>
+                  <a:schemeClr val="tx1"/>
+                </a:solidFill>
+              </a:rPr>
+              <a:t>0.05</a:t>
+            </a:r>
+            <a:endParaRPr lang="es-ES" dirty="0">
+              <a:solidFill>
+                <a:schemeClr val="tx1"/>
+              </a:solidFill>
+            </a:endParaRPr>
+          </a:p>
+        </p:txBody>
+      </p:sp>
+      <p:sp>
+        <p:nvSpPr>
+          <p:cNvPr id="28" name="Rectangle 27"/>
+          <p:cNvSpPr/>
+          <p:nvPr/>
+        </p:nvSpPr>
+        <p:spPr>
+          <a:xfrm>
+            <a:off x="6815516" y="1857932"/>
+            <a:ext cx="1692809" cy="375210"/>
+          </a:xfrm>
+          <a:prstGeom prst="rect">
+            <a:avLst/>
+          </a:prstGeom>
+        </p:spPr>
+        <p:style>
+          <a:lnRef idx="2">
+            <a:schemeClr val="accent1">
+              <a:shade val="50000"/>
+            </a:schemeClr>
+          </a:lnRef>
+          <a:fillRef idx="1">
+            <a:schemeClr val="accent1"/>
+          </a:fillRef>
+          <a:effectRef idx="0">
+            <a:schemeClr val="accent1"/>
+          </a:effectRef>
+          <a:fontRef idx="minor">
+            <a:schemeClr val="lt1"/>
+          </a:fontRef>
+        </p:style>
+        <p:txBody>
+          <a:bodyPr rtlCol="0" anchor="ctr"/>
+          <a:lstStyle/>
+          <a:p>
+            <a:pPr algn="ctr"/>
+            <a:endParaRPr lang="es-ES"/>
+          </a:p>
+        </p:txBody>
+      </p:sp>
+      <p:sp>
+        <p:nvSpPr>
+          <p:cNvPr id="29" name="Rectangle 28"/>
+          <p:cNvSpPr/>
+          <p:nvPr/>
+        </p:nvSpPr>
+        <p:spPr>
+          <a:xfrm>
+            <a:off x="8515610" y="1857932"/>
+            <a:ext cx="641348" cy="375210"/>
+          </a:xfrm>
+          <a:prstGeom prst="rect">
+            <a:avLst/>
+          </a:prstGeom>
+          <a:solidFill>
+            <a:srgbClr val="00B0F0"/>
+          </a:solidFill>
+        </p:spPr>
+        <p:style>
+          <a:lnRef idx="2">
+            <a:schemeClr val="accent1">
+              <a:shade val="50000"/>
+            </a:schemeClr>
+          </a:lnRef>
+          <a:fillRef idx="1">
+            <a:schemeClr val="accent1"/>
+          </a:fillRef>
+          <a:effectRef idx="0">
+            <a:schemeClr val="accent1"/>
+          </a:effectRef>
+          <a:fontRef idx="minor">
+            <a:schemeClr val="lt1"/>
+          </a:fontRef>
+        </p:style>
+        <p:txBody>
+          <a:bodyPr rtlCol="0" anchor="ctr"/>
+          <a:lstStyle/>
+          <a:p>
+            <a:pPr algn="ctr"/>
+            <a:r>
+              <a:rPr lang="es-MX" dirty="0">
+                <a:solidFill>
+                  <a:schemeClr val="tx1"/>
+                </a:solidFill>
+              </a:rPr>
+              <a:t>0.15</a:t>
+            </a:r>
+            <a:endParaRPr lang="es-ES" dirty="0">
+              <a:solidFill>
+                <a:schemeClr val="tx1"/>
+              </a:solidFill>
+            </a:endParaRPr>
+          </a:p>
+        </p:txBody>
+      </p:sp>
+      <p:sp>
+        <p:nvSpPr>
+          <p:cNvPr id="30" name="Rectangle 29"/>
+          <p:cNvSpPr/>
+          <p:nvPr/>
+        </p:nvSpPr>
+        <p:spPr>
+          <a:xfrm>
+            <a:off x="6815516" y="2244894"/>
+            <a:ext cx="1692809" cy="375210"/>
+          </a:xfrm>
+          <a:prstGeom prst="rect">
+            <a:avLst/>
+          </a:prstGeom>
+        </p:spPr>
+        <p:style>
+          <a:lnRef idx="2">
+            <a:schemeClr val="accent1">
+              <a:shade val="50000"/>
+            </a:schemeClr>
+          </a:lnRef>
+          <a:fillRef idx="1">
+            <a:schemeClr val="accent1"/>
+          </a:fillRef>
+          <a:effectRef idx="0">
+            <a:schemeClr val="accent1"/>
+          </a:effectRef>
+          <a:fontRef idx="minor">
+            <a:schemeClr val="lt1"/>
+          </a:fontRef>
+        </p:style>
+        <p:txBody>
+          <a:bodyPr rtlCol="0" anchor="ctr"/>
+          <a:lstStyle/>
+          <a:p>
+            <a:pPr algn="ctr"/>
+            <a:endParaRPr lang="es-ES"/>
+          </a:p>
+        </p:txBody>
+      </p:sp>
+      <p:sp>
+        <p:nvSpPr>
+          <p:cNvPr id="31" name="Rectangle 30"/>
+          <p:cNvSpPr/>
+          <p:nvPr/>
+        </p:nvSpPr>
+        <p:spPr>
+          <a:xfrm>
+            <a:off x="8515607" y="2244894"/>
+            <a:ext cx="641348" cy="375210"/>
+          </a:xfrm>
+          <a:prstGeom prst="rect">
+            <a:avLst/>
+          </a:prstGeom>
+          <a:solidFill>
+            <a:srgbClr val="00B0F0"/>
+          </a:solidFill>
+        </p:spPr>
+        <p:style>
+          <a:lnRef idx="2">
+            <a:schemeClr val="accent1">
+              <a:shade val="50000"/>
+            </a:schemeClr>
+          </a:lnRef>
+          <a:fillRef idx="1">
+            <a:schemeClr val="accent1"/>
+          </a:fillRef>
+          <a:effectRef idx="0">
+            <a:schemeClr val="accent1"/>
+          </a:effectRef>
+          <a:fontRef idx="minor">
+            <a:schemeClr val="lt1"/>
+          </a:fontRef>
+        </p:style>
+        <p:txBody>
+          <a:bodyPr rtlCol="0" anchor="ctr"/>
+          <a:lstStyle/>
+          <a:p>
+            <a:pPr algn="ctr"/>
+            <a:r>
+              <a:rPr lang="es-MX" dirty="0">
+                <a:solidFill>
+                  <a:schemeClr val="tx1"/>
+                </a:solidFill>
+              </a:rPr>
+              <a:t>0.25</a:t>
+            </a:r>
+            <a:endParaRPr lang="es-ES" dirty="0">
+              <a:solidFill>
+                <a:schemeClr val="tx1"/>
+              </a:solidFill>
+            </a:endParaRPr>
+          </a:p>
+        </p:txBody>
+      </p:sp>
+      <p:sp>
+        <p:nvSpPr>
+          <p:cNvPr id="32" name="TextBox 31"/>
+          <p:cNvSpPr txBox="1"/>
+          <p:nvPr/>
+        </p:nvSpPr>
+        <p:spPr>
+          <a:xfrm>
+            <a:off x="6815515" y="985130"/>
+            <a:ext cx="1214919" cy="523220"/>
+          </a:xfrm>
+          <a:prstGeom prst="rect">
+            <a:avLst/>
+          </a:prstGeom>
+          <a:noFill/>
+        </p:spPr>
+        <p:txBody>
+          <a:bodyPr wrap="square" rtlCol="0">
+            <a:spAutoFit/>
+          </a:bodyPr>
+          <a:lstStyle/>
+          <a:p>
+            <a:r>
+              <a:rPr lang="es-MX" sz="2800" dirty="0"/>
+              <a:t>Inputs</a:t>
+            </a:r>
+            <a:endParaRPr lang="es-ES" dirty="0"/>
+          </a:p>
+        </p:txBody>
+      </p:sp>
+      <p:sp>
+        <p:nvSpPr>
+          <p:cNvPr id="33" name="Rectangle 32"/>
+          <p:cNvSpPr/>
+          <p:nvPr/>
+        </p:nvSpPr>
+        <p:spPr>
+          <a:xfrm>
+            <a:off x="9252226" y="1485039"/>
+            <a:ext cx="1692809" cy="375210"/>
+          </a:xfrm>
+          <a:prstGeom prst="rect">
+            <a:avLst/>
+          </a:prstGeom>
+          <a:solidFill>
+            <a:schemeClr val="accent6"/>
+          </a:solidFill>
+        </p:spPr>
+        <p:style>
+          <a:lnRef idx="2">
+            <a:schemeClr val="accent1">
+              <a:shade val="50000"/>
+            </a:schemeClr>
+          </a:lnRef>
+          <a:fillRef idx="1">
+            <a:schemeClr val="accent1"/>
+          </a:fillRef>
+          <a:effectRef idx="0">
+            <a:schemeClr val="accent1"/>
+          </a:effectRef>
+          <a:fontRef idx="minor">
+            <a:schemeClr val="lt1"/>
+          </a:fontRef>
+        </p:style>
+        <p:txBody>
+          <a:bodyPr rtlCol="0" anchor="ctr"/>
+          <a:lstStyle/>
+          <a:p>
+            <a:pPr algn="ctr"/>
+            <a:endParaRPr lang="es-ES"/>
+          </a:p>
+        </p:txBody>
+      </p:sp>
+      <p:sp>
+        <p:nvSpPr>
+          <p:cNvPr id="34" name="Rectangle 33"/>
+          <p:cNvSpPr/>
+          <p:nvPr/>
+        </p:nvSpPr>
+        <p:spPr>
+          <a:xfrm>
+            <a:off x="10950950" y="1485039"/>
+            <a:ext cx="641348" cy="375210"/>
+          </a:xfrm>
+          <a:prstGeom prst="rect">
+            <a:avLst/>
+          </a:prstGeom>
+          <a:solidFill>
+            <a:schemeClr val="accent6">
+              <a:lumMod val="60000"/>
+              <a:lumOff val="40000"/>
+            </a:schemeClr>
+          </a:solidFill>
+        </p:spPr>
+        <p:style>
+          <a:lnRef idx="2">
+            <a:schemeClr val="accent1">
+              <a:shade val="50000"/>
+            </a:schemeClr>
+          </a:lnRef>
+          <a:fillRef idx="1">
+            <a:schemeClr val="accent1"/>
+          </a:fillRef>
+          <a:effectRef idx="0">
+            <a:schemeClr val="accent1"/>
+          </a:effectRef>
+          <a:fontRef idx="minor">
+            <a:schemeClr val="lt1"/>
+          </a:fontRef>
+        </p:style>
+        <p:txBody>
+          <a:bodyPr rtlCol="0" anchor="ctr"/>
+          <a:lstStyle/>
+          <a:p>
+            <a:pPr algn="ctr"/>
+            <a:r>
+              <a:rPr lang="es-MX" dirty="0">
+                <a:solidFill>
+                  <a:schemeClr val="tx1"/>
+                </a:solidFill>
+              </a:rPr>
+              <a:t>0.38</a:t>
+            </a:r>
+            <a:endParaRPr lang="es-ES" dirty="0">
+              <a:solidFill>
+                <a:schemeClr val="tx1"/>
+              </a:solidFill>
+            </a:endParaRPr>
+          </a:p>
+        </p:txBody>
+      </p:sp>
+      <p:sp>
+        <p:nvSpPr>
+          <p:cNvPr id="35" name="Rectangle 34"/>
+          <p:cNvSpPr/>
+          <p:nvPr/>
+        </p:nvSpPr>
+        <p:spPr>
+          <a:xfrm>
+            <a:off x="9245600" y="1864557"/>
+            <a:ext cx="1692809" cy="375210"/>
+          </a:xfrm>
+          <a:prstGeom prst="rect">
+            <a:avLst/>
+          </a:prstGeom>
+          <a:solidFill>
+            <a:schemeClr val="accent6"/>
+          </a:solidFill>
+        </p:spPr>
+        <p:style>
+          <a:lnRef idx="2">
+            <a:schemeClr val="accent1">
+              <a:shade val="50000"/>
+            </a:schemeClr>
+          </a:lnRef>
+          <a:fillRef idx="1">
+            <a:schemeClr val="accent1"/>
+          </a:fillRef>
+          <a:effectRef idx="0">
+            <a:schemeClr val="accent1"/>
+          </a:effectRef>
+          <a:fontRef idx="minor">
+            <a:schemeClr val="lt1"/>
+          </a:fontRef>
+        </p:style>
+        <p:txBody>
+          <a:bodyPr rtlCol="0" anchor="ctr"/>
+          <a:lstStyle/>
+          <a:p>
+            <a:pPr algn="ctr"/>
+            <a:endParaRPr lang="es-ES"/>
+          </a:p>
+        </p:txBody>
+      </p:sp>
+      <p:sp>
+        <p:nvSpPr>
+          <p:cNvPr id="36" name="Rectangle 35"/>
+          <p:cNvSpPr/>
+          <p:nvPr/>
+        </p:nvSpPr>
+        <p:spPr>
+          <a:xfrm>
+            <a:off x="10944324" y="1864557"/>
+            <a:ext cx="641348" cy="375210"/>
+          </a:xfrm>
+          <a:prstGeom prst="rect">
+            <a:avLst/>
+          </a:prstGeom>
+          <a:solidFill>
+            <a:schemeClr val="accent6">
+              <a:lumMod val="60000"/>
+              <a:lumOff val="40000"/>
+            </a:schemeClr>
+          </a:solidFill>
+        </p:spPr>
+        <p:style>
+          <a:lnRef idx="2">
+            <a:schemeClr val="accent1">
+              <a:shade val="50000"/>
+            </a:schemeClr>
+          </a:lnRef>
+          <a:fillRef idx="1">
+            <a:schemeClr val="accent1"/>
+          </a:fillRef>
+          <a:effectRef idx="0">
+            <a:schemeClr val="accent1"/>
+          </a:effectRef>
+          <a:fontRef idx="minor">
+            <a:schemeClr val="lt1"/>
+          </a:fontRef>
+        </p:style>
+        <p:txBody>
+          <a:bodyPr rtlCol="0" anchor="ctr"/>
+          <a:lstStyle/>
+          <a:p>
+            <a:pPr algn="ctr"/>
+            <a:r>
+              <a:rPr lang="es-MX" dirty="0">
+                <a:solidFill>
+                  <a:schemeClr val="tx1"/>
+                </a:solidFill>
+              </a:rPr>
+              <a:t>0.02</a:t>
+            </a:r>
+            <a:endParaRPr lang="es-ES" dirty="0">
+              <a:solidFill>
+                <a:schemeClr val="tx1"/>
+              </a:solidFill>
+            </a:endParaRPr>
+          </a:p>
+        </p:txBody>
+      </p:sp>
+      <p:sp>
+        <p:nvSpPr>
+          <p:cNvPr id="37" name="TextBox 36"/>
+          <p:cNvSpPr txBox="1"/>
+          <p:nvPr/>
+        </p:nvSpPr>
+        <p:spPr>
+          <a:xfrm>
+            <a:off x="9252226" y="982869"/>
+            <a:ext cx="1432207" cy="523220"/>
+          </a:xfrm>
+          <a:prstGeom prst="rect">
+            <a:avLst/>
+          </a:prstGeom>
+          <a:noFill/>
+        </p:spPr>
+        <p:txBody>
+          <a:bodyPr wrap="square" rtlCol="0">
+            <a:spAutoFit/>
+          </a:bodyPr>
+          <a:lstStyle/>
+          <a:p>
+            <a:r>
+              <a:rPr lang="es-MX" sz="2800" dirty="0"/>
+              <a:t>Outputs</a:t>
+            </a:r>
+            <a:endParaRPr lang="es-ES" dirty="0"/>
+          </a:p>
+        </p:txBody>
+      </p:sp>
+      <p:sp>
+        <p:nvSpPr>
+          <p:cNvPr id="38" name="TextBox 37"/>
+          <p:cNvSpPr txBox="1"/>
+          <p:nvPr/>
+        </p:nvSpPr>
+        <p:spPr>
+          <a:xfrm>
+            <a:off x="6287728" y="547118"/>
+            <a:ext cx="2547813" cy="461665"/>
+          </a:xfrm>
+          <a:prstGeom prst="rect">
+            <a:avLst/>
+          </a:prstGeom>
+          <a:noFill/>
+        </p:spPr>
+        <p:txBody>
+          <a:bodyPr wrap="none" rtlCol="0">
+            <a:spAutoFit/>
+          </a:bodyPr>
+          <a:lstStyle/>
+          <a:p>
+            <a:r>
+              <a:rPr lang="es-MX" sz="2400" dirty="0"/>
+              <a:t>Bitcoin Transaction</a:t>
+            </a:r>
+            <a:endParaRPr lang="es-ES" sz="2400" dirty="0"/>
+          </a:p>
+        </p:txBody>
+      </p:sp>
+    </p:spTree>
+    <p:extLst>
+      <p:ext uri="{BB962C8B-B14F-4D97-AF65-F5344CB8AC3E}">
+        <p14:creationId xmlns:p14="http://schemas.microsoft.com/office/powerpoint/2010/main" val="4009505220"/>
       </p:ext>
     </p:extLst>
   </p:cSld>

--- a/ConnBlockchains/images/BlockchainImages.pptx
+++ b/ConnBlockchains/images/BlockchainImages.pptx
@@ -18,6 +18,7 @@
     <p:sldId id="271" r:id="rId12"/>
     <p:sldId id="272" r:id="rId13"/>
     <p:sldId id="273" r:id="rId14"/>
+    <p:sldId id="274" r:id="rId15"/>
   </p:sldIdLst>
   <p:sldSz cx="12192000" cy="6858000"/>
   <p:notesSz cx="6858000" cy="9144000"/>
@@ -5927,6 +5928,643 @@
     <p:extLst>
       <p:ext uri="{BB962C8B-B14F-4D97-AF65-F5344CB8AC3E}">
         <p14:creationId xmlns:p14="http://schemas.microsoft.com/office/powerpoint/2010/main" val="4009505220"/>
+      </p:ext>
+    </p:extLst>
+  </p:cSld>
+  <p:clrMapOvr>
+    <a:masterClrMapping/>
+  </p:clrMapOvr>
+</p:sld>
+</file>
+
+<file path=ppt/slides/slide14.xml><?xml version="1.0" encoding="utf-8"?>
+<p:sld xmlns:a="http://schemas.openxmlformats.org/drawingml/2006/main" xmlns:r="http://schemas.openxmlformats.org/officeDocument/2006/relationships" xmlns:p="http://schemas.openxmlformats.org/presentationml/2006/main">
+  <p:cSld>
+    <p:spTree>
+      <p:nvGrpSpPr>
+        <p:cNvPr id="1" name=""/>
+        <p:cNvGrpSpPr/>
+        <p:nvPr/>
+      </p:nvGrpSpPr>
+      <p:grpSpPr>
+        <a:xfrm>
+          <a:off x="0" y="0"/>
+          <a:ext cx="0" cy="0"/>
+          <a:chOff x="0" y="0"/>
+          <a:chExt cx="0" cy="0"/>
+        </a:xfrm>
+      </p:grpSpPr>
+      <p:sp>
+        <p:nvSpPr>
+          <p:cNvPr id="2" name="Hexagon 1"/>
+          <p:cNvSpPr/>
+          <p:nvPr/>
+        </p:nvSpPr>
+        <p:spPr>
+          <a:xfrm>
+            <a:off x="4737100" y="381000"/>
+            <a:ext cx="1060704" cy="914400"/>
+          </a:xfrm>
+          <a:prstGeom prst="hexagon">
+            <a:avLst/>
+          </a:prstGeom>
+          <a:solidFill>
+            <a:srgbClr val="FFC000"/>
+          </a:solidFill>
+        </p:spPr>
+        <p:style>
+          <a:lnRef idx="2">
+            <a:schemeClr val="accent1">
+              <a:shade val="50000"/>
+            </a:schemeClr>
+          </a:lnRef>
+          <a:fillRef idx="1">
+            <a:schemeClr val="accent1"/>
+          </a:fillRef>
+          <a:effectRef idx="0">
+            <a:schemeClr val="accent1"/>
+          </a:effectRef>
+          <a:fontRef idx="minor">
+            <a:schemeClr val="lt1"/>
+          </a:fontRef>
+        </p:style>
+        <p:txBody>
+          <a:bodyPr rtlCol="0" anchor="ctr"/>
+          <a:lstStyle/>
+          <a:p>
+            <a:pPr algn="ctr"/>
+            <a:r>
+              <a:rPr lang="es-MX" sz="2800" dirty="0">
+                <a:solidFill>
+                  <a:schemeClr val="tx1"/>
+                </a:solidFill>
+              </a:rPr>
+              <a:t>BTC</a:t>
+            </a:r>
+            <a:endParaRPr lang="es-ES" sz="2800" dirty="0">
+              <a:solidFill>
+                <a:schemeClr val="tx1"/>
+              </a:solidFill>
+            </a:endParaRPr>
+          </a:p>
+        </p:txBody>
+      </p:sp>
+      <p:sp>
+        <p:nvSpPr>
+          <p:cNvPr id="3" name="Hexagon 2"/>
+          <p:cNvSpPr/>
+          <p:nvPr/>
+        </p:nvSpPr>
+        <p:spPr>
+          <a:xfrm>
+            <a:off x="3047999" y="2311400"/>
+            <a:ext cx="1097359" cy="889000"/>
+          </a:xfrm>
+          <a:prstGeom prst="hexagon">
+            <a:avLst/>
+          </a:prstGeom>
+          <a:solidFill>
+            <a:srgbClr val="92D050"/>
+          </a:solidFill>
+        </p:spPr>
+        <p:style>
+          <a:lnRef idx="2">
+            <a:schemeClr val="accent1">
+              <a:shade val="50000"/>
+            </a:schemeClr>
+          </a:lnRef>
+          <a:fillRef idx="1">
+            <a:schemeClr val="accent1"/>
+          </a:fillRef>
+          <a:effectRef idx="0">
+            <a:schemeClr val="accent1"/>
+          </a:effectRef>
+          <a:fontRef idx="minor">
+            <a:schemeClr val="lt1"/>
+          </a:fontRef>
+        </p:style>
+        <p:txBody>
+          <a:bodyPr rtlCol="0" anchor="ctr"/>
+          <a:lstStyle/>
+          <a:p>
+            <a:pPr algn="ctr"/>
+            <a:r>
+              <a:rPr lang="es-MX" sz="2800" dirty="0">
+                <a:solidFill>
+                  <a:schemeClr val="tx1"/>
+                </a:solidFill>
+              </a:rPr>
+              <a:t>BC</a:t>
+            </a:r>
+            <a:endParaRPr lang="es-ES" sz="2800" dirty="0">
+              <a:solidFill>
+                <a:schemeClr val="tx1"/>
+              </a:solidFill>
+            </a:endParaRPr>
+          </a:p>
+        </p:txBody>
+      </p:sp>
+      <p:sp>
+        <p:nvSpPr>
+          <p:cNvPr id="4" name="Hexagon 3"/>
+          <p:cNvSpPr/>
+          <p:nvPr/>
+        </p:nvSpPr>
+        <p:spPr>
+          <a:xfrm>
+            <a:off x="5409026" y="2311400"/>
+            <a:ext cx="1097359" cy="889000"/>
+          </a:xfrm>
+          <a:prstGeom prst="hexagon">
+            <a:avLst/>
+          </a:prstGeom>
+          <a:solidFill>
+            <a:srgbClr val="92D050"/>
+          </a:solidFill>
+        </p:spPr>
+        <p:style>
+          <a:lnRef idx="2">
+            <a:schemeClr val="accent1">
+              <a:shade val="50000"/>
+            </a:schemeClr>
+          </a:lnRef>
+          <a:fillRef idx="1">
+            <a:schemeClr val="accent1"/>
+          </a:fillRef>
+          <a:effectRef idx="0">
+            <a:schemeClr val="accent1"/>
+          </a:effectRef>
+          <a:fontRef idx="minor">
+            <a:schemeClr val="lt1"/>
+          </a:fontRef>
+        </p:style>
+        <p:txBody>
+          <a:bodyPr rtlCol="0" anchor="ctr"/>
+          <a:lstStyle/>
+          <a:p>
+            <a:pPr algn="ctr"/>
+            <a:r>
+              <a:rPr lang="es-MX" sz="2800" dirty="0">
+                <a:solidFill>
+                  <a:schemeClr val="tx1"/>
+                </a:solidFill>
+              </a:rPr>
+              <a:t>BC</a:t>
+            </a:r>
+            <a:endParaRPr lang="es-ES" sz="2800" dirty="0">
+              <a:solidFill>
+                <a:schemeClr val="tx1"/>
+              </a:solidFill>
+            </a:endParaRPr>
+          </a:p>
+        </p:txBody>
+      </p:sp>
+      <p:sp>
+        <p:nvSpPr>
+          <p:cNvPr id="5" name="Hexagon 4"/>
+          <p:cNvSpPr/>
+          <p:nvPr/>
+        </p:nvSpPr>
+        <p:spPr>
+          <a:xfrm>
+            <a:off x="7770053" y="1706098"/>
+            <a:ext cx="1097359" cy="889000"/>
+          </a:xfrm>
+          <a:prstGeom prst="hexagon">
+            <a:avLst/>
+          </a:prstGeom>
+          <a:solidFill>
+            <a:srgbClr val="92D050"/>
+          </a:solidFill>
+        </p:spPr>
+        <p:style>
+          <a:lnRef idx="2">
+            <a:schemeClr val="accent1">
+              <a:shade val="50000"/>
+            </a:schemeClr>
+          </a:lnRef>
+          <a:fillRef idx="1">
+            <a:schemeClr val="accent1"/>
+          </a:fillRef>
+          <a:effectRef idx="0">
+            <a:schemeClr val="accent1"/>
+          </a:effectRef>
+          <a:fontRef idx="minor">
+            <a:schemeClr val="lt1"/>
+          </a:fontRef>
+        </p:style>
+        <p:txBody>
+          <a:bodyPr rtlCol="0" anchor="ctr"/>
+          <a:lstStyle/>
+          <a:p>
+            <a:pPr algn="ctr"/>
+            <a:r>
+              <a:rPr lang="es-MX" sz="2800" dirty="0">
+                <a:solidFill>
+                  <a:schemeClr val="tx1"/>
+                </a:solidFill>
+              </a:rPr>
+              <a:t>BC</a:t>
+            </a:r>
+            <a:endParaRPr lang="es-ES" sz="2800" dirty="0">
+              <a:solidFill>
+                <a:schemeClr val="tx1"/>
+              </a:solidFill>
+            </a:endParaRPr>
+          </a:p>
+        </p:txBody>
+      </p:sp>
+      <p:sp>
+        <p:nvSpPr>
+          <p:cNvPr id="6" name="Hexagon 5"/>
+          <p:cNvSpPr/>
+          <p:nvPr/>
+        </p:nvSpPr>
+        <p:spPr>
+          <a:xfrm>
+            <a:off x="1526344" y="4222262"/>
+            <a:ext cx="1097359" cy="889000"/>
+          </a:xfrm>
+          <a:prstGeom prst="hexagon">
+            <a:avLst/>
+          </a:prstGeom>
+          <a:solidFill>
+            <a:srgbClr val="92D050"/>
+          </a:solidFill>
+        </p:spPr>
+        <p:style>
+          <a:lnRef idx="2">
+            <a:schemeClr val="accent1">
+              <a:shade val="50000"/>
+            </a:schemeClr>
+          </a:lnRef>
+          <a:fillRef idx="1">
+            <a:schemeClr val="accent1"/>
+          </a:fillRef>
+          <a:effectRef idx="0">
+            <a:schemeClr val="accent1"/>
+          </a:effectRef>
+          <a:fontRef idx="minor">
+            <a:schemeClr val="lt1"/>
+          </a:fontRef>
+        </p:style>
+        <p:txBody>
+          <a:bodyPr rtlCol="0" anchor="ctr"/>
+          <a:lstStyle/>
+          <a:p>
+            <a:pPr algn="ctr"/>
+            <a:r>
+              <a:rPr lang="es-MX" sz="2800" dirty="0">
+                <a:solidFill>
+                  <a:schemeClr val="tx1"/>
+                </a:solidFill>
+              </a:rPr>
+              <a:t>BC</a:t>
+            </a:r>
+            <a:endParaRPr lang="es-ES" sz="2800" dirty="0">
+              <a:solidFill>
+                <a:schemeClr val="tx1"/>
+              </a:solidFill>
+            </a:endParaRPr>
+          </a:p>
+        </p:txBody>
+      </p:sp>
+      <p:sp>
+        <p:nvSpPr>
+          <p:cNvPr id="7" name="Hexagon 6"/>
+          <p:cNvSpPr/>
+          <p:nvPr/>
+        </p:nvSpPr>
+        <p:spPr>
+          <a:xfrm>
+            <a:off x="3931919" y="4334803"/>
+            <a:ext cx="1097359" cy="889000"/>
+          </a:xfrm>
+          <a:prstGeom prst="hexagon">
+            <a:avLst/>
+          </a:prstGeom>
+          <a:solidFill>
+            <a:srgbClr val="92D050"/>
+          </a:solidFill>
+        </p:spPr>
+        <p:style>
+          <a:lnRef idx="2">
+            <a:schemeClr val="accent1">
+              <a:shade val="50000"/>
+            </a:schemeClr>
+          </a:lnRef>
+          <a:fillRef idx="1">
+            <a:schemeClr val="accent1"/>
+          </a:fillRef>
+          <a:effectRef idx="0">
+            <a:schemeClr val="accent1"/>
+          </a:effectRef>
+          <a:fontRef idx="minor">
+            <a:schemeClr val="lt1"/>
+          </a:fontRef>
+        </p:style>
+        <p:txBody>
+          <a:bodyPr rtlCol="0" anchor="ctr"/>
+          <a:lstStyle/>
+          <a:p>
+            <a:pPr algn="ctr"/>
+            <a:r>
+              <a:rPr lang="es-MX" sz="2800" dirty="0">
+                <a:solidFill>
+                  <a:schemeClr val="tx1"/>
+                </a:solidFill>
+              </a:rPr>
+              <a:t>BC</a:t>
+            </a:r>
+            <a:endParaRPr lang="es-ES" sz="2800" dirty="0">
+              <a:solidFill>
+                <a:schemeClr val="tx1"/>
+              </a:solidFill>
+            </a:endParaRPr>
+          </a:p>
+        </p:txBody>
+      </p:sp>
+      <p:sp>
+        <p:nvSpPr>
+          <p:cNvPr id="8" name="Hexagon 7"/>
+          <p:cNvSpPr/>
+          <p:nvPr/>
+        </p:nvSpPr>
+        <p:spPr>
+          <a:xfrm>
+            <a:off x="6900202" y="4025314"/>
+            <a:ext cx="1097359" cy="889000"/>
+          </a:xfrm>
+          <a:prstGeom prst="hexagon">
+            <a:avLst/>
+          </a:prstGeom>
+          <a:solidFill>
+            <a:srgbClr val="92D050"/>
+          </a:solidFill>
+        </p:spPr>
+        <p:style>
+          <a:lnRef idx="2">
+            <a:schemeClr val="accent1">
+              <a:shade val="50000"/>
+            </a:schemeClr>
+          </a:lnRef>
+          <a:fillRef idx="1">
+            <a:schemeClr val="accent1"/>
+          </a:fillRef>
+          <a:effectRef idx="0">
+            <a:schemeClr val="accent1"/>
+          </a:effectRef>
+          <a:fontRef idx="minor">
+            <a:schemeClr val="lt1"/>
+          </a:fontRef>
+        </p:style>
+        <p:txBody>
+          <a:bodyPr rtlCol="0" anchor="ctr"/>
+          <a:lstStyle/>
+          <a:p>
+            <a:pPr algn="ctr"/>
+            <a:r>
+              <a:rPr lang="es-MX" sz="2800" dirty="0">
+                <a:solidFill>
+                  <a:schemeClr val="tx1"/>
+                </a:solidFill>
+              </a:rPr>
+              <a:t>BC</a:t>
+            </a:r>
+            <a:endParaRPr lang="es-ES" sz="2800" dirty="0">
+              <a:solidFill>
+                <a:schemeClr val="tx1"/>
+              </a:solidFill>
+            </a:endParaRPr>
+          </a:p>
+        </p:txBody>
+      </p:sp>
+      <p:cxnSp>
+        <p:nvCxnSpPr>
+          <p:cNvPr id="10" name="Straight Arrow Connector 9"/>
+          <p:cNvCxnSpPr>
+            <a:stCxn id="3" idx="5"/>
+            <a:endCxn id="2" idx="2"/>
+          </p:cNvCxnSpPr>
+          <p:nvPr/>
+        </p:nvCxnSpPr>
+        <p:spPr>
+          <a:xfrm flipV="1">
+            <a:off x="3923108" y="1295400"/>
+            <a:ext cx="1042592" cy="1016000"/>
+          </a:xfrm>
+          <a:prstGeom prst="straightConnector1">
+            <a:avLst/>
+          </a:prstGeom>
+          <a:ln w="25400">
+            <a:headEnd type="triangle"/>
+            <a:tailEnd type="triangle"/>
+          </a:ln>
+        </p:spPr>
+        <p:style>
+          <a:lnRef idx="1">
+            <a:schemeClr val="accent1"/>
+          </a:lnRef>
+          <a:fillRef idx="0">
+            <a:schemeClr val="accent1"/>
+          </a:fillRef>
+          <a:effectRef idx="0">
+            <a:schemeClr val="accent1"/>
+          </a:effectRef>
+          <a:fontRef idx="minor">
+            <a:schemeClr val="tx1"/>
+          </a:fontRef>
+        </p:style>
+      </p:cxnSp>
+      <p:cxnSp>
+        <p:nvCxnSpPr>
+          <p:cNvPr id="11" name="Straight Arrow Connector 10"/>
+          <p:cNvCxnSpPr>
+            <a:stCxn id="6" idx="5"/>
+            <a:endCxn id="3" idx="2"/>
+          </p:cNvCxnSpPr>
+          <p:nvPr/>
+        </p:nvCxnSpPr>
+        <p:spPr>
+          <a:xfrm flipV="1">
+            <a:off x="2401453" y="3200400"/>
+            <a:ext cx="868796" cy="1021862"/>
+          </a:xfrm>
+          <a:prstGeom prst="straightConnector1">
+            <a:avLst/>
+          </a:prstGeom>
+          <a:ln w="25400">
+            <a:headEnd type="triangle"/>
+            <a:tailEnd type="triangle"/>
+          </a:ln>
+        </p:spPr>
+        <p:style>
+          <a:lnRef idx="1">
+            <a:schemeClr val="accent1"/>
+          </a:lnRef>
+          <a:fillRef idx="0">
+            <a:schemeClr val="accent1"/>
+          </a:fillRef>
+          <a:effectRef idx="0">
+            <a:schemeClr val="accent1"/>
+          </a:effectRef>
+          <a:fontRef idx="minor">
+            <a:schemeClr val="tx1"/>
+          </a:fontRef>
+        </p:style>
+      </p:cxnSp>
+      <p:cxnSp>
+        <p:nvCxnSpPr>
+          <p:cNvPr id="14" name="Straight Arrow Connector 13"/>
+          <p:cNvCxnSpPr>
+            <a:stCxn id="7" idx="4"/>
+            <a:endCxn id="3" idx="1"/>
+          </p:cNvCxnSpPr>
+          <p:nvPr/>
+        </p:nvCxnSpPr>
+        <p:spPr>
+          <a:xfrm flipH="1" flipV="1">
+            <a:off x="3923108" y="3200400"/>
+            <a:ext cx="231061" cy="1134403"/>
+          </a:xfrm>
+          <a:prstGeom prst="straightConnector1">
+            <a:avLst/>
+          </a:prstGeom>
+          <a:ln w="25400">
+            <a:headEnd type="triangle"/>
+            <a:tailEnd type="triangle"/>
+          </a:ln>
+        </p:spPr>
+        <p:style>
+          <a:lnRef idx="1">
+            <a:schemeClr val="accent1"/>
+          </a:lnRef>
+          <a:fillRef idx="0">
+            <a:schemeClr val="accent1"/>
+          </a:fillRef>
+          <a:effectRef idx="0">
+            <a:schemeClr val="accent1"/>
+          </a:effectRef>
+          <a:fontRef idx="minor">
+            <a:schemeClr val="tx1"/>
+          </a:fontRef>
+        </p:style>
+      </p:cxnSp>
+      <p:cxnSp>
+        <p:nvCxnSpPr>
+          <p:cNvPr id="17" name="Straight Arrow Connector 16"/>
+          <p:cNvCxnSpPr>
+            <a:stCxn id="4" idx="4"/>
+            <a:endCxn id="2" idx="1"/>
+          </p:cNvCxnSpPr>
+          <p:nvPr/>
+        </p:nvCxnSpPr>
+        <p:spPr>
+          <a:xfrm flipH="1" flipV="1">
+            <a:off x="5569204" y="1295400"/>
+            <a:ext cx="62072" cy="1016000"/>
+          </a:xfrm>
+          <a:prstGeom prst="straightConnector1">
+            <a:avLst/>
+          </a:prstGeom>
+          <a:ln w="25400">
+            <a:headEnd type="triangle"/>
+            <a:tailEnd type="triangle"/>
+          </a:ln>
+        </p:spPr>
+        <p:style>
+          <a:lnRef idx="1">
+            <a:schemeClr val="accent1"/>
+          </a:lnRef>
+          <a:fillRef idx="0">
+            <a:schemeClr val="accent1"/>
+          </a:fillRef>
+          <a:effectRef idx="0">
+            <a:schemeClr val="accent1"/>
+          </a:effectRef>
+          <a:fontRef idx="minor">
+            <a:schemeClr val="tx1"/>
+          </a:fontRef>
+        </p:style>
+      </p:cxnSp>
+      <p:cxnSp>
+        <p:nvCxnSpPr>
+          <p:cNvPr id="20" name="Straight Arrow Connector 19"/>
+          <p:cNvCxnSpPr>
+            <a:stCxn id="8" idx="4"/>
+            <a:endCxn id="4" idx="1"/>
+          </p:cNvCxnSpPr>
+          <p:nvPr/>
+        </p:nvCxnSpPr>
+        <p:spPr>
+          <a:xfrm flipH="1" flipV="1">
+            <a:off x="6284135" y="3200400"/>
+            <a:ext cx="838317" cy="824914"/>
+          </a:xfrm>
+          <a:prstGeom prst="straightConnector1">
+            <a:avLst/>
+          </a:prstGeom>
+          <a:ln w="25400">
+            <a:headEnd type="triangle"/>
+            <a:tailEnd type="triangle"/>
+          </a:ln>
+        </p:spPr>
+        <p:style>
+          <a:lnRef idx="1">
+            <a:schemeClr val="accent1"/>
+          </a:lnRef>
+          <a:fillRef idx="0">
+            <a:schemeClr val="accent1"/>
+          </a:fillRef>
+          <a:effectRef idx="0">
+            <a:schemeClr val="accent1"/>
+          </a:effectRef>
+          <a:fontRef idx="minor">
+            <a:schemeClr val="tx1"/>
+          </a:fontRef>
+        </p:style>
+      </p:cxnSp>
+      <p:cxnSp>
+        <p:nvCxnSpPr>
+          <p:cNvPr id="23" name="Straight Arrow Connector 22"/>
+          <p:cNvCxnSpPr>
+            <a:stCxn id="5" idx="3"/>
+            <a:endCxn id="2" idx="0"/>
+          </p:cNvCxnSpPr>
+          <p:nvPr/>
+        </p:nvCxnSpPr>
+        <p:spPr>
+          <a:xfrm flipH="1" flipV="1">
+            <a:off x="5797804" y="838200"/>
+            <a:ext cx="1972249" cy="1312398"/>
+          </a:xfrm>
+          <a:prstGeom prst="straightConnector1">
+            <a:avLst/>
+          </a:prstGeom>
+          <a:ln w="25400">
+            <a:headEnd type="triangle"/>
+            <a:tailEnd type="triangle"/>
+          </a:ln>
+        </p:spPr>
+        <p:style>
+          <a:lnRef idx="1">
+            <a:schemeClr val="accent1"/>
+          </a:lnRef>
+          <a:fillRef idx="0">
+            <a:schemeClr val="accent1"/>
+          </a:fillRef>
+          <a:effectRef idx="0">
+            <a:schemeClr val="accent1"/>
+          </a:effectRef>
+          <a:fontRef idx="minor">
+            <a:schemeClr val="tx1"/>
+          </a:fontRef>
+        </p:style>
+      </p:cxnSp>
+    </p:spTree>
+    <p:extLst>
+      <p:ext uri="{BB962C8B-B14F-4D97-AF65-F5344CB8AC3E}">
+        <p14:creationId xmlns:p14="http://schemas.microsoft.com/office/powerpoint/2010/main" val="4226337998"/>
       </p:ext>
     </p:extLst>
   </p:cSld>

--- a/ConnBlockchains/images/BlockchainImages.pptx
+++ b/ConnBlockchains/images/BlockchainImages.pptx
@@ -12,6 +12,8 @@
     <p:sldId id="267" r:id="rId6"/>
     <p:sldId id="265" r:id="rId7"/>
     <p:sldId id="266" r:id="rId8"/>
+    <p:sldId id="268" r:id="rId9"/>
+    <p:sldId id="269" r:id="rId10"/>
   </p:sldIdLst>
   <p:sldSz cx="12192000" cy="6858000"/>
   <p:notesSz cx="6858000" cy="9144000"/>
@@ -112,7 +114,7 @@
   </p:defaultTextStyle>
   <p:extLst>
     <p:ext uri="{EFAFB233-063F-42B5-8137-9DF3F51BA10A}">
-      <p15:sldGuideLst xmlns:p15="http://schemas.microsoft.com/office/powerpoint/2012/main">
+      <p15:sldGuideLst xmlns:p15="http://schemas.microsoft.com/office/powerpoint/2012/main" xmlns="">
         <p15:guide id="1" orient="horz" pos="2160">
           <p15:clr>
             <a:srgbClr val="A4A3A4"/>
@@ -259,7 +261,7 @@
             <a:fld id="{C2F463EA-8CAB-49D9-9558-9A4296B1F92C}" type="datetimeFigureOut">
               <a:rPr lang="en-US" smtClean="0"/>
               <a:pPr/>
-              <a:t>10/29/2016</a:t>
+              <a:t>1/1/2018</a:t>
             </a:fld>
             <a:endParaRPr lang="en-US"/>
           </a:p>
@@ -302,7 +304,7 @@
             <a:fld id="{165AD92D-CA50-4C8A-BBB2-010E69FFC177}" type="slidenum">
               <a:rPr lang="en-US" smtClean="0"/>
               <a:pPr/>
-              <a:t>‹#›</a:t>
+              <a:t>‹Nº›</a:t>
             </a:fld>
             <a:endParaRPr lang="en-US"/>
           </a:p>
@@ -311,7 +313,7 @@
     </p:spTree>
     <p:extLst>
       <p:ext uri="{BB962C8B-B14F-4D97-AF65-F5344CB8AC3E}">
-        <p14:creationId xmlns:p14="http://schemas.microsoft.com/office/powerpoint/2010/main" val="3979571287"/>
+        <p14:creationId xmlns:p14="http://schemas.microsoft.com/office/powerpoint/2010/main" xmlns="" val="3979571287"/>
       </p:ext>
     </p:extLst>
   </p:cSld>
@@ -429,7 +431,7 @@
             <a:fld id="{C2F463EA-8CAB-49D9-9558-9A4296B1F92C}" type="datetimeFigureOut">
               <a:rPr lang="en-US" smtClean="0"/>
               <a:pPr/>
-              <a:t>10/29/2016</a:t>
+              <a:t>1/1/2018</a:t>
             </a:fld>
             <a:endParaRPr lang="en-US"/>
           </a:p>
@@ -472,7 +474,7 @@
             <a:fld id="{165AD92D-CA50-4C8A-BBB2-010E69FFC177}" type="slidenum">
               <a:rPr lang="en-US" smtClean="0"/>
               <a:pPr/>
-              <a:t>‹#›</a:t>
+              <a:t>‹Nº›</a:t>
             </a:fld>
             <a:endParaRPr lang="en-US"/>
           </a:p>
@@ -481,7 +483,7 @@
     </p:spTree>
     <p:extLst>
       <p:ext uri="{BB962C8B-B14F-4D97-AF65-F5344CB8AC3E}">
-        <p14:creationId xmlns:p14="http://schemas.microsoft.com/office/powerpoint/2010/main" val="2989747269"/>
+        <p14:creationId xmlns:p14="http://schemas.microsoft.com/office/powerpoint/2010/main" xmlns="" val="2989747269"/>
       </p:ext>
     </p:extLst>
   </p:cSld>
@@ -609,7 +611,7 @@
             <a:fld id="{C2F463EA-8CAB-49D9-9558-9A4296B1F92C}" type="datetimeFigureOut">
               <a:rPr lang="en-US" smtClean="0"/>
               <a:pPr/>
-              <a:t>10/29/2016</a:t>
+              <a:t>1/1/2018</a:t>
             </a:fld>
             <a:endParaRPr lang="en-US"/>
           </a:p>
@@ -652,7 +654,7 @@
             <a:fld id="{165AD92D-CA50-4C8A-BBB2-010E69FFC177}" type="slidenum">
               <a:rPr lang="en-US" smtClean="0"/>
               <a:pPr/>
-              <a:t>‹#›</a:t>
+              <a:t>‹Nº›</a:t>
             </a:fld>
             <a:endParaRPr lang="en-US"/>
           </a:p>
@@ -661,7 +663,7 @@
     </p:spTree>
     <p:extLst>
       <p:ext uri="{BB962C8B-B14F-4D97-AF65-F5344CB8AC3E}">
-        <p14:creationId xmlns:p14="http://schemas.microsoft.com/office/powerpoint/2010/main" val="1201660933"/>
+        <p14:creationId xmlns:p14="http://schemas.microsoft.com/office/powerpoint/2010/main" xmlns="" val="1201660933"/>
       </p:ext>
     </p:extLst>
   </p:cSld>
@@ -779,7 +781,7 @@
             <a:fld id="{C2F463EA-8CAB-49D9-9558-9A4296B1F92C}" type="datetimeFigureOut">
               <a:rPr lang="en-US" smtClean="0"/>
               <a:pPr/>
-              <a:t>10/29/2016</a:t>
+              <a:t>1/1/2018</a:t>
             </a:fld>
             <a:endParaRPr lang="en-US"/>
           </a:p>
@@ -822,7 +824,7 @@
             <a:fld id="{165AD92D-CA50-4C8A-BBB2-010E69FFC177}" type="slidenum">
               <a:rPr lang="en-US" smtClean="0"/>
               <a:pPr/>
-              <a:t>‹#›</a:t>
+              <a:t>‹Nº›</a:t>
             </a:fld>
             <a:endParaRPr lang="en-US"/>
           </a:p>
@@ -831,7 +833,7 @@
     </p:spTree>
     <p:extLst>
       <p:ext uri="{BB962C8B-B14F-4D97-AF65-F5344CB8AC3E}">
-        <p14:creationId xmlns:p14="http://schemas.microsoft.com/office/powerpoint/2010/main" val="4083079837"/>
+        <p14:creationId xmlns:p14="http://schemas.microsoft.com/office/powerpoint/2010/main" xmlns="" val="4083079837"/>
       </p:ext>
     </p:extLst>
   </p:cSld>
@@ -1026,7 +1028,7 @@
             <a:fld id="{C2F463EA-8CAB-49D9-9558-9A4296B1F92C}" type="datetimeFigureOut">
               <a:rPr lang="en-US" smtClean="0"/>
               <a:pPr/>
-              <a:t>10/29/2016</a:t>
+              <a:t>1/1/2018</a:t>
             </a:fld>
             <a:endParaRPr lang="en-US"/>
           </a:p>
@@ -1069,7 +1071,7 @@
             <a:fld id="{165AD92D-CA50-4C8A-BBB2-010E69FFC177}" type="slidenum">
               <a:rPr lang="en-US" smtClean="0"/>
               <a:pPr/>
-              <a:t>‹#›</a:t>
+              <a:t>‹Nº›</a:t>
             </a:fld>
             <a:endParaRPr lang="en-US"/>
           </a:p>
@@ -1078,7 +1080,7 @@
     </p:spTree>
     <p:extLst>
       <p:ext uri="{BB962C8B-B14F-4D97-AF65-F5344CB8AC3E}">
-        <p14:creationId xmlns:p14="http://schemas.microsoft.com/office/powerpoint/2010/main" val="651220028"/>
+        <p14:creationId xmlns:p14="http://schemas.microsoft.com/office/powerpoint/2010/main" xmlns="" val="651220028"/>
       </p:ext>
     </p:extLst>
   </p:cSld>
@@ -1257,7 +1259,7 @@
             <a:fld id="{C2F463EA-8CAB-49D9-9558-9A4296B1F92C}" type="datetimeFigureOut">
               <a:rPr lang="en-US" smtClean="0"/>
               <a:pPr/>
-              <a:t>10/29/2016</a:t>
+              <a:t>1/1/2018</a:t>
             </a:fld>
             <a:endParaRPr lang="en-US"/>
           </a:p>
@@ -1300,7 +1302,7 @@
             <a:fld id="{165AD92D-CA50-4C8A-BBB2-010E69FFC177}" type="slidenum">
               <a:rPr lang="en-US" smtClean="0"/>
               <a:pPr/>
-              <a:t>‹#›</a:t>
+              <a:t>‹Nº›</a:t>
             </a:fld>
             <a:endParaRPr lang="en-US"/>
           </a:p>
@@ -1309,7 +1311,7 @@
     </p:spTree>
     <p:extLst>
       <p:ext uri="{BB962C8B-B14F-4D97-AF65-F5344CB8AC3E}">
-        <p14:creationId xmlns:p14="http://schemas.microsoft.com/office/powerpoint/2010/main" val="1027071935"/>
+        <p14:creationId xmlns:p14="http://schemas.microsoft.com/office/powerpoint/2010/main" xmlns="" val="1027071935"/>
       </p:ext>
     </p:extLst>
   </p:cSld>
@@ -1623,7 +1625,7 @@
             <a:fld id="{C2F463EA-8CAB-49D9-9558-9A4296B1F92C}" type="datetimeFigureOut">
               <a:rPr lang="en-US" smtClean="0"/>
               <a:pPr/>
-              <a:t>10/29/2016</a:t>
+              <a:t>1/1/2018</a:t>
             </a:fld>
             <a:endParaRPr lang="en-US"/>
           </a:p>
@@ -1666,7 +1668,7 @@
             <a:fld id="{165AD92D-CA50-4C8A-BBB2-010E69FFC177}" type="slidenum">
               <a:rPr lang="en-US" smtClean="0"/>
               <a:pPr/>
-              <a:t>‹#›</a:t>
+              <a:t>‹Nº›</a:t>
             </a:fld>
             <a:endParaRPr lang="en-US"/>
           </a:p>
@@ -1675,7 +1677,7 @@
     </p:spTree>
     <p:extLst>
       <p:ext uri="{BB962C8B-B14F-4D97-AF65-F5344CB8AC3E}">
-        <p14:creationId xmlns:p14="http://schemas.microsoft.com/office/powerpoint/2010/main" val="3380373450"/>
+        <p14:creationId xmlns:p14="http://schemas.microsoft.com/office/powerpoint/2010/main" xmlns="" val="3380373450"/>
       </p:ext>
     </p:extLst>
   </p:cSld>
@@ -1742,7 +1744,7 @@
             <a:fld id="{C2F463EA-8CAB-49D9-9558-9A4296B1F92C}" type="datetimeFigureOut">
               <a:rPr lang="en-US" smtClean="0"/>
               <a:pPr/>
-              <a:t>10/29/2016</a:t>
+              <a:t>1/1/2018</a:t>
             </a:fld>
             <a:endParaRPr lang="en-US"/>
           </a:p>
@@ -1785,7 +1787,7 @@
             <a:fld id="{165AD92D-CA50-4C8A-BBB2-010E69FFC177}" type="slidenum">
               <a:rPr lang="en-US" smtClean="0"/>
               <a:pPr/>
-              <a:t>‹#›</a:t>
+              <a:t>‹Nº›</a:t>
             </a:fld>
             <a:endParaRPr lang="en-US"/>
           </a:p>
@@ -1794,7 +1796,7 @@
     </p:spTree>
     <p:extLst>
       <p:ext uri="{BB962C8B-B14F-4D97-AF65-F5344CB8AC3E}">
-        <p14:creationId xmlns:p14="http://schemas.microsoft.com/office/powerpoint/2010/main" val="2966097024"/>
+        <p14:creationId xmlns:p14="http://schemas.microsoft.com/office/powerpoint/2010/main" xmlns="" val="2966097024"/>
       </p:ext>
     </p:extLst>
   </p:cSld>
@@ -1839,7 +1841,7 @@
             <a:fld id="{C2F463EA-8CAB-49D9-9558-9A4296B1F92C}" type="datetimeFigureOut">
               <a:rPr lang="en-US" smtClean="0"/>
               <a:pPr/>
-              <a:t>10/29/2016</a:t>
+              <a:t>1/1/2018</a:t>
             </a:fld>
             <a:endParaRPr lang="en-US"/>
           </a:p>
@@ -1882,7 +1884,7 @@
             <a:fld id="{165AD92D-CA50-4C8A-BBB2-010E69FFC177}" type="slidenum">
               <a:rPr lang="en-US" smtClean="0"/>
               <a:pPr/>
-              <a:t>‹#›</a:t>
+              <a:t>‹Nº›</a:t>
             </a:fld>
             <a:endParaRPr lang="en-US"/>
           </a:p>
@@ -1891,7 +1893,7 @@
     </p:spTree>
     <p:extLst>
       <p:ext uri="{BB962C8B-B14F-4D97-AF65-F5344CB8AC3E}">
-        <p14:creationId xmlns:p14="http://schemas.microsoft.com/office/powerpoint/2010/main" val="2175806723"/>
+        <p14:creationId xmlns:p14="http://schemas.microsoft.com/office/powerpoint/2010/main" xmlns="" val="2175806723"/>
       </p:ext>
     </p:extLst>
   </p:cSld>
@@ -2116,7 +2118,7 @@
             <a:fld id="{C2F463EA-8CAB-49D9-9558-9A4296B1F92C}" type="datetimeFigureOut">
               <a:rPr lang="en-US" smtClean="0"/>
               <a:pPr/>
-              <a:t>10/29/2016</a:t>
+              <a:t>1/1/2018</a:t>
             </a:fld>
             <a:endParaRPr lang="en-US"/>
           </a:p>
@@ -2159,7 +2161,7 @@
             <a:fld id="{165AD92D-CA50-4C8A-BBB2-010E69FFC177}" type="slidenum">
               <a:rPr lang="en-US" smtClean="0"/>
               <a:pPr/>
-              <a:t>‹#›</a:t>
+              <a:t>‹Nº›</a:t>
             </a:fld>
             <a:endParaRPr lang="en-US"/>
           </a:p>
@@ -2168,7 +2170,7 @@
     </p:spTree>
     <p:extLst>
       <p:ext uri="{BB962C8B-B14F-4D97-AF65-F5344CB8AC3E}">
-        <p14:creationId xmlns:p14="http://schemas.microsoft.com/office/powerpoint/2010/main" val="2109584863"/>
+        <p14:creationId xmlns:p14="http://schemas.microsoft.com/office/powerpoint/2010/main" xmlns="" val="2109584863"/>
       </p:ext>
     </p:extLst>
   </p:cSld>
@@ -2370,7 +2372,7 @@
             <a:fld id="{C2F463EA-8CAB-49D9-9558-9A4296B1F92C}" type="datetimeFigureOut">
               <a:rPr lang="en-US" smtClean="0"/>
               <a:pPr/>
-              <a:t>10/29/2016</a:t>
+              <a:t>1/1/2018</a:t>
             </a:fld>
             <a:endParaRPr lang="en-US"/>
           </a:p>
@@ -2413,7 +2415,7 @@
             <a:fld id="{165AD92D-CA50-4C8A-BBB2-010E69FFC177}" type="slidenum">
               <a:rPr lang="en-US" smtClean="0"/>
               <a:pPr/>
-              <a:t>‹#›</a:t>
+              <a:t>‹Nº›</a:t>
             </a:fld>
             <a:endParaRPr lang="en-US"/>
           </a:p>
@@ -2422,7 +2424,7 @@
     </p:spTree>
     <p:extLst>
       <p:ext uri="{BB962C8B-B14F-4D97-AF65-F5344CB8AC3E}">
-        <p14:creationId xmlns:p14="http://schemas.microsoft.com/office/powerpoint/2010/main" val="874225097"/>
+        <p14:creationId xmlns:p14="http://schemas.microsoft.com/office/powerpoint/2010/main" xmlns="" val="874225097"/>
       </p:ext>
     </p:extLst>
   </p:cSld>
@@ -2583,7 +2585,7 @@
             <a:fld id="{C2F463EA-8CAB-49D9-9558-9A4296B1F92C}" type="datetimeFigureOut">
               <a:rPr lang="en-US" smtClean="0"/>
               <a:pPr/>
-              <a:t>10/29/2016</a:t>
+              <a:t>1/1/2018</a:t>
             </a:fld>
             <a:endParaRPr lang="en-US"/>
           </a:p>
@@ -2662,7 +2664,7 @@
             <a:fld id="{165AD92D-CA50-4C8A-BBB2-010E69FFC177}" type="slidenum">
               <a:rPr lang="en-US" smtClean="0"/>
               <a:pPr/>
-              <a:t>‹#›</a:t>
+              <a:t>‹Nº›</a:t>
             </a:fld>
             <a:endParaRPr lang="en-US"/>
           </a:p>
@@ -2671,7 +2673,7 @@
     </p:spTree>
     <p:extLst>
       <p:ext uri="{BB962C8B-B14F-4D97-AF65-F5344CB8AC3E}">
-        <p14:creationId xmlns:p14="http://schemas.microsoft.com/office/powerpoint/2010/main" val="1667871935"/>
+        <p14:creationId xmlns:p14="http://schemas.microsoft.com/office/powerpoint/2010/main" xmlns="" val="1667871935"/>
       </p:ext>
     </p:extLst>
   </p:cSld>
@@ -3499,6 +3501,13 @@
   <p:clrMapOvr>
     <a:masterClrMapping/>
   </p:clrMapOvr>
+  <p:timing>
+    <p:tnLst>
+      <p:par>
+        <p:cTn id="1" dur="indefinite" restart="never" nodeType="tmRoot"/>
+      </p:par>
+    </p:tnLst>
+  </p:timing>
 </p:sld>
 </file>
 
@@ -4290,13 +4299,20 @@
     </p:spTree>
     <p:extLst>
       <p:ext uri="{BB962C8B-B14F-4D97-AF65-F5344CB8AC3E}">
-        <p14:creationId xmlns:p14="http://schemas.microsoft.com/office/powerpoint/2010/main" val="2899344581"/>
+        <p14:creationId xmlns:p14="http://schemas.microsoft.com/office/powerpoint/2010/main" xmlns="" val="2899344581"/>
       </p:ext>
     </p:extLst>
   </p:cSld>
   <p:clrMapOvr>
     <a:masterClrMapping/>
   </p:clrMapOvr>
+  <p:timing>
+    <p:tnLst>
+      <p:par>
+        <p:cTn id="1" dur="indefinite" restart="never" nodeType="tmRoot"/>
+      </p:par>
+    </p:tnLst>
+  </p:timing>
 </p:sld>
 </file>
 
@@ -5092,7 +5108,7 @@
     </p:spTree>
     <p:extLst>
       <p:ext uri="{BB962C8B-B14F-4D97-AF65-F5344CB8AC3E}">
-        <p14:creationId xmlns:p14="http://schemas.microsoft.com/office/powerpoint/2010/main" val="518410028"/>
+        <p14:creationId xmlns:p14="http://schemas.microsoft.com/office/powerpoint/2010/main" xmlns="" val="518410028"/>
       </p:ext>
     </p:extLst>
   </p:cSld>
@@ -5669,7 +5685,7 @@
     </p:spTree>
     <p:extLst>
       <p:ext uri="{BB962C8B-B14F-4D97-AF65-F5344CB8AC3E}">
-        <p14:creationId xmlns:p14="http://schemas.microsoft.com/office/powerpoint/2010/main" val="547407720"/>
+        <p14:creationId xmlns:p14="http://schemas.microsoft.com/office/powerpoint/2010/main" xmlns="" val="547407720"/>
       </p:ext>
     </p:extLst>
   </p:cSld>
@@ -6037,7 +6053,7 @@
     </p:spTree>
     <p:extLst>
       <p:ext uri="{BB962C8B-B14F-4D97-AF65-F5344CB8AC3E}">
-        <p14:creationId xmlns:p14="http://schemas.microsoft.com/office/powerpoint/2010/main" val="3355114092"/>
+        <p14:creationId xmlns:p14="http://schemas.microsoft.com/office/powerpoint/2010/main" xmlns="" val="3355114092"/>
       </p:ext>
     </p:extLst>
   </p:cSld>
@@ -7171,7 +7187,7 @@
     </p:spTree>
     <p:extLst>
       <p:ext uri="{BB962C8B-B14F-4D97-AF65-F5344CB8AC3E}">
-        <p14:creationId xmlns:p14="http://schemas.microsoft.com/office/powerpoint/2010/main" val="1577733768"/>
+        <p14:creationId xmlns:p14="http://schemas.microsoft.com/office/powerpoint/2010/main" xmlns="" val="1577733768"/>
       </p:ext>
     </p:extLst>
   </p:cSld>
@@ -8040,13 +8056,4840 @@
     </p:spTree>
     <p:extLst>
       <p:ext uri="{BB962C8B-B14F-4D97-AF65-F5344CB8AC3E}">
-        <p14:creationId xmlns:p14="http://schemas.microsoft.com/office/powerpoint/2010/main" val="3931722828"/>
+        <p14:creationId xmlns:p14="http://schemas.microsoft.com/office/powerpoint/2010/main" xmlns="" val="3931722828"/>
       </p:ext>
     </p:extLst>
   </p:cSld>
   <p:clrMapOvr>
     <a:masterClrMapping/>
   </p:clrMapOvr>
+</p:sld>
+</file>
+
+<file path=ppt/slides/slide8.xml><?xml version="1.0" encoding="utf-8"?>
+<p:sld xmlns:a="http://schemas.openxmlformats.org/drawingml/2006/main" xmlns:r="http://schemas.openxmlformats.org/officeDocument/2006/relationships" xmlns:p="http://schemas.openxmlformats.org/presentationml/2006/main">
+  <p:cSld>
+    <p:spTree>
+      <p:nvGrpSpPr>
+        <p:cNvPr id="1" name=""/>
+        <p:cNvGrpSpPr/>
+        <p:nvPr/>
+      </p:nvGrpSpPr>
+      <p:grpSpPr>
+        <a:xfrm>
+          <a:off x="0" y="0"/>
+          <a:ext cx="0" cy="0"/>
+          <a:chOff x="0" y="0"/>
+          <a:chExt cx="0" cy="0"/>
+        </a:xfrm>
+      </p:grpSpPr>
+      <p:sp>
+        <p:nvSpPr>
+          <p:cNvPr id="70" name="69 Rectángulo"/>
+          <p:cNvSpPr/>
+          <p:nvPr/>
+        </p:nvSpPr>
+        <p:spPr>
+          <a:xfrm>
+            <a:off x="2768990" y="4611858"/>
+            <a:ext cx="5430129" cy="1041009"/>
+          </a:xfrm>
+          <a:prstGeom prst="rect">
+            <a:avLst/>
+          </a:prstGeom>
+          <a:solidFill>
+            <a:schemeClr val="accent6">
+              <a:lumMod val="20000"/>
+              <a:lumOff val="80000"/>
+            </a:schemeClr>
+          </a:solidFill>
+        </p:spPr>
+        <p:style>
+          <a:lnRef idx="2">
+            <a:schemeClr val="accent1">
+              <a:shade val="50000"/>
+            </a:schemeClr>
+          </a:lnRef>
+          <a:fillRef idx="1">
+            <a:schemeClr val="accent1"/>
+          </a:fillRef>
+          <a:effectRef idx="0">
+            <a:schemeClr val="accent1"/>
+          </a:effectRef>
+          <a:fontRef idx="minor">
+            <a:schemeClr val="lt1"/>
+          </a:fontRef>
+        </p:style>
+        <p:txBody>
+          <a:bodyPr rtlCol="0" anchor="ctr"/>
+          <a:lstStyle/>
+          <a:p>
+            <a:pPr algn="ctr"/>
+            <a:endParaRPr lang="en-US"/>
+          </a:p>
+        </p:txBody>
+      </p:sp>
+      <p:sp>
+        <p:nvSpPr>
+          <p:cNvPr id="69" name="68 Rectángulo"/>
+          <p:cNvSpPr/>
+          <p:nvPr/>
+        </p:nvSpPr>
+        <p:spPr>
+          <a:xfrm>
+            <a:off x="2785403" y="759655"/>
+            <a:ext cx="5430129" cy="1041009"/>
+          </a:xfrm>
+          <a:prstGeom prst="rect">
+            <a:avLst/>
+          </a:prstGeom>
+          <a:solidFill>
+            <a:schemeClr val="accent1">
+              <a:lumMod val="20000"/>
+              <a:lumOff val="80000"/>
+            </a:schemeClr>
+          </a:solidFill>
+        </p:spPr>
+        <p:style>
+          <a:lnRef idx="2">
+            <a:schemeClr val="accent1">
+              <a:shade val="50000"/>
+            </a:schemeClr>
+          </a:lnRef>
+          <a:fillRef idx="1">
+            <a:schemeClr val="accent1"/>
+          </a:fillRef>
+          <a:effectRef idx="0">
+            <a:schemeClr val="accent1"/>
+          </a:effectRef>
+          <a:fontRef idx="minor">
+            <a:schemeClr val="lt1"/>
+          </a:fontRef>
+        </p:style>
+        <p:txBody>
+          <a:bodyPr rtlCol="0" anchor="ctr"/>
+          <a:lstStyle/>
+          <a:p>
+            <a:pPr algn="ctr"/>
+            <a:endParaRPr lang="en-US"/>
+          </a:p>
+        </p:txBody>
+      </p:sp>
+      <p:grpSp>
+        <p:nvGrpSpPr>
+          <p:cNvPr id="3" name="2 Grupo"/>
+          <p:cNvGrpSpPr/>
+          <p:nvPr/>
+        </p:nvGrpSpPr>
+        <p:grpSpPr>
+          <a:xfrm>
+            <a:off x="3242096" y="1001976"/>
+            <a:ext cx="1143000" cy="501805"/>
+            <a:chOff x="1807192" y="1001976"/>
+            <a:chExt cx="1143000" cy="501805"/>
+          </a:xfrm>
+        </p:grpSpPr>
+        <p:sp>
+          <p:nvSpPr>
+            <p:cNvPr id="4" name="3 Rectángulo"/>
+            <p:cNvSpPr/>
+            <p:nvPr/>
+          </p:nvSpPr>
+          <p:spPr>
+            <a:xfrm flipH="1">
+              <a:off x="1807192" y="1001976"/>
+              <a:ext cx="1143000" cy="501805"/>
+            </a:xfrm>
+            <a:prstGeom prst="rect">
+              <a:avLst/>
+            </a:prstGeom>
+            <a:solidFill>
+              <a:schemeClr val="accent1">
+                <a:lumMod val="40000"/>
+                <a:lumOff val="60000"/>
+              </a:schemeClr>
+            </a:solidFill>
+            <a:ln>
+              <a:solidFill>
+                <a:schemeClr val="tx2"/>
+              </a:solidFill>
+            </a:ln>
+          </p:spPr>
+          <p:style>
+            <a:lnRef idx="2">
+              <a:schemeClr val="accent6"/>
+            </a:lnRef>
+            <a:fillRef idx="1">
+              <a:schemeClr val="lt1"/>
+            </a:fillRef>
+            <a:effectRef idx="0">
+              <a:schemeClr val="accent6"/>
+            </a:effectRef>
+            <a:fontRef idx="minor">
+              <a:schemeClr val="dk1"/>
+            </a:fontRef>
+          </p:style>
+          <p:txBody>
+            <a:bodyPr rtlCol="0" anchor="ctr"/>
+            <a:lstStyle/>
+            <a:p>
+              <a:pPr algn="ctr"/>
+              <a:endParaRPr lang="en-US"/>
+            </a:p>
+          </p:txBody>
+        </p:sp>
+        <p:sp>
+          <p:nvSpPr>
+            <p:cNvPr id="5" name="4 Rectángulo"/>
+            <p:cNvSpPr/>
+            <p:nvPr/>
+          </p:nvSpPr>
+          <p:spPr>
+            <a:xfrm flipH="1">
+              <a:off x="1807192" y="1140728"/>
+              <a:ext cx="68580" cy="228600"/>
+            </a:xfrm>
+            <a:prstGeom prst="rect">
+              <a:avLst/>
+            </a:prstGeom>
+            <a:solidFill>
+              <a:schemeClr val="tx2">
+                <a:lumMod val="60000"/>
+                <a:lumOff val="40000"/>
+              </a:schemeClr>
+            </a:solidFill>
+          </p:spPr>
+          <p:style>
+            <a:lnRef idx="2">
+              <a:schemeClr val="accent1">
+                <a:shade val="50000"/>
+              </a:schemeClr>
+            </a:lnRef>
+            <a:fillRef idx="1">
+              <a:schemeClr val="accent1"/>
+            </a:fillRef>
+            <a:effectRef idx="0">
+              <a:schemeClr val="accent1"/>
+            </a:effectRef>
+            <a:fontRef idx="minor">
+              <a:schemeClr val="lt1"/>
+            </a:fontRef>
+          </p:style>
+          <p:txBody>
+            <a:bodyPr rtlCol="0" anchor="ctr"/>
+            <a:lstStyle/>
+            <a:p>
+              <a:pPr algn="ctr"/>
+              <a:endParaRPr lang="en-US"/>
+            </a:p>
+          </p:txBody>
+        </p:sp>
+        <p:sp>
+          <p:nvSpPr>
+            <p:cNvPr id="6" name="5 Rectángulo"/>
+            <p:cNvSpPr/>
+            <p:nvPr/>
+          </p:nvSpPr>
+          <p:spPr>
+            <a:xfrm flipH="1">
+              <a:off x="2092656" y="1056568"/>
+              <a:ext cx="71438" cy="381000"/>
+            </a:xfrm>
+            <a:prstGeom prst="rect">
+              <a:avLst/>
+            </a:prstGeom>
+            <a:solidFill>
+              <a:schemeClr val="tx2">
+                <a:lumMod val="60000"/>
+                <a:lumOff val="40000"/>
+              </a:schemeClr>
+            </a:solidFill>
+          </p:spPr>
+          <p:style>
+            <a:lnRef idx="2">
+              <a:schemeClr val="accent1">
+                <a:shade val="50000"/>
+              </a:schemeClr>
+            </a:lnRef>
+            <a:fillRef idx="1">
+              <a:schemeClr val="accent1"/>
+            </a:fillRef>
+            <a:effectRef idx="0">
+              <a:schemeClr val="accent1"/>
+            </a:effectRef>
+            <a:fontRef idx="minor">
+              <a:schemeClr val="lt1"/>
+            </a:fontRef>
+          </p:style>
+          <p:txBody>
+            <a:bodyPr rtlCol="0" anchor="ctr"/>
+            <a:lstStyle/>
+            <a:p>
+              <a:pPr algn="ctr"/>
+              <a:endParaRPr lang="en-US"/>
+            </a:p>
+          </p:txBody>
+        </p:sp>
+        <p:sp>
+          <p:nvSpPr>
+            <p:cNvPr id="7" name="6 Rectángulo"/>
+            <p:cNvSpPr/>
+            <p:nvPr/>
+          </p:nvSpPr>
+          <p:spPr>
+            <a:xfrm flipH="1">
+              <a:off x="2196152" y="1056568"/>
+              <a:ext cx="71438" cy="381000"/>
+            </a:xfrm>
+            <a:prstGeom prst="rect">
+              <a:avLst/>
+            </a:prstGeom>
+            <a:solidFill>
+              <a:schemeClr val="tx2">
+                <a:lumMod val="60000"/>
+                <a:lumOff val="40000"/>
+              </a:schemeClr>
+            </a:solidFill>
+          </p:spPr>
+          <p:style>
+            <a:lnRef idx="2">
+              <a:schemeClr val="accent1">
+                <a:shade val="50000"/>
+              </a:schemeClr>
+            </a:lnRef>
+            <a:fillRef idx="1">
+              <a:schemeClr val="accent1"/>
+            </a:fillRef>
+            <a:effectRef idx="0">
+              <a:schemeClr val="accent1"/>
+            </a:effectRef>
+            <a:fontRef idx="minor">
+              <a:schemeClr val="lt1"/>
+            </a:fontRef>
+          </p:style>
+          <p:txBody>
+            <a:bodyPr rtlCol="0" anchor="ctr"/>
+            <a:lstStyle/>
+            <a:p>
+              <a:pPr algn="ctr"/>
+              <a:endParaRPr lang="en-US"/>
+            </a:p>
+          </p:txBody>
+        </p:sp>
+        <p:sp>
+          <p:nvSpPr>
+            <p:cNvPr id="8" name="7 Rectángulo"/>
+            <p:cNvSpPr/>
+            <p:nvPr/>
+          </p:nvSpPr>
+          <p:spPr>
+            <a:xfrm flipH="1">
+              <a:off x="2293960" y="1050880"/>
+              <a:ext cx="71438" cy="381000"/>
+            </a:xfrm>
+            <a:prstGeom prst="rect">
+              <a:avLst/>
+            </a:prstGeom>
+            <a:solidFill>
+              <a:schemeClr val="tx2">
+                <a:lumMod val="60000"/>
+                <a:lumOff val="40000"/>
+              </a:schemeClr>
+            </a:solidFill>
+          </p:spPr>
+          <p:style>
+            <a:lnRef idx="2">
+              <a:schemeClr val="accent1">
+                <a:shade val="50000"/>
+              </a:schemeClr>
+            </a:lnRef>
+            <a:fillRef idx="1">
+              <a:schemeClr val="accent1"/>
+            </a:fillRef>
+            <a:effectRef idx="0">
+              <a:schemeClr val="accent1"/>
+            </a:effectRef>
+            <a:fontRef idx="minor">
+              <a:schemeClr val="lt1"/>
+            </a:fontRef>
+          </p:style>
+          <p:txBody>
+            <a:bodyPr rtlCol="0" anchor="ctr"/>
+            <a:lstStyle/>
+            <a:p>
+              <a:pPr algn="ctr"/>
+              <a:endParaRPr lang="en-US"/>
+            </a:p>
+          </p:txBody>
+        </p:sp>
+        <p:sp>
+          <p:nvSpPr>
+            <p:cNvPr id="9" name="8 Rectángulo"/>
+            <p:cNvSpPr/>
+            <p:nvPr/>
+          </p:nvSpPr>
+          <p:spPr>
+            <a:xfrm flipH="1">
+              <a:off x="2383808" y="1050880"/>
+              <a:ext cx="71438" cy="381000"/>
+            </a:xfrm>
+            <a:prstGeom prst="rect">
+              <a:avLst/>
+            </a:prstGeom>
+            <a:solidFill>
+              <a:schemeClr val="tx2">
+                <a:lumMod val="60000"/>
+                <a:lumOff val="40000"/>
+              </a:schemeClr>
+            </a:solidFill>
+          </p:spPr>
+          <p:style>
+            <a:lnRef idx="2">
+              <a:schemeClr val="accent1">
+                <a:shade val="50000"/>
+              </a:schemeClr>
+            </a:lnRef>
+            <a:fillRef idx="1">
+              <a:schemeClr val="accent1"/>
+            </a:fillRef>
+            <a:effectRef idx="0">
+              <a:schemeClr val="accent1"/>
+            </a:effectRef>
+            <a:fontRef idx="minor">
+              <a:schemeClr val="lt1"/>
+            </a:fontRef>
+          </p:style>
+          <p:txBody>
+            <a:bodyPr rtlCol="0" anchor="ctr"/>
+            <a:lstStyle/>
+            <a:p>
+              <a:pPr algn="ctr"/>
+              <a:endParaRPr lang="en-US"/>
+            </a:p>
+          </p:txBody>
+        </p:sp>
+        <p:sp>
+          <p:nvSpPr>
+            <p:cNvPr id="10" name="9 Rectángulo"/>
+            <p:cNvSpPr/>
+            <p:nvPr/>
+          </p:nvSpPr>
+          <p:spPr>
+            <a:xfrm flipH="1">
+              <a:off x="2473656" y="1050880"/>
+              <a:ext cx="71438" cy="381000"/>
+            </a:xfrm>
+            <a:prstGeom prst="rect">
+              <a:avLst/>
+            </a:prstGeom>
+            <a:solidFill>
+              <a:schemeClr val="tx2">
+                <a:lumMod val="60000"/>
+                <a:lumOff val="40000"/>
+              </a:schemeClr>
+            </a:solidFill>
+          </p:spPr>
+          <p:style>
+            <a:lnRef idx="2">
+              <a:schemeClr val="accent1">
+                <a:shade val="50000"/>
+              </a:schemeClr>
+            </a:lnRef>
+            <a:fillRef idx="1">
+              <a:schemeClr val="accent1"/>
+            </a:fillRef>
+            <a:effectRef idx="0">
+              <a:schemeClr val="accent1"/>
+            </a:effectRef>
+            <a:fontRef idx="minor">
+              <a:schemeClr val="lt1"/>
+            </a:fontRef>
+          </p:style>
+          <p:txBody>
+            <a:bodyPr rtlCol="0" anchor="ctr"/>
+            <a:lstStyle/>
+            <a:p>
+              <a:pPr algn="ctr"/>
+              <a:endParaRPr lang="en-US"/>
+            </a:p>
+          </p:txBody>
+        </p:sp>
+        <p:sp>
+          <p:nvSpPr>
+            <p:cNvPr id="11" name="10 Rectángulo"/>
+            <p:cNvSpPr/>
+            <p:nvPr/>
+          </p:nvSpPr>
+          <p:spPr>
+            <a:xfrm flipH="1">
+              <a:off x="2571464" y="1050880"/>
+              <a:ext cx="71438" cy="381000"/>
+            </a:xfrm>
+            <a:prstGeom prst="rect">
+              <a:avLst/>
+            </a:prstGeom>
+            <a:solidFill>
+              <a:schemeClr val="tx2">
+                <a:lumMod val="60000"/>
+                <a:lumOff val="40000"/>
+              </a:schemeClr>
+            </a:solidFill>
+          </p:spPr>
+          <p:style>
+            <a:lnRef idx="2">
+              <a:schemeClr val="accent1">
+                <a:shade val="50000"/>
+              </a:schemeClr>
+            </a:lnRef>
+            <a:fillRef idx="1">
+              <a:schemeClr val="accent1"/>
+            </a:fillRef>
+            <a:effectRef idx="0">
+              <a:schemeClr val="accent1"/>
+            </a:effectRef>
+            <a:fontRef idx="minor">
+              <a:schemeClr val="lt1"/>
+            </a:fontRef>
+          </p:style>
+          <p:txBody>
+            <a:bodyPr rtlCol="0" anchor="ctr"/>
+            <a:lstStyle/>
+            <a:p>
+              <a:pPr algn="ctr"/>
+              <a:endParaRPr lang="en-US"/>
+            </a:p>
+          </p:txBody>
+        </p:sp>
+        <p:sp>
+          <p:nvSpPr>
+            <p:cNvPr id="12" name="11 Rectángulo"/>
+            <p:cNvSpPr/>
+            <p:nvPr/>
+          </p:nvSpPr>
+          <p:spPr>
+            <a:xfrm flipH="1">
+              <a:off x="2674960" y="1050880"/>
+              <a:ext cx="71438" cy="381000"/>
+            </a:xfrm>
+            <a:prstGeom prst="rect">
+              <a:avLst/>
+            </a:prstGeom>
+            <a:solidFill>
+              <a:schemeClr val="tx2">
+                <a:lumMod val="60000"/>
+                <a:lumOff val="40000"/>
+              </a:schemeClr>
+            </a:solidFill>
+          </p:spPr>
+          <p:style>
+            <a:lnRef idx="2">
+              <a:schemeClr val="accent1">
+                <a:shade val="50000"/>
+              </a:schemeClr>
+            </a:lnRef>
+            <a:fillRef idx="1">
+              <a:schemeClr val="accent1"/>
+            </a:fillRef>
+            <a:effectRef idx="0">
+              <a:schemeClr val="accent1"/>
+            </a:effectRef>
+            <a:fontRef idx="minor">
+              <a:schemeClr val="lt1"/>
+            </a:fontRef>
+          </p:style>
+          <p:txBody>
+            <a:bodyPr rtlCol="0" anchor="ctr"/>
+            <a:lstStyle/>
+            <a:p>
+              <a:pPr algn="ctr"/>
+              <a:endParaRPr lang="en-US"/>
+            </a:p>
+          </p:txBody>
+        </p:sp>
+      </p:grpSp>
+      <p:cxnSp>
+        <p:nvCxnSpPr>
+          <p:cNvPr id="13" name="12 Conector recto de flecha"/>
+          <p:cNvCxnSpPr>
+            <a:stCxn id="5" idx="3"/>
+          </p:cNvCxnSpPr>
+          <p:nvPr/>
+        </p:nvCxnSpPr>
+        <p:spPr>
+          <a:xfrm flipH="1" flipV="1">
+            <a:off x="2958904" y="1230576"/>
+            <a:ext cx="283192" cy="24452"/>
+          </a:xfrm>
+          <a:prstGeom prst="straightConnector1">
+            <a:avLst/>
+          </a:prstGeom>
+          <a:ln>
+            <a:tailEnd type="arrow"/>
+          </a:ln>
+        </p:spPr>
+        <p:style>
+          <a:lnRef idx="1">
+            <a:schemeClr val="accent1"/>
+          </a:lnRef>
+          <a:fillRef idx="0">
+            <a:schemeClr val="accent1"/>
+          </a:fillRef>
+          <a:effectRef idx="0">
+            <a:schemeClr val="accent1"/>
+          </a:effectRef>
+          <a:fontRef idx="minor">
+            <a:schemeClr val="tx1"/>
+          </a:fontRef>
+        </p:style>
+      </p:cxnSp>
+      <p:cxnSp>
+        <p:nvCxnSpPr>
+          <p:cNvPr id="14" name="13 Conector recto de flecha"/>
+          <p:cNvCxnSpPr>
+            <a:endCxn id="4" idx="1"/>
+          </p:cNvCxnSpPr>
+          <p:nvPr/>
+        </p:nvCxnSpPr>
+        <p:spPr>
+          <a:xfrm flipH="1" flipV="1">
+            <a:off x="4385096" y="1252879"/>
+            <a:ext cx="478808" cy="2149"/>
+          </a:xfrm>
+          <a:prstGeom prst="straightConnector1">
+            <a:avLst/>
+          </a:prstGeom>
+          <a:ln>
+            <a:tailEnd type="arrow"/>
+          </a:ln>
+        </p:spPr>
+        <p:style>
+          <a:lnRef idx="1">
+            <a:schemeClr val="accent1"/>
+          </a:lnRef>
+          <a:fillRef idx="0">
+            <a:schemeClr val="accent1"/>
+          </a:fillRef>
+          <a:effectRef idx="0">
+            <a:schemeClr val="accent1"/>
+          </a:effectRef>
+          <a:fontRef idx="minor">
+            <a:schemeClr val="tx1"/>
+          </a:fontRef>
+        </p:style>
+      </p:cxnSp>
+      <p:cxnSp>
+        <p:nvCxnSpPr>
+          <p:cNvPr id="15" name="14 Conector recto de flecha"/>
+          <p:cNvCxnSpPr/>
+          <p:nvPr/>
+        </p:nvCxnSpPr>
+        <p:spPr>
+          <a:xfrm flipH="1">
+            <a:off x="6006904" y="1241380"/>
+            <a:ext cx="457200" cy="11499"/>
+          </a:xfrm>
+          <a:prstGeom prst="straightConnector1">
+            <a:avLst/>
+          </a:prstGeom>
+          <a:ln>
+            <a:tailEnd type="arrow"/>
+          </a:ln>
+        </p:spPr>
+        <p:style>
+          <a:lnRef idx="1">
+            <a:schemeClr val="accent1"/>
+          </a:lnRef>
+          <a:fillRef idx="0">
+            <a:schemeClr val="accent1"/>
+          </a:fillRef>
+          <a:effectRef idx="0">
+            <a:schemeClr val="accent1"/>
+          </a:effectRef>
+          <a:fontRef idx="minor">
+            <a:schemeClr val="tx1"/>
+          </a:fontRef>
+        </p:style>
+      </p:cxnSp>
+      <p:grpSp>
+        <p:nvGrpSpPr>
+          <p:cNvPr id="16" name="15 Grupo"/>
+          <p:cNvGrpSpPr/>
+          <p:nvPr/>
+        </p:nvGrpSpPr>
+        <p:grpSpPr>
+          <a:xfrm>
+            <a:off x="3187505" y="4929553"/>
+            <a:ext cx="1143000" cy="501805"/>
+            <a:chOff x="1752600" y="1905000"/>
+            <a:chExt cx="1143000" cy="501805"/>
+          </a:xfrm>
+        </p:grpSpPr>
+        <p:sp>
+          <p:nvSpPr>
+            <p:cNvPr id="17" name="16 Rectángulo"/>
+            <p:cNvSpPr/>
+            <p:nvPr/>
+          </p:nvSpPr>
+          <p:spPr>
+            <a:xfrm flipH="1">
+              <a:off x="1752600" y="1905000"/>
+              <a:ext cx="1143000" cy="501805"/>
+            </a:xfrm>
+            <a:prstGeom prst="rect">
+              <a:avLst/>
+            </a:prstGeom>
+            <a:solidFill>
+              <a:schemeClr val="accent3">
+                <a:lumMod val="40000"/>
+                <a:lumOff val="60000"/>
+              </a:schemeClr>
+            </a:solidFill>
+            <a:ln>
+              <a:solidFill>
+                <a:schemeClr val="tx2"/>
+              </a:solidFill>
+            </a:ln>
+          </p:spPr>
+          <p:style>
+            <a:lnRef idx="2">
+              <a:schemeClr val="accent6"/>
+            </a:lnRef>
+            <a:fillRef idx="1">
+              <a:schemeClr val="lt1"/>
+            </a:fillRef>
+            <a:effectRef idx="0">
+              <a:schemeClr val="accent6"/>
+            </a:effectRef>
+            <a:fontRef idx="minor">
+              <a:schemeClr val="dk1"/>
+            </a:fontRef>
+          </p:style>
+          <p:txBody>
+            <a:bodyPr rtlCol="0" anchor="ctr"/>
+            <a:lstStyle/>
+            <a:p>
+              <a:pPr algn="ctr"/>
+              <a:endParaRPr lang="en-US"/>
+            </a:p>
+          </p:txBody>
+        </p:sp>
+        <p:sp>
+          <p:nvSpPr>
+            <p:cNvPr id="18" name="17 Rectángulo"/>
+            <p:cNvSpPr/>
+            <p:nvPr/>
+          </p:nvSpPr>
+          <p:spPr>
+            <a:xfrm flipH="1">
+              <a:off x="1752600" y="2043752"/>
+              <a:ext cx="68580" cy="228600"/>
+            </a:xfrm>
+            <a:prstGeom prst="rect">
+              <a:avLst/>
+            </a:prstGeom>
+            <a:solidFill>
+              <a:schemeClr val="accent3">
+                <a:lumMod val="60000"/>
+                <a:lumOff val="40000"/>
+              </a:schemeClr>
+            </a:solidFill>
+          </p:spPr>
+          <p:style>
+            <a:lnRef idx="2">
+              <a:schemeClr val="accent1">
+                <a:shade val="50000"/>
+              </a:schemeClr>
+            </a:lnRef>
+            <a:fillRef idx="1">
+              <a:schemeClr val="accent1"/>
+            </a:fillRef>
+            <a:effectRef idx="0">
+              <a:schemeClr val="accent1"/>
+            </a:effectRef>
+            <a:fontRef idx="minor">
+              <a:schemeClr val="lt1"/>
+            </a:fontRef>
+          </p:style>
+          <p:txBody>
+            <a:bodyPr rtlCol="0" anchor="ctr"/>
+            <a:lstStyle/>
+            <a:p>
+              <a:pPr algn="ctr"/>
+              <a:endParaRPr lang="en-US"/>
+            </a:p>
+          </p:txBody>
+        </p:sp>
+        <p:sp>
+          <p:nvSpPr>
+            <p:cNvPr id="19" name="18 Rectángulo"/>
+            <p:cNvSpPr/>
+            <p:nvPr/>
+          </p:nvSpPr>
+          <p:spPr>
+            <a:xfrm flipH="1">
+              <a:off x="2038064" y="1959592"/>
+              <a:ext cx="71438" cy="381000"/>
+            </a:xfrm>
+            <a:prstGeom prst="rect">
+              <a:avLst/>
+            </a:prstGeom>
+            <a:solidFill>
+              <a:schemeClr val="accent3">
+                <a:lumMod val="60000"/>
+                <a:lumOff val="40000"/>
+              </a:schemeClr>
+            </a:solidFill>
+          </p:spPr>
+          <p:style>
+            <a:lnRef idx="2">
+              <a:schemeClr val="accent1">
+                <a:shade val="50000"/>
+              </a:schemeClr>
+            </a:lnRef>
+            <a:fillRef idx="1">
+              <a:schemeClr val="accent1"/>
+            </a:fillRef>
+            <a:effectRef idx="0">
+              <a:schemeClr val="accent1"/>
+            </a:effectRef>
+            <a:fontRef idx="minor">
+              <a:schemeClr val="lt1"/>
+            </a:fontRef>
+          </p:style>
+          <p:txBody>
+            <a:bodyPr rtlCol="0" anchor="ctr"/>
+            <a:lstStyle/>
+            <a:p>
+              <a:pPr algn="ctr"/>
+              <a:endParaRPr lang="en-US"/>
+            </a:p>
+          </p:txBody>
+        </p:sp>
+        <p:sp>
+          <p:nvSpPr>
+            <p:cNvPr id="20" name="19 Rectángulo"/>
+            <p:cNvSpPr/>
+            <p:nvPr/>
+          </p:nvSpPr>
+          <p:spPr>
+            <a:xfrm flipH="1">
+              <a:off x="2141560" y="1959592"/>
+              <a:ext cx="71438" cy="381000"/>
+            </a:xfrm>
+            <a:prstGeom prst="rect">
+              <a:avLst/>
+            </a:prstGeom>
+            <a:solidFill>
+              <a:schemeClr val="accent3">
+                <a:lumMod val="60000"/>
+                <a:lumOff val="40000"/>
+              </a:schemeClr>
+            </a:solidFill>
+          </p:spPr>
+          <p:style>
+            <a:lnRef idx="2">
+              <a:schemeClr val="accent1">
+                <a:shade val="50000"/>
+              </a:schemeClr>
+            </a:lnRef>
+            <a:fillRef idx="1">
+              <a:schemeClr val="accent1"/>
+            </a:fillRef>
+            <a:effectRef idx="0">
+              <a:schemeClr val="accent1"/>
+            </a:effectRef>
+            <a:fontRef idx="minor">
+              <a:schemeClr val="lt1"/>
+            </a:fontRef>
+          </p:style>
+          <p:txBody>
+            <a:bodyPr rtlCol="0" anchor="ctr"/>
+            <a:lstStyle/>
+            <a:p>
+              <a:pPr algn="ctr"/>
+              <a:endParaRPr lang="en-US"/>
+            </a:p>
+          </p:txBody>
+        </p:sp>
+        <p:sp>
+          <p:nvSpPr>
+            <p:cNvPr id="21" name="20 Rectángulo"/>
+            <p:cNvSpPr/>
+            <p:nvPr/>
+          </p:nvSpPr>
+          <p:spPr>
+            <a:xfrm flipH="1">
+              <a:off x="2239368" y="1967552"/>
+              <a:ext cx="71438" cy="381000"/>
+            </a:xfrm>
+            <a:prstGeom prst="rect">
+              <a:avLst/>
+            </a:prstGeom>
+            <a:solidFill>
+              <a:schemeClr val="accent3">
+                <a:lumMod val="60000"/>
+                <a:lumOff val="40000"/>
+              </a:schemeClr>
+            </a:solidFill>
+          </p:spPr>
+          <p:style>
+            <a:lnRef idx="2">
+              <a:schemeClr val="accent1">
+                <a:shade val="50000"/>
+              </a:schemeClr>
+            </a:lnRef>
+            <a:fillRef idx="1">
+              <a:schemeClr val="accent1"/>
+            </a:fillRef>
+            <a:effectRef idx="0">
+              <a:schemeClr val="accent1"/>
+            </a:effectRef>
+            <a:fontRef idx="minor">
+              <a:schemeClr val="lt1"/>
+            </a:fontRef>
+          </p:style>
+          <p:txBody>
+            <a:bodyPr rtlCol="0" anchor="ctr"/>
+            <a:lstStyle/>
+            <a:p>
+              <a:pPr algn="ctr"/>
+              <a:endParaRPr lang="en-US"/>
+            </a:p>
+          </p:txBody>
+        </p:sp>
+        <p:sp>
+          <p:nvSpPr>
+            <p:cNvPr id="22" name="21 Rectángulo"/>
+            <p:cNvSpPr/>
+            <p:nvPr/>
+          </p:nvSpPr>
+          <p:spPr>
+            <a:xfrm flipH="1">
+              <a:off x="2329216" y="1967552"/>
+              <a:ext cx="71438" cy="381000"/>
+            </a:xfrm>
+            <a:prstGeom prst="rect">
+              <a:avLst/>
+            </a:prstGeom>
+            <a:solidFill>
+              <a:schemeClr val="accent3">
+                <a:lumMod val="60000"/>
+                <a:lumOff val="40000"/>
+              </a:schemeClr>
+            </a:solidFill>
+          </p:spPr>
+          <p:style>
+            <a:lnRef idx="2">
+              <a:schemeClr val="accent1">
+                <a:shade val="50000"/>
+              </a:schemeClr>
+            </a:lnRef>
+            <a:fillRef idx="1">
+              <a:schemeClr val="accent1"/>
+            </a:fillRef>
+            <a:effectRef idx="0">
+              <a:schemeClr val="accent1"/>
+            </a:effectRef>
+            <a:fontRef idx="minor">
+              <a:schemeClr val="lt1"/>
+            </a:fontRef>
+          </p:style>
+          <p:txBody>
+            <a:bodyPr rtlCol="0" anchor="ctr"/>
+            <a:lstStyle/>
+            <a:p>
+              <a:pPr algn="ctr"/>
+              <a:endParaRPr lang="en-US"/>
+            </a:p>
+          </p:txBody>
+        </p:sp>
+        <p:sp>
+          <p:nvSpPr>
+            <p:cNvPr id="23" name="22 Rectángulo"/>
+            <p:cNvSpPr/>
+            <p:nvPr/>
+          </p:nvSpPr>
+          <p:spPr>
+            <a:xfrm flipH="1">
+              <a:off x="2419064" y="1967552"/>
+              <a:ext cx="71438" cy="381000"/>
+            </a:xfrm>
+            <a:prstGeom prst="rect">
+              <a:avLst/>
+            </a:prstGeom>
+            <a:solidFill>
+              <a:schemeClr val="accent3">
+                <a:lumMod val="60000"/>
+                <a:lumOff val="40000"/>
+              </a:schemeClr>
+            </a:solidFill>
+          </p:spPr>
+          <p:style>
+            <a:lnRef idx="2">
+              <a:schemeClr val="accent1">
+                <a:shade val="50000"/>
+              </a:schemeClr>
+            </a:lnRef>
+            <a:fillRef idx="1">
+              <a:schemeClr val="accent1"/>
+            </a:fillRef>
+            <a:effectRef idx="0">
+              <a:schemeClr val="accent1"/>
+            </a:effectRef>
+            <a:fontRef idx="minor">
+              <a:schemeClr val="lt1"/>
+            </a:fontRef>
+          </p:style>
+          <p:txBody>
+            <a:bodyPr rtlCol="0" anchor="ctr"/>
+            <a:lstStyle/>
+            <a:p>
+              <a:pPr algn="ctr"/>
+              <a:endParaRPr lang="en-US"/>
+            </a:p>
+          </p:txBody>
+        </p:sp>
+        <p:sp>
+          <p:nvSpPr>
+            <p:cNvPr id="24" name="23 Rectángulo"/>
+            <p:cNvSpPr/>
+            <p:nvPr/>
+          </p:nvSpPr>
+          <p:spPr>
+            <a:xfrm flipH="1">
+              <a:off x="2516872" y="1967552"/>
+              <a:ext cx="71438" cy="381000"/>
+            </a:xfrm>
+            <a:prstGeom prst="rect">
+              <a:avLst/>
+            </a:prstGeom>
+            <a:solidFill>
+              <a:schemeClr val="accent3">
+                <a:lumMod val="60000"/>
+                <a:lumOff val="40000"/>
+              </a:schemeClr>
+            </a:solidFill>
+          </p:spPr>
+          <p:style>
+            <a:lnRef idx="2">
+              <a:schemeClr val="accent1">
+                <a:shade val="50000"/>
+              </a:schemeClr>
+            </a:lnRef>
+            <a:fillRef idx="1">
+              <a:schemeClr val="accent1"/>
+            </a:fillRef>
+            <a:effectRef idx="0">
+              <a:schemeClr val="accent1"/>
+            </a:effectRef>
+            <a:fontRef idx="minor">
+              <a:schemeClr val="lt1"/>
+            </a:fontRef>
+          </p:style>
+          <p:txBody>
+            <a:bodyPr rtlCol="0" anchor="ctr"/>
+            <a:lstStyle/>
+            <a:p>
+              <a:pPr algn="ctr"/>
+              <a:endParaRPr lang="en-US"/>
+            </a:p>
+          </p:txBody>
+        </p:sp>
+        <p:sp>
+          <p:nvSpPr>
+            <p:cNvPr id="25" name="24 Rectángulo"/>
+            <p:cNvSpPr/>
+            <p:nvPr/>
+          </p:nvSpPr>
+          <p:spPr>
+            <a:xfrm flipH="1">
+              <a:off x="2620368" y="1967552"/>
+              <a:ext cx="71438" cy="381000"/>
+            </a:xfrm>
+            <a:prstGeom prst="rect">
+              <a:avLst/>
+            </a:prstGeom>
+            <a:solidFill>
+              <a:schemeClr val="accent3">
+                <a:lumMod val="60000"/>
+                <a:lumOff val="40000"/>
+              </a:schemeClr>
+            </a:solidFill>
+          </p:spPr>
+          <p:style>
+            <a:lnRef idx="2">
+              <a:schemeClr val="accent1">
+                <a:shade val="50000"/>
+              </a:schemeClr>
+            </a:lnRef>
+            <a:fillRef idx="1">
+              <a:schemeClr val="accent1"/>
+            </a:fillRef>
+            <a:effectRef idx="0">
+              <a:schemeClr val="accent1"/>
+            </a:effectRef>
+            <a:fontRef idx="minor">
+              <a:schemeClr val="lt1"/>
+            </a:fontRef>
+          </p:style>
+          <p:txBody>
+            <a:bodyPr rtlCol="0" anchor="ctr"/>
+            <a:lstStyle/>
+            <a:p>
+              <a:pPr algn="ctr"/>
+              <a:endParaRPr lang="en-US"/>
+            </a:p>
+          </p:txBody>
+        </p:sp>
+      </p:grpSp>
+      <p:cxnSp>
+        <p:nvCxnSpPr>
+          <p:cNvPr id="26" name="25 Conector recto de flecha"/>
+          <p:cNvCxnSpPr>
+            <a:stCxn id="18" idx="3"/>
+          </p:cNvCxnSpPr>
+          <p:nvPr/>
+        </p:nvCxnSpPr>
+        <p:spPr>
+          <a:xfrm flipH="1" flipV="1">
+            <a:off x="2904313" y="5158153"/>
+            <a:ext cx="283192" cy="24452"/>
+          </a:xfrm>
+          <a:prstGeom prst="straightConnector1">
+            <a:avLst/>
+          </a:prstGeom>
+          <a:ln>
+            <a:tailEnd type="arrow"/>
+          </a:ln>
+        </p:spPr>
+        <p:style>
+          <a:lnRef idx="1">
+            <a:schemeClr val="accent1"/>
+          </a:lnRef>
+          <a:fillRef idx="0">
+            <a:schemeClr val="accent1"/>
+          </a:fillRef>
+          <a:effectRef idx="0">
+            <a:schemeClr val="accent1"/>
+          </a:effectRef>
+          <a:fontRef idx="minor">
+            <a:schemeClr val="tx1"/>
+          </a:fontRef>
+        </p:style>
+      </p:cxnSp>
+      <p:grpSp>
+        <p:nvGrpSpPr>
+          <p:cNvPr id="27" name="26 Grupo"/>
+          <p:cNvGrpSpPr/>
+          <p:nvPr/>
+        </p:nvGrpSpPr>
+        <p:grpSpPr>
+          <a:xfrm>
+            <a:off x="4863904" y="990600"/>
+            <a:ext cx="1143000" cy="501805"/>
+            <a:chOff x="3429000" y="990600"/>
+            <a:chExt cx="1143000" cy="501805"/>
+          </a:xfrm>
+        </p:grpSpPr>
+        <p:sp>
+          <p:nvSpPr>
+            <p:cNvPr id="28" name="27 Rectángulo"/>
+            <p:cNvSpPr/>
+            <p:nvPr/>
+          </p:nvSpPr>
+          <p:spPr>
+            <a:xfrm flipH="1">
+              <a:off x="3429000" y="990600"/>
+              <a:ext cx="1143000" cy="501805"/>
+            </a:xfrm>
+            <a:prstGeom prst="rect">
+              <a:avLst/>
+            </a:prstGeom>
+            <a:solidFill>
+              <a:schemeClr val="accent1">
+                <a:lumMod val="40000"/>
+                <a:lumOff val="60000"/>
+              </a:schemeClr>
+            </a:solidFill>
+            <a:ln>
+              <a:solidFill>
+                <a:schemeClr val="tx2"/>
+              </a:solidFill>
+            </a:ln>
+          </p:spPr>
+          <p:style>
+            <a:lnRef idx="2">
+              <a:schemeClr val="accent6"/>
+            </a:lnRef>
+            <a:fillRef idx="1">
+              <a:schemeClr val="lt1"/>
+            </a:fillRef>
+            <a:effectRef idx="0">
+              <a:schemeClr val="accent6"/>
+            </a:effectRef>
+            <a:fontRef idx="minor">
+              <a:schemeClr val="dk1"/>
+            </a:fontRef>
+          </p:style>
+          <p:txBody>
+            <a:bodyPr rtlCol="0" anchor="ctr"/>
+            <a:lstStyle/>
+            <a:p>
+              <a:pPr algn="ctr"/>
+              <a:endParaRPr lang="en-US"/>
+            </a:p>
+          </p:txBody>
+        </p:sp>
+        <p:sp>
+          <p:nvSpPr>
+            <p:cNvPr id="29" name="28 Rectángulo"/>
+            <p:cNvSpPr/>
+            <p:nvPr/>
+          </p:nvSpPr>
+          <p:spPr>
+            <a:xfrm flipH="1">
+              <a:off x="3429000" y="1129352"/>
+              <a:ext cx="68580" cy="228600"/>
+            </a:xfrm>
+            <a:prstGeom prst="rect">
+              <a:avLst/>
+            </a:prstGeom>
+            <a:solidFill>
+              <a:schemeClr val="tx2">
+                <a:lumMod val="60000"/>
+                <a:lumOff val="40000"/>
+              </a:schemeClr>
+            </a:solidFill>
+          </p:spPr>
+          <p:style>
+            <a:lnRef idx="2">
+              <a:schemeClr val="accent1">
+                <a:shade val="50000"/>
+              </a:schemeClr>
+            </a:lnRef>
+            <a:fillRef idx="1">
+              <a:schemeClr val="accent1"/>
+            </a:fillRef>
+            <a:effectRef idx="0">
+              <a:schemeClr val="accent1"/>
+            </a:effectRef>
+            <a:fontRef idx="minor">
+              <a:schemeClr val="lt1"/>
+            </a:fontRef>
+          </p:style>
+          <p:txBody>
+            <a:bodyPr rtlCol="0" anchor="ctr"/>
+            <a:lstStyle/>
+            <a:p>
+              <a:pPr algn="ctr"/>
+              <a:endParaRPr lang="en-US"/>
+            </a:p>
+          </p:txBody>
+        </p:sp>
+        <p:sp>
+          <p:nvSpPr>
+            <p:cNvPr id="30" name="29 Rectángulo"/>
+            <p:cNvSpPr/>
+            <p:nvPr/>
+          </p:nvSpPr>
+          <p:spPr>
+            <a:xfrm flipH="1">
+              <a:off x="3714464" y="1045192"/>
+              <a:ext cx="71438" cy="381000"/>
+            </a:xfrm>
+            <a:prstGeom prst="rect">
+              <a:avLst/>
+            </a:prstGeom>
+            <a:solidFill>
+              <a:schemeClr val="tx2">
+                <a:lumMod val="60000"/>
+                <a:lumOff val="40000"/>
+              </a:schemeClr>
+            </a:solidFill>
+          </p:spPr>
+          <p:style>
+            <a:lnRef idx="2">
+              <a:schemeClr val="accent1">
+                <a:shade val="50000"/>
+              </a:schemeClr>
+            </a:lnRef>
+            <a:fillRef idx="1">
+              <a:schemeClr val="accent1"/>
+            </a:fillRef>
+            <a:effectRef idx="0">
+              <a:schemeClr val="accent1"/>
+            </a:effectRef>
+            <a:fontRef idx="minor">
+              <a:schemeClr val="lt1"/>
+            </a:fontRef>
+          </p:style>
+          <p:txBody>
+            <a:bodyPr rtlCol="0" anchor="ctr"/>
+            <a:lstStyle/>
+            <a:p>
+              <a:pPr algn="ctr"/>
+              <a:endParaRPr lang="en-US"/>
+            </a:p>
+          </p:txBody>
+        </p:sp>
+        <p:sp>
+          <p:nvSpPr>
+            <p:cNvPr id="31" name="30 Rectángulo"/>
+            <p:cNvSpPr/>
+            <p:nvPr/>
+          </p:nvSpPr>
+          <p:spPr>
+            <a:xfrm flipH="1">
+              <a:off x="3804312" y="1045192"/>
+              <a:ext cx="71438" cy="381000"/>
+            </a:xfrm>
+            <a:prstGeom prst="rect">
+              <a:avLst/>
+            </a:prstGeom>
+            <a:solidFill>
+              <a:schemeClr val="tx2">
+                <a:lumMod val="60000"/>
+                <a:lumOff val="40000"/>
+              </a:schemeClr>
+            </a:solidFill>
+          </p:spPr>
+          <p:style>
+            <a:lnRef idx="2">
+              <a:schemeClr val="accent1">
+                <a:shade val="50000"/>
+              </a:schemeClr>
+            </a:lnRef>
+            <a:fillRef idx="1">
+              <a:schemeClr val="accent1"/>
+            </a:fillRef>
+            <a:effectRef idx="0">
+              <a:schemeClr val="accent1"/>
+            </a:effectRef>
+            <a:fontRef idx="minor">
+              <a:schemeClr val="lt1"/>
+            </a:fontRef>
+          </p:style>
+          <p:txBody>
+            <a:bodyPr rtlCol="0" anchor="ctr"/>
+            <a:lstStyle/>
+            <a:p>
+              <a:pPr algn="ctr"/>
+              <a:endParaRPr lang="en-US"/>
+            </a:p>
+          </p:txBody>
+        </p:sp>
+        <p:sp>
+          <p:nvSpPr>
+            <p:cNvPr id="32" name="31 Rectángulo"/>
+            <p:cNvSpPr/>
+            <p:nvPr/>
+          </p:nvSpPr>
+          <p:spPr>
+            <a:xfrm flipH="1">
+              <a:off x="3902120" y="1053152"/>
+              <a:ext cx="71438" cy="381000"/>
+            </a:xfrm>
+            <a:prstGeom prst="rect">
+              <a:avLst/>
+            </a:prstGeom>
+            <a:solidFill>
+              <a:schemeClr val="tx2">
+                <a:lumMod val="60000"/>
+                <a:lumOff val="40000"/>
+              </a:schemeClr>
+            </a:solidFill>
+          </p:spPr>
+          <p:style>
+            <a:lnRef idx="2">
+              <a:schemeClr val="accent1">
+                <a:shade val="50000"/>
+              </a:schemeClr>
+            </a:lnRef>
+            <a:fillRef idx="1">
+              <a:schemeClr val="accent1"/>
+            </a:fillRef>
+            <a:effectRef idx="0">
+              <a:schemeClr val="accent1"/>
+            </a:effectRef>
+            <a:fontRef idx="minor">
+              <a:schemeClr val="lt1"/>
+            </a:fontRef>
+          </p:style>
+          <p:txBody>
+            <a:bodyPr rtlCol="0" anchor="ctr"/>
+            <a:lstStyle/>
+            <a:p>
+              <a:pPr algn="ctr"/>
+              <a:endParaRPr lang="en-US"/>
+            </a:p>
+          </p:txBody>
+        </p:sp>
+        <p:sp>
+          <p:nvSpPr>
+            <p:cNvPr id="33" name="32 Rectángulo"/>
+            <p:cNvSpPr/>
+            <p:nvPr/>
+          </p:nvSpPr>
+          <p:spPr>
+            <a:xfrm flipH="1">
+              <a:off x="4005616" y="1053152"/>
+              <a:ext cx="71438" cy="381000"/>
+            </a:xfrm>
+            <a:prstGeom prst="rect">
+              <a:avLst/>
+            </a:prstGeom>
+            <a:solidFill>
+              <a:schemeClr val="tx2">
+                <a:lumMod val="60000"/>
+                <a:lumOff val="40000"/>
+              </a:schemeClr>
+            </a:solidFill>
+          </p:spPr>
+          <p:style>
+            <a:lnRef idx="2">
+              <a:schemeClr val="accent1">
+                <a:shade val="50000"/>
+              </a:schemeClr>
+            </a:lnRef>
+            <a:fillRef idx="1">
+              <a:schemeClr val="accent1"/>
+            </a:fillRef>
+            <a:effectRef idx="0">
+              <a:schemeClr val="accent1"/>
+            </a:effectRef>
+            <a:fontRef idx="minor">
+              <a:schemeClr val="lt1"/>
+            </a:fontRef>
+          </p:style>
+          <p:txBody>
+            <a:bodyPr rtlCol="0" anchor="ctr"/>
+            <a:lstStyle/>
+            <a:p>
+              <a:pPr algn="ctr"/>
+              <a:endParaRPr lang="en-US"/>
+            </a:p>
+          </p:txBody>
+        </p:sp>
+        <p:sp>
+          <p:nvSpPr>
+            <p:cNvPr id="34" name="33 Rectángulo"/>
+            <p:cNvSpPr/>
+            <p:nvPr/>
+          </p:nvSpPr>
+          <p:spPr>
+            <a:xfrm flipH="1">
+              <a:off x="4095464" y="1053152"/>
+              <a:ext cx="71438" cy="381000"/>
+            </a:xfrm>
+            <a:prstGeom prst="rect">
+              <a:avLst/>
+            </a:prstGeom>
+            <a:solidFill>
+              <a:schemeClr val="tx2">
+                <a:lumMod val="60000"/>
+                <a:lumOff val="40000"/>
+              </a:schemeClr>
+            </a:solidFill>
+          </p:spPr>
+          <p:style>
+            <a:lnRef idx="2">
+              <a:schemeClr val="accent1">
+                <a:shade val="50000"/>
+              </a:schemeClr>
+            </a:lnRef>
+            <a:fillRef idx="1">
+              <a:schemeClr val="accent1"/>
+            </a:fillRef>
+            <a:effectRef idx="0">
+              <a:schemeClr val="accent1"/>
+            </a:effectRef>
+            <a:fontRef idx="minor">
+              <a:schemeClr val="lt1"/>
+            </a:fontRef>
+          </p:style>
+          <p:txBody>
+            <a:bodyPr rtlCol="0" anchor="ctr"/>
+            <a:lstStyle/>
+            <a:p>
+              <a:pPr algn="ctr"/>
+              <a:endParaRPr lang="en-US"/>
+            </a:p>
+          </p:txBody>
+        </p:sp>
+        <p:sp>
+          <p:nvSpPr>
+            <p:cNvPr id="35" name="34 Rectángulo"/>
+            <p:cNvSpPr/>
+            <p:nvPr/>
+          </p:nvSpPr>
+          <p:spPr>
+            <a:xfrm flipH="1">
+              <a:off x="4193272" y="1053152"/>
+              <a:ext cx="71438" cy="381000"/>
+            </a:xfrm>
+            <a:prstGeom prst="rect">
+              <a:avLst/>
+            </a:prstGeom>
+            <a:solidFill>
+              <a:schemeClr val="tx2">
+                <a:lumMod val="60000"/>
+                <a:lumOff val="40000"/>
+              </a:schemeClr>
+            </a:solidFill>
+          </p:spPr>
+          <p:style>
+            <a:lnRef idx="2">
+              <a:schemeClr val="accent1">
+                <a:shade val="50000"/>
+              </a:schemeClr>
+            </a:lnRef>
+            <a:fillRef idx="1">
+              <a:schemeClr val="accent1"/>
+            </a:fillRef>
+            <a:effectRef idx="0">
+              <a:schemeClr val="accent1"/>
+            </a:effectRef>
+            <a:fontRef idx="minor">
+              <a:schemeClr val="lt1"/>
+            </a:fontRef>
+          </p:style>
+          <p:txBody>
+            <a:bodyPr rtlCol="0" anchor="ctr"/>
+            <a:lstStyle/>
+            <a:p>
+              <a:pPr algn="ctr"/>
+              <a:endParaRPr lang="en-US"/>
+            </a:p>
+          </p:txBody>
+        </p:sp>
+        <p:sp>
+          <p:nvSpPr>
+            <p:cNvPr id="36" name="35 Rectángulo"/>
+            <p:cNvSpPr/>
+            <p:nvPr/>
+          </p:nvSpPr>
+          <p:spPr>
+            <a:xfrm flipH="1">
+              <a:off x="4283120" y="1053152"/>
+              <a:ext cx="71438" cy="381000"/>
+            </a:xfrm>
+            <a:prstGeom prst="rect">
+              <a:avLst/>
+            </a:prstGeom>
+            <a:solidFill>
+              <a:schemeClr val="tx2">
+                <a:lumMod val="60000"/>
+                <a:lumOff val="40000"/>
+              </a:schemeClr>
+            </a:solidFill>
+          </p:spPr>
+          <p:style>
+            <a:lnRef idx="2">
+              <a:schemeClr val="accent1">
+                <a:shade val="50000"/>
+              </a:schemeClr>
+            </a:lnRef>
+            <a:fillRef idx="1">
+              <a:schemeClr val="accent1"/>
+            </a:fillRef>
+            <a:effectRef idx="0">
+              <a:schemeClr val="accent1"/>
+            </a:effectRef>
+            <a:fontRef idx="minor">
+              <a:schemeClr val="lt1"/>
+            </a:fontRef>
+          </p:style>
+          <p:txBody>
+            <a:bodyPr rtlCol="0" anchor="ctr"/>
+            <a:lstStyle/>
+            <a:p>
+              <a:pPr algn="ctr"/>
+              <a:endParaRPr lang="en-US"/>
+            </a:p>
+          </p:txBody>
+        </p:sp>
+      </p:grpSp>
+      <p:grpSp>
+        <p:nvGrpSpPr>
+          <p:cNvPr id="37" name="36 Grupo"/>
+          <p:cNvGrpSpPr/>
+          <p:nvPr/>
+        </p:nvGrpSpPr>
+        <p:grpSpPr>
+          <a:xfrm>
+            <a:off x="6464104" y="990600"/>
+            <a:ext cx="1143000" cy="501805"/>
+            <a:chOff x="5029200" y="990600"/>
+            <a:chExt cx="1143000" cy="501805"/>
+          </a:xfrm>
+        </p:grpSpPr>
+        <p:sp>
+          <p:nvSpPr>
+            <p:cNvPr id="38" name="37 Rectángulo"/>
+            <p:cNvSpPr/>
+            <p:nvPr/>
+          </p:nvSpPr>
+          <p:spPr>
+            <a:xfrm flipH="1">
+              <a:off x="5029200" y="990600"/>
+              <a:ext cx="1143000" cy="501805"/>
+            </a:xfrm>
+            <a:prstGeom prst="rect">
+              <a:avLst/>
+            </a:prstGeom>
+            <a:solidFill>
+              <a:schemeClr val="accent1">
+                <a:lumMod val="40000"/>
+                <a:lumOff val="60000"/>
+              </a:schemeClr>
+            </a:solidFill>
+            <a:ln>
+              <a:solidFill>
+                <a:schemeClr val="tx2"/>
+              </a:solidFill>
+            </a:ln>
+          </p:spPr>
+          <p:style>
+            <a:lnRef idx="2">
+              <a:schemeClr val="accent6"/>
+            </a:lnRef>
+            <a:fillRef idx="1">
+              <a:schemeClr val="lt1"/>
+            </a:fillRef>
+            <a:effectRef idx="0">
+              <a:schemeClr val="accent6"/>
+            </a:effectRef>
+            <a:fontRef idx="minor">
+              <a:schemeClr val="dk1"/>
+            </a:fontRef>
+          </p:style>
+          <p:txBody>
+            <a:bodyPr rtlCol="0" anchor="ctr"/>
+            <a:lstStyle/>
+            <a:p>
+              <a:pPr algn="ctr"/>
+              <a:endParaRPr lang="en-US"/>
+            </a:p>
+          </p:txBody>
+        </p:sp>
+        <p:sp>
+          <p:nvSpPr>
+            <p:cNvPr id="39" name="38 Rectángulo"/>
+            <p:cNvSpPr/>
+            <p:nvPr/>
+          </p:nvSpPr>
+          <p:spPr>
+            <a:xfrm flipH="1">
+              <a:off x="5029200" y="1129352"/>
+              <a:ext cx="68580" cy="228600"/>
+            </a:xfrm>
+            <a:prstGeom prst="rect">
+              <a:avLst/>
+            </a:prstGeom>
+            <a:solidFill>
+              <a:schemeClr val="tx2">
+                <a:lumMod val="60000"/>
+                <a:lumOff val="40000"/>
+              </a:schemeClr>
+            </a:solidFill>
+          </p:spPr>
+          <p:style>
+            <a:lnRef idx="2">
+              <a:schemeClr val="accent1">
+                <a:shade val="50000"/>
+              </a:schemeClr>
+            </a:lnRef>
+            <a:fillRef idx="1">
+              <a:schemeClr val="accent1"/>
+            </a:fillRef>
+            <a:effectRef idx="0">
+              <a:schemeClr val="accent1"/>
+            </a:effectRef>
+            <a:fontRef idx="minor">
+              <a:schemeClr val="lt1"/>
+            </a:fontRef>
+          </p:style>
+          <p:txBody>
+            <a:bodyPr rtlCol="0" anchor="ctr"/>
+            <a:lstStyle/>
+            <a:p>
+              <a:pPr algn="ctr"/>
+              <a:endParaRPr lang="en-US"/>
+            </a:p>
+          </p:txBody>
+        </p:sp>
+        <p:sp>
+          <p:nvSpPr>
+            <p:cNvPr id="40" name="39 Rectángulo"/>
+            <p:cNvSpPr/>
+            <p:nvPr/>
+          </p:nvSpPr>
+          <p:spPr>
+            <a:xfrm flipH="1">
+              <a:off x="5314664" y="1045192"/>
+              <a:ext cx="71438" cy="381000"/>
+            </a:xfrm>
+            <a:prstGeom prst="rect">
+              <a:avLst/>
+            </a:prstGeom>
+            <a:solidFill>
+              <a:schemeClr val="tx2">
+                <a:lumMod val="60000"/>
+                <a:lumOff val="40000"/>
+              </a:schemeClr>
+            </a:solidFill>
+          </p:spPr>
+          <p:style>
+            <a:lnRef idx="2">
+              <a:schemeClr val="accent1">
+                <a:shade val="50000"/>
+              </a:schemeClr>
+            </a:lnRef>
+            <a:fillRef idx="1">
+              <a:schemeClr val="accent1"/>
+            </a:fillRef>
+            <a:effectRef idx="0">
+              <a:schemeClr val="accent1"/>
+            </a:effectRef>
+            <a:fontRef idx="minor">
+              <a:schemeClr val="lt1"/>
+            </a:fontRef>
+          </p:style>
+          <p:txBody>
+            <a:bodyPr rtlCol="0" anchor="ctr"/>
+            <a:lstStyle/>
+            <a:p>
+              <a:pPr algn="ctr"/>
+              <a:endParaRPr lang="en-US"/>
+            </a:p>
+          </p:txBody>
+        </p:sp>
+        <p:sp>
+          <p:nvSpPr>
+            <p:cNvPr id="41" name="40 Rectángulo"/>
+            <p:cNvSpPr/>
+            <p:nvPr/>
+          </p:nvSpPr>
+          <p:spPr>
+            <a:xfrm flipH="1">
+              <a:off x="5404512" y="1045192"/>
+              <a:ext cx="71438" cy="381000"/>
+            </a:xfrm>
+            <a:prstGeom prst="rect">
+              <a:avLst/>
+            </a:prstGeom>
+            <a:solidFill>
+              <a:schemeClr val="tx2">
+                <a:lumMod val="60000"/>
+                <a:lumOff val="40000"/>
+              </a:schemeClr>
+            </a:solidFill>
+          </p:spPr>
+          <p:style>
+            <a:lnRef idx="2">
+              <a:schemeClr val="accent1">
+                <a:shade val="50000"/>
+              </a:schemeClr>
+            </a:lnRef>
+            <a:fillRef idx="1">
+              <a:schemeClr val="accent1"/>
+            </a:fillRef>
+            <a:effectRef idx="0">
+              <a:schemeClr val="accent1"/>
+            </a:effectRef>
+            <a:fontRef idx="minor">
+              <a:schemeClr val="lt1"/>
+            </a:fontRef>
+          </p:style>
+          <p:txBody>
+            <a:bodyPr rtlCol="0" anchor="ctr"/>
+            <a:lstStyle/>
+            <a:p>
+              <a:pPr algn="ctr"/>
+              <a:endParaRPr lang="en-US"/>
+            </a:p>
+          </p:txBody>
+        </p:sp>
+        <p:sp>
+          <p:nvSpPr>
+            <p:cNvPr id="42" name="41 Rectángulo"/>
+            <p:cNvSpPr/>
+            <p:nvPr/>
+          </p:nvSpPr>
+          <p:spPr>
+            <a:xfrm flipH="1">
+              <a:off x="5502320" y="1053152"/>
+              <a:ext cx="71438" cy="381000"/>
+            </a:xfrm>
+            <a:prstGeom prst="rect">
+              <a:avLst/>
+            </a:prstGeom>
+            <a:solidFill>
+              <a:schemeClr val="tx2">
+                <a:lumMod val="60000"/>
+                <a:lumOff val="40000"/>
+              </a:schemeClr>
+            </a:solidFill>
+          </p:spPr>
+          <p:style>
+            <a:lnRef idx="2">
+              <a:schemeClr val="accent1">
+                <a:shade val="50000"/>
+              </a:schemeClr>
+            </a:lnRef>
+            <a:fillRef idx="1">
+              <a:schemeClr val="accent1"/>
+            </a:fillRef>
+            <a:effectRef idx="0">
+              <a:schemeClr val="accent1"/>
+            </a:effectRef>
+            <a:fontRef idx="minor">
+              <a:schemeClr val="lt1"/>
+            </a:fontRef>
+          </p:style>
+          <p:txBody>
+            <a:bodyPr rtlCol="0" anchor="ctr"/>
+            <a:lstStyle/>
+            <a:p>
+              <a:pPr algn="ctr"/>
+              <a:endParaRPr lang="en-US"/>
+            </a:p>
+          </p:txBody>
+        </p:sp>
+        <p:sp>
+          <p:nvSpPr>
+            <p:cNvPr id="43" name="42 Rectángulo"/>
+            <p:cNvSpPr/>
+            <p:nvPr/>
+          </p:nvSpPr>
+          <p:spPr>
+            <a:xfrm flipH="1">
+              <a:off x="5592168" y="1053152"/>
+              <a:ext cx="71438" cy="381000"/>
+            </a:xfrm>
+            <a:prstGeom prst="rect">
+              <a:avLst/>
+            </a:prstGeom>
+            <a:solidFill>
+              <a:schemeClr val="tx2">
+                <a:lumMod val="60000"/>
+                <a:lumOff val="40000"/>
+              </a:schemeClr>
+            </a:solidFill>
+          </p:spPr>
+          <p:style>
+            <a:lnRef idx="2">
+              <a:schemeClr val="accent1">
+                <a:shade val="50000"/>
+              </a:schemeClr>
+            </a:lnRef>
+            <a:fillRef idx="1">
+              <a:schemeClr val="accent1"/>
+            </a:fillRef>
+            <a:effectRef idx="0">
+              <a:schemeClr val="accent1"/>
+            </a:effectRef>
+            <a:fontRef idx="minor">
+              <a:schemeClr val="lt1"/>
+            </a:fontRef>
+          </p:style>
+          <p:txBody>
+            <a:bodyPr rtlCol="0" anchor="ctr"/>
+            <a:lstStyle/>
+            <a:p>
+              <a:pPr algn="ctr"/>
+              <a:endParaRPr lang="en-US"/>
+            </a:p>
+          </p:txBody>
+        </p:sp>
+        <p:sp>
+          <p:nvSpPr>
+            <p:cNvPr id="44" name="43 Rectángulo"/>
+            <p:cNvSpPr/>
+            <p:nvPr/>
+          </p:nvSpPr>
+          <p:spPr>
+            <a:xfrm flipH="1">
+              <a:off x="5695664" y="1053152"/>
+              <a:ext cx="71438" cy="381000"/>
+            </a:xfrm>
+            <a:prstGeom prst="rect">
+              <a:avLst/>
+            </a:prstGeom>
+            <a:solidFill>
+              <a:schemeClr val="tx2">
+                <a:lumMod val="60000"/>
+                <a:lumOff val="40000"/>
+              </a:schemeClr>
+            </a:solidFill>
+          </p:spPr>
+          <p:style>
+            <a:lnRef idx="2">
+              <a:schemeClr val="accent1">
+                <a:shade val="50000"/>
+              </a:schemeClr>
+            </a:lnRef>
+            <a:fillRef idx="1">
+              <a:schemeClr val="accent1"/>
+            </a:fillRef>
+            <a:effectRef idx="0">
+              <a:schemeClr val="accent1"/>
+            </a:effectRef>
+            <a:fontRef idx="minor">
+              <a:schemeClr val="lt1"/>
+            </a:fontRef>
+          </p:style>
+          <p:txBody>
+            <a:bodyPr rtlCol="0" anchor="ctr"/>
+            <a:lstStyle/>
+            <a:p>
+              <a:pPr algn="ctr"/>
+              <a:endParaRPr lang="en-US"/>
+            </a:p>
+          </p:txBody>
+        </p:sp>
+        <p:sp>
+          <p:nvSpPr>
+            <p:cNvPr id="45" name="44 Rectángulo"/>
+            <p:cNvSpPr/>
+            <p:nvPr/>
+          </p:nvSpPr>
+          <p:spPr>
+            <a:xfrm flipH="1">
+              <a:off x="5793472" y="1053152"/>
+              <a:ext cx="71438" cy="381000"/>
+            </a:xfrm>
+            <a:prstGeom prst="rect">
+              <a:avLst/>
+            </a:prstGeom>
+            <a:solidFill>
+              <a:schemeClr val="tx2">
+                <a:lumMod val="60000"/>
+                <a:lumOff val="40000"/>
+              </a:schemeClr>
+            </a:solidFill>
+          </p:spPr>
+          <p:style>
+            <a:lnRef idx="2">
+              <a:schemeClr val="accent1">
+                <a:shade val="50000"/>
+              </a:schemeClr>
+            </a:lnRef>
+            <a:fillRef idx="1">
+              <a:schemeClr val="accent1"/>
+            </a:fillRef>
+            <a:effectRef idx="0">
+              <a:schemeClr val="accent1"/>
+            </a:effectRef>
+            <a:fontRef idx="minor">
+              <a:schemeClr val="lt1"/>
+            </a:fontRef>
+          </p:style>
+          <p:txBody>
+            <a:bodyPr rtlCol="0" anchor="ctr"/>
+            <a:lstStyle/>
+            <a:p>
+              <a:pPr algn="ctr"/>
+              <a:endParaRPr lang="en-US"/>
+            </a:p>
+          </p:txBody>
+        </p:sp>
+        <p:sp>
+          <p:nvSpPr>
+            <p:cNvPr id="46" name="45 Rectángulo"/>
+            <p:cNvSpPr/>
+            <p:nvPr/>
+          </p:nvSpPr>
+          <p:spPr>
+            <a:xfrm flipH="1">
+              <a:off x="5883320" y="1053152"/>
+              <a:ext cx="71438" cy="381000"/>
+            </a:xfrm>
+            <a:prstGeom prst="rect">
+              <a:avLst/>
+            </a:prstGeom>
+            <a:solidFill>
+              <a:schemeClr val="tx2">
+                <a:lumMod val="60000"/>
+                <a:lumOff val="40000"/>
+              </a:schemeClr>
+            </a:solidFill>
+          </p:spPr>
+          <p:style>
+            <a:lnRef idx="2">
+              <a:schemeClr val="accent1">
+                <a:shade val="50000"/>
+              </a:schemeClr>
+            </a:lnRef>
+            <a:fillRef idx="1">
+              <a:schemeClr val="accent1"/>
+            </a:fillRef>
+            <a:effectRef idx="0">
+              <a:schemeClr val="accent1"/>
+            </a:effectRef>
+            <a:fontRef idx="minor">
+              <a:schemeClr val="lt1"/>
+            </a:fontRef>
+          </p:style>
+          <p:txBody>
+            <a:bodyPr rtlCol="0" anchor="ctr"/>
+            <a:lstStyle/>
+            <a:p>
+              <a:pPr algn="ctr"/>
+              <a:endParaRPr lang="en-US"/>
+            </a:p>
+          </p:txBody>
+        </p:sp>
+      </p:grpSp>
+      <p:grpSp>
+        <p:nvGrpSpPr>
+          <p:cNvPr id="47" name="46 Grupo"/>
+          <p:cNvGrpSpPr/>
+          <p:nvPr/>
+        </p:nvGrpSpPr>
+        <p:grpSpPr>
+          <a:xfrm>
+            <a:off x="4863905" y="4929553"/>
+            <a:ext cx="1143000" cy="501805"/>
+            <a:chOff x="1752600" y="1905000"/>
+            <a:chExt cx="1143000" cy="501805"/>
+          </a:xfrm>
+        </p:grpSpPr>
+        <p:sp>
+          <p:nvSpPr>
+            <p:cNvPr id="48" name="47 Rectángulo"/>
+            <p:cNvSpPr/>
+            <p:nvPr/>
+          </p:nvSpPr>
+          <p:spPr>
+            <a:xfrm flipH="1">
+              <a:off x="1752600" y="1905000"/>
+              <a:ext cx="1143000" cy="501805"/>
+            </a:xfrm>
+            <a:prstGeom prst="rect">
+              <a:avLst/>
+            </a:prstGeom>
+            <a:solidFill>
+              <a:schemeClr val="accent3">
+                <a:lumMod val="40000"/>
+                <a:lumOff val="60000"/>
+              </a:schemeClr>
+            </a:solidFill>
+            <a:ln>
+              <a:solidFill>
+                <a:schemeClr val="tx2"/>
+              </a:solidFill>
+            </a:ln>
+          </p:spPr>
+          <p:style>
+            <a:lnRef idx="2">
+              <a:schemeClr val="accent6"/>
+            </a:lnRef>
+            <a:fillRef idx="1">
+              <a:schemeClr val="lt1"/>
+            </a:fillRef>
+            <a:effectRef idx="0">
+              <a:schemeClr val="accent6"/>
+            </a:effectRef>
+            <a:fontRef idx="minor">
+              <a:schemeClr val="dk1"/>
+            </a:fontRef>
+          </p:style>
+          <p:txBody>
+            <a:bodyPr rtlCol="0" anchor="ctr"/>
+            <a:lstStyle/>
+            <a:p>
+              <a:pPr algn="ctr"/>
+              <a:endParaRPr lang="en-US"/>
+            </a:p>
+          </p:txBody>
+        </p:sp>
+        <p:sp>
+          <p:nvSpPr>
+            <p:cNvPr id="49" name="48 Rectángulo"/>
+            <p:cNvSpPr/>
+            <p:nvPr/>
+          </p:nvSpPr>
+          <p:spPr>
+            <a:xfrm flipH="1">
+              <a:off x="1752600" y="2043752"/>
+              <a:ext cx="68580" cy="228600"/>
+            </a:xfrm>
+            <a:prstGeom prst="rect">
+              <a:avLst/>
+            </a:prstGeom>
+            <a:solidFill>
+              <a:schemeClr val="accent3">
+                <a:lumMod val="60000"/>
+                <a:lumOff val="40000"/>
+              </a:schemeClr>
+            </a:solidFill>
+          </p:spPr>
+          <p:style>
+            <a:lnRef idx="2">
+              <a:schemeClr val="accent1">
+                <a:shade val="50000"/>
+              </a:schemeClr>
+            </a:lnRef>
+            <a:fillRef idx="1">
+              <a:schemeClr val="accent1"/>
+            </a:fillRef>
+            <a:effectRef idx="0">
+              <a:schemeClr val="accent1"/>
+            </a:effectRef>
+            <a:fontRef idx="minor">
+              <a:schemeClr val="lt1"/>
+            </a:fontRef>
+          </p:style>
+          <p:txBody>
+            <a:bodyPr rtlCol="0" anchor="ctr"/>
+            <a:lstStyle/>
+            <a:p>
+              <a:pPr algn="ctr"/>
+              <a:endParaRPr lang="en-US"/>
+            </a:p>
+          </p:txBody>
+        </p:sp>
+        <p:sp>
+          <p:nvSpPr>
+            <p:cNvPr id="50" name="49 Rectángulo"/>
+            <p:cNvSpPr/>
+            <p:nvPr/>
+          </p:nvSpPr>
+          <p:spPr>
+            <a:xfrm flipH="1">
+              <a:off x="2038064" y="1959592"/>
+              <a:ext cx="71438" cy="381000"/>
+            </a:xfrm>
+            <a:prstGeom prst="rect">
+              <a:avLst/>
+            </a:prstGeom>
+            <a:solidFill>
+              <a:schemeClr val="accent3">
+                <a:lumMod val="60000"/>
+                <a:lumOff val="40000"/>
+              </a:schemeClr>
+            </a:solidFill>
+          </p:spPr>
+          <p:style>
+            <a:lnRef idx="2">
+              <a:schemeClr val="accent1">
+                <a:shade val="50000"/>
+              </a:schemeClr>
+            </a:lnRef>
+            <a:fillRef idx="1">
+              <a:schemeClr val="accent1"/>
+            </a:fillRef>
+            <a:effectRef idx="0">
+              <a:schemeClr val="accent1"/>
+            </a:effectRef>
+            <a:fontRef idx="minor">
+              <a:schemeClr val="lt1"/>
+            </a:fontRef>
+          </p:style>
+          <p:txBody>
+            <a:bodyPr rtlCol="0" anchor="ctr"/>
+            <a:lstStyle/>
+            <a:p>
+              <a:pPr algn="ctr"/>
+              <a:endParaRPr lang="en-US"/>
+            </a:p>
+          </p:txBody>
+        </p:sp>
+        <p:sp>
+          <p:nvSpPr>
+            <p:cNvPr id="51" name="50 Rectángulo"/>
+            <p:cNvSpPr/>
+            <p:nvPr/>
+          </p:nvSpPr>
+          <p:spPr>
+            <a:xfrm flipH="1">
+              <a:off x="2141560" y="1959592"/>
+              <a:ext cx="71438" cy="381000"/>
+            </a:xfrm>
+            <a:prstGeom prst="rect">
+              <a:avLst/>
+            </a:prstGeom>
+            <a:solidFill>
+              <a:schemeClr val="accent3">
+                <a:lumMod val="60000"/>
+                <a:lumOff val="40000"/>
+              </a:schemeClr>
+            </a:solidFill>
+          </p:spPr>
+          <p:style>
+            <a:lnRef idx="2">
+              <a:schemeClr val="accent1">
+                <a:shade val="50000"/>
+              </a:schemeClr>
+            </a:lnRef>
+            <a:fillRef idx="1">
+              <a:schemeClr val="accent1"/>
+            </a:fillRef>
+            <a:effectRef idx="0">
+              <a:schemeClr val="accent1"/>
+            </a:effectRef>
+            <a:fontRef idx="minor">
+              <a:schemeClr val="lt1"/>
+            </a:fontRef>
+          </p:style>
+          <p:txBody>
+            <a:bodyPr rtlCol="0" anchor="ctr"/>
+            <a:lstStyle/>
+            <a:p>
+              <a:pPr algn="ctr"/>
+              <a:endParaRPr lang="en-US"/>
+            </a:p>
+          </p:txBody>
+        </p:sp>
+        <p:sp>
+          <p:nvSpPr>
+            <p:cNvPr id="52" name="51 Rectángulo"/>
+            <p:cNvSpPr/>
+            <p:nvPr/>
+          </p:nvSpPr>
+          <p:spPr>
+            <a:xfrm flipH="1">
+              <a:off x="2239368" y="1967552"/>
+              <a:ext cx="71438" cy="381000"/>
+            </a:xfrm>
+            <a:prstGeom prst="rect">
+              <a:avLst/>
+            </a:prstGeom>
+            <a:solidFill>
+              <a:schemeClr val="accent3">
+                <a:lumMod val="60000"/>
+                <a:lumOff val="40000"/>
+              </a:schemeClr>
+            </a:solidFill>
+          </p:spPr>
+          <p:style>
+            <a:lnRef idx="2">
+              <a:schemeClr val="accent1">
+                <a:shade val="50000"/>
+              </a:schemeClr>
+            </a:lnRef>
+            <a:fillRef idx="1">
+              <a:schemeClr val="accent1"/>
+            </a:fillRef>
+            <a:effectRef idx="0">
+              <a:schemeClr val="accent1"/>
+            </a:effectRef>
+            <a:fontRef idx="minor">
+              <a:schemeClr val="lt1"/>
+            </a:fontRef>
+          </p:style>
+          <p:txBody>
+            <a:bodyPr rtlCol="0" anchor="ctr"/>
+            <a:lstStyle/>
+            <a:p>
+              <a:pPr algn="ctr"/>
+              <a:endParaRPr lang="en-US"/>
+            </a:p>
+          </p:txBody>
+        </p:sp>
+        <p:sp>
+          <p:nvSpPr>
+            <p:cNvPr id="53" name="52 Rectángulo"/>
+            <p:cNvSpPr/>
+            <p:nvPr/>
+          </p:nvSpPr>
+          <p:spPr>
+            <a:xfrm flipH="1">
+              <a:off x="2329216" y="1967552"/>
+              <a:ext cx="71438" cy="381000"/>
+            </a:xfrm>
+            <a:prstGeom prst="rect">
+              <a:avLst/>
+            </a:prstGeom>
+            <a:solidFill>
+              <a:schemeClr val="accent3">
+                <a:lumMod val="60000"/>
+                <a:lumOff val="40000"/>
+              </a:schemeClr>
+            </a:solidFill>
+          </p:spPr>
+          <p:style>
+            <a:lnRef idx="2">
+              <a:schemeClr val="accent1">
+                <a:shade val="50000"/>
+              </a:schemeClr>
+            </a:lnRef>
+            <a:fillRef idx="1">
+              <a:schemeClr val="accent1"/>
+            </a:fillRef>
+            <a:effectRef idx="0">
+              <a:schemeClr val="accent1"/>
+            </a:effectRef>
+            <a:fontRef idx="minor">
+              <a:schemeClr val="lt1"/>
+            </a:fontRef>
+          </p:style>
+          <p:txBody>
+            <a:bodyPr rtlCol="0" anchor="ctr"/>
+            <a:lstStyle/>
+            <a:p>
+              <a:pPr algn="ctr"/>
+              <a:endParaRPr lang="en-US"/>
+            </a:p>
+          </p:txBody>
+        </p:sp>
+        <p:sp>
+          <p:nvSpPr>
+            <p:cNvPr id="54" name="53 Rectángulo"/>
+            <p:cNvSpPr/>
+            <p:nvPr/>
+          </p:nvSpPr>
+          <p:spPr>
+            <a:xfrm flipH="1">
+              <a:off x="2419064" y="1967552"/>
+              <a:ext cx="71438" cy="381000"/>
+            </a:xfrm>
+            <a:prstGeom prst="rect">
+              <a:avLst/>
+            </a:prstGeom>
+            <a:solidFill>
+              <a:schemeClr val="accent3">
+                <a:lumMod val="60000"/>
+                <a:lumOff val="40000"/>
+              </a:schemeClr>
+            </a:solidFill>
+          </p:spPr>
+          <p:style>
+            <a:lnRef idx="2">
+              <a:schemeClr val="accent1">
+                <a:shade val="50000"/>
+              </a:schemeClr>
+            </a:lnRef>
+            <a:fillRef idx="1">
+              <a:schemeClr val="accent1"/>
+            </a:fillRef>
+            <a:effectRef idx="0">
+              <a:schemeClr val="accent1"/>
+            </a:effectRef>
+            <a:fontRef idx="minor">
+              <a:schemeClr val="lt1"/>
+            </a:fontRef>
+          </p:style>
+          <p:txBody>
+            <a:bodyPr rtlCol="0" anchor="ctr"/>
+            <a:lstStyle/>
+            <a:p>
+              <a:pPr algn="ctr"/>
+              <a:endParaRPr lang="en-US"/>
+            </a:p>
+          </p:txBody>
+        </p:sp>
+        <p:sp>
+          <p:nvSpPr>
+            <p:cNvPr id="55" name="54 Rectángulo"/>
+            <p:cNvSpPr/>
+            <p:nvPr/>
+          </p:nvSpPr>
+          <p:spPr>
+            <a:xfrm flipH="1">
+              <a:off x="2516872" y="1967552"/>
+              <a:ext cx="71438" cy="381000"/>
+            </a:xfrm>
+            <a:prstGeom prst="rect">
+              <a:avLst/>
+            </a:prstGeom>
+            <a:solidFill>
+              <a:schemeClr val="accent3">
+                <a:lumMod val="60000"/>
+                <a:lumOff val="40000"/>
+              </a:schemeClr>
+            </a:solidFill>
+          </p:spPr>
+          <p:style>
+            <a:lnRef idx="2">
+              <a:schemeClr val="accent1">
+                <a:shade val="50000"/>
+              </a:schemeClr>
+            </a:lnRef>
+            <a:fillRef idx="1">
+              <a:schemeClr val="accent1"/>
+            </a:fillRef>
+            <a:effectRef idx="0">
+              <a:schemeClr val="accent1"/>
+            </a:effectRef>
+            <a:fontRef idx="minor">
+              <a:schemeClr val="lt1"/>
+            </a:fontRef>
+          </p:style>
+          <p:txBody>
+            <a:bodyPr rtlCol="0" anchor="ctr"/>
+            <a:lstStyle/>
+            <a:p>
+              <a:pPr algn="ctr"/>
+              <a:endParaRPr lang="en-US"/>
+            </a:p>
+          </p:txBody>
+        </p:sp>
+        <p:sp>
+          <p:nvSpPr>
+            <p:cNvPr id="56" name="55 Rectángulo"/>
+            <p:cNvSpPr/>
+            <p:nvPr/>
+          </p:nvSpPr>
+          <p:spPr>
+            <a:xfrm flipH="1">
+              <a:off x="2620368" y="1967552"/>
+              <a:ext cx="71438" cy="381000"/>
+            </a:xfrm>
+            <a:prstGeom prst="rect">
+              <a:avLst/>
+            </a:prstGeom>
+            <a:solidFill>
+              <a:schemeClr val="accent3">
+                <a:lumMod val="60000"/>
+                <a:lumOff val="40000"/>
+              </a:schemeClr>
+            </a:solidFill>
+          </p:spPr>
+          <p:style>
+            <a:lnRef idx="2">
+              <a:schemeClr val="accent1">
+                <a:shade val="50000"/>
+              </a:schemeClr>
+            </a:lnRef>
+            <a:fillRef idx="1">
+              <a:schemeClr val="accent1"/>
+            </a:fillRef>
+            <a:effectRef idx="0">
+              <a:schemeClr val="accent1"/>
+            </a:effectRef>
+            <a:fontRef idx="minor">
+              <a:schemeClr val="lt1"/>
+            </a:fontRef>
+          </p:style>
+          <p:txBody>
+            <a:bodyPr rtlCol="0" anchor="ctr"/>
+            <a:lstStyle/>
+            <a:p>
+              <a:pPr algn="ctr"/>
+              <a:endParaRPr lang="en-US"/>
+            </a:p>
+          </p:txBody>
+        </p:sp>
+      </p:grpSp>
+      <p:grpSp>
+        <p:nvGrpSpPr>
+          <p:cNvPr id="57" name="56 Grupo"/>
+          <p:cNvGrpSpPr/>
+          <p:nvPr/>
+        </p:nvGrpSpPr>
+        <p:grpSpPr>
+          <a:xfrm>
+            <a:off x="6464105" y="4929553"/>
+            <a:ext cx="1143000" cy="501805"/>
+            <a:chOff x="1752600" y="1905000"/>
+            <a:chExt cx="1143000" cy="501805"/>
+          </a:xfrm>
+        </p:grpSpPr>
+        <p:sp>
+          <p:nvSpPr>
+            <p:cNvPr id="58" name="57 Rectángulo"/>
+            <p:cNvSpPr/>
+            <p:nvPr/>
+          </p:nvSpPr>
+          <p:spPr>
+            <a:xfrm flipH="1">
+              <a:off x="1752600" y="1905000"/>
+              <a:ext cx="1143000" cy="501805"/>
+            </a:xfrm>
+            <a:prstGeom prst="rect">
+              <a:avLst/>
+            </a:prstGeom>
+            <a:solidFill>
+              <a:schemeClr val="accent3">
+                <a:lumMod val="40000"/>
+                <a:lumOff val="60000"/>
+              </a:schemeClr>
+            </a:solidFill>
+            <a:ln>
+              <a:solidFill>
+                <a:schemeClr val="tx2"/>
+              </a:solidFill>
+            </a:ln>
+          </p:spPr>
+          <p:style>
+            <a:lnRef idx="2">
+              <a:schemeClr val="accent6"/>
+            </a:lnRef>
+            <a:fillRef idx="1">
+              <a:schemeClr val="lt1"/>
+            </a:fillRef>
+            <a:effectRef idx="0">
+              <a:schemeClr val="accent6"/>
+            </a:effectRef>
+            <a:fontRef idx="minor">
+              <a:schemeClr val="dk1"/>
+            </a:fontRef>
+          </p:style>
+          <p:txBody>
+            <a:bodyPr rtlCol="0" anchor="ctr"/>
+            <a:lstStyle/>
+            <a:p>
+              <a:pPr algn="ctr"/>
+              <a:endParaRPr lang="en-US"/>
+            </a:p>
+          </p:txBody>
+        </p:sp>
+        <p:sp>
+          <p:nvSpPr>
+            <p:cNvPr id="59" name="58 Rectángulo"/>
+            <p:cNvSpPr/>
+            <p:nvPr/>
+          </p:nvSpPr>
+          <p:spPr>
+            <a:xfrm flipH="1">
+              <a:off x="1752600" y="2043752"/>
+              <a:ext cx="68580" cy="228600"/>
+            </a:xfrm>
+            <a:prstGeom prst="rect">
+              <a:avLst/>
+            </a:prstGeom>
+            <a:solidFill>
+              <a:schemeClr val="accent3">
+                <a:lumMod val="60000"/>
+                <a:lumOff val="40000"/>
+              </a:schemeClr>
+            </a:solidFill>
+          </p:spPr>
+          <p:style>
+            <a:lnRef idx="2">
+              <a:schemeClr val="accent1">
+                <a:shade val="50000"/>
+              </a:schemeClr>
+            </a:lnRef>
+            <a:fillRef idx="1">
+              <a:schemeClr val="accent1"/>
+            </a:fillRef>
+            <a:effectRef idx="0">
+              <a:schemeClr val="accent1"/>
+            </a:effectRef>
+            <a:fontRef idx="minor">
+              <a:schemeClr val="lt1"/>
+            </a:fontRef>
+          </p:style>
+          <p:txBody>
+            <a:bodyPr rtlCol="0" anchor="ctr"/>
+            <a:lstStyle/>
+            <a:p>
+              <a:pPr algn="ctr"/>
+              <a:endParaRPr lang="en-US"/>
+            </a:p>
+          </p:txBody>
+        </p:sp>
+        <p:sp>
+          <p:nvSpPr>
+            <p:cNvPr id="60" name="59 Rectángulo"/>
+            <p:cNvSpPr/>
+            <p:nvPr/>
+          </p:nvSpPr>
+          <p:spPr>
+            <a:xfrm flipH="1">
+              <a:off x="2038064" y="1959592"/>
+              <a:ext cx="71438" cy="381000"/>
+            </a:xfrm>
+            <a:prstGeom prst="rect">
+              <a:avLst/>
+            </a:prstGeom>
+            <a:solidFill>
+              <a:schemeClr val="accent3">
+                <a:lumMod val="60000"/>
+                <a:lumOff val="40000"/>
+              </a:schemeClr>
+            </a:solidFill>
+          </p:spPr>
+          <p:style>
+            <a:lnRef idx="2">
+              <a:schemeClr val="accent1">
+                <a:shade val="50000"/>
+              </a:schemeClr>
+            </a:lnRef>
+            <a:fillRef idx="1">
+              <a:schemeClr val="accent1"/>
+            </a:fillRef>
+            <a:effectRef idx="0">
+              <a:schemeClr val="accent1"/>
+            </a:effectRef>
+            <a:fontRef idx="minor">
+              <a:schemeClr val="lt1"/>
+            </a:fontRef>
+          </p:style>
+          <p:txBody>
+            <a:bodyPr rtlCol="0" anchor="ctr"/>
+            <a:lstStyle/>
+            <a:p>
+              <a:pPr algn="ctr"/>
+              <a:endParaRPr lang="en-US"/>
+            </a:p>
+          </p:txBody>
+        </p:sp>
+        <p:sp>
+          <p:nvSpPr>
+            <p:cNvPr id="61" name="60 Rectángulo"/>
+            <p:cNvSpPr/>
+            <p:nvPr/>
+          </p:nvSpPr>
+          <p:spPr>
+            <a:xfrm flipH="1">
+              <a:off x="2141560" y="1959592"/>
+              <a:ext cx="71438" cy="381000"/>
+            </a:xfrm>
+            <a:prstGeom prst="rect">
+              <a:avLst/>
+            </a:prstGeom>
+            <a:solidFill>
+              <a:schemeClr val="accent3">
+                <a:lumMod val="60000"/>
+                <a:lumOff val="40000"/>
+              </a:schemeClr>
+            </a:solidFill>
+          </p:spPr>
+          <p:style>
+            <a:lnRef idx="2">
+              <a:schemeClr val="accent1">
+                <a:shade val="50000"/>
+              </a:schemeClr>
+            </a:lnRef>
+            <a:fillRef idx="1">
+              <a:schemeClr val="accent1"/>
+            </a:fillRef>
+            <a:effectRef idx="0">
+              <a:schemeClr val="accent1"/>
+            </a:effectRef>
+            <a:fontRef idx="minor">
+              <a:schemeClr val="lt1"/>
+            </a:fontRef>
+          </p:style>
+          <p:txBody>
+            <a:bodyPr rtlCol="0" anchor="ctr"/>
+            <a:lstStyle/>
+            <a:p>
+              <a:pPr algn="ctr"/>
+              <a:endParaRPr lang="en-US"/>
+            </a:p>
+          </p:txBody>
+        </p:sp>
+        <p:sp>
+          <p:nvSpPr>
+            <p:cNvPr id="62" name="61 Rectángulo"/>
+            <p:cNvSpPr/>
+            <p:nvPr/>
+          </p:nvSpPr>
+          <p:spPr>
+            <a:xfrm flipH="1">
+              <a:off x="2239368" y="1967552"/>
+              <a:ext cx="71438" cy="381000"/>
+            </a:xfrm>
+            <a:prstGeom prst="rect">
+              <a:avLst/>
+            </a:prstGeom>
+            <a:solidFill>
+              <a:schemeClr val="accent3">
+                <a:lumMod val="60000"/>
+                <a:lumOff val="40000"/>
+              </a:schemeClr>
+            </a:solidFill>
+          </p:spPr>
+          <p:style>
+            <a:lnRef idx="2">
+              <a:schemeClr val="accent1">
+                <a:shade val="50000"/>
+              </a:schemeClr>
+            </a:lnRef>
+            <a:fillRef idx="1">
+              <a:schemeClr val="accent1"/>
+            </a:fillRef>
+            <a:effectRef idx="0">
+              <a:schemeClr val="accent1"/>
+            </a:effectRef>
+            <a:fontRef idx="minor">
+              <a:schemeClr val="lt1"/>
+            </a:fontRef>
+          </p:style>
+          <p:txBody>
+            <a:bodyPr rtlCol="0" anchor="ctr"/>
+            <a:lstStyle/>
+            <a:p>
+              <a:pPr algn="ctr"/>
+              <a:endParaRPr lang="en-US"/>
+            </a:p>
+          </p:txBody>
+        </p:sp>
+        <p:sp>
+          <p:nvSpPr>
+            <p:cNvPr id="63" name="62 Rectángulo"/>
+            <p:cNvSpPr/>
+            <p:nvPr/>
+          </p:nvSpPr>
+          <p:spPr>
+            <a:xfrm flipH="1">
+              <a:off x="2329216" y="1967552"/>
+              <a:ext cx="71438" cy="381000"/>
+            </a:xfrm>
+            <a:prstGeom prst="rect">
+              <a:avLst/>
+            </a:prstGeom>
+            <a:solidFill>
+              <a:schemeClr val="accent3">
+                <a:lumMod val="60000"/>
+                <a:lumOff val="40000"/>
+              </a:schemeClr>
+            </a:solidFill>
+          </p:spPr>
+          <p:style>
+            <a:lnRef idx="2">
+              <a:schemeClr val="accent1">
+                <a:shade val="50000"/>
+              </a:schemeClr>
+            </a:lnRef>
+            <a:fillRef idx="1">
+              <a:schemeClr val="accent1"/>
+            </a:fillRef>
+            <a:effectRef idx="0">
+              <a:schemeClr val="accent1"/>
+            </a:effectRef>
+            <a:fontRef idx="minor">
+              <a:schemeClr val="lt1"/>
+            </a:fontRef>
+          </p:style>
+          <p:txBody>
+            <a:bodyPr rtlCol="0" anchor="ctr"/>
+            <a:lstStyle/>
+            <a:p>
+              <a:pPr algn="ctr"/>
+              <a:endParaRPr lang="en-US"/>
+            </a:p>
+          </p:txBody>
+        </p:sp>
+        <p:sp>
+          <p:nvSpPr>
+            <p:cNvPr id="64" name="63 Rectángulo"/>
+            <p:cNvSpPr/>
+            <p:nvPr/>
+          </p:nvSpPr>
+          <p:spPr>
+            <a:xfrm flipH="1">
+              <a:off x="2419064" y="1967552"/>
+              <a:ext cx="71438" cy="381000"/>
+            </a:xfrm>
+            <a:prstGeom prst="rect">
+              <a:avLst/>
+            </a:prstGeom>
+            <a:solidFill>
+              <a:schemeClr val="accent3">
+                <a:lumMod val="60000"/>
+                <a:lumOff val="40000"/>
+              </a:schemeClr>
+            </a:solidFill>
+          </p:spPr>
+          <p:style>
+            <a:lnRef idx="2">
+              <a:schemeClr val="accent1">
+                <a:shade val="50000"/>
+              </a:schemeClr>
+            </a:lnRef>
+            <a:fillRef idx="1">
+              <a:schemeClr val="accent1"/>
+            </a:fillRef>
+            <a:effectRef idx="0">
+              <a:schemeClr val="accent1"/>
+            </a:effectRef>
+            <a:fontRef idx="minor">
+              <a:schemeClr val="lt1"/>
+            </a:fontRef>
+          </p:style>
+          <p:txBody>
+            <a:bodyPr rtlCol="0" anchor="ctr"/>
+            <a:lstStyle/>
+            <a:p>
+              <a:pPr algn="ctr"/>
+              <a:endParaRPr lang="en-US"/>
+            </a:p>
+          </p:txBody>
+        </p:sp>
+        <p:sp>
+          <p:nvSpPr>
+            <p:cNvPr id="65" name="64 Rectángulo"/>
+            <p:cNvSpPr/>
+            <p:nvPr/>
+          </p:nvSpPr>
+          <p:spPr>
+            <a:xfrm flipH="1">
+              <a:off x="2516872" y="1967552"/>
+              <a:ext cx="71438" cy="381000"/>
+            </a:xfrm>
+            <a:prstGeom prst="rect">
+              <a:avLst/>
+            </a:prstGeom>
+            <a:solidFill>
+              <a:schemeClr val="accent3">
+                <a:lumMod val="60000"/>
+                <a:lumOff val="40000"/>
+              </a:schemeClr>
+            </a:solidFill>
+          </p:spPr>
+          <p:style>
+            <a:lnRef idx="2">
+              <a:schemeClr val="accent1">
+                <a:shade val="50000"/>
+              </a:schemeClr>
+            </a:lnRef>
+            <a:fillRef idx="1">
+              <a:schemeClr val="accent1"/>
+            </a:fillRef>
+            <a:effectRef idx="0">
+              <a:schemeClr val="accent1"/>
+            </a:effectRef>
+            <a:fontRef idx="minor">
+              <a:schemeClr val="lt1"/>
+            </a:fontRef>
+          </p:style>
+          <p:txBody>
+            <a:bodyPr rtlCol="0" anchor="ctr"/>
+            <a:lstStyle/>
+            <a:p>
+              <a:pPr algn="ctr"/>
+              <a:endParaRPr lang="en-US"/>
+            </a:p>
+          </p:txBody>
+        </p:sp>
+        <p:sp>
+          <p:nvSpPr>
+            <p:cNvPr id="66" name="65 Rectángulo"/>
+            <p:cNvSpPr/>
+            <p:nvPr/>
+          </p:nvSpPr>
+          <p:spPr>
+            <a:xfrm flipH="1">
+              <a:off x="2620368" y="1967552"/>
+              <a:ext cx="71438" cy="381000"/>
+            </a:xfrm>
+            <a:prstGeom prst="rect">
+              <a:avLst/>
+            </a:prstGeom>
+            <a:solidFill>
+              <a:schemeClr val="accent3">
+                <a:lumMod val="60000"/>
+                <a:lumOff val="40000"/>
+              </a:schemeClr>
+            </a:solidFill>
+          </p:spPr>
+          <p:style>
+            <a:lnRef idx="2">
+              <a:schemeClr val="accent1">
+                <a:shade val="50000"/>
+              </a:schemeClr>
+            </a:lnRef>
+            <a:fillRef idx="1">
+              <a:schemeClr val="accent1"/>
+            </a:fillRef>
+            <a:effectRef idx="0">
+              <a:schemeClr val="accent1"/>
+            </a:effectRef>
+            <a:fontRef idx="minor">
+              <a:schemeClr val="lt1"/>
+            </a:fontRef>
+          </p:style>
+          <p:txBody>
+            <a:bodyPr rtlCol="0" anchor="ctr"/>
+            <a:lstStyle/>
+            <a:p>
+              <a:pPr algn="ctr"/>
+              <a:endParaRPr lang="en-US"/>
+            </a:p>
+          </p:txBody>
+        </p:sp>
+      </p:grpSp>
+      <p:cxnSp>
+        <p:nvCxnSpPr>
+          <p:cNvPr id="67" name="66 Conector recto de flecha"/>
+          <p:cNvCxnSpPr/>
+          <p:nvPr/>
+        </p:nvCxnSpPr>
+        <p:spPr>
+          <a:xfrm flipH="1" flipV="1">
+            <a:off x="4352113" y="5158153"/>
+            <a:ext cx="478808" cy="2149"/>
+          </a:xfrm>
+          <a:prstGeom prst="straightConnector1">
+            <a:avLst/>
+          </a:prstGeom>
+          <a:ln>
+            <a:tailEnd type="arrow"/>
+          </a:ln>
+        </p:spPr>
+        <p:style>
+          <a:lnRef idx="1">
+            <a:schemeClr val="accent1"/>
+          </a:lnRef>
+          <a:fillRef idx="0">
+            <a:schemeClr val="accent1"/>
+          </a:fillRef>
+          <a:effectRef idx="0">
+            <a:schemeClr val="accent1"/>
+          </a:effectRef>
+          <a:fontRef idx="minor">
+            <a:schemeClr val="tx1"/>
+          </a:fontRef>
+        </p:style>
+      </p:cxnSp>
+      <p:cxnSp>
+        <p:nvCxnSpPr>
+          <p:cNvPr id="68" name="67 Conector recto de flecha"/>
+          <p:cNvCxnSpPr/>
+          <p:nvPr/>
+        </p:nvCxnSpPr>
+        <p:spPr>
+          <a:xfrm flipH="1">
+            <a:off x="6006905" y="5158153"/>
+            <a:ext cx="457200" cy="11499"/>
+          </a:xfrm>
+          <a:prstGeom prst="straightConnector1">
+            <a:avLst/>
+          </a:prstGeom>
+          <a:ln>
+            <a:tailEnd type="arrow"/>
+          </a:ln>
+        </p:spPr>
+        <p:style>
+          <a:lnRef idx="1">
+            <a:schemeClr val="accent1"/>
+          </a:lnRef>
+          <a:fillRef idx="0">
+            <a:schemeClr val="accent1"/>
+          </a:fillRef>
+          <a:effectRef idx="0">
+            <a:schemeClr val="accent1"/>
+          </a:effectRef>
+          <a:fontRef idx="minor">
+            <a:schemeClr val="tx1"/>
+          </a:fontRef>
+        </p:style>
+      </p:cxnSp>
+      <p:sp>
+        <p:nvSpPr>
+          <p:cNvPr id="71" name="70 CuadroTexto"/>
+          <p:cNvSpPr txBox="1"/>
+          <p:nvPr/>
+        </p:nvSpPr>
+        <p:spPr>
+          <a:xfrm>
+            <a:off x="2813539" y="351693"/>
+            <a:ext cx="2444131" cy="461665"/>
+          </a:xfrm>
+          <a:prstGeom prst="rect">
+            <a:avLst/>
+          </a:prstGeom>
+          <a:noFill/>
+        </p:spPr>
+        <p:txBody>
+          <a:bodyPr wrap="none" rtlCol="0">
+            <a:spAutoFit/>
+          </a:bodyPr>
+          <a:lstStyle/>
+          <a:p>
+            <a:r>
+              <a:rPr lang="en-US" sz="2400" dirty="0" err="1" smtClean="0"/>
+              <a:t>Bitcoin</a:t>
+            </a:r>
+            <a:r>
+              <a:rPr lang="en-US" sz="2400" dirty="0" smtClean="0"/>
+              <a:t> </a:t>
+            </a:r>
+            <a:r>
+              <a:rPr lang="en-US" sz="2400" dirty="0" err="1" smtClean="0"/>
+              <a:t>Blockchain</a:t>
+            </a:r>
+            <a:endParaRPr lang="en-US" sz="2400" dirty="0"/>
+          </a:p>
+        </p:txBody>
+      </p:sp>
+      <p:sp>
+        <p:nvSpPr>
+          <p:cNvPr id="72" name="71 CuadroTexto"/>
+          <p:cNvSpPr txBox="1"/>
+          <p:nvPr/>
+        </p:nvSpPr>
+        <p:spPr>
+          <a:xfrm>
+            <a:off x="3725595" y="5737274"/>
+            <a:ext cx="3399007" cy="461665"/>
+          </a:xfrm>
+          <a:prstGeom prst="rect">
+            <a:avLst/>
+          </a:prstGeom>
+          <a:noFill/>
+        </p:spPr>
+        <p:txBody>
+          <a:bodyPr wrap="none" rtlCol="0">
+            <a:spAutoFit/>
+          </a:bodyPr>
+          <a:lstStyle/>
+          <a:p>
+            <a:r>
+              <a:rPr lang="en-US" sz="2400" dirty="0" smtClean="0"/>
+              <a:t>Ethereum/RSK </a:t>
+            </a:r>
+            <a:r>
+              <a:rPr lang="en-US" sz="2400" dirty="0" err="1" smtClean="0"/>
+              <a:t>Blockchain</a:t>
+            </a:r>
+            <a:endParaRPr lang="en-US" sz="2400" dirty="0"/>
+          </a:p>
+        </p:txBody>
+      </p:sp>
+      <p:sp>
+        <p:nvSpPr>
+          <p:cNvPr id="73" name="72 Elipse"/>
+          <p:cNvSpPr/>
+          <p:nvPr/>
+        </p:nvSpPr>
+        <p:spPr>
+          <a:xfrm>
+            <a:off x="1772531" y="2672866"/>
+            <a:ext cx="914400" cy="914400"/>
+          </a:xfrm>
+          <a:prstGeom prst="ellipse">
+            <a:avLst/>
+          </a:prstGeom>
+          <a:solidFill>
+            <a:schemeClr val="accent4">
+              <a:lumMod val="60000"/>
+              <a:lumOff val="40000"/>
+            </a:schemeClr>
+          </a:solidFill>
+        </p:spPr>
+        <p:style>
+          <a:lnRef idx="2">
+            <a:schemeClr val="accent1">
+              <a:shade val="50000"/>
+            </a:schemeClr>
+          </a:lnRef>
+          <a:fillRef idx="1">
+            <a:schemeClr val="accent1"/>
+          </a:fillRef>
+          <a:effectRef idx="0">
+            <a:schemeClr val="accent1"/>
+          </a:effectRef>
+          <a:fontRef idx="minor">
+            <a:schemeClr val="lt1"/>
+          </a:fontRef>
+        </p:style>
+        <p:txBody>
+          <a:bodyPr rtlCol="0" anchor="ctr"/>
+          <a:lstStyle/>
+          <a:p>
+            <a:pPr algn="ctr"/>
+            <a:endParaRPr lang="en-US"/>
+          </a:p>
+        </p:txBody>
+      </p:sp>
+      <p:sp>
+        <p:nvSpPr>
+          <p:cNvPr id="74" name="73 Elipse"/>
+          <p:cNvSpPr/>
+          <p:nvPr/>
+        </p:nvSpPr>
+        <p:spPr>
+          <a:xfrm>
+            <a:off x="3022211" y="2670521"/>
+            <a:ext cx="914400" cy="914400"/>
+          </a:xfrm>
+          <a:prstGeom prst="ellipse">
+            <a:avLst/>
+          </a:prstGeom>
+          <a:solidFill>
+            <a:schemeClr val="accent4">
+              <a:lumMod val="60000"/>
+              <a:lumOff val="40000"/>
+            </a:schemeClr>
+          </a:solidFill>
+        </p:spPr>
+        <p:style>
+          <a:lnRef idx="2">
+            <a:schemeClr val="accent1">
+              <a:shade val="50000"/>
+            </a:schemeClr>
+          </a:lnRef>
+          <a:fillRef idx="1">
+            <a:schemeClr val="accent1"/>
+          </a:fillRef>
+          <a:effectRef idx="0">
+            <a:schemeClr val="accent1"/>
+          </a:effectRef>
+          <a:fontRef idx="minor">
+            <a:schemeClr val="lt1"/>
+          </a:fontRef>
+        </p:style>
+        <p:txBody>
+          <a:bodyPr rtlCol="0" anchor="ctr"/>
+          <a:lstStyle/>
+          <a:p>
+            <a:pPr algn="ctr"/>
+            <a:endParaRPr lang="en-US"/>
+          </a:p>
+        </p:txBody>
+      </p:sp>
+      <p:sp>
+        <p:nvSpPr>
+          <p:cNvPr id="75" name="74 Elipse"/>
+          <p:cNvSpPr/>
+          <p:nvPr/>
+        </p:nvSpPr>
+        <p:spPr>
+          <a:xfrm>
+            <a:off x="4302370" y="2684590"/>
+            <a:ext cx="914400" cy="914400"/>
+          </a:xfrm>
+          <a:prstGeom prst="ellipse">
+            <a:avLst/>
+          </a:prstGeom>
+          <a:solidFill>
+            <a:schemeClr val="accent4">
+              <a:lumMod val="60000"/>
+              <a:lumOff val="40000"/>
+            </a:schemeClr>
+          </a:solidFill>
+        </p:spPr>
+        <p:style>
+          <a:lnRef idx="2">
+            <a:schemeClr val="accent1">
+              <a:shade val="50000"/>
+            </a:schemeClr>
+          </a:lnRef>
+          <a:fillRef idx="1">
+            <a:schemeClr val="accent1"/>
+          </a:fillRef>
+          <a:effectRef idx="0">
+            <a:schemeClr val="accent1"/>
+          </a:effectRef>
+          <a:fontRef idx="minor">
+            <a:schemeClr val="lt1"/>
+          </a:fontRef>
+        </p:style>
+        <p:txBody>
+          <a:bodyPr rtlCol="0" anchor="ctr"/>
+          <a:lstStyle/>
+          <a:p>
+            <a:pPr algn="ctr"/>
+            <a:endParaRPr lang="en-US"/>
+          </a:p>
+        </p:txBody>
+      </p:sp>
+      <p:sp>
+        <p:nvSpPr>
+          <p:cNvPr id="76" name="75 Elipse"/>
+          <p:cNvSpPr/>
+          <p:nvPr/>
+        </p:nvSpPr>
+        <p:spPr>
+          <a:xfrm>
+            <a:off x="5552050" y="2682245"/>
+            <a:ext cx="914400" cy="914400"/>
+          </a:xfrm>
+          <a:prstGeom prst="ellipse">
+            <a:avLst/>
+          </a:prstGeom>
+          <a:solidFill>
+            <a:schemeClr val="accent4">
+              <a:lumMod val="60000"/>
+              <a:lumOff val="40000"/>
+            </a:schemeClr>
+          </a:solidFill>
+        </p:spPr>
+        <p:style>
+          <a:lnRef idx="2">
+            <a:schemeClr val="accent1">
+              <a:shade val="50000"/>
+            </a:schemeClr>
+          </a:lnRef>
+          <a:fillRef idx="1">
+            <a:schemeClr val="accent1"/>
+          </a:fillRef>
+          <a:effectRef idx="0">
+            <a:schemeClr val="accent1"/>
+          </a:effectRef>
+          <a:fontRef idx="minor">
+            <a:schemeClr val="lt1"/>
+          </a:fontRef>
+        </p:style>
+        <p:txBody>
+          <a:bodyPr rtlCol="0" anchor="ctr"/>
+          <a:lstStyle/>
+          <a:p>
+            <a:pPr algn="ctr"/>
+            <a:endParaRPr lang="en-US"/>
+          </a:p>
+        </p:txBody>
+      </p:sp>
+      <p:sp>
+        <p:nvSpPr>
+          <p:cNvPr id="77" name="76 Elipse"/>
+          <p:cNvSpPr/>
+          <p:nvPr/>
+        </p:nvSpPr>
+        <p:spPr>
+          <a:xfrm>
+            <a:off x="6916615" y="2682245"/>
+            <a:ext cx="914400" cy="914400"/>
+          </a:xfrm>
+          <a:prstGeom prst="ellipse">
+            <a:avLst/>
+          </a:prstGeom>
+          <a:solidFill>
+            <a:schemeClr val="accent4">
+              <a:lumMod val="60000"/>
+              <a:lumOff val="40000"/>
+            </a:schemeClr>
+          </a:solidFill>
+        </p:spPr>
+        <p:style>
+          <a:lnRef idx="2">
+            <a:schemeClr val="accent1">
+              <a:shade val="50000"/>
+            </a:schemeClr>
+          </a:lnRef>
+          <a:fillRef idx="1">
+            <a:schemeClr val="accent1"/>
+          </a:fillRef>
+          <a:effectRef idx="0">
+            <a:schemeClr val="accent1"/>
+          </a:effectRef>
+          <a:fontRef idx="minor">
+            <a:schemeClr val="lt1"/>
+          </a:fontRef>
+        </p:style>
+        <p:txBody>
+          <a:bodyPr rtlCol="0" anchor="ctr"/>
+          <a:lstStyle/>
+          <a:p>
+            <a:pPr algn="ctr"/>
+            <a:endParaRPr lang="en-US"/>
+          </a:p>
+        </p:txBody>
+      </p:sp>
+      <p:sp>
+        <p:nvSpPr>
+          <p:cNvPr id="78" name="77 Elipse"/>
+          <p:cNvSpPr/>
+          <p:nvPr/>
+        </p:nvSpPr>
+        <p:spPr>
+          <a:xfrm>
+            <a:off x="8166295" y="2679900"/>
+            <a:ext cx="914400" cy="914400"/>
+          </a:xfrm>
+          <a:prstGeom prst="ellipse">
+            <a:avLst/>
+          </a:prstGeom>
+          <a:solidFill>
+            <a:schemeClr val="accent4">
+              <a:lumMod val="60000"/>
+              <a:lumOff val="40000"/>
+            </a:schemeClr>
+          </a:solidFill>
+        </p:spPr>
+        <p:style>
+          <a:lnRef idx="2">
+            <a:schemeClr val="accent1">
+              <a:shade val="50000"/>
+            </a:schemeClr>
+          </a:lnRef>
+          <a:fillRef idx="1">
+            <a:schemeClr val="accent1"/>
+          </a:fillRef>
+          <a:effectRef idx="0">
+            <a:schemeClr val="accent1"/>
+          </a:effectRef>
+          <a:fontRef idx="minor">
+            <a:schemeClr val="lt1"/>
+          </a:fontRef>
+        </p:style>
+        <p:txBody>
+          <a:bodyPr rtlCol="0" anchor="ctr"/>
+          <a:lstStyle/>
+          <a:p>
+            <a:pPr algn="ctr"/>
+            <a:endParaRPr lang="en-US"/>
+          </a:p>
+        </p:txBody>
+      </p:sp>
+      <p:cxnSp>
+        <p:nvCxnSpPr>
+          <p:cNvPr id="80" name="79 Conector recto de flecha"/>
+          <p:cNvCxnSpPr>
+            <a:endCxn id="73" idx="7"/>
+          </p:cNvCxnSpPr>
+          <p:nvPr/>
+        </p:nvCxnSpPr>
+        <p:spPr>
+          <a:xfrm flipH="1">
+            <a:off x="2553020" y="1842868"/>
+            <a:ext cx="1779829" cy="963909"/>
+          </a:xfrm>
+          <a:prstGeom prst="straightConnector1">
+            <a:avLst/>
+          </a:prstGeom>
+          <a:ln>
+            <a:prstDash val="dash"/>
+            <a:tailEnd type="arrow"/>
+          </a:ln>
+        </p:spPr>
+        <p:style>
+          <a:lnRef idx="1">
+            <a:schemeClr val="accent1"/>
+          </a:lnRef>
+          <a:fillRef idx="0">
+            <a:schemeClr val="accent1"/>
+          </a:fillRef>
+          <a:effectRef idx="0">
+            <a:schemeClr val="accent1"/>
+          </a:effectRef>
+          <a:fontRef idx="minor">
+            <a:schemeClr val="tx1"/>
+          </a:fontRef>
+        </p:style>
+      </p:cxnSp>
+      <p:cxnSp>
+        <p:nvCxnSpPr>
+          <p:cNvPr id="82" name="81 Conector recto de flecha"/>
+          <p:cNvCxnSpPr>
+            <a:stCxn id="73" idx="4"/>
+          </p:cNvCxnSpPr>
+          <p:nvPr/>
+        </p:nvCxnSpPr>
+        <p:spPr>
+          <a:xfrm>
+            <a:off x="2229731" y="3587266"/>
+            <a:ext cx="1427869" cy="1041005"/>
+          </a:xfrm>
+          <a:prstGeom prst="straightConnector1">
+            <a:avLst/>
+          </a:prstGeom>
+          <a:ln>
+            <a:tailEnd type="arrow"/>
+          </a:ln>
+        </p:spPr>
+        <p:style>
+          <a:lnRef idx="1">
+            <a:schemeClr val="accent1"/>
+          </a:lnRef>
+          <a:fillRef idx="0">
+            <a:schemeClr val="accent1"/>
+          </a:fillRef>
+          <a:effectRef idx="0">
+            <a:schemeClr val="accent1"/>
+          </a:effectRef>
+          <a:fontRef idx="minor">
+            <a:schemeClr val="tx1"/>
+          </a:fontRef>
+        </p:style>
+      </p:cxnSp>
+      <p:cxnSp>
+        <p:nvCxnSpPr>
+          <p:cNvPr id="86" name="85 Conector recto de flecha"/>
+          <p:cNvCxnSpPr>
+            <a:stCxn id="70" idx="0"/>
+            <a:endCxn id="76" idx="4"/>
+          </p:cNvCxnSpPr>
+          <p:nvPr/>
+        </p:nvCxnSpPr>
+        <p:spPr>
+          <a:xfrm flipV="1">
+            <a:off x="5484055" y="3596645"/>
+            <a:ext cx="525195" cy="1015213"/>
+          </a:xfrm>
+          <a:prstGeom prst="straightConnector1">
+            <a:avLst/>
+          </a:prstGeom>
+          <a:ln>
+            <a:prstDash val="dash"/>
+            <a:tailEnd type="arrow"/>
+          </a:ln>
+        </p:spPr>
+        <p:style>
+          <a:lnRef idx="1">
+            <a:schemeClr val="accent1"/>
+          </a:lnRef>
+          <a:fillRef idx="0">
+            <a:schemeClr val="accent1"/>
+          </a:fillRef>
+          <a:effectRef idx="0">
+            <a:schemeClr val="accent1"/>
+          </a:effectRef>
+          <a:fontRef idx="minor">
+            <a:schemeClr val="tx1"/>
+          </a:fontRef>
+        </p:style>
+      </p:cxnSp>
+      <p:cxnSp>
+        <p:nvCxnSpPr>
+          <p:cNvPr id="90" name="89 Conector recto de flecha"/>
+          <p:cNvCxnSpPr>
+            <a:stCxn id="77" idx="0"/>
+          </p:cNvCxnSpPr>
+          <p:nvPr/>
+        </p:nvCxnSpPr>
+        <p:spPr>
+          <a:xfrm flipH="1" flipV="1">
+            <a:off x="6302326" y="1800665"/>
+            <a:ext cx="1071489" cy="881580"/>
+          </a:xfrm>
+          <a:prstGeom prst="straightConnector1">
+            <a:avLst/>
+          </a:prstGeom>
+          <a:ln>
+            <a:tailEnd type="arrow"/>
+          </a:ln>
+        </p:spPr>
+        <p:style>
+          <a:lnRef idx="1">
+            <a:schemeClr val="accent1"/>
+          </a:lnRef>
+          <a:fillRef idx="0">
+            <a:schemeClr val="accent1"/>
+          </a:fillRef>
+          <a:effectRef idx="0">
+            <a:schemeClr val="accent1"/>
+          </a:effectRef>
+          <a:fontRef idx="minor">
+            <a:schemeClr val="tx1"/>
+          </a:fontRef>
+        </p:style>
+      </p:cxnSp>
+      <p:cxnSp>
+        <p:nvCxnSpPr>
+          <p:cNvPr id="92" name="91 Conector recto de flecha"/>
+          <p:cNvCxnSpPr>
+            <a:stCxn id="78" idx="4"/>
+          </p:cNvCxnSpPr>
+          <p:nvPr/>
+        </p:nvCxnSpPr>
+        <p:spPr>
+          <a:xfrm flipH="1">
+            <a:off x="6963508" y="3594300"/>
+            <a:ext cx="1659987" cy="1019903"/>
+          </a:xfrm>
+          <a:prstGeom prst="straightConnector1">
+            <a:avLst/>
+          </a:prstGeom>
+          <a:ln>
+            <a:tailEnd type="arrow"/>
+          </a:ln>
+        </p:spPr>
+        <p:style>
+          <a:lnRef idx="1">
+            <a:schemeClr val="accent1"/>
+          </a:lnRef>
+          <a:fillRef idx="0">
+            <a:schemeClr val="accent1"/>
+          </a:fillRef>
+          <a:effectRef idx="0">
+            <a:schemeClr val="accent1"/>
+          </a:effectRef>
+          <a:fontRef idx="minor">
+            <a:schemeClr val="tx1"/>
+          </a:fontRef>
+        </p:style>
+      </p:cxnSp>
+      <p:cxnSp>
+        <p:nvCxnSpPr>
+          <p:cNvPr id="94" name="93 Conector recto de flecha"/>
+          <p:cNvCxnSpPr>
+            <a:endCxn id="78" idx="1"/>
+          </p:cNvCxnSpPr>
+          <p:nvPr/>
+        </p:nvCxnSpPr>
+        <p:spPr>
+          <a:xfrm>
+            <a:off x="6639951" y="1814732"/>
+            <a:ext cx="1660255" cy="999079"/>
+          </a:xfrm>
+          <a:prstGeom prst="straightConnector1">
+            <a:avLst/>
+          </a:prstGeom>
+          <a:ln>
+            <a:prstDash val="dash"/>
+            <a:tailEnd type="arrow"/>
+          </a:ln>
+        </p:spPr>
+        <p:style>
+          <a:lnRef idx="1">
+            <a:schemeClr val="accent1"/>
+          </a:lnRef>
+          <a:fillRef idx="0">
+            <a:schemeClr val="accent1"/>
+          </a:fillRef>
+          <a:effectRef idx="0">
+            <a:schemeClr val="accent1"/>
+          </a:effectRef>
+          <a:fontRef idx="minor">
+            <a:schemeClr val="tx1"/>
+          </a:fontRef>
+        </p:style>
+      </p:cxnSp>
+      <p:cxnSp>
+        <p:nvCxnSpPr>
+          <p:cNvPr id="96" name="95 Conector recto de flecha"/>
+          <p:cNvCxnSpPr>
+            <a:stCxn id="75" idx="0"/>
+            <a:endCxn id="69" idx="2"/>
+          </p:cNvCxnSpPr>
+          <p:nvPr/>
+        </p:nvCxnSpPr>
+        <p:spPr>
+          <a:xfrm flipV="1">
+            <a:off x="4759570" y="1800664"/>
+            <a:ext cx="740898" cy="883926"/>
+          </a:xfrm>
+          <a:prstGeom prst="straightConnector1">
+            <a:avLst/>
+          </a:prstGeom>
+          <a:ln>
+            <a:tailEnd type="arrow"/>
+          </a:ln>
+        </p:spPr>
+        <p:style>
+          <a:lnRef idx="1">
+            <a:schemeClr val="accent1"/>
+          </a:lnRef>
+          <a:fillRef idx="0">
+            <a:schemeClr val="accent1"/>
+          </a:fillRef>
+          <a:effectRef idx="0">
+            <a:schemeClr val="accent1"/>
+          </a:effectRef>
+          <a:fontRef idx="minor">
+            <a:schemeClr val="tx1"/>
+          </a:fontRef>
+        </p:style>
+      </p:cxnSp>
+      <p:cxnSp>
+        <p:nvCxnSpPr>
+          <p:cNvPr id="98" name="97 Conector recto de flecha"/>
+          <p:cNvCxnSpPr>
+            <a:endCxn id="75" idx="4"/>
+          </p:cNvCxnSpPr>
+          <p:nvPr/>
+        </p:nvCxnSpPr>
+        <p:spPr>
+          <a:xfrm flipH="1" flipV="1">
+            <a:off x="4759570" y="3598990"/>
+            <a:ext cx="150055" cy="1001145"/>
+          </a:xfrm>
+          <a:prstGeom prst="straightConnector1">
+            <a:avLst/>
+          </a:prstGeom>
+          <a:ln>
+            <a:prstDash val="dash"/>
+            <a:tailEnd type="arrow"/>
+          </a:ln>
+        </p:spPr>
+        <p:style>
+          <a:lnRef idx="1">
+            <a:schemeClr val="accent1"/>
+          </a:lnRef>
+          <a:fillRef idx="0">
+            <a:schemeClr val="accent1"/>
+          </a:fillRef>
+          <a:effectRef idx="0">
+            <a:schemeClr val="accent1"/>
+          </a:effectRef>
+          <a:fontRef idx="minor">
+            <a:schemeClr val="tx1"/>
+          </a:fontRef>
+        </p:style>
+      </p:cxnSp>
+      <p:cxnSp>
+        <p:nvCxnSpPr>
+          <p:cNvPr id="100" name="99 Conector recto de flecha"/>
+          <p:cNvCxnSpPr/>
+          <p:nvPr/>
+        </p:nvCxnSpPr>
+        <p:spPr>
+          <a:xfrm>
+            <a:off x="9551963" y="1941342"/>
+            <a:ext cx="1280160" cy="0"/>
+          </a:xfrm>
+          <a:prstGeom prst="straightConnector1">
+            <a:avLst/>
+          </a:prstGeom>
+          <a:ln>
+            <a:tailEnd type="arrow"/>
+          </a:ln>
+        </p:spPr>
+        <p:style>
+          <a:lnRef idx="1">
+            <a:schemeClr val="accent1"/>
+          </a:lnRef>
+          <a:fillRef idx="0">
+            <a:schemeClr val="accent1"/>
+          </a:fillRef>
+          <a:effectRef idx="0">
+            <a:schemeClr val="accent1"/>
+          </a:effectRef>
+          <a:fontRef idx="minor">
+            <a:schemeClr val="tx1"/>
+          </a:fontRef>
+        </p:style>
+      </p:cxnSp>
+      <p:cxnSp>
+        <p:nvCxnSpPr>
+          <p:cNvPr id="101" name="100 Conector recto de flecha"/>
+          <p:cNvCxnSpPr/>
+          <p:nvPr/>
+        </p:nvCxnSpPr>
+        <p:spPr>
+          <a:xfrm>
+            <a:off x="9591822" y="2754924"/>
+            <a:ext cx="1226233" cy="0"/>
+          </a:xfrm>
+          <a:prstGeom prst="straightConnector1">
+            <a:avLst/>
+          </a:prstGeom>
+          <a:ln>
+            <a:prstDash val="dash"/>
+            <a:tailEnd type="arrow"/>
+          </a:ln>
+        </p:spPr>
+        <p:style>
+          <a:lnRef idx="1">
+            <a:schemeClr val="accent1"/>
+          </a:lnRef>
+          <a:fillRef idx="0">
+            <a:schemeClr val="accent1"/>
+          </a:fillRef>
+          <a:effectRef idx="0">
+            <a:schemeClr val="accent1"/>
+          </a:effectRef>
+          <a:fontRef idx="minor">
+            <a:schemeClr val="tx1"/>
+          </a:fontRef>
+        </p:style>
+      </p:cxnSp>
+      <p:sp>
+        <p:nvSpPr>
+          <p:cNvPr id="102" name="101 CuadroTexto"/>
+          <p:cNvSpPr txBox="1"/>
+          <p:nvPr/>
+        </p:nvSpPr>
+        <p:spPr>
+          <a:xfrm>
+            <a:off x="9453487" y="1547446"/>
+            <a:ext cx="1262077" cy="369332"/>
+          </a:xfrm>
+          <a:prstGeom prst="rect">
+            <a:avLst/>
+          </a:prstGeom>
+          <a:noFill/>
+        </p:spPr>
+        <p:txBody>
+          <a:bodyPr wrap="none" rtlCol="0">
+            <a:spAutoFit/>
+          </a:bodyPr>
+          <a:lstStyle/>
+          <a:p>
+            <a:r>
+              <a:rPr lang="en-US" dirty="0" smtClean="0"/>
+              <a:t>Transaction</a:t>
+            </a:r>
+            <a:endParaRPr lang="en-US" dirty="0"/>
+          </a:p>
+        </p:txBody>
+      </p:sp>
+      <p:sp>
+        <p:nvSpPr>
+          <p:cNvPr id="105" name="104 CuadroTexto"/>
+          <p:cNvSpPr txBox="1"/>
+          <p:nvPr/>
+        </p:nvSpPr>
+        <p:spPr>
+          <a:xfrm>
+            <a:off x="9549616" y="2403231"/>
+            <a:ext cx="762901" cy="369332"/>
+          </a:xfrm>
+          <a:prstGeom prst="rect">
+            <a:avLst/>
+          </a:prstGeom>
+          <a:noFill/>
+        </p:spPr>
+        <p:txBody>
+          <a:bodyPr wrap="none" rtlCol="0">
+            <a:spAutoFit/>
+          </a:bodyPr>
+          <a:lstStyle/>
+          <a:p>
+            <a:r>
+              <a:rPr lang="en-US" dirty="0" smtClean="0"/>
+              <a:t>Query</a:t>
+            </a:r>
+            <a:endParaRPr lang="en-US" dirty="0"/>
+          </a:p>
+        </p:txBody>
+      </p:sp>
+      <p:sp>
+        <p:nvSpPr>
+          <p:cNvPr id="113" name="112 CuadroTexto"/>
+          <p:cNvSpPr txBox="1"/>
+          <p:nvPr/>
+        </p:nvSpPr>
+        <p:spPr>
+          <a:xfrm>
+            <a:off x="211015" y="2785403"/>
+            <a:ext cx="1275862" cy="646331"/>
+          </a:xfrm>
+          <a:prstGeom prst="rect">
+            <a:avLst/>
+          </a:prstGeom>
+          <a:noFill/>
+        </p:spPr>
+        <p:txBody>
+          <a:bodyPr wrap="none" rtlCol="0">
+            <a:spAutoFit/>
+          </a:bodyPr>
+          <a:lstStyle/>
+          <a:p>
+            <a:r>
+              <a:rPr lang="en-US" dirty="0" smtClean="0"/>
+              <a:t>Federators/</a:t>
+            </a:r>
+            <a:br>
+              <a:rPr lang="en-US" dirty="0" smtClean="0"/>
+            </a:br>
+            <a:r>
+              <a:rPr lang="en-US" dirty="0" smtClean="0"/>
+              <a:t>Oracles</a:t>
+            </a:r>
+            <a:endParaRPr lang="en-US" dirty="0"/>
+          </a:p>
+        </p:txBody>
+      </p:sp>
+    </p:spTree>
+  </p:cSld>
+  <p:clrMapOvr>
+    <a:masterClrMapping/>
+  </p:clrMapOvr>
+  <p:timing>
+    <p:tnLst>
+      <p:par>
+        <p:cTn id="1" dur="indefinite" restart="never" nodeType="tmRoot"/>
+      </p:par>
+    </p:tnLst>
+  </p:timing>
+</p:sld>
+</file>
+
+<file path=ppt/slides/slide9.xml><?xml version="1.0" encoding="utf-8"?>
+<p:sld xmlns:a="http://schemas.openxmlformats.org/drawingml/2006/main" xmlns:r="http://schemas.openxmlformats.org/officeDocument/2006/relationships" xmlns:p="http://schemas.openxmlformats.org/presentationml/2006/main">
+  <p:cSld>
+    <p:spTree>
+      <p:nvGrpSpPr>
+        <p:cNvPr id="1" name=""/>
+        <p:cNvGrpSpPr/>
+        <p:nvPr/>
+      </p:nvGrpSpPr>
+      <p:grpSpPr>
+        <a:xfrm>
+          <a:off x="0" y="0"/>
+          <a:ext cx="0" cy="0"/>
+          <a:chOff x="0" y="0"/>
+          <a:chExt cx="0" cy="0"/>
+        </a:xfrm>
+      </p:grpSpPr>
+      <p:sp>
+        <p:nvSpPr>
+          <p:cNvPr id="2" name="1 Elipse"/>
+          <p:cNvSpPr/>
+          <p:nvPr/>
+        </p:nvSpPr>
+        <p:spPr>
+          <a:xfrm>
+            <a:off x="3080826" y="787795"/>
+            <a:ext cx="914400" cy="914400"/>
+          </a:xfrm>
+          <a:prstGeom prst="ellipse">
+            <a:avLst/>
+          </a:prstGeom>
+          <a:solidFill>
+            <a:schemeClr val="accent4">
+              <a:lumMod val="60000"/>
+              <a:lumOff val="40000"/>
+            </a:schemeClr>
+          </a:solidFill>
+        </p:spPr>
+        <p:style>
+          <a:lnRef idx="2">
+            <a:schemeClr val="accent1">
+              <a:shade val="50000"/>
+            </a:schemeClr>
+          </a:lnRef>
+          <a:fillRef idx="1">
+            <a:schemeClr val="accent1"/>
+          </a:fillRef>
+          <a:effectRef idx="0">
+            <a:schemeClr val="accent1"/>
+          </a:effectRef>
+          <a:fontRef idx="minor">
+            <a:schemeClr val="lt1"/>
+          </a:fontRef>
+        </p:style>
+        <p:txBody>
+          <a:bodyPr rtlCol="0" anchor="ctr"/>
+          <a:lstStyle/>
+          <a:p>
+            <a:pPr algn="ctr"/>
+            <a:endParaRPr lang="en-US"/>
+          </a:p>
+        </p:txBody>
+      </p:sp>
+      <p:sp>
+        <p:nvSpPr>
+          <p:cNvPr id="3" name="2 Elipse"/>
+          <p:cNvSpPr/>
+          <p:nvPr/>
+        </p:nvSpPr>
+        <p:spPr>
+          <a:xfrm>
+            <a:off x="5146432" y="757315"/>
+            <a:ext cx="914400" cy="914400"/>
+          </a:xfrm>
+          <a:prstGeom prst="ellipse">
+            <a:avLst/>
+          </a:prstGeom>
+          <a:solidFill>
+            <a:schemeClr val="accent4">
+              <a:lumMod val="60000"/>
+              <a:lumOff val="40000"/>
+            </a:schemeClr>
+          </a:solidFill>
+        </p:spPr>
+        <p:style>
+          <a:lnRef idx="2">
+            <a:schemeClr val="accent1">
+              <a:shade val="50000"/>
+            </a:schemeClr>
+          </a:lnRef>
+          <a:fillRef idx="1">
+            <a:schemeClr val="accent1"/>
+          </a:fillRef>
+          <a:effectRef idx="0">
+            <a:schemeClr val="accent1"/>
+          </a:effectRef>
+          <a:fontRef idx="minor">
+            <a:schemeClr val="lt1"/>
+          </a:fontRef>
+        </p:style>
+        <p:txBody>
+          <a:bodyPr rtlCol="0" anchor="ctr"/>
+          <a:lstStyle/>
+          <a:p>
+            <a:pPr algn="ctr"/>
+            <a:endParaRPr lang="en-US"/>
+          </a:p>
+        </p:txBody>
+      </p:sp>
+      <p:sp>
+        <p:nvSpPr>
+          <p:cNvPr id="4" name="3 Elipse"/>
+          <p:cNvSpPr/>
+          <p:nvPr/>
+        </p:nvSpPr>
+        <p:spPr>
+          <a:xfrm>
+            <a:off x="7115909" y="743247"/>
+            <a:ext cx="914400" cy="914400"/>
+          </a:xfrm>
+          <a:prstGeom prst="ellipse">
+            <a:avLst/>
+          </a:prstGeom>
+          <a:solidFill>
+            <a:schemeClr val="accent4">
+              <a:lumMod val="60000"/>
+              <a:lumOff val="40000"/>
+            </a:schemeClr>
+          </a:solidFill>
+        </p:spPr>
+        <p:style>
+          <a:lnRef idx="2">
+            <a:schemeClr val="accent1">
+              <a:shade val="50000"/>
+            </a:schemeClr>
+          </a:lnRef>
+          <a:fillRef idx="1">
+            <a:schemeClr val="accent1"/>
+          </a:fillRef>
+          <a:effectRef idx="0">
+            <a:schemeClr val="accent1"/>
+          </a:effectRef>
+          <a:fontRef idx="minor">
+            <a:schemeClr val="lt1"/>
+          </a:fontRef>
+        </p:style>
+        <p:txBody>
+          <a:bodyPr rtlCol="0" anchor="ctr"/>
+          <a:lstStyle/>
+          <a:p>
+            <a:pPr algn="ctr"/>
+            <a:endParaRPr lang="en-US"/>
+          </a:p>
+        </p:txBody>
+      </p:sp>
+      <p:sp>
+        <p:nvSpPr>
+          <p:cNvPr id="5" name="4 Rectángulo redondeado"/>
+          <p:cNvSpPr/>
+          <p:nvPr/>
+        </p:nvSpPr>
+        <p:spPr>
+          <a:xfrm>
+            <a:off x="2025761" y="2630659"/>
+            <a:ext cx="1308295" cy="717452"/>
+          </a:xfrm>
+          <a:prstGeom prst="roundRect">
+            <a:avLst/>
+          </a:prstGeom>
+          <a:solidFill>
+            <a:schemeClr val="accent6">
+              <a:lumMod val="60000"/>
+              <a:lumOff val="40000"/>
+            </a:schemeClr>
+          </a:solidFill>
+        </p:spPr>
+        <p:style>
+          <a:lnRef idx="2">
+            <a:schemeClr val="accent1">
+              <a:shade val="50000"/>
+            </a:schemeClr>
+          </a:lnRef>
+          <a:fillRef idx="1">
+            <a:schemeClr val="accent1"/>
+          </a:fillRef>
+          <a:effectRef idx="0">
+            <a:schemeClr val="accent1"/>
+          </a:effectRef>
+          <a:fontRef idx="minor">
+            <a:schemeClr val="lt1"/>
+          </a:fontRef>
+        </p:style>
+        <p:txBody>
+          <a:bodyPr rtlCol="0" anchor="ctr"/>
+          <a:lstStyle/>
+          <a:p>
+            <a:pPr algn="ctr"/>
+            <a:r>
+              <a:rPr lang="en-US" dirty="0" smtClean="0">
+                <a:solidFill>
+                  <a:schemeClr val="tx1"/>
+                </a:solidFill>
+              </a:rPr>
+              <a:t>Receiver</a:t>
+            </a:r>
+            <a:endParaRPr lang="en-US" dirty="0">
+              <a:solidFill>
+                <a:schemeClr val="tx1"/>
+              </a:solidFill>
+            </a:endParaRPr>
+          </a:p>
+        </p:txBody>
+      </p:sp>
+      <p:sp>
+        <p:nvSpPr>
+          <p:cNvPr id="6" name="5 Rectángulo redondeado"/>
+          <p:cNvSpPr/>
+          <p:nvPr/>
+        </p:nvSpPr>
+        <p:spPr>
+          <a:xfrm>
+            <a:off x="7861509" y="2600178"/>
+            <a:ext cx="1308295" cy="717452"/>
+          </a:xfrm>
+          <a:prstGeom prst="roundRect">
+            <a:avLst/>
+          </a:prstGeom>
+          <a:solidFill>
+            <a:schemeClr val="accent6">
+              <a:lumMod val="60000"/>
+              <a:lumOff val="40000"/>
+            </a:schemeClr>
+          </a:solidFill>
+        </p:spPr>
+        <p:style>
+          <a:lnRef idx="2">
+            <a:schemeClr val="accent1">
+              <a:shade val="50000"/>
+            </a:schemeClr>
+          </a:lnRef>
+          <a:fillRef idx="1">
+            <a:schemeClr val="accent1"/>
+          </a:fillRef>
+          <a:effectRef idx="0">
+            <a:schemeClr val="accent1"/>
+          </a:effectRef>
+          <a:fontRef idx="minor">
+            <a:schemeClr val="lt1"/>
+          </a:fontRef>
+        </p:style>
+        <p:txBody>
+          <a:bodyPr rtlCol="0" anchor="ctr"/>
+          <a:lstStyle/>
+          <a:p>
+            <a:pPr algn="ctr"/>
+            <a:r>
+              <a:rPr lang="en-US" dirty="0" smtClean="0">
+                <a:solidFill>
+                  <a:schemeClr val="tx1"/>
+                </a:solidFill>
+              </a:rPr>
+              <a:t>Sender</a:t>
+            </a:r>
+            <a:endParaRPr lang="en-US" dirty="0">
+              <a:solidFill>
+                <a:schemeClr val="tx1"/>
+              </a:solidFill>
+            </a:endParaRPr>
+          </a:p>
+        </p:txBody>
+      </p:sp>
+      <p:sp>
+        <p:nvSpPr>
+          <p:cNvPr id="7" name="6 Rectángulo redondeado"/>
+          <p:cNvSpPr/>
+          <p:nvPr/>
+        </p:nvSpPr>
+        <p:spPr>
+          <a:xfrm>
+            <a:off x="5003423" y="2611902"/>
+            <a:ext cx="1308295" cy="717452"/>
+          </a:xfrm>
+          <a:prstGeom prst="roundRect">
+            <a:avLst/>
+          </a:prstGeom>
+          <a:solidFill>
+            <a:schemeClr val="accent6">
+              <a:lumMod val="60000"/>
+              <a:lumOff val="40000"/>
+            </a:schemeClr>
+          </a:solidFill>
+        </p:spPr>
+        <p:style>
+          <a:lnRef idx="2">
+            <a:schemeClr val="accent1">
+              <a:shade val="50000"/>
+            </a:schemeClr>
+          </a:lnRef>
+          <a:fillRef idx="1">
+            <a:schemeClr val="accent1"/>
+          </a:fillRef>
+          <a:effectRef idx="0">
+            <a:schemeClr val="accent1"/>
+          </a:effectRef>
+          <a:fontRef idx="minor">
+            <a:schemeClr val="lt1"/>
+          </a:fontRef>
+        </p:style>
+        <p:txBody>
+          <a:bodyPr rtlCol="0" anchor="ctr"/>
+          <a:lstStyle/>
+          <a:p>
+            <a:pPr algn="ctr"/>
+            <a:r>
+              <a:rPr lang="en-US" dirty="0" err="1" smtClean="0">
+                <a:solidFill>
+                  <a:schemeClr val="tx1"/>
+                </a:solidFill>
+              </a:rPr>
+              <a:t>BTCRelay</a:t>
+            </a:r>
+            <a:endParaRPr lang="en-US" dirty="0">
+              <a:solidFill>
+                <a:schemeClr val="tx1"/>
+              </a:solidFill>
+            </a:endParaRPr>
+          </a:p>
+        </p:txBody>
+      </p:sp>
+      <p:sp>
+        <p:nvSpPr>
+          <p:cNvPr id="8" name="7 Rectángulo redondeado"/>
+          <p:cNvSpPr/>
+          <p:nvPr/>
+        </p:nvSpPr>
+        <p:spPr>
+          <a:xfrm>
+            <a:off x="5029214" y="4424289"/>
+            <a:ext cx="1308295" cy="717452"/>
+          </a:xfrm>
+          <a:prstGeom prst="roundRect">
+            <a:avLst/>
+          </a:prstGeom>
+          <a:solidFill>
+            <a:schemeClr val="accent6">
+              <a:lumMod val="60000"/>
+              <a:lumOff val="40000"/>
+            </a:schemeClr>
+          </a:solidFill>
+        </p:spPr>
+        <p:style>
+          <a:lnRef idx="2">
+            <a:schemeClr val="accent1">
+              <a:shade val="50000"/>
+            </a:schemeClr>
+          </a:lnRef>
+          <a:fillRef idx="1">
+            <a:schemeClr val="accent1"/>
+          </a:fillRef>
+          <a:effectRef idx="0">
+            <a:schemeClr val="accent1"/>
+          </a:effectRef>
+          <a:fontRef idx="minor">
+            <a:schemeClr val="lt1"/>
+          </a:fontRef>
+        </p:style>
+        <p:txBody>
+          <a:bodyPr rtlCol="0" anchor="ctr"/>
+          <a:lstStyle/>
+          <a:p>
+            <a:pPr algn="ctr"/>
+            <a:r>
+              <a:rPr lang="en-US" dirty="0" smtClean="0">
+                <a:solidFill>
+                  <a:schemeClr val="tx1"/>
+                </a:solidFill>
+              </a:rPr>
+              <a:t>Bridge</a:t>
+            </a:r>
+            <a:endParaRPr lang="en-US" dirty="0">
+              <a:solidFill>
+                <a:schemeClr val="tx1"/>
+              </a:solidFill>
+            </a:endParaRPr>
+          </a:p>
+        </p:txBody>
+      </p:sp>
+      <p:sp>
+        <p:nvSpPr>
+          <p:cNvPr id="9" name="8 Elipse"/>
+          <p:cNvSpPr/>
+          <p:nvPr/>
+        </p:nvSpPr>
+        <p:spPr>
+          <a:xfrm>
+            <a:off x="3277772" y="5401994"/>
+            <a:ext cx="844061" cy="844061"/>
+          </a:xfrm>
+          <a:prstGeom prst="ellipse">
+            <a:avLst/>
+          </a:prstGeom>
+          <a:solidFill>
+            <a:schemeClr val="accent1">
+              <a:lumMod val="20000"/>
+              <a:lumOff val="80000"/>
+            </a:schemeClr>
+          </a:solidFill>
+        </p:spPr>
+        <p:style>
+          <a:lnRef idx="2">
+            <a:schemeClr val="accent1">
+              <a:shade val="50000"/>
+            </a:schemeClr>
+          </a:lnRef>
+          <a:fillRef idx="1">
+            <a:schemeClr val="accent1"/>
+          </a:fillRef>
+          <a:effectRef idx="0">
+            <a:schemeClr val="accent1"/>
+          </a:effectRef>
+          <a:fontRef idx="minor">
+            <a:schemeClr val="lt1"/>
+          </a:fontRef>
+        </p:style>
+        <p:txBody>
+          <a:bodyPr rtlCol="0" anchor="ctr"/>
+          <a:lstStyle/>
+          <a:p>
+            <a:pPr algn="ctr"/>
+            <a:r>
+              <a:rPr lang="en-US" sz="1600" dirty="0" smtClean="0">
+                <a:solidFill>
+                  <a:schemeClr val="tx1"/>
+                </a:solidFill>
+              </a:rPr>
+              <a:t>Account</a:t>
+            </a:r>
+            <a:endParaRPr lang="en-US" sz="1600" dirty="0">
+              <a:solidFill>
+                <a:schemeClr val="tx1"/>
+              </a:solidFill>
+            </a:endParaRPr>
+          </a:p>
+        </p:txBody>
+      </p:sp>
+      <p:sp>
+        <p:nvSpPr>
+          <p:cNvPr id="10" name="9 Elipse"/>
+          <p:cNvSpPr/>
+          <p:nvPr/>
+        </p:nvSpPr>
+        <p:spPr>
+          <a:xfrm>
+            <a:off x="7326924" y="5427784"/>
+            <a:ext cx="844061" cy="844061"/>
+          </a:xfrm>
+          <a:prstGeom prst="ellipse">
+            <a:avLst/>
+          </a:prstGeom>
+          <a:solidFill>
+            <a:schemeClr val="accent1">
+              <a:lumMod val="20000"/>
+              <a:lumOff val="80000"/>
+            </a:schemeClr>
+          </a:solidFill>
+        </p:spPr>
+        <p:style>
+          <a:lnRef idx="2">
+            <a:schemeClr val="accent1">
+              <a:shade val="50000"/>
+            </a:schemeClr>
+          </a:lnRef>
+          <a:fillRef idx="1">
+            <a:schemeClr val="accent1"/>
+          </a:fillRef>
+          <a:effectRef idx="0">
+            <a:schemeClr val="accent1"/>
+          </a:effectRef>
+          <a:fontRef idx="minor">
+            <a:schemeClr val="lt1"/>
+          </a:fontRef>
+        </p:style>
+        <p:txBody>
+          <a:bodyPr rtlCol="0" anchor="ctr"/>
+          <a:lstStyle/>
+          <a:p>
+            <a:pPr algn="ctr"/>
+            <a:r>
+              <a:rPr lang="en-US" sz="1600" dirty="0" smtClean="0">
+                <a:solidFill>
+                  <a:schemeClr val="tx1"/>
+                </a:solidFill>
+              </a:rPr>
+              <a:t>Account</a:t>
+            </a:r>
+            <a:endParaRPr lang="en-US" sz="1600" dirty="0">
+              <a:solidFill>
+                <a:schemeClr val="tx1"/>
+              </a:solidFill>
+            </a:endParaRPr>
+          </a:p>
+        </p:txBody>
+      </p:sp>
+      <p:cxnSp>
+        <p:nvCxnSpPr>
+          <p:cNvPr id="12" name="11 Conector recto de flecha"/>
+          <p:cNvCxnSpPr>
+            <a:stCxn id="7" idx="1"/>
+            <a:endCxn id="5" idx="3"/>
+          </p:cNvCxnSpPr>
+          <p:nvPr/>
+        </p:nvCxnSpPr>
+        <p:spPr>
+          <a:xfrm flipH="1">
+            <a:off x="3334056" y="2970628"/>
+            <a:ext cx="1669367" cy="18757"/>
+          </a:xfrm>
+          <a:prstGeom prst="straightConnector1">
+            <a:avLst/>
+          </a:prstGeom>
+          <a:ln>
+            <a:prstDash val="dash"/>
+            <a:tailEnd type="arrow"/>
+          </a:ln>
+        </p:spPr>
+        <p:style>
+          <a:lnRef idx="1">
+            <a:schemeClr val="accent1"/>
+          </a:lnRef>
+          <a:fillRef idx="0">
+            <a:schemeClr val="accent1"/>
+          </a:fillRef>
+          <a:effectRef idx="0">
+            <a:schemeClr val="accent1"/>
+          </a:effectRef>
+          <a:fontRef idx="minor">
+            <a:schemeClr val="tx1"/>
+          </a:fontRef>
+        </p:style>
+      </p:cxnSp>
+      <p:cxnSp>
+        <p:nvCxnSpPr>
+          <p:cNvPr id="14" name="13 Conector recto de flecha"/>
+          <p:cNvCxnSpPr>
+            <a:stCxn id="7" idx="3"/>
+            <a:endCxn id="6" idx="1"/>
+          </p:cNvCxnSpPr>
+          <p:nvPr/>
+        </p:nvCxnSpPr>
+        <p:spPr>
+          <a:xfrm flipV="1">
+            <a:off x="6311718" y="2958904"/>
+            <a:ext cx="1549791" cy="11724"/>
+          </a:xfrm>
+          <a:prstGeom prst="straightConnector1">
+            <a:avLst/>
+          </a:prstGeom>
+          <a:ln>
+            <a:prstDash val="dash"/>
+            <a:tailEnd type="arrow"/>
+          </a:ln>
+        </p:spPr>
+        <p:style>
+          <a:lnRef idx="1">
+            <a:schemeClr val="accent1"/>
+          </a:lnRef>
+          <a:fillRef idx="0">
+            <a:schemeClr val="accent1"/>
+          </a:fillRef>
+          <a:effectRef idx="0">
+            <a:schemeClr val="accent1"/>
+          </a:effectRef>
+          <a:fontRef idx="minor">
+            <a:schemeClr val="tx1"/>
+          </a:fontRef>
+        </p:style>
+      </p:cxnSp>
+      <p:cxnSp>
+        <p:nvCxnSpPr>
+          <p:cNvPr id="16" name="15 Conector recto de flecha"/>
+          <p:cNvCxnSpPr>
+            <a:stCxn id="6" idx="0"/>
+            <a:endCxn id="4" idx="4"/>
+          </p:cNvCxnSpPr>
+          <p:nvPr/>
+        </p:nvCxnSpPr>
+        <p:spPr>
+          <a:xfrm flipH="1" flipV="1">
+            <a:off x="7573109" y="1657647"/>
+            <a:ext cx="942548" cy="942531"/>
+          </a:xfrm>
+          <a:prstGeom prst="straightConnector1">
+            <a:avLst/>
+          </a:prstGeom>
+          <a:ln>
+            <a:prstDash val="dash"/>
+            <a:tailEnd type="arrow"/>
+          </a:ln>
+        </p:spPr>
+        <p:style>
+          <a:lnRef idx="1">
+            <a:schemeClr val="accent1"/>
+          </a:lnRef>
+          <a:fillRef idx="0">
+            <a:schemeClr val="accent1"/>
+          </a:fillRef>
+          <a:effectRef idx="0">
+            <a:schemeClr val="accent1"/>
+          </a:effectRef>
+          <a:fontRef idx="minor">
+            <a:schemeClr val="tx1"/>
+          </a:fontRef>
+        </p:style>
+      </p:cxnSp>
+      <p:cxnSp>
+        <p:nvCxnSpPr>
+          <p:cNvPr id="18" name="17 Conector recto de flecha"/>
+          <p:cNvCxnSpPr>
+            <a:stCxn id="5" idx="2"/>
+            <a:endCxn id="8" idx="1"/>
+          </p:cNvCxnSpPr>
+          <p:nvPr/>
+        </p:nvCxnSpPr>
+        <p:spPr>
+          <a:xfrm>
+            <a:off x="2679909" y="3348111"/>
+            <a:ext cx="2349305" cy="1434904"/>
+          </a:xfrm>
+          <a:prstGeom prst="straightConnector1">
+            <a:avLst/>
+          </a:prstGeom>
+          <a:ln>
+            <a:tailEnd type="arrow"/>
+          </a:ln>
+        </p:spPr>
+        <p:style>
+          <a:lnRef idx="1">
+            <a:schemeClr val="accent1"/>
+          </a:lnRef>
+          <a:fillRef idx="0">
+            <a:schemeClr val="accent1"/>
+          </a:fillRef>
+          <a:effectRef idx="0">
+            <a:schemeClr val="accent1"/>
+          </a:effectRef>
+          <a:fontRef idx="minor">
+            <a:schemeClr val="tx1"/>
+          </a:fontRef>
+        </p:style>
+      </p:cxnSp>
+      <p:cxnSp>
+        <p:nvCxnSpPr>
+          <p:cNvPr id="22" name="21 Conector recto de flecha"/>
+          <p:cNvCxnSpPr>
+            <a:endCxn id="9" idx="6"/>
+          </p:cNvCxnSpPr>
+          <p:nvPr/>
+        </p:nvCxnSpPr>
+        <p:spPr>
+          <a:xfrm flipH="1">
+            <a:off x="4121833" y="5162843"/>
+            <a:ext cx="1055078" cy="661182"/>
+          </a:xfrm>
+          <a:prstGeom prst="straightConnector1">
+            <a:avLst/>
+          </a:prstGeom>
+          <a:ln>
+            <a:tailEnd type="arrow"/>
+          </a:ln>
+        </p:spPr>
+        <p:style>
+          <a:lnRef idx="1">
+            <a:schemeClr val="accent1"/>
+          </a:lnRef>
+          <a:fillRef idx="0">
+            <a:schemeClr val="accent1"/>
+          </a:fillRef>
+          <a:effectRef idx="0">
+            <a:schemeClr val="accent1"/>
+          </a:effectRef>
+          <a:fontRef idx="minor">
+            <a:schemeClr val="tx1"/>
+          </a:fontRef>
+        </p:style>
+      </p:cxnSp>
+      <p:cxnSp>
+        <p:nvCxnSpPr>
+          <p:cNvPr id="24" name="23 Conector recto de flecha"/>
+          <p:cNvCxnSpPr>
+            <a:stCxn id="10" idx="2"/>
+          </p:cNvCxnSpPr>
+          <p:nvPr/>
+        </p:nvCxnSpPr>
+        <p:spPr>
+          <a:xfrm flipH="1" flipV="1">
+            <a:off x="6147582" y="5162843"/>
+            <a:ext cx="1179342" cy="686972"/>
+          </a:xfrm>
+          <a:prstGeom prst="straightConnector1">
+            <a:avLst/>
+          </a:prstGeom>
+          <a:ln>
+            <a:tailEnd type="arrow"/>
+          </a:ln>
+        </p:spPr>
+        <p:style>
+          <a:lnRef idx="1">
+            <a:schemeClr val="accent1"/>
+          </a:lnRef>
+          <a:fillRef idx="0">
+            <a:schemeClr val="accent1"/>
+          </a:fillRef>
+          <a:effectRef idx="0">
+            <a:schemeClr val="accent1"/>
+          </a:effectRef>
+          <a:fontRef idx="minor">
+            <a:schemeClr val="tx1"/>
+          </a:fontRef>
+        </p:style>
+      </p:cxnSp>
+      <p:cxnSp>
+        <p:nvCxnSpPr>
+          <p:cNvPr id="26" name="25 Conector recto de flecha"/>
+          <p:cNvCxnSpPr>
+            <a:stCxn id="8" idx="3"/>
+            <a:endCxn id="6" idx="2"/>
+          </p:cNvCxnSpPr>
+          <p:nvPr/>
+        </p:nvCxnSpPr>
+        <p:spPr>
+          <a:xfrm flipV="1">
+            <a:off x="6337509" y="3317630"/>
+            <a:ext cx="2178148" cy="1465385"/>
+          </a:xfrm>
+          <a:prstGeom prst="straightConnector1">
+            <a:avLst/>
+          </a:prstGeom>
+          <a:ln>
+            <a:tailEnd type="arrow"/>
+          </a:ln>
+        </p:spPr>
+        <p:style>
+          <a:lnRef idx="1">
+            <a:schemeClr val="accent1"/>
+          </a:lnRef>
+          <a:fillRef idx="0">
+            <a:schemeClr val="accent1"/>
+          </a:fillRef>
+          <a:effectRef idx="0">
+            <a:schemeClr val="accent1"/>
+          </a:effectRef>
+          <a:fontRef idx="minor">
+            <a:schemeClr val="tx1"/>
+          </a:fontRef>
+        </p:style>
+      </p:cxnSp>
+      <p:cxnSp>
+        <p:nvCxnSpPr>
+          <p:cNvPr id="28" name="27 Conector recto de flecha"/>
+          <p:cNvCxnSpPr>
+            <a:stCxn id="3" idx="5"/>
+          </p:cNvCxnSpPr>
+          <p:nvPr/>
+        </p:nvCxnSpPr>
+        <p:spPr>
+          <a:xfrm>
+            <a:off x="5926921" y="1537804"/>
+            <a:ext cx="1979122" cy="1106922"/>
+          </a:xfrm>
+          <a:prstGeom prst="straightConnector1">
+            <a:avLst/>
+          </a:prstGeom>
+          <a:ln>
+            <a:tailEnd type="arrow"/>
+          </a:ln>
+        </p:spPr>
+        <p:style>
+          <a:lnRef idx="1">
+            <a:schemeClr val="accent1"/>
+          </a:lnRef>
+          <a:fillRef idx="0">
+            <a:schemeClr val="accent1"/>
+          </a:fillRef>
+          <a:effectRef idx="0">
+            <a:schemeClr val="accent1"/>
+          </a:effectRef>
+          <a:fontRef idx="minor">
+            <a:schemeClr val="tx1"/>
+          </a:fontRef>
+        </p:style>
+      </p:cxnSp>
+      <p:cxnSp>
+        <p:nvCxnSpPr>
+          <p:cNvPr id="30" name="29 Conector recto de flecha"/>
+          <p:cNvCxnSpPr>
+            <a:stCxn id="4" idx="6"/>
+          </p:cNvCxnSpPr>
+          <p:nvPr/>
+        </p:nvCxnSpPr>
+        <p:spPr>
+          <a:xfrm>
+            <a:off x="8030309" y="1200447"/>
+            <a:ext cx="1521654" cy="9375"/>
+          </a:xfrm>
+          <a:prstGeom prst="straightConnector1">
+            <a:avLst/>
+          </a:prstGeom>
+          <a:ln>
+            <a:tailEnd type="arrow"/>
+          </a:ln>
+        </p:spPr>
+        <p:style>
+          <a:lnRef idx="1">
+            <a:schemeClr val="accent1"/>
+          </a:lnRef>
+          <a:fillRef idx="0">
+            <a:schemeClr val="accent1"/>
+          </a:fillRef>
+          <a:effectRef idx="0">
+            <a:schemeClr val="accent1"/>
+          </a:effectRef>
+          <a:fontRef idx="minor">
+            <a:schemeClr val="tx1"/>
+          </a:fontRef>
+        </p:style>
+      </p:cxnSp>
+      <p:cxnSp>
+        <p:nvCxnSpPr>
+          <p:cNvPr id="32" name="31 Conector recto de flecha"/>
+          <p:cNvCxnSpPr>
+            <a:stCxn id="2" idx="5"/>
+          </p:cNvCxnSpPr>
+          <p:nvPr/>
+        </p:nvCxnSpPr>
+        <p:spPr>
+          <a:xfrm>
+            <a:off x="3861315" y="1568284"/>
+            <a:ext cx="4002525" cy="1273390"/>
+          </a:xfrm>
+          <a:prstGeom prst="straightConnector1">
+            <a:avLst/>
+          </a:prstGeom>
+          <a:ln>
+            <a:tailEnd type="arrow"/>
+          </a:ln>
+        </p:spPr>
+        <p:style>
+          <a:lnRef idx="1">
+            <a:schemeClr val="accent1"/>
+          </a:lnRef>
+          <a:fillRef idx="0">
+            <a:schemeClr val="accent1"/>
+          </a:fillRef>
+          <a:effectRef idx="0">
+            <a:schemeClr val="accent1"/>
+          </a:effectRef>
+          <a:fontRef idx="minor">
+            <a:schemeClr val="tx1"/>
+          </a:fontRef>
+        </p:style>
+      </p:cxnSp>
+      <p:cxnSp>
+        <p:nvCxnSpPr>
+          <p:cNvPr id="34" name="33 Conector recto de flecha"/>
+          <p:cNvCxnSpPr>
+            <a:endCxn id="3" idx="6"/>
+          </p:cNvCxnSpPr>
+          <p:nvPr/>
+        </p:nvCxnSpPr>
+        <p:spPr>
+          <a:xfrm flipH="1" flipV="1">
+            <a:off x="6060832" y="1214515"/>
+            <a:ext cx="2056226" cy="1402076"/>
+          </a:xfrm>
+          <a:prstGeom prst="straightConnector1">
+            <a:avLst/>
+          </a:prstGeom>
+          <a:ln>
+            <a:prstDash val="dash"/>
+            <a:tailEnd type="arrow"/>
+          </a:ln>
+        </p:spPr>
+        <p:style>
+          <a:lnRef idx="1">
+            <a:schemeClr val="accent1"/>
+          </a:lnRef>
+          <a:fillRef idx="0">
+            <a:schemeClr val="accent1"/>
+          </a:fillRef>
+          <a:effectRef idx="0">
+            <a:schemeClr val="accent1"/>
+          </a:effectRef>
+          <a:fontRef idx="minor">
+            <a:schemeClr val="tx1"/>
+          </a:fontRef>
+        </p:style>
+      </p:cxnSp>
+      <p:cxnSp>
+        <p:nvCxnSpPr>
+          <p:cNvPr id="36" name="35 Conector recto de flecha"/>
+          <p:cNvCxnSpPr>
+            <a:stCxn id="2" idx="4"/>
+            <a:endCxn id="5" idx="0"/>
+          </p:cNvCxnSpPr>
+          <p:nvPr/>
+        </p:nvCxnSpPr>
+        <p:spPr>
+          <a:xfrm flipH="1">
+            <a:off x="2679909" y="1702195"/>
+            <a:ext cx="858117" cy="928464"/>
+          </a:xfrm>
+          <a:prstGeom prst="straightConnector1">
+            <a:avLst/>
+          </a:prstGeom>
+          <a:ln>
+            <a:tailEnd type="arrow"/>
+          </a:ln>
+        </p:spPr>
+        <p:style>
+          <a:lnRef idx="1">
+            <a:schemeClr val="accent1"/>
+          </a:lnRef>
+          <a:fillRef idx="0">
+            <a:schemeClr val="accent1"/>
+          </a:fillRef>
+          <a:effectRef idx="0">
+            <a:schemeClr val="accent1"/>
+          </a:effectRef>
+          <a:fontRef idx="minor">
+            <a:schemeClr val="tx1"/>
+          </a:fontRef>
+        </p:style>
+      </p:cxnSp>
+      <p:cxnSp>
+        <p:nvCxnSpPr>
+          <p:cNvPr id="38" name="37 Conector recto de flecha"/>
+          <p:cNvCxnSpPr>
+            <a:stCxn id="3" idx="2"/>
+          </p:cNvCxnSpPr>
+          <p:nvPr/>
+        </p:nvCxnSpPr>
+        <p:spPr>
+          <a:xfrm flipH="1">
+            <a:off x="3305908" y="1214515"/>
+            <a:ext cx="1840524" cy="1472414"/>
+          </a:xfrm>
+          <a:prstGeom prst="straightConnector1">
+            <a:avLst/>
+          </a:prstGeom>
+          <a:ln>
+            <a:tailEnd type="arrow"/>
+          </a:ln>
+        </p:spPr>
+        <p:style>
+          <a:lnRef idx="1">
+            <a:schemeClr val="accent1"/>
+          </a:lnRef>
+          <a:fillRef idx="0">
+            <a:schemeClr val="accent1"/>
+          </a:fillRef>
+          <a:effectRef idx="0">
+            <a:schemeClr val="accent1"/>
+          </a:effectRef>
+          <a:fontRef idx="minor">
+            <a:schemeClr val="tx1"/>
+          </a:fontRef>
+        </p:style>
+      </p:cxnSp>
+      <p:sp>
+        <p:nvSpPr>
+          <p:cNvPr id="39" name="38 CuadroTexto"/>
+          <p:cNvSpPr txBox="1"/>
+          <p:nvPr/>
+        </p:nvSpPr>
+        <p:spPr>
+          <a:xfrm>
+            <a:off x="4684541" y="337624"/>
+            <a:ext cx="1970026" cy="369332"/>
+          </a:xfrm>
+          <a:prstGeom prst="rect">
+            <a:avLst/>
+          </a:prstGeom>
+          <a:noFill/>
+        </p:spPr>
+        <p:txBody>
+          <a:bodyPr wrap="none" rtlCol="0">
+            <a:spAutoFit/>
+          </a:bodyPr>
+          <a:lstStyle/>
+          <a:p>
+            <a:r>
+              <a:rPr lang="en-US" dirty="0" smtClean="0"/>
+              <a:t>Federators/Oracles</a:t>
+            </a:r>
+            <a:endParaRPr lang="en-US" dirty="0"/>
+          </a:p>
+        </p:txBody>
+      </p:sp>
+      <p:sp>
+        <p:nvSpPr>
+          <p:cNvPr id="40" name="39 CuadroTexto"/>
+          <p:cNvSpPr txBox="1"/>
+          <p:nvPr/>
+        </p:nvSpPr>
+        <p:spPr>
+          <a:xfrm>
+            <a:off x="9580099" y="1055077"/>
+            <a:ext cx="1755289" cy="369332"/>
+          </a:xfrm>
+          <a:prstGeom prst="rect">
+            <a:avLst/>
+          </a:prstGeom>
+          <a:noFill/>
+        </p:spPr>
+        <p:txBody>
+          <a:bodyPr wrap="none" rtlCol="0">
+            <a:spAutoFit/>
+          </a:bodyPr>
+          <a:lstStyle/>
+          <a:p>
+            <a:r>
+              <a:rPr lang="en-US" dirty="0" smtClean="0"/>
+              <a:t>BTC Transactions</a:t>
+            </a:r>
+            <a:endParaRPr lang="en-US" dirty="0"/>
+          </a:p>
+        </p:txBody>
+      </p:sp>
+      <p:cxnSp>
+        <p:nvCxnSpPr>
+          <p:cNvPr id="42" name="41 Conector recto de flecha"/>
+          <p:cNvCxnSpPr>
+            <a:endCxn id="2" idx="2"/>
+          </p:cNvCxnSpPr>
+          <p:nvPr/>
+        </p:nvCxnSpPr>
+        <p:spPr>
+          <a:xfrm flipV="1">
+            <a:off x="689317" y="1244995"/>
+            <a:ext cx="2391509" cy="7030"/>
+          </a:xfrm>
+          <a:prstGeom prst="straightConnector1">
+            <a:avLst/>
+          </a:prstGeom>
+          <a:ln>
+            <a:prstDash val="dash"/>
+            <a:tailEnd type="arrow"/>
+          </a:ln>
+        </p:spPr>
+        <p:style>
+          <a:lnRef idx="1">
+            <a:schemeClr val="accent1"/>
+          </a:lnRef>
+          <a:fillRef idx="0">
+            <a:schemeClr val="accent1"/>
+          </a:fillRef>
+          <a:effectRef idx="0">
+            <a:schemeClr val="accent1"/>
+          </a:effectRef>
+          <a:fontRef idx="minor">
+            <a:schemeClr val="tx1"/>
+          </a:fontRef>
+        </p:style>
+      </p:cxnSp>
+      <p:sp>
+        <p:nvSpPr>
+          <p:cNvPr id="44" name="43 CuadroTexto"/>
+          <p:cNvSpPr txBox="1"/>
+          <p:nvPr/>
+        </p:nvSpPr>
+        <p:spPr>
+          <a:xfrm>
+            <a:off x="701040" y="841717"/>
+            <a:ext cx="1177502" cy="369332"/>
+          </a:xfrm>
+          <a:prstGeom prst="rect">
+            <a:avLst/>
+          </a:prstGeom>
+          <a:noFill/>
+        </p:spPr>
+        <p:txBody>
+          <a:bodyPr wrap="none" rtlCol="0">
+            <a:spAutoFit/>
+          </a:bodyPr>
+          <a:lstStyle/>
+          <a:p>
+            <a:r>
+              <a:rPr lang="en-US" dirty="0" smtClean="0"/>
+              <a:t>BTC Blocks</a:t>
+            </a:r>
+            <a:endParaRPr lang="en-US" dirty="0"/>
+          </a:p>
+        </p:txBody>
+      </p:sp>
+    </p:spTree>
+  </p:cSld>
+  <p:clrMapOvr>
+    <a:masterClrMapping/>
+  </p:clrMapOvr>
+  <p:timing>
+    <p:tnLst>
+      <p:par>
+        <p:cTn id="1" dur="indefinite" restart="never" nodeType="tmRoot"/>
+      </p:par>
+    </p:tnLst>
+  </p:timing>
 </p:sld>
 </file>
 
@@ -8305,7 +13148,7 @@
   <a:extraClrSchemeLst/>
   <a:extLst>
     <a:ext uri="{05A4C25C-085E-4340-85A3-A5531E510DB2}">
-      <thm15:themeFamily xmlns:thm15="http://schemas.microsoft.com/office/thememl/2012/main" name="Office Theme" id="{62F939B6-93AF-4DB8-9C6B-D6C7DFDC589F}" vid="{4A3C46E8-61CC-4603-A589-7422A47A8E4A}"/>
+      <thm15:themeFamily xmlns:thm15="http://schemas.microsoft.com/office/thememl/2012/main" xmlns="" name="Office Theme" id="{62F939B6-93AF-4DB8-9C6B-D6C7DFDC589F}" vid="{4A3C46E8-61CC-4603-A589-7422A47A8E4A}"/>
     </a:ext>
   </a:extLst>
 </a:theme>
